--- a/paper/pic.pptx
+++ b/paper/pic.pptx
@@ -6,6 +6,9 @@
   </p:sldMasterIdLst>
   <p:sldIdLst>
     <p:sldId id="256" r:id="rId2"/>
+    <p:sldId id="257" r:id="rId3"/>
+    <p:sldId id="258" r:id="rId4"/>
+    <p:sldId id="259" r:id="rId5"/>
   </p:sldIdLst>
   <p:sldSz cx="12192000" cy="6858000"/>
   <p:notesSz cx="6858000" cy="9144000"/>
@@ -104,6 +107,11 @@
       </a:defRPr>
     </a:lvl9pPr>
   </p:defaultTextStyle>
+  <p:extLst>
+    <p:ext uri="{EFAFB233-063F-42B5-8137-9DF3F51BA10A}">
+      <p15:sldGuideLst xmlns:p15="http://schemas.microsoft.com/office/powerpoint/2012/main"/>
+    </p:ext>
+  </p:extLst>
 </p:presentation>
 </file>
 
@@ -238,7 +246,7 @@
           <a:p>
             <a:fld id="{4B98E6F8-0BA7-BE46-9DDF-DD57EB856524}" type="datetimeFigureOut">
               <a:rPr kumimoji="1" lang="zh-CN" altLang="en-US" smtClean="0"/>
-              <a:t>16/5/20</a:t>
+              <a:t>16/5/21</a:t>
             </a:fld>
             <a:endParaRPr kumimoji="1" lang="zh-CN" altLang="en-US"/>
           </a:p>
@@ -408,7 +416,7 @@
           <a:p>
             <a:fld id="{4B98E6F8-0BA7-BE46-9DDF-DD57EB856524}" type="datetimeFigureOut">
               <a:rPr kumimoji="1" lang="zh-CN" altLang="en-US" smtClean="0"/>
-              <a:t>16/5/20</a:t>
+              <a:t>16/5/21</a:t>
             </a:fld>
             <a:endParaRPr kumimoji="1" lang="zh-CN" altLang="en-US"/>
           </a:p>
@@ -588,7 +596,7 @@
           <a:p>
             <a:fld id="{4B98E6F8-0BA7-BE46-9DDF-DD57EB856524}" type="datetimeFigureOut">
               <a:rPr kumimoji="1" lang="zh-CN" altLang="en-US" smtClean="0"/>
-              <a:t>16/5/20</a:t>
+              <a:t>16/5/21</a:t>
             </a:fld>
             <a:endParaRPr kumimoji="1" lang="zh-CN" altLang="en-US"/>
           </a:p>
@@ -758,7 +766,7 @@
           <a:p>
             <a:fld id="{4B98E6F8-0BA7-BE46-9DDF-DD57EB856524}" type="datetimeFigureOut">
               <a:rPr kumimoji="1" lang="zh-CN" altLang="en-US" smtClean="0"/>
-              <a:t>16/5/20</a:t>
+              <a:t>16/5/21</a:t>
             </a:fld>
             <a:endParaRPr kumimoji="1" lang="zh-CN" altLang="en-US"/>
           </a:p>
@@ -1004,7 +1012,7 @@
           <a:p>
             <a:fld id="{4B98E6F8-0BA7-BE46-9DDF-DD57EB856524}" type="datetimeFigureOut">
               <a:rPr kumimoji="1" lang="zh-CN" altLang="en-US" smtClean="0"/>
-              <a:t>16/5/20</a:t>
+              <a:t>16/5/21</a:t>
             </a:fld>
             <a:endParaRPr kumimoji="1" lang="zh-CN" altLang="en-US"/>
           </a:p>
@@ -1236,7 +1244,7 @@
           <a:p>
             <a:fld id="{4B98E6F8-0BA7-BE46-9DDF-DD57EB856524}" type="datetimeFigureOut">
               <a:rPr kumimoji="1" lang="zh-CN" altLang="en-US" smtClean="0"/>
-              <a:t>16/5/20</a:t>
+              <a:t>16/5/21</a:t>
             </a:fld>
             <a:endParaRPr kumimoji="1" lang="zh-CN" altLang="en-US"/>
           </a:p>
@@ -1603,7 +1611,7 @@
           <a:p>
             <a:fld id="{4B98E6F8-0BA7-BE46-9DDF-DD57EB856524}" type="datetimeFigureOut">
               <a:rPr kumimoji="1" lang="zh-CN" altLang="en-US" smtClean="0"/>
-              <a:t>16/5/20</a:t>
+              <a:t>16/5/21</a:t>
             </a:fld>
             <a:endParaRPr kumimoji="1" lang="zh-CN" altLang="en-US"/>
           </a:p>
@@ -1721,7 +1729,7 @@
           <a:p>
             <a:fld id="{4B98E6F8-0BA7-BE46-9DDF-DD57EB856524}" type="datetimeFigureOut">
               <a:rPr kumimoji="1" lang="zh-CN" altLang="en-US" smtClean="0"/>
-              <a:t>16/5/20</a:t>
+              <a:t>16/5/21</a:t>
             </a:fld>
             <a:endParaRPr kumimoji="1" lang="zh-CN" altLang="en-US"/>
           </a:p>
@@ -1816,7 +1824,7 @@
           <a:p>
             <a:fld id="{4B98E6F8-0BA7-BE46-9DDF-DD57EB856524}" type="datetimeFigureOut">
               <a:rPr kumimoji="1" lang="zh-CN" altLang="en-US" smtClean="0"/>
-              <a:t>16/5/20</a:t>
+              <a:t>16/5/21</a:t>
             </a:fld>
             <a:endParaRPr kumimoji="1" lang="zh-CN" altLang="en-US"/>
           </a:p>
@@ -2093,7 +2101,7 @@
           <a:p>
             <a:fld id="{4B98E6F8-0BA7-BE46-9DDF-DD57EB856524}" type="datetimeFigureOut">
               <a:rPr kumimoji="1" lang="zh-CN" altLang="en-US" smtClean="0"/>
-              <a:t>16/5/20</a:t>
+              <a:t>16/5/21</a:t>
             </a:fld>
             <a:endParaRPr kumimoji="1" lang="zh-CN" altLang="en-US"/>
           </a:p>
@@ -2346,7 +2354,7 @@
           <a:p>
             <a:fld id="{4B98E6F8-0BA7-BE46-9DDF-DD57EB856524}" type="datetimeFigureOut">
               <a:rPr kumimoji="1" lang="zh-CN" altLang="en-US" smtClean="0"/>
-              <a:t>16/5/20</a:t>
+              <a:t>16/5/21</a:t>
             </a:fld>
             <a:endParaRPr kumimoji="1" lang="zh-CN" altLang="en-US"/>
           </a:p>
@@ -2559,7 +2567,7 @@
           <a:p>
             <a:fld id="{4B98E6F8-0BA7-BE46-9DDF-DD57EB856524}" type="datetimeFigureOut">
               <a:rPr kumimoji="1" lang="zh-CN" altLang="en-US" smtClean="0"/>
-              <a:t>16/5/20</a:t>
+              <a:t>16/5/21</a:t>
             </a:fld>
             <a:endParaRPr kumimoji="1" lang="zh-CN" altLang="en-US"/>
           </a:p>
@@ -4305,6 +4313,2786 @@
 </p:sld>
 </file>
 
+<file path=ppt/slides/slide2.xml><?xml version="1.0" encoding="utf-8"?>
+<p:sld xmlns:a="http://schemas.openxmlformats.org/drawingml/2006/main" xmlns:r="http://schemas.openxmlformats.org/officeDocument/2006/relationships" xmlns:p="http://schemas.openxmlformats.org/presentationml/2006/main">
+  <p:cSld>
+    <p:spTree>
+      <p:nvGrpSpPr>
+        <p:cNvPr id="1" name=""/>
+        <p:cNvGrpSpPr/>
+        <p:nvPr/>
+      </p:nvGrpSpPr>
+      <p:grpSpPr>
+        <a:xfrm>
+          <a:off x="0" y="0"/>
+          <a:ext cx="0" cy="0"/>
+          <a:chOff x="0" y="0"/>
+          <a:chExt cx="0" cy="0"/>
+        </a:xfrm>
+      </p:grpSpPr>
+      <p:sp>
+        <p:nvSpPr>
+          <p:cNvPr id="4" name="矩形 3"/>
+          <p:cNvSpPr/>
+          <p:nvPr/>
+        </p:nvSpPr>
+        <p:spPr>
+          <a:xfrm>
+            <a:off x="2981960" y="2313940"/>
+            <a:ext cx="6532880" cy="1981200"/>
+          </a:xfrm>
+          <a:prstGeom prst="rect">
+            <a:avLst/>
+          </a:prstGeom>
+          <a:noFill/>
+          <a:ln w="50800">
+            <a:solidFill>
+              <a:schemeClr val="accent6"/>
+            </a:solidFill>
+          </a:ln>
+        </p:spPr>
+        <p:style>
+          <a:lnRef idx="2">
+            <a:schemeClr val="accent1">
+              <a:shade val="50000"/>
+            </a:schemeClr>
+          </a:lnRef>
+          <a:fillRef idx="1">
+            <a:schemeClr val="accent1"/>
+          </a:fillRef>
+          <a:effectRef idx="0">
+            <a:schemeClr val="accent1"/>
+          </a:effectRef>
+          <a:fontRef idx="minor">
+            <a:schemeClr val="lt1"/>
+          </a:fontRef>
+        </p:style>
+        <p:txBody>
+          <a:bodyPr rtlCol="0" anchor="ctr"/>
+          <a:lstStyle/>
+          <a:p>
+            <a:pPr algn="ctr"/>
+            <a:endParaRPr kumimoji="1" lang="zh-CN" altLang="en-US"/>
+          </a:p>
+        </p:txBody>
+      </p:sp>
+      <p:cxnSp>
+        <p:nvCxnSpPr>
+          <p:cNvPr id="6" name="直线连接符 5"/>
+          <p:cNvCxnSpPr/>
+          <p:nvPr/>
+        </p:nvCxnSpPr>
+        <p:spPr>
+          <a:xfrm>
+            <a:off x="4813300" y="2313940"/>
+            <a:ext cx="0" cy="1981200"/>
+          </a:xfrm>
+          <a:prstGeom prst="line">
+            <a:avLst/>
+          </a:prstGeom>
+          <a:ln w="19050">
+            <a:solidFill>
+              <a:schemeClr val="tx1"/>
+            </a:solidFill>
+          </a:ln>
+        </p:spPr>
+        <p:style>
+          <a:lnRef idx="1">
+            <a:schemeClr val="accent1"/>
+          </a:lnRef>
+          <a:fillRef idx="0">
+            <a:schemeClr val="accent1"/>
+          </a:fillRef>
+          <a:effectRef idx="0">
+            <a:schemeClr val="accent1"/>
+          </a:effectRef>
+          <a:fontRef idx="minor">
+            <a:schemeClr val="tx1"/>
+          </a:fontRef>
+        </p:style>
+      </p:cxnSp>
+      <p:sp>
+        <p:nvSpPr>
+          <p:cNvPr id="12" name="文本框 11"/>
+          <p:cNvSpPr txBox="1"/>
+          <p:nvPr/>
+        </p:nvSpPr>
+        <p:spPr>
+          <a:xfrm>
+            <a:off x="3136920" y="1449784"/>
+            <a:ext cx="1495922" cy="369332"/>
+          </a:xfrm>
+          <a:prstGeom prst="rect">
+            <a:avLst/>
+          </a:prstGeom>
+          <a:noFill/>
+        </p:spPr>
+        <p:txBody>
+          <a:bodyPr wrap="none" rtlCol="0">
+            <a:spAutoFit/>
+          </a:bodyPr>
+          <a:lstStyle/>
+          <a:p>
+            <a:r>
+              <a:rPr kumimoji="1" lang="en-US" altLang="zh-CN" dirty="0" smtClean="0"/>
+              <a:t>Chunk header</a:t>
+            </a:r>
+            <a:endParaRPr kumimoji="1" lang="zh-CN" altLang="en-US" dirty="0"/>
+          </a:p>
+        </p:txBody>
+      </p:sp>
+      <p:sp>
+        <p:nvSpPr>
+          <p:cNvPr id="13" name="文本框 12"/>
+          <p:cNvSpPr txBox="1"/>
+          <p:nvPr/>
+        </p:nvSpPr>
+        <p:spPr>
+          <a:xfrm>
+            <a:off x="6566194" y="1438627"/>
+            <a:ext cx="1300356" cy="369332"/>
+          </a:xfrm>
+          <a:prstGeom prst="rect">
+            <a:avLst/>
+          </a:prstGeom>
+          <a:noFill/>
+        </p:spPr>
+        <p:txBody>
+          <a:bodyPr wrap="none" rtlCol="0">
+            <a:spAutoFit/>
+          </a:bodyPr>
+          <a:lstStyle/>
+          <a:p>
+            <a:r>
+              <a:rPr kumimoji="1" lang="en-US" altLang="zh-CN" dirty="0" smtClean="0"/>
+              <a:t>Chunk body</a:t>
+            </a:r>
+            <a:endParaRPr kumimoji="1" lang="zh-CN" altLang="en-US" dirty="0"/>
+          </a:p>
+        </p:txBody>
+      </p:sp>
+      <p:sp>
+        <p:nvSpPr>
+          <p:cNvPr id="14" name="矩形 13"/>
+          <p:cNvSpPr/>
+          <p:nvPr/>
+        </p:nvSpPr>
+        <p:spPr>
+          <a:xfrm>
+            <a:off x="4813300" y="2313940"/>
+            <a:ext cx="558800" cy="1981200"/>
+          </a:xfrm>
+          <a:prstGeom prst="rect">
+            <a:avLst/>
+          </a:prstGeom>
+          <a:ln w="34925"/>
+        </p:spPr>
+        <p:style>
+          <a:lnRef idx="2">
+            <a:schemeClr val="accent1">
+              <a:shade val="50000"/>
+            </a:schemeClr>
+          </a:lnRef>
+          <a:fillRef idx="1">
+            <a:schemeClr val="accent1"/>
+          </a:fillRef>
+          <a:effectRef idx="0">
+            <a:schemeClr val="accent1"/>
+          </a:effectRef>
+          <a:fontRef idx="minor">
+            <a:schemeClr val="lt1"/>
+          </a:fontRef>
+        </p:style>
+        <p:txBody>
+          <a:bodyPr rtlCol="0" anchor="ctr"/>
+          <a:lstStyle/>
+          <a:p>
+            <a:pPr algn="ctr"/>
+            <a:endParaRPr kumimoji="1" lang="zh-CN" altLang="en-US" dirty="0"/>
+          </a:p>
+        </p:txBody>
+      </p:sp>
+      <p:sp>
+        <p:nvSpPr>
+          <p:cNvPr id="15" name="矩形 14"/>
+          <p:cNvSpPr/>
+          <p:nvPr/>
+        </p:nvSpPr>
+        <p:spPr>
+          <a:xfrm>
+            <a:off x="5397598" y="2313940"/>
+            <a:ext cx="558800" cy="1981200"/>
+          </a:xfrm>
+          <a:prstGeom prst="rect">
+            <a:avLst/>
+          </a:prstGeom>
+          <a:ln w="34925"/>
+        </p:spPr>
+        <p:style>
+          <a:lnRef idx="2">
+            <a:schemeClr val="accent1">
+              <a:shade val="50000"/>
+            </a:schemeClr>
+          </a:lnRef>
+          <a:fillRef idx="1">
+            <a:schemeClr val="accent1"/>
+          </a:fillRef>
+          <a:effectRef idx="0">
+            <a:schemeClr val="accent1"/>
+          </a:effectRef>
+          <a:fontRef idx="minor">
+            <a:schemeClr val="lt1"/>
+          </a:fontRef>
+        </p:style>
+        <p:txBody>
+          <a:bodyPr rtlCol="0" anchor="ctr"/>
+          <a:lstStyle/>
+          <a:p>
+            <a:pPr algn="ctr"/>
+            <a:endParaRPr kumimoji="1" lang="zh-CN" altLang="en-US" dirty="0"/>
+          </a:p>
+        </p:txBody>
+      </p:sp>
+      <p:sp>
+        <p:nvSpPr>
+          <p:cNvPr id="16" name="矩形 15"/>
+          <p:cNvSpPr/>
+          <p:nvPr/>
+        </p:nvSpPr>
+        <p:spPr>
+          <a:xfrm>
+            <a:off x="5981896" y="2313940"/>
+            <a:ext cx="558800" cy="1981200"/>
+          </a:xfrm>
+          <a:prstGeom prst="rect">
+            <a:avLst/>
+          </a:prstGeom>
+          <a:ln w="34925"/>
+        </p:spPr>
+        <p:style>
+          <a:lnRef idx="2">
+            <a:schemeClr val="accent1">
+              <a:shade val="50000"/>
+            </a:schemeClr>
+          </a:lnRef>
+          <a:fillRef idx="1">
+            <a:schemeClr val="accent1"/>
+          </a:fillRef>
+          <a:effectRef idx="0">
+            <a:schemeClr val="accent1"/>
+          </a:effectRef>
+          <a:fontRef idx="minor">
+            <a:schemeClr val="lt1"/>
+          </a:fontRef>
+        </p:style>
+        <p:txBody>
+          <a:bodyPr rtlCol="0" anchor="ctr"/>
+          <a:lstStyle/>
+          <a:p>
+            <a:pPr algn="ctr"/>
+            <a:endParaRPr kumimoji="1" lang="zh-CN" altLang="en-US"/>
+          </a:p>
+        </p:txBody>
+      </p:sp>
+      <p:sp>
+        <p:nvSpPr>
+          <p:cNvPr id="17" name="矩形 16"/>
+          <p:cNvSpPr/>
+          <p:nvPr/>
+        </p:nvSpPr>
+        <p:spPr>
+          <a:xfrm>
+            <a:off x="8054632" y="2301817"/>
+            <a:ext cx="558800" cy="1981200"/>
+          </a:xfrm>
+          <a:prstGeom prst="rect">
+            <a:avLst/>
+          </a:prstGeom>
+          <a:ln w="34925"/>
+        </p:spPr>
+        <p:style>
+          <a:lnRef idx="2">
+            <a:schemeClr val="accent1">
+              <a:shade val="50000"/>
+            </a:schemeClr>
+          </a:lnRef>
+          <a:fillRef idx="1">
+            <a:schemeClr val="accent1"/>
+          </a:fillRef>
+          <a:effectRef idx="0">
+            <a:schemeClr val="accent1"/>
+          </a:effectRef>
+          <a:fontRef idx="minor">
+            <a:schemeClr val="lt1"/>
+          </a:fontRef>
+        </p:style>
+        <p:txBody>
+          <a:bodyPr rtlCol="0" anchor="ctr"/>
+          <a:lstStyle/>
+          <a:p>
+            <a:pPr algn="ctr"/>
+            <a:endParaRPr kumimoji="1" lang="zh-CN" altLang="en-US"/>
+          </a:p>
+        </p:txBody>
+      </p:sp>
+      <p:sp>
+        <p:nvSpPr>
+          <p:cNvPr id="22" name="矩形 21"/>
+          <p:cNvSpPr/>
+          <p:nvPr/>
+        </p:nvSpPr>
+        <p:spPr>
+          <a:xfrm>
+            <a:off x="6566194" y="2313940"/>
+            <a:ext cx="558800" cy="1981200"/>
+          </a:xfrm>
+          <a:prstGeom prst="rect">
+            <a:avLst/>
+          </a:prstGeom>
+          <a:ln w="34925"/>
+        </p:spPr>
+        <p:style>
+          <a:lnRef idx="2">
+            <a:schemeClr val="accent1">
+              <a:shade val="50000"/>
+            </a:schemeClr>
+          </a:lnRef>
+          <a:fillRef idx="1">
+            <a:schemeClr val="accent1"/>
+          </a:fillRef>
+          <a:effectRef idx="0">
+            <a:schemeClr val="accent1"/>
+          </a:effectRef>
+          <a:fontRef idx="minor">
+            <a:schemeClr val="lt1"/>
+          </a:fontRef>
+        </p:style>
+        <p:txBody>
+          <a:bodyPr rtlCol="0" anchor="ctr"/>
+          <a:lstStyle/>
+          <a:p>
+            <a:pPr algn="ctr"/>
+            <a:endParaRPr kumimoji="1" lang="zh-CN" altLang="en-US"/>
+          </a:p>
+        </p:txBody>
+      </p:sp>
+      <p:sp>
+        <p:nvSpPr>
+          <p:cNvPr id="23" name="文本框 22"/>
+          <p:cNvSpPr txBox="1"/>
+          <p:nvPr/>
+        </p:nvSpPr>
+        <p:spPr>
+          <a:xfrm>
+            <a:off x="8832342" y="3093179"/>
+            <a:ext cx="463588" cy="369332"/>
+          </a:xfrm>
+          <a:prstGeom prst="rect">
+            <a:avLst/>
+          </a:prstGeom>
+          <a:noFill/>
+        </p:spPr>
+        <p:txBody>
+          <a:bodyPr wrap="none" rtlCol="0">
+            <a:spAutoFit/>
+          </a:bodyPr>
+          <a:lstStyle/>
+          <a:p>
+            <a:r>
+              <a:rPr kumimoji="1" lang="en-US" altLang="zh-CN" dirty="0" smtClean="0"/>
+              <a:t>. . .</a:t>
+            </a:r>
+            <a:endParaRPr kumimoji="1" lang="zh-CN" altLang="en-US" dirty="0"/>
+          </a:p>
+        </p:txBody>
+      </p:sp>
+      <p:sp>
+        <p:nvSpPr>
+          <p:cNvPr id="24" name="文本框 23"/>
+          <p:cNvSpPr txBox="1"/>
+          <p:nvPr/>
+        </p:nvSpPr>
+        <p:spPr>
+          <a:xfrm>
+            <a:off x="2981960" y="2356346"/>
+            <a:ext cx="1805842" cy="369332"/>
+          </a:xfrm>
+          <a:prstGeom prst="rect">
+            <a:avLst/>
+          </a:prstGeom>
+          <a:noFill/>
+        </p:spPr>
+        <p:txBody>
+          <a:bodyPr wrap="square" rtlCol="0">
+            <a:spAutoFit/>
+          </a:bodyPr>
+          <a:lstStyle/>
+          <a:p>
+            <a:pPr algn="ctr"/>
+            <a:r>
+              <a:rPr kumimoji="1" lang="en-US" altLang="zh-CN" dirty="0" smtClean="0"/>
+              <a:t>owner</a:t>
+            </a:r>
+            <a:endParaRPr kumimoji="1" lang="zh-CN" altLang="en-US" dirty="0"/>
+          </a:p>
+        </p:txBody>
+      </p:sp>
+      <p:sp>
+        <p:nvSpPr>
+          <p:cNvPr id="27" name="文本框 26"/>
+          <p:cNvSpPr txBox="1"/>
+          <p:nvPr/>
+        </p:nvSpPr>
+        <p:spPr>
+          <a:xfrm>
+            <a:off x="2979487" y="2629883"/>
+            <a:ext cx="1836581" cy="369332"/>
+          </a:xfrm>
+          <a:prstGeom prst="rect">
+            <a:avLst/>
+          </a:prstGeom>
+          <a:noFill/>
+        </p:spPr>
+        <p:txBody>
+          <a:bodyPr wrap="square" rtlCol="0">
+            <a:spAutoFit/>
+          </a:bodyPr>
+          <a:lstStyle/>
+          <a:p>
+            <a:pPr algn="ctr"/>
+            <a:r>
+              <a:rPr kumimoji="1" lang="en-US" altLang="zh-CN" dirty="0" smtClean="0"/>
+              <a:t>state</a:t>
+            </a:r>
+            <a:endParaRPr kumimoji="1" lang="zh-CN" altLang="en-US" dirty="0"/>
+          </a:p>
+        </p:txBody>
+      </p:sp>
+      <p:sp>
+        <p:nvSpPr>
+          <p:cNvPr id="28" name="文本框 27"/>
+          <p:cNvSpPr txBox="1"/>
+          <p:nvPr/>
+        </p:nvSpPr>
+        <p:spPr>
+          <a:xfrm>
+            <a:off x="2985880" y="2903420"/>
+            <a:ext cx="1805842" cy="369332"/>
+          </a:xfrm>
+          <a:prstGeom prst="rect">
+            <a:avLst/>
+          </a:prstGeom>
+          <a:noFill/>
+        </p:spPr>
+        <p:txBody>
+          <a:bodyPr wrap="square" rtlCol="0">
+            <a:spAutoFit/>
+          </a:bodyPr>
+          <a:lstStyle/>
+          <a:p>
+            <a:pPr algn="ctr"/>
+            <a:r>
+              <a:rPr kumimoji="1" lang="en-US" altLang="zh-CN" dirty="0"/>
+              <a:t>s</a:t>
+            </a:r>
+            <a:r>
+              <a:rPr kumimoji="1" lang="en-US" altLang="zh-CN" dirty="0" smtClean="0"/>
+              <a:t>ize_class</a:t>
+            </a:r>
+            <a:endParaRPr kumimoji="1" lang="zh-CN" altLang="en-US" dirty="0"/>
+          </a:p>
+        </p:txBody>
+      </p:sp>
+      <p:sp>
+        <p:nvSpPr>
+          <p:cNvPr id="29" name="文本框 28"/>
+          <p:cNvSpPr txBox="1"/>
+          <p:nvPr/>
+        </p:nvSpPr>
+        <p:spPr>
+          <a:xfrm>
+            <a:off x="2985879" y="3176957"/>
+            <a:ext cx="1805842" cy="369332"/>
+          </a:xfrm>
+          <a:prstGeom prst="rect">
+            <a:avLst/>
+          </a:prstGeom>
+          <a:noFill/>
+        </p:spPr>
+        <p:txBody>
+          <a:bodyPr wrap="square" rtlCol="0">
+            <a:spAutoFit/>
+          </a:bodyPr>
+          <a:lstStyle/>
+          <a:p>
+            <a:pPr algn="ctr"/>
+            <a:r>
+              <a:rPr kumimoji="1" lang="en-US" altLang="zh-CN" dirty="0" smtClean="0"/>
+              <a:t>free_start</a:t>
+            </a:r>
+            <a:endParaRPr kumimoji="1" lang="zh-CN" altLang="en-US" dirty="0"/>
+          </a:p>
+        </p:txBody>
+      </p:sp>
+      <p:sp>
+        <p:nvSpPr>
+          <p:cNvPr id="30" name="文本框 29"/>
+          <p:cNvSpPr txBox="1"/>
+          <p:nvPr/>
+        </p:nvSpPr>
+        <p:spPr>
+          <a:xfrm>
+            <a:off x="2983261" y="3462511"/>
+            <a:ext cx="1805842" cy="369332"/>
+          </a:xfrm>
+          <a:prstGeom prst="rect">
+            <a:avLst/>
+          </a:prstGeom>
+          <a:noFill/>
+        </p:spPr>
+        <p:txBody>
+          <a:bodyPr wrap="square" rtlCol="0">
+            <a:spAutoFit/>
+          </a:bodyPr>
+          <a:lstStyle/>
+          <a:p>
+            <a:pPr algn="ctr"/>
+            <a:r>
+              <a:rPr kumimoji="1" lang="en-US" altLang="zh-CN" dirty="0"/>
+              <a:t>f</a:t>
+            </a:r>
+            <a:r>
+              <a:rPr kumimoji="1" lang="en-US" altLang="zh-CN" dirty="0" smtClean="0"/>
+              <a:t>ree_list</a:t>
+            </a:r>
+            <a:endParaRPr kumimoji="1" lang="zh-CN" altLang="en-US" dirty="0"/>
+          </a:p>
+        </p:txBody>
+      </p:sp>
+      <p:sp>
+        <p:nvSpPr>
+          <p:cNvPr id="31" name="文本框 30"/>
+          <p:cNvSpPr txBox="1"/>
+          <p:nvPr/>
+        </p:nvSpPr>
+        <p:spPr>
+          <a:xfrm>
+            <a:off x="3666798" y="3884069"/>
+            <a:ext cx="461665" cy="251031"/>
+          </a:xfrm>
+          <a:prstGeom prst="rect">
+            <a:avLst/>
+          </a:prstGeom>
+          <a:noFill/>
+        </p:spPr>
+        <p:txBody>
+          <a:bodyPr vert="eaVert" wrap="none" rtlCol="0">
+            <a:spAutoFit/>
+          </a:bodyPr>
+          <a:lstStyle/>
+          <a:p>
+            <a:r>
+              <a:rPr kumimoji="1" lang="is-IS" altLang="zh-CN" smtClean="0"/>
+              <a:t>…</a:t>
+            </a:r>
+            <a:endParaRPr kumimoji="1" lang="zh-CN" altLang="en-US" dirty="0"/>
+          </a:p>
+        </p:txBody>
+      </p:sp>
+      <p:sp>
+        <p:nvSpPr>
+          <p:cNvPr id="43" name="文本框 42"/>
+          <p:cNvSpPr txBox="1"/>
+          <p:nvPr/>
+        </p:nvSpPr>
+        <p:spPr>
+          <a:xfrm>
+            <a:off x="7372134" y="3119874"/>
+            <a:ext cx="463588" cy="369332"/>
+          </a:xfrm>
+          <a:prstGeom prst="rect">
+            <a:avLst/>
+          </a:prstGeom>
+          <a:noFill/>
+        </p:spPr>
+        <p:txBody>
+          <a:bodyPr wrap="none" rtlCol="0">
+            <a:spAutoFit/>
+          </a:bodyPr>
+          <a:lstStyle/>
+          <a:p>
+            <a:r>
+              <a:rPr kumimoji="1" lang="en-US" altLang="zh-CN" dirty="0" smtClean="0"/>
+              <a:t>. . .</a:t>
+            </a:r>
+            <a:endParaRPr kumimoji="1" lang="zh-CN" altLang="en-US" dirty="0"/>
+          </a:p>
+        </p:txBody>
+      </p:sp>
+      <p:sp>
+        <p:nvSpPr>
+          <p:cNvPr id="44" name="右大括号 43"/>
+          <p:cNvSpPr/>
+          <p:nvPr/>
+        </p:nvSpPr>
+        <p:spPr>
+          <a:xfrm rot="16200000">
+            <a:off x="7006494" y="-371150"/>
+            <a:ext cx="329237" cy="4687455"/>
+          </a:xfrm>
+          <a:prstGeom prst="rightBrace">
+            <a:avLst>
+              <a:gd name="adj1" fmla="val 58479"/>
+              <a:gd name="adj2" fmla="val 50000"/>
+            </a:avLst>
+          </a:prstGeom>
+        </p:spPr>
+        <p:style>
+          <a:lnRef idx="1">
+            <a:schemeClr val="accent1"/>
+          </a:lnRef>
+          <a:fillRef idx="0">
+            <a:schemeClr val="accent1"/>
+          </a:fillRef>
+          <a:effectRef idx="0">
+            <a:schemeClr val="accent1"/>
+          </a:effectRef>
+          <a:fontRef idx="minor">
+            <a:schemeClr val="tx1"/>
+          </a:fontRef>
+        </p:style>
+        <p:txBody>
+          <a:bodyPr rtlCol="0" anchor="ctr"/>
+          <a:lstStyle/>
+          <a:p>
+            <a:pPr algn="ctr"/>
+            <a:endParaRPr kumimoji="1" lang="zh-CN" altLang="en-US"/>
+          </a:p>
+        </p:txBody>
+      </p:sp>
+      <p:sp>
+        <p:nvSpPr>
+          <p:cNvPr id="45" name="右大括号 44"/>
+          <p:cNvSpPr/>
+          <p:nvPr/>
+        </p:nvSpPr>
+        <p:spPr>
+          <a:xfrm rot="16200000">
+            <a:off x="3745859" y="1078950"/>
+            <a:ext cx="329237" cy="1833815"/>
+          </a:xfrm>
+          <a:prstGeom prst="rightBrace">
+            <a:avLst>
+              <a:gd name="adj1" fmla="val 58479"/>
+              <a:gd name="adj2" fmla="val 50000"/>
+            </a:avLst>
+          </a:prstGeom>
+        </p:spPr>
+        <p:style>
+          <a:lnRef idx="1">
+            <a:schemeClr val="accent1"/>
+          </a:lnRef>
+          <a:fillRef idx="0">
+            <a:schemeClr val="accent1"/>
+          </a:fillRef>
+          <a:effectRef idx="0">
+            <a:schemeClr val="accent1"/>
+          </a:effectRef>
+          <a:fontRef idx="minor">
+            <a:schemeClr val="tx1"/>
+          </a:fontRef>
+        </p:style>
+        <p:txBody>
+          <a:bodyPr rtlCol="0" anchor="ctr"/>
+          <a:lstStyle/>
+          <a:p>
+            <a:pPr algn="ctr"/>
+            <a:endParaRPr kumimoji="1" lang="zh-CN" altLang="en-US"/>
+          </a:p>
+        </p:txBody>
+      </p:sp>
+      <p:sp>
+        <p:nvSpPr>
+          <p:cNvPr id="47" name="文本框 46"/>
+          <p:cNvSpPr txBox="1"/>
+          <p:nvPr/>
+        </p:nvSpPr>
+        <p:spPr>
+          <a:xfrm>
+            <a:off x="4861868" y="3007503"/>
+            <a:ext cx="461665" cy="594073"/>
+          </a:xfrm>
+          <a:prstGeom prst="rect">
+            <a:avLst/>
+          </a:prstGeom>
+          <a:noFill/>
+        </p:spPr>
+        <p:txBody>
+          <a:bodyPr vert="eaVert" wrap="none" rtlCol="0">
+            <a:spAutoFit/>
+          </a:bodyPr>
+          <a:lstStyle/>
+          <a:p>
+            <a:r>
+              <a:rPr kumimoji="1" lang="en-US" altLang="zh-CN" dirty="0" smtClean="0"/>
+              <a:t>Block</a:t>
+            </a:r>
+            <a:endParaRPr kumimoji="1" lang="zh-CN" altLang="en-US" dirty="0"/>
+          </a:p>
+        </p:txBody>
+      </p:sp>
+      <p:sp>
+        <p:nvSpPr>
+          <p:cNvPr id="48" name="文本框 47"/>
+          <p:cNvSpPr txBox="1"/>
+          <p:nvPr/>
+        </p:nvSpPr>
+        <p:spPr>
+          <a:xfrm>
+            <a:off x="5473863" y="3007503"/>
+            <a:ext cx="461665" cy="594073"/>
+          </a:xfrm>
+          <a:prstGeom prst="rect">
+            <a:avLst/>
+          </a:prstGeom>
+          <a:noFill/>
+        </p:spPr>
+        <p:txBody>
+          <a:bodyPr vert="eaVert" wrap="none" rtlCol="0">
+            <a:spAutoFit/>
+          </a:bodyPr>
+          <a:lstStyle/>
+          <a:p>
+            <a:r>
+              <a:rPr kumimoji="1" lang="en-US" altLang="zh-CN" dirty="0" smtClean="0"/>
+              <a:t>Block</a:t>
+            </a:r>
+            <a:endParaRPr kumimoji="1" lang="zh-CN" altLang="en-US" dirty="0"/>
+          </a:p>
+        </p:txBody>
+      </p:sp>
+      <p:sp>
+        <p:nvSpPr>
+          <p:cNvPr id="49" name="文本框 48"/>
+          <p:cNvSpPr txBox="1"/>
+          <p:nvPr/>
+        </p:nvSpPr>
+        <p:spPr>
+          <a:xfrm>
+            <a:off x="6017567" y="2995380"/>
+            <a:ext cx="461665" cy="594073"/>
+          </a:xfrm>
+          <a:prstGeom prst="rect">
+            <a:avLst/>
+          </a:prstGeom>
+          <a:noFill/>
+        </p:spPr>
+        <p:txBody>
+          <a:bodyPr vert="eaVert" wrap="none" rtlCol="0">
+            <a:spAutoFit/>
+          </a:bodyPr>
+          <a:lstStyle/>
+          <a:p>
+            <a:r>
+              <a:rPr kumimoji="1" lang="en-US" altLang="zh-CN" dirty="0" smtClean="0"/>
+              <a:t>Block</a:t>
+            </a:r>
+            <a:endParaRPr kumimoji="1" lang="zh-CN" altLang="en-US" dirty="0"/>
+          </a:p>
+        </p:txBody>
+      </p:sp>
+      <p:sp>
+        <p:nvSpPr>
+          <p:cNvPr id="52" name="文本框 51"/>
+          <p:cNvSpPr txBox="1"/>
+          <p:nvPr/>
+        </p:nvSpPr>
+        <p:spPr>
+          <a:xfrm>
+            <a:off x="6629836" y="2995380"/>
+            <a:ext cx="461665" cy="594073"/>
+          </a:xfrm>
+          <a:prstGeom prst="rect">
+            <a:avLst/>
+          </a:prstGeom>
+          <a:noFill/>
+        </p:spPr>
+        <p:txBody>
+          <a:bodyPr vert="eaVert" wrap="none" rtlCol="0">
+            <a:spAutoFit/>
+          </a:bodyPr>
+          <a:lstStyle/>
+          <a:p>
+            <a:r>
+              <a:rPr kumimoji="1" lang="en-US" altLang="zh-CN" dirty="0" smtClean="0"/>
+              <a:t>Block</a:t>
+            </a:r>
+            <a:endParaRPr kumimoji="1" lang="zh-CN" altLang="en-US" dirty="0"/>
+          </a:p>
+        </p:txBody>
+      </p:sp>
+      <p:sp>
+        <p:nvSpPr>
+          <p:cNvPr id="53" name="文本框 52"/>
+          <p:cNvSpPr txBox="1"/>
+          <p:nvPr/>
+        </p:nvSpPr>
+        <p:spPr>
+          <a:xfrm>
+            <a:off x="8115801" y="2992983"/>
+            <a:ext cx="461665" cy="594073"/>
+          </a:xfrm>
+          <a:prstGeom prst="rect">
+            <a:avLst/>
+          </a:prstGeom>
+          <a:noFill/>
+        </p:spPr>
+        <p:txBody>
+          <a:bodyPr vert="eaVert" wrap="none" rtlCol="0">
+            <a:spAutoFit/>
+          </a:bodyPr>
+          <a:lstStyle/>
+          <a:p>
+            <a:r>
+              <a:rPr kumimoji="1" lang="en-US" altLang="zh-CN" dirty="0" smtClean="0"/>
+              <a:t>Block</a:t>
+            </a:r>
+            <a:endParaRPr kumimoji="1" lang="zh-CN" altLang="en-US" dirty="0"/>
+          </a:p>
+        </p:txBody>
+      </p:sp>
+    </p:spTree>
+    <p:extLst>
+      <p:ext uri="{BB962C8B-B14F-4D97-AF65-F5344CB8AC3E}">
+        <p14:creationId xmlns:p14="http://schemas.microsoft.com/office/powerpoint/2010/main" val="1242608872"/>
+      </p:ext>
+    </p:extLst>
+  </p:cSld>
+  <p:clrMapOvr>
+    <a:masterClrMapping/>
+  </p:clrMapOvr>
+</p:sld>
+</file>
+
+<file path=ppt/slides/slide3.xml><?xml version="1.0" encoding="utf-8"?>
+<p:sld xmlns:a="http://schemas.openxmlformats.org/drawingml/2006/main" xmlns:r="http://schemas.openxmlformats.org/officeDocument/2006/relationships" xmlns:p="http://schemas.openxmlformats.org/presentationml/2006/main">
+  <p:cSld>
+    <p:spTree>
+      <p:nvGrpSpPr>
+        <p:cNvPr id="1" name=""/>
+        <p:cNvGrpSpPr/>
+        <p:nvPr/>
+      </p:nvGrpSpPr>
+      <p:grpSpPr>
+        <a:xfrm>
+          <a:off x="0" y="0"/>
+          <a:ext cx="0" cy="0"/>
+          <a:chOff x="0" y="0"/>
+          <a:chExt cx="0" cy="0"/>
+        </a:xfrm>
+      </p:grpSpPr>
+      <p:sp>
+        <p:nvSpPr>
+          <p:cNvPr id="4" name="矩形 3"/>
+          <p:cNvSpPr/>
+          <p:nvPr/>
+        </p:nvSpPr>
+        <p:spPr>
+          <a:xfrm>
+            <a:off x="1193800" y="2230051"/>
+            <a:ext cx="7848600" cy="1270000"/>
+          </a:xfrm>
+          <a:prstGeom prst="rect">
+            <a:avLst/>
+          </a:prstGeom>
+          <a:noFill/>
+          <a:ln w="44450">
+            <a:solidFill>
+              <a:schemeClr val="accent1">
+                <a:lumMod val="60000"/>
+                <a:lumOff val="40000"/>
+              </a:schemeClr>
+            </a:solidFill>
+          </a:ln>
+        </p:spPr>
+        <p:style>
+          <a:lnRef idx="2">
+            <a:schemeClr val="accent1">
+              <a:shade val="50000"/>
+            </a:schemeClr>
+          </a:lnRef>
+          <a:fillRef idx="1">
+            <a:schemeClr val="accent1"/>
+          </a:fillRef>
+          <a:effectRef idx="0">
+            <a:schemeClr val="accent1"/>
+          </a:effectRef>
+          <a:fontRef idx="minor">
+            <a:schemeClr val="lt1"/>
+          </a:fontRef>
+        </p:style>
+        <p:txBody>
+          <a:bodyPr rtlCol="0" anchor="ctr"/>
+          <a:lstStyle/>
+          <a:p>
+            <a:pPr algn="ctr"/>
+            <a:endParaRPr kumimoji="1" lang="zh-CN" altLang="en-US"/>
+          </a:p>
+        </p:txBody>
+      </p:sp>
+      <p:sp>
+        <p:nvSpPr>
+          <p:cNvPr id="5" name="矩形 4"/>
+          <p:cNvSpPr/>
+          <p:nvPr/>
+        </p:nvSpPr>
+        <p:spPr>
+          <a:xfrm>
+            <a:off x="1219200" y="2222500"/>
+            <a:ext cx="3454400" cy="558800"/>
+          </a:xfrm>
+          <a:prstGeom prst="rect">
+            <a:avLst/>
+          </a:prstGeom>
+          <a:pattFill prst="pct10">
+            <a:fgClr>
+              <a:schemeClr val="accent1"/>
+            </a:fgClr>
+            <a:bgClr>
+              <a:schemeClr val="bg1"/>
+            </a:bgClr>
+          </a:pattFill>
+          <a:ln w="31750">
+            <a:solidFill>
+              <a:schemeClr val="tx1"/>
+            </a:solidFill>
+          </a:ln>
+        </p:spPr>
+        <p:style>
+          <a:lnRef idx="2">
+            <a:schemeClr val="accent1">
+              <a:shade val="50000"/>
+            </a:schemeClr>
+          </a:lnRef>
+          <a:fillRef idx="1">
+            <a:schemeClr val="accent1"/>
+          </a:fillRef>
+          <a:effectRef idx="0">
+            <a:schemeClr val="accent1"/>
+          </a:effectRef>
+          <a:fontRef idx="minor">
+            <a:schemeClr val="lt1"/>
+          </a:fontRef>
+        </p:style>
+        <p:txBody>
+          <a:bodyPr rtlCol="0" anchor="ctr"/>
+          <a:lstStyle/>
+          <a:p>
+            <a:pPr algn="ctr"/>
+            <a:r>
+              <a:rPr kumimoji="1" lang="en-US" altLang="zh-CN" dirty="0" smtClean="0">
+                <a:solidFill>
+                  <a:srgbClr val="FF0000"/>
+                </a:solidFill>
+              </a:rPr>
+              <a:t>In-use chunk</a:t>
+            </a:r>
+            <a:endParaRPr kumimoji="1" lang="zh-CN" altLang="en-US" dirty="0">
+              <a:solidFill>
+                <a:srgbClr val="FF0000"/>
+              </a:solidFill>
+            </a:endParaRPr>
+          </a:p>
+        </p:txBody>
+      </p:sp>
+      <p:sp>
+        <p:nvSpPr>
+          <p:cNvPr id="10" name="矩形 9"/>
+          <p:cNvSpPr/>
+          <p:nvPr/>
+        </p:nvSpPr>
+        <p:spPr>
+          <a:xfrm>
+            <a:off x="1219200" y="2812364"/>
+            <a:ext cx="850900" cy="680136"/>
+          </a:xfrm>
+          <a:prstGeom prst="rect">
+            <a:avLst/>
+          </a:prstGeom>
+        </p:spPr>
+        <p:style>
+          <a:lnRef idx="2">
+            <a:schemeClr val="accent1">
+              <a:shade val="50000"/>
+            </a:schemeClr>
+          </a:lnRef>
+          <a:fillRef idx="1">
+            <a:schemeClr val="accent1"/>
+          </a:fillRef>
+          <a:effectRef idx="0">
+            <a:schemeClr val="accent1"/>
+          </a:effectRef>
+          <a:fontRef idx="minor">
+            <a:schemeClr val="lt1"/>
+          </a:fontRef>
+        </p:style>
+        <p:txBody>
+          <a:bodyPr rtlCol="0" anchor="ctr"/>
+          <a:lstStyle/>
+          <a:p>
+            <a:pPr algn="ctr"/>
+            <a:r>
+              <a:rPr kumimoji="1" lang="en-US" altLang="zh-CN" dirty="0" smtClean="0"/>
+              <a:t>class-0</a:t>
+            </a:r>
+            <a:endParaRPr kumimoji="1" lang="zh-CN" altLang="en-US" dirty="0"/>
+          </a:p>
+        </p:txBody>
+      </p:sp>
+      <p:sp>
+        <p:nvSpPr>
+          <p:cNvPr id="11" name="矩形 10"/>
+          <p:cNvSpPr/>
+          <p:nvPr/>
+        </p:nvSpPr>
+        <p:spPr>
+          <a:xfrm>
+            <a:off x="2070100" y="2812364"/>
+            <a:ext cx="889000" cy="680136"/>
+          </a:xfrm>
+          <a:prstGeom prst="rect">
+            <a:avLst/>
+          </a:prstGeom>
+        </p:spPr>
+        <p:style>
+          <a:lnRef idx="2">
+            <a:schemeClr val="accent1">
+              <a:shade val="50000"/>
+            </a:schemeClr>
+          </a:lnRef>
+          <a:fillRef idx="1">
+            <a:schemeClr val="accent1"/>
+          </a:fillRef>
+          <a:effectRef idx="0">
+            <a:schemeClr val="accent1"/>
+          </a:effectRef>
+          <a:fontRef idx="minor">
+            <a:schemeClr val="lt1"/>
+          </a:fontRef>
+        </p:style>
+        <p:txBody>
+          <a:bodyPr rtlCol="0" anchor="ctr"/>
+          <a:lstStyle/>
+          <a:p>
+            <a:pPr algn="ctr"/>
+            <a:r>
+              <a:rPr kumimoji="1" lang="en-US" altLang="zh-CN" dirty="0"/>
+              <a:t>c</a:t>
+            </a:r>
+            <a:r>
+              <a:rPr kumimoji="1" lang="en-US" altLang="zh-CN" dirty="0" smtClean="0"/>
+              <a:t>lass-1</a:t>
+            </a:r>
+            <a:endParaRPr kumimoji="1" lang="zh-CN" altLang="en-US" dirty="0"/>
+          </a:p>
+        </p:txBody>
+      </p:sp>
+      <p:sp>
+        <p:nvSpPr>
+          <p:cNvPr id="12" name="矩形 11"/>
+          <p:cNvSpPr/>
+          <p:nvPr/>
+        </p:nvSpPr>
+        <p:spPr>
+          <a:xfrm>
+            <a:off x="3797300" y="2812364"/>
+            <a:ext cx="876300" cy="680136"/>
+          </a:xfrm>
+          <a:prstGeom prst="rect">
+            <a:avLst/>
+          </a:prstGeom>
+        </p:spPr>
+        <p:style>
+          <a:lnRef idx="2">
+            <a:schemeClr val="accent1">
+              <a:shade val="50000"/>
+            </a:schemeClr>
+          </a:lnRef>
+          <a:fillRef idx="1">
+            <a:schemeClr val="accent1"/>
+          </a:fillRef>
+          <a:effectRef idx="0">
+            <a:schemeClr val="accent1"/>
+          </a:effectRef>
+          <a:fontRef idx="minor">
+            <a:schemeClr val="lt1"/>
+          </a:fontRef>
+        </p:style>
+        <p:txBody>
+          <a:bodyPr rtlCol="0" anchor="ctr"/>
+          <a:lstStyle/>
+          <a:p>
+            <a:pPr algn="ctr"/>
+            <a:r>
+              <a:rPr kumimoji="1" lang="en-US" altLang="zh-CN" dirty="0"/>
+              <a:t>c</a:t>
+            </a:r>
+            <a:r>
+              <a:rPr kumimoji="1" lang="en-US" altLang="zh-CN" dirty="0" smtClean="0"/>
+              <a:t>lass-n</a:t>
+            </a:r>
+            <a:endParaRPr kumimoji="1" lang="zh-CN" altLang="en-US" dirty="0"/>
+          </a:p>
+        </p:txBody>
+      </p:sp>
+      <p:sp>
+        <p:nvSpPr>
+          <p:cNvPr id="13" name="文本框 12"/>
+          <p:cNvSpPr txBox="1"/>
+          <p:nvPr/>
+        </p:nvSpPr>
+        <p:spPr>
+          <a:xfrm>
+            <a:off x="3146406" y="2952234"/>
+            <a:ext cx="463588" cy="369332"/>
+          </a:xfrm>
+          <a:prstGeom prst="rect">
+            <a:avLst/>
+          </a:prstGeom>
+          <a:noFill/>
+        </p:spPr>
+        <p:txBody>
+          <a:bodyPr wrap="none" rtlCol="0">
+            <a:spAutoFit/>
+          </a:bodyPr>
+          <a:lstStyle/>
+          <a:p>
+            <a:r>
+              <a:rPr kumimoji="1" lang="en-US" altLang="zh-CN" dirty="0" smtClean="0"/>
+              <a:t>. . .</a:t>
+            </a:r>
+            <a:endParaRPr kumimoji="1" lang="zh-CN" altLang="en-US" dirty="0"/>
+          </a:p>
+        </p:txBody>
+      </p:sp>
+      <p:sp>
+        <p:nvSpPr>
+          <p:cNvPr id="14" name="矩形 13"/>
+          <p:cNvSpPr/>
+          <p:nvPr/>
+        </p:nvSpPr>
+        <p:spPr>
+          <a:xfrm>
+            <a:off x="4699000" y="2219066"/>
+            <a:ext cx="3454400" cy="562233"/>
+          </a:xfrm>
+          <a:prstGeom prst="rect">
+            <a:avLst/>
+          </a:prstGeom>
+          <a:pattFill prst="pct25">
+            <a:fgClr>
+              <a:schemeClr val="accent1"/>
+            </a:fgClr>
+            <a:bgClr>
+              <a:schemeClr val="bg1"/>
+            </a:bgClr>
+          </a:pattFill>
+          <a:ln w="31750">
+            <a:solidFill>
+              <a:schemeClr val="tx1"/>
+            </a:solidFill>
+          </a:ln>
+        </p:spPr>
+        <p:style>
+          <a:lnRef idx="2">
+            <a:schemeClr val="accent1">
+              <a:shade val="50000"/>
+            </a:schemeClr>
+          </a:lnRef>
+          <a:fillRef idx="1">
+            <a:schemeClr val="accent1"/>
+          </a:fillRef>
+          <a:effectRef idx="0">
+            <a:schemeClr val="accent1"/>
+          </a:effectRef>
+          <a:fontRef idx="minor">
+            <a:schemeClr val="lt1"/>
+          </a:fontRef>
+        </p:style>
+        <p:txBody>
+          <a:bodyPr rtlCol="0" anchor="ctr"/>
+          <a:lstStyle/>
+          <a:p>
+            <a:pPr algn="ctr"/>
+            <a:r>
+              <a:rPr kumimoji="1" lang="en-US" altLang="zh-CN" dirty="0" smtClean="0">
+                <a:solidFill>
+                  <a:srgbClr val="FF0000"/>
+                </a:solidFill>
+              </a:rPr>
+              <a:t>Waiting chunk</a:t>
+            </a:r>
+            <a:endParaRPr kumimoji="1" lang="zh-CN" altLang="en-US" dirty="0">
+              <a:solidFill>
+                <a:srgbClr val="FF0000"/>
+              </a:solidFill>
+            </a:endParaRPr>
+          </a:p>
+        </p:txBody>
+      </p:sp>
+      <p:sp>
+        <p:nvSpPr>
+          <p:cNvPr id="20" name="矩形 19"/>
+          <p:cNvSpPr/>
+          <p:nvPr/>
+        </p:nvSpPr>
+        <p:spPr>
+          <a:xfrm>
+            <a:off x="8166100" y="2219067"/>
+            <a:ext cx="889000" cy="1273433"/>
+          </a:xfrm>
+          <a:prstGeom prst="rect">
+            <a:avLst/>
+          </a:prstGeom>
+          <a:noFill/>
+        </p:spPr>
+        <p:style>
+          <a:lnRef idx="2">
+            <a:schemeClr val="accent1">
+              <a:shade val="50000"/>
+            </a:schemeClr>
+          </a:lnRef>
+          <a:fillRef idx="1">
+            <a:schemeClr val="accent1"/>
+          </a:fillRef>
+          <a:effectRef idx="0">
+            <a:schemeClr val="accent1"/>
+          </a:effectRef>
+          <a:fontRef idx="minor">
+            <a:schemeClr val="lt1"/>
+          </a:fontRef>
+        </p:style>
+        <p:txBody>
+          <a:bodyPr rtlCol="0" anchor="ctr"/>
+          <a:lstStyle/>
+          <a:p>
+            <a:pPr algn="ctr"/>
+            <a:endParaRPr kumimoji="1" lang="zh-CN" altLang="en-US"/>
+          </a:p>
+        </p:txBody>
+      </p:sp>
+      <p:sp>
+        <p:nvSpPr>
+          <p:cNvPr id="22" name="矩形 21"/>
+          <p:cNvSpPr/>
+          <p:nvPr/>
+        </p:nvSpPr>
+        <p:spPr>
+          <a:xfrm>
+            <a:off x="10450830" y="3112016"/>
+            <a:ext cx="612140" cy="419100"/>
+          </a:xfrm>
+          <a:prstGeom prst="rect">
+            <a:avLst/>
+          </a:prstGeom>
+          <a:noFill/>
+          <a:ln w="50800">
+            <a:solidFill>
+              <a:schemeClr val="accent6"/>
+            </a:solidFill>
+          </a:ln>
+        </p:spPr>
+        <p:style>
+          <a:lnRef idx="2">
+            <a:schemeClr val="accent1">
+              <a:shade val="50000"/>
+            </a:schemeClr>
+          </a:lnRef>
+          <a:fillRef idx="1">
+            <a:schemeClr val="accent1"/>
+          </a:fillRef>
+          <a:effectRef idx="0">
+            <a:schemeClr val="accent1"/>
+          </a:effectRef>
+          <a:fontRef idx="minor">
+            <a:schemeClr val="lt1"/>
+          </a:fontRef>
+        </p:style>
+        <p:txBody>
+          <a:bodyPr rtlCol="0" anchor="ctr"/>
+          <a:lstStyle/>
+          <a:p>
+            <a:pPr algn="ctr"/>
+            <a:endParaRPr kumimoji="1" lang="zh-CN" altLang="en-US"/>
+          </a:p>
+        </p:txBody>
+      </p:sp>
+      <p:sp>
+        <p:nvSpPr>
+          <p:cNvPr id="23" name="文本框 22"/>
+          <p:cNvSpPr txBox="1"/>
+          <p:nvPr/>
+        </p:nvSpPr>
+        <p:spPr>
+          <a:xfrm>
+            <a:off x="10380835" y="2671117"/>
+            <a:ext cx="752129" cy="369332"/>
+          </a:xfrm>
+          <a:prstGeom prst="rect">
+            <a:avLst/>
+          </a:prstGeom>
+          <a:noFill/>
+        </p:spPr>
+        <p:txBody>
+          <a:bodyPr wrap="none" rtlCol="0">
+            <a:spAutoFit/>
+          </a:bodyPr>
+          <a:lstStyle/>
+          <a:p>
+            <a:r>
+              <a:rPr kumimoji="1" lang="en-US" altLang="zh-CN" smtClean="0"/>
+              <a:t>chunk</a:t>
+            </a:r>
+            <a:endParaRPr kumimoji="1" lang="zh-CN" altLang="en-US" dirty="0"/>
+          </a:p>
+        </p:txBody>
+      </p:sp>
+      <p:sp>
+        <p:nvSpPr>
+          <p:cNvPr id="24" name="矩形 23"/>
+          <p:cNvSpPr/>
+          <p:nvPr/>
+        </p:nvSpPr>
+        <p:spPr>
+          <a:xfrm>
+            <a:off x="1313180" y="4074814"/>
+            <a:ext cx="612140" cy="419100"/>
+          </a:xfrm>
+          <a:prstGeom prst="rect">
+            <a:avLst/>
+          </a:prstGeom>
+          <a:noFill/>
+          <a:ln w="50800">
+            <a:solidFill>
+              <a:schemeClr val="accent6"/>
+            </a:solidFill>
+          </a:ln>
+        </p:spPr>
+        <p:style>
+          <a:lnRef idx="2">
+            <a:schemeClr val="accent1">
+              <a:shade val="50000"/>
+            </a:schemeClr>
+          </a:lnRef>
+          <a:fillRef idx="1">
+            <a:schemeClr val="accent1"/>
+          </a:fillRef>
+          <a:effectRef idx="0">
+            <a:schemeClr val="accent1"/>
+          </a:effectRef>
+          <a:fontRef idx="minor">
+            <a:schemeClr val="lt1"/>
+          </a:fontRef>
+        </p:style>
+        <p:txBody>
+          <a:bodyPr rtlCol="0" anchor="ctr"/>
+          <a:lstStyle/>
+          <a:p>
+            <a:pPr algn="ctr"/>
+            <a:endParaRPr kumimoji="1" lang="zh-CN" altLang="en-US"/>
+          </a:p>
+        </p:txBody>
+      </p:sp>
+      <p:cxnSp>
+        <p:nvCxnSpPr>
+          <p:cNvPr id="28" name="直线箭头连接符 27"/>
+          <p:cNvCxnSpPr/>
+          <p:nvPr/>
+        </p:nvCxnSpPr>
+        <p:spPr>
+          <a:xfrm>
+            <a:off x="1606550" y="3531116"/>
+            <a:ext cx="0" cy="512633"/>
+          </a:xfrm>
+          <a:prstGeom prst="straightConnector1">
+            <a:avLst/>
+          </a:prstGeom>
+          <a:ln>
+            <a:tailEnd type="triangle"/>
+          </a:ln>
+        </p:spPr>
+        <p:style>
+          <a:lnRef idx="1">
+            <a:schemeClr val="accent1"/>
+          </a:lnRef>
+          <a:fillRef idx="0">
+            <a:schemeClr val="accent1"/>
+          </a:fillRef>
+          <a:effectRef idx="0">
+            <a:schemeClr val="accent1"/>
+          </a:effectRef>
+          <a:fontRef idx="minor">
+            <a:schemeClr val="tx1"/>
+          </a:fontRef>
+        </p:style>
+      </p:cxnSp>
+      <p:cxnSp>
+        <p:nvCxnSpPr>
+          <p:cNvPr id="29" name="直线箭头连接符 28"/>
+          <p:cNvCxnSpPr/>
+          <p:nvPr/>
+        </p:nvCxnSpPr>
+        <p:spPr>
+          <a:xfrm>
+            <a:off x="2520950" y="3531116"/>
+            <a:ext cx="0" cy="512633"/>
+          </a:xfrm>
+          <a:prstGeom prst="straightConnector1">
+            <a:avLst/>
+          </a:prstGeom>
+          <a:ln>
+            <a:tailEnd type="triangle"/>
+          </a:ln>
+        </p:spPr>
+        <p:style>
+          <a:lnRef idx="1">
+            <a:schemeClr val="accent1"/>
+          </a:lnRef>
+          <a:fillRef idx="0">
+            <a:schemeClr val="accent1"/>
+          </a:fillRef>
+          <a:effectRef idx="0">
+            <a:schemeClr val="accent1"/>
+          </a:effectRef>
+          <a:fontRef idx="minor">
+            <a:schemeClr val="tx1"/>
+          </a:fontRef>
+        </p:style>
+      </p:cxnSp>
+      <p:sp>
+        <p:nvSpPr>
+          <p:cNvPr id="34" name="矩形 33"/>
+          <p:cNvSpPr/>
+          <p:nvPr/>
+        </p:nvSpPr>
+        <p:spPr>
+          <a:xfrm>
+            <a:off x="2244090" y="4074814"/>
+            <a:ext cx="612140" cy="419100"/>
+          </a:xfrm>
+          <a:prstGeom prst="rect">
+            <a:avLst/>
+          </a:prstGeom>
+          <a:noFill/>
+          <a:ln w="50800">
+            <a:solidFill>
+              <a:schemeClr val="accent6"/>
+            </a:solidFill>
+          </a:ln>
+        </p:spPr>
+        <p:style>
+          <a:lnRef idx="2">
+            <a:schemeClr val="accent1">
+              <a:shade val="50000"/>
+            </a:schemeClr>
+          </a:lnRef>
+          <a:fillRef idx="1">
+            <a:schemeClr val="accent1"/>
+          </a:fillRef>
+          <a:effectRef idx="0">
+            <a:schemeClr val="accent1"/>
+          </a:effectRef>
+          <a:fontRef idx="minor">
+            <a:schemeClr val="lt1"/>
+          </a:fontRef>
+        </p:style>
+        <p:txBody>
+          <a:bodyPr rtlCol="0" anchor="ctr"/>
+          <a:lstStyle/>
+          <a:p>
+            <a:pPr algn="ctr"/>
+            <a:endParaRPr kumimoji="1" lang="zh-CN" altLang="en-US"/>
+          </a:p>
+        </p:txBody>
+      </p:sp>
+      <p:sp>
+        <p:nvSpPr>
+          <p:cNvPr id="36" name="矩形 35"/>
+          <p:cNvSpPr/>
+          <p:nvPr/>
+        </p:nvSpPr>
+        <p:spPr>
+          <a:xfrm>
+            <a:off x="4584492" y="4074814"/>
+            <a:ext cx="612140" cy="419100"/>
+          </a:xfrm>
+          <a:prstGeom prst="rect">
+            <a:avLst/>
+          </a:prstGeom>
+          <a:noFill/>
+          <a:ln w="50800">
+            <a:solidFill>
+              <a:schemeClr val="accent6"/>
+            </a:solidFill>
+          </a:ln>
+        </p:spPr>
+        <p:style>
+          <a:lnRef idx="2">
+            <a:schemeClr val="accent1">
+              <a:shade val="50000"/>
+            </a:schemeClr>
+          </a:lnRef>
+          <a:fillRef idx="1">
+            <a:schemeClr val="accent1"/>
+          </a:fillRef>
+          <a:effectRef idx="0">
+            <a:schemeClr val="accent1"/>
+          </a:effectRef>
+          <a:fontRef idx="minor">
+            <a:schemeClr val="lt1"/>
+          </a:fontRef>
+        </p:style>
+        <p:txBody>
+          <a:bodyPr rtlCol="0" anchor="ctr"/>
+          <a:lstStyle/>
+          <a:p>
+            <a:pPr algn="ctr"/>
+            <a:endParaRPr kumimoji="1" lang="zh-CN" altLang="en-US"/>
+          </a:p>
+        </p:txBody>
+      </p:sp>
+      <p:cxnSp>
+        <p:nvCxnSpPr>
+          <p:cNvPr id="37" name="直线箭头连接符 36"/>
+          <p:cNvCxnSpPr/>
+          <p:nvPr/>
+        </p:nvCxnSpPr>
+        <p:spPr>
+          <a:xfrm>
+            <a:off x="4972050" y="3531116"/>
+            <a:ext cx="0" cy="512633"/>
+          </a:xfrm>
+          <a:prstGeom prst="straightConnector1">
+            <a:avLst/>
+          </a:prstGeom>
+          <a:ln>
+            <a:tailEnd type="triangle"/>
+          </a:ln>
+        </p:spPr>
+        <p:style>
+          <a:lnRef idx="1">
+            <a:schemeClr val="accent1"/>
+          </a:lnRef>
+          <a:fillRef idx="0">
+            <a:schemeClr val="accent1"/>
+          </a:fillRef>
+          <a:effectRef idx="0">
+            <a:schemeClr val="accent1"/>
+          </a:effectRef>
+          <a:fontRef idx="minor">
+            <a:schemeClr val="tx1"/>
+          </a:fontRef>
+        </p:style>
+      </p:cxnSp>
+      <p:sp>
+        <p:nvSpPr>
+          <p:cNvPr id="40" name="文本框 39"/>
+          <p:cNvSpPr txBox="1"/>
+          <p:nvPr/>
+        </p:nvSpPr>
+        <p:spPr>
+          <a:xfrm>
+            <a:off x="8297346" y="2534330"/>
+            <a:ext cx="807865" cy="646331"/>
+          </a:xfrm>
+          <a:prstGeom prst="rect">
+            <a:avLst/>
+          </a:prstGeom>
+          <a:noFill/>
+        </p:spPr>
+        <p:txBody>
+          <a:bodyPr wrap="square" rtlCol="0">
+            <a:spAutoFit/>
+          </a:bodyPr>
+          <a:lstStyle/>
+          <a:p>
+            <a:r>
+              <a:rPr kumimoji="1" lang="en-US" altLang="zh-CN" dirty="0"/>
+              <a:t>f</a:t>
+            </a:r>
+            <a:r>
+              <a:rPr kumimoji="1" lang="en-US" altLang="zh-CN" dirty="0" smtClean="0"/>
+              <a:t>ree head</a:t>
+            </a:r>
+            <a:endParaRPr kumimoji="1" lang="zh-CN" altLang="en-US" dirty="0"/>
+          </a:p>
+        </p:txBody>
+      </p:sp>
+      <p:sp>
+        <p:nvSpPr>
+          <p:cNvPr id="41" name="矩形 40"/>
+          <p:cNvSpPr/>
+          <p:nvPr/>
+        </p:nvSpPr>
+        <p:spPr>
+          <a:xfrm>
+            <a:off x="8304966" y="4043749"/>
+            <a:ext cx="612140" cy="419100"/>
+          </a:xfrm>
+          <a:prstGeom prst="rect">
+            <a:avLst/>
+          </a:prstGeom>
+          <a:noFill/>
+          <a:ln w="50800">
+            <a:solidFill>
+              <a:schemeClr val="accent6"/>
+            </a:solidFill>
+          </a:ln>
+        </p:spPr>
+        <p:style>
+          <a:lnRef idx="2">
+            <a:schemeClr val="accent1">
+              <a:shade val="50000"/>
+            </a:schemeClr>
+          </a:lnRef>
+          <a:fillRef idx="1">
+            <a:schemeClr val="accent1"/>
+          </a:fillRef>
+          <a:effectRef idx="0">
+            <a:schemeClr val="accent1"/>
+          </a:effectRef>
+          <a:fontRef idx="minor">
+            <a:schemeClr val="lt1"/>
+          </a:fontRef>
+        </p:style>
+        <p:txBody>
+          <a:bodyPr rtlCol="0" anchor="ctr"/>
+          <a:lstStyle/>
+          <a:p>
+            <a:pPr algn="ctr"/>
+            <a:endParaRPr kumimoji="1" lang="zh-CN" altLang="en-US"/>
+          </a:p>
+        </p:txBody>
+      </p:sp>
+      <p:cxnSp>
+        <p:nvCxnSpPr>
+          <p:cNvPr id="42" name="直线箭头连接符 41"/>
+          <p:cNvCxnSpPr/>
+          <p:nvPr/>
+        </p:nvCxnSpPr>
+        <p:spPr>
+          <a:xfrm>
+            <a:off x="8598336" y="3500051"/>
+            <a:ext cx="0" cy="512633"/>
+          </a:xfrm>
+          <a:prstGeom prst="straightConnector1">
+            <a:avLst/>
+          </a:prstGeom>
+          <a:ln>
+            <a:tailEnd type="triangle"/>
+          </a:ln>
+        </p:spPr>
+        <p:style>
+          <a:lnRef idx="1">
+            <a:schemeClr val="accent1"/>
+          </a:lnRef>
+          <a:fillRef idx="0">
+            <a:schemeClr val="accent1"/>
+          </a:fillRef>
+          <a:effectRef idx="0">
+            <a:schemeClr val="accent1"/>
+          </a:effectRef>
+          <a:fontRef idx="minor">
+            <a:schemeClr val="tx1"/>
+          </a:fontRef>
+        </p:style>
+      </p:cxnSp>
+      <p:sp>
+        <p:nvSpPr>
+          <p:cNvPr id="43" name="矩形 42"/>
+          <p:cNvSpPr/>
+          <p:nvPr/>
+        </p:nvSpPr>
+        <p:spPr>
+          <a:xfrm>
+            <a:off x="8304966" y="5037612"/>
+            <a:ext cx="612140" cy="419100"/>
+          </a:xfrm>
+          <a:prstGeom prst="rect">
+            <a:avLst/>
+          </a:prstGeom>
+          <a:noFill/>
+          <a:ln w="50800">
+            <a:solidFill>
+              <a:schemeClr val="accent6"/>
+            </a:solidFill>
+          </a:ln>
+        </p:spPr>
+        <p:style>
+          <a:lnRef idx="2">
+            <a:schemeClr val="accent1">
+              <a:shade val="50000"/>
+            </a:schemeClr>
+          </a:lnRef>
+          <a:fillRef idx="1">
+            <a:schemeClr val="accent1"/>
+          </a:fillRef>
+          <a:effectRef idx="0">
+            <a:schemeClr val="accent1"/>
+          </a:effectRef>
+          <a:fontRef idx="minor">
+            <a:schemeClr val="lt1"/>
+          </a:fontRef>
+        </p:style>
+        <p:txBody>
+          <a:bodyPr rtlCol="0" anchor="ctr"/>
+          <a:lstStyle/>
+          <a:p>
+            <a:pPr algn="ctr"/>
+            <a:endParaRPr kumimoji="1" lang="zh-CN" altLang="en-US"/>
+          </a:p>
+        </p:txBody>
+      </p:sp>
+      <p:cxnSp>
+        <p:nvCxnSpPr>
+          <p:cNvPr id="44" name="直线箭头连接符 43"/>
+          <p:cNvCxnSpPr/>
+          <p:nvPr/>
+        </p:nvCxnSpPr>
+        <p:spPr>
+          <a:xfrm>
+            <a:off x="8598336" y="4493914"/>
+            <a:ext cx="0" cy="512633"/>
+          </a:xfrm>
+          <a:prstGeom prst="straightConnector1">
+            <a:avLst/>
+          </a:prstGeom>
+          <a:ln>
+            <a:tailEnd type="triangle"/>
+          </a:ln>
+        </p:spPr>
+        <p:style>
+          <a:lnRef idx="1">
+            <a:schemeClr val="accent1"/>
+          </a:lnRef>
+          <a:fillRef idx="0">
+            <a:schemeClr val="accent1"/>
+          </a:fillRef>
+          <a:effectRef idx="0">
+            <a:schemeClr val="accent1"/>
+          </a:effectRef>
+          <a:fontRef idx="minor">
+            <a:schemeClr val="tx1"/>
+          </a:fontRef>
+        </p:style>
+      </p:cxnSp>
+      <p:sp>
+        <p:nvSpPr>
+          <p:cNvPr id="45" name="文本框 44"/>
+          <p:cNvSpPr txBox="1"/>
+          <p:nvPr/>
+        </p:nvSpPr>
+        <p:spPr>
+          <a:xfrm>
+            <a:off x="3132853" y="3979733"/>
+            <a:ext cx="463588" cy="369332"/>
+          </a:xfrm>
+          <a:prstGeom prst="rect">
+            <a:avLst/>
+          </a:prstGeom>
+          <a:noFill/>
+        </p:spPr>
+        <p:txBody>
+          <a:bodyPr wrap="none" rtlCol="0">
+            <a:spAutoFit/>
+          </a:bodyPr>
+          <a:lstStyle/>
+          <a:p>
+            <a:r>
+              <a:rPr kumimoji="1" lang="en-US" altLang="zh-CN" dirty="0" smtClean="0"/>
+              <a:t>. . .</a:t>
+            </a:r>
+            <a:endParaRPr kumimoji="1" lang="zh-CN" altLang="en-US" dirty="0"/>
+          </a:p>
+        </p:txBody>
+      </p:sp>
+      <p:sp>
+        <p:nvSpPr>
+          <p:cNvPr id="46" name="文本框 45"/>
+          <p:cNvSpPr txBox="1"/>
+          <p:nvPr/>
+        </p:nvSpPr>
+        <p:spPr>
+          <a:xfrm>
+            <a:off x="5818903" y="3979733"/>
+            <a:ext cx="463588" cy="369332"/>
+          </a:xfrm>
+          <a:prstGeom prst="rect">
+            <a:avLst/>
+          </a:prstGeom>
+          <a:noFill/>
+        </p:spPr>
+        <p:txBody>
+          <a:bodyPr wrap="none" rtlCol="0">
+            <a:spAutoFit/>
+          </a:bodyPr>
+          <a:lstStyle/>
+          <a:p>
+            <a:r>
+              <a:rPr kumimoji="1" lang="en-US" altLang="zh-CN" dirty="0" smtClean="0"/>
+              <a:t>. . .</a:t>
+            </a:r>
+            <a:endParaRPr kumimoji="1" lang="zh-CN" altLang="en-US" dirty="0"/>
+          </a:p>
+        </p:txBody>
+      </p:sp>
+      <p:cxnSp>
+        <p:nvCxnSpPr>
+          <p:cNvPr id="48" name="直线箭头连接符 47"/>
+          <p:cNvCxnSpPr/>
+          <p:nvPr/>
+        </p:nvCxnSpPr>
+        <p:spPr>
+          <a:xfrm>
+            <a:off x="5305643" y="3530342"/>
+            <a:ext cx="0" cy="1507270"/>
+          </a:xfrm>
+          <a:prstGeom prst="straightConnector1">
+            <a:avLst/>
+          </a:prstGeom>
+          <a:ln>
+            <a:tailEnd type="triangle"/>
+          </a:ln>
+        </p:spPr>
+        <p:style>
+          <a:lnRef idx="1">
+            <a:schemeClr val="accent1"/>
+          </a:lnRef>
+          <a:fillRef idx="0">
+            <a:schemeClr val="accent1"/>
+          </a:fillRef>
+          <a:effectRef idx="0">
+            <a:schemeClr val="accent1"/>
+          </a:effectRef>
+          <a:fontRef idx="minor">
+            <a:schemeClr val="tx1"/>
+          </a:fontRef>
+        </p:style>
+      </p:cxnSp>
+      <p:sp>
+        <p:nvSpPr>
+          <p:cNvPr id="49" name="矩形 48"/>
+          <p:cNvSpPr/>
+          <p:nvPr/>
+        </p:nvSpPr>
+        <p:spPr>
+          <a:xfrm>
+            <a:off x="4950460" y="5079402"/>
+            <a:ext cx="612140" cy="419100"/>
+          </a:xfrm>
+          <a:prstGeom prst="rect">
+            <a:avLst/>
+          </a:prstGeom>
+          <a:noFill/>
+          <a:ln w="50800">
+            <a:solidFill>
+              <a:schemeClr val="accent6"/>
+            </a:solidFill>
+          </a:ln>
+        </p:spPr>
+        <p:style>
+          <a:lnRef idx="2">
+            <a:schemeClr val="accent1">
+              <a:shade val="50000"/>
+            </a:schemeClr>
+          </a:lnRef>
+          <a:fillRef idx="1">
+            <a:schemeClr val="accent1"/>
+          </a:fillRef>
+          <a:effectRef idx="0">
+            <a:schemeClr val="accent1"/>
+          </a:effectRef>
+          <a:fontRef idx="minor">
+            <a:schemeClr val="lt1"/>
+          </a:fontRef>
+        </p:style>
+        <p:txBody>
+          <a:bodyPr rtlCol="0" anchor="ctr"/>
+          <a:lstStyle/>
+          <a:p>
+            <a:pPr algn="ctr"/>
+            <a:endParaRPr kumimoji="1" lang="zh-CN" altLang="en-US"/>
+          </a:p>
+        </p:txBody>
+      </p:sp>
+      <p:sp>
+        <p:nvSpPr>
+          <p:cNvPr id="53" name="文本框 52"/>
+          <p:cNvSpPr txBox="1"/>
+          <p:nvPr/>
+        </p:nvSpPr>
+        <p:spPr>
+          <a:xfrm>
+            <a:off x="6644675" y="2956010"/>
+            <a:ext cx="463588" cy="369332"/>
+          </a:xfrm>
+          <a:prstGeom prst="rect">
+            <a:avLst/>
+          </a:prstGeom>
+          <a:noFill/>
+        </p:spPr>
+        <p:txBody>
+          <a:bodyPr wrap="none" rtlCol="0">
+            <a:spAutoFit/>
+          </a:bodyPr>
+          <a:lstStyle/>
+          <a:p>
+            <a:r>
+              <a:rPr kumimoji="1" lang="en-US" altLang="zh-CN" dirty="0" smtClean="0"/>
+              <a:t>. . .</a:t>
+            </a:r>
+            <a:endParaRPr kumimoji="1" lang="zh-CN" altLang="en-US" dirty="0"/>
+          </a:p>
+        </p:txBody>
+      </p:sp>
+      <p:sp>
+        <p:nvSpPr>
+          <p:cNvPr id="55" name="矩形 54"/>
+          <p:cNvSpPr/>
+          <p:nvPr/>
+        </p:nvSpPr>
+        <p:spPr>
+          <a:xfrm>
+            <a:off x="4670460" y="2804642"/>
+            <a:ext cx="850900" cy="687858"/>
+          </a:xfrm>
+          <a:prstGeom prst="rect">
+            <a:avLst/>
+          </a:prstGeom>
+        </p:spPr>
+        <p:style>
+          <a:lnRef idx="2">
+            <a:schemeClr val="accent1">
+              <a:shade val="50000"/>
+            </a:schemeClr>
+          </a:lnRef>
+          <a:fillRef idx="1">
+            <a:schemeClr val="accent1"/>
+          </a:fillRef>
+          <a:effectRef idx="0">
+            <a:schemeClr val="accent1"/>
+          </a:effectRef>
+          <a:fontRef idx="minor">
+            <a:schemeClr val="lt1"/>
+          </a:fontRef>
+        </p:style>
+        <p:txBody>
+          <a:bodyPr rtlCol="0" anchor="ctr"/>
+          <a:lstStyle/>
+          <a:p>
+            <a:pPr algn="ctr"/>
+            <a:r>
+              <a:rPr kumimoji="1" lang="en-US" altLang="zh-CN" dirty="0" smtClean="0"/>
+              <a:t>class-0</a:t>
+            </a:r>
+            <a:endParaRPr kumimoji="1" lang="zh-CN" altLang="en-US" dirty="0"/>
+          </a:p>
+        </p:txBody>
+      </p:sp>
+      <p:sp>
+        <p:nvSpPr>
+          <p:cNvPr id="56" name="矩形 55"/>
+          <p:cNvSpPr/>
+          <p:nvPr/>
+        </p:nvSpPr>
+        <p:spPr>
+          <a:xfrm>
+            <a:off x="5534060" y="2804642"/>
+            <a:ext cx="889000" cy="687858"/>
+          </a:xfrm>
+          <a:prstGeom prst="rect">
+            <a:avLst/>
+          </a:prstGeom>
+        </p:spPr>
+        <p:style>
+          <a:lnRef idx="2">
+            <a:schemeClr val="accent1">
+              <a:shade val="50000"/>
+            </a:schemeClr>
+          </a:lnRef>
+          <a:fillRef idx="1">
+            <a:schemeClr val="accent1"/>
+          </a:fillRef>
+          <a:effectRef idx="0">
+            <a:schemeClr val="accent1"/>
+          </a:effectRef>
+          <a:fontRef idx="minor">
+            <a:schemeClr val="lt1"/>
+          </a:fontRef>
+        </p:style>
+        <p:txBody>
+          <a:bodyPr rtlCol="0" anchor="ctr"/>
+          <a:lstStyle/>
+          <a:p>
+            <a:pPr algn="ctr"/>
+            <a:r>
+              <a:rPr kumimoji="1" lang="en-US" altLang="zh-CN" dirty="0"/>
+              <a:t>c</a:t>
+            </a:r>
+            <a:r>
+              <a:rPr kumimoji="1" lang="en-US" altLang="zh-CN" dirty="0" smtClean="0"/>
+              <a:t>lass-1</a:t>
+            </a:r>
+            <a:endParaRPr kumimoji="1" lang="zh-CN" altLang="en-US" dirty="0"/>
+          </a:p>
+        </p:txBody>
+      </p:sp>
+      <p:sp>
+        <p:nvSpPr>
+          <p:cNvPr id="57" name="矩形 56"/>
+          <p:cNvSpPr/>
+          <p:nvPr/>
+        </p:nvSpPr>
+        <p:spPr>
+          <a:xfrm>
+            <a:off x="7275195" y="2804642"/>
+            <a:ext cx="876300" cy="687858"/>
+          </a:xfrm>
+          <a:prstGeom prst="rect">
+            <a:avLst/>
+          </a:prstGeom>
+        </p:spPr>
+        <p:style>
+          <a:lnRef idx="2">
+            <a:schemeClr val="accent1">
+              <a:shade val="50000"/>
+            </a:schemeClr>
+          </a:lnRef>
+          <a:fillRef idx="1">
+            <a:schemeClr val="accent1"/>
+          </a:fillRef>
+          <a:effectRef idx="0">
+            <a:schemeClr val="accent1"/>
+          </a:effectRef>
+          <a:fontRef idx="minor">
+            <a:schemeClr val="lt1"/>
+          </a:fontRef>
+        </p:style>
+        <p:txBody>
+          <a:bodyPr rtlCol="0" anchor="ctr"/>
+          <a:lstStyle/>
+          <a:p>
+            <a:pPr algn="ctr"/>
+            <a:r>
+              <a:rPr kumimoji="1" lang="en-US" altLang="zh-CN" dirty="0"/>
+              <a:t>c</a:t>
+            </a:r>
+            <a:r>
+              <a:rPr kumimoji="1" lang="en-US" altLang="zh-CN" dirty="0" smtClean="0"/>
+              <a:t>lass-n</a:t>
+            </a:r>
+            <a:endParaRPr kumimoji="1" lang="zh-CN" altLang="en-US" dirty="0"/>
+          </a:p>
+        </p:txBody>
+      </p:sp>
+    </p:spTree>
+    <p:extLst>
+      <p:ext uri="{BB962C8B-B14F-4D97-AF65-F5344CB8AC3E}">
+        <p14:creationId xmlns:p14="http://schemas.microsoft.com/office/powerpoint/2010/main" val="695748720"/>
+      </p:ext>
+    </p:extLst>
+  </p:cSld>
+  <p:clrMapOvr>
+    <a:masterClrMapping/>
+  </p:clrMapOvr>
+</p:sld>
+</file>
+
+<file path=ppt/slides/slide4.xml><?xml version="1.0" encoding="utf-8"?>
+<p:sld xmlns:a="http://schemas.openxmlformats.org/drawingml/2006/main" xmlns:r="http://schemas.openxmlformats.org/officeDocument/2006/relationships" xmlns:p="http://schemas.openxmlformats.org/presentationml/2006/main">
+  <p:cSld>
+    <p:spTree>
+      <p:nvGrpSpPr>
+        <p:cNvPr id="1" name=""/>
+        <p:cNvGrpSpPr/>
+        <p:nvPr/>
+      </p:nvGrpSpPr>
+      <p:grpSpPr>
+        <a:xfrm>
+          <a:off x="0" y="0"/>
+          <a:ext cx="0" cy="0"/>
+          <a:chOff x="0" y="0"/>
+          <a:chExt cx="0" cy="0"/>
+        </a:xfrm>
+      </p:grpSpPr>
+      <p:sp>
+        <p:nvSpPr>
+          <p:cNvPr id="5" name="矩形 4"/>
+          <p:cNvSpPr/>
+          <p:nvPr/>
+        </p:nvSpPr>
+        <p:spPr>
+          <a:xfrm>
+            <a:off x="2253240" y="1320800"/>
+            <a:ext cx="1803400" cy="787400"/>
+          </a:xfrm>
+          <a:prstGeom prst="rect">
+            <a:avLst/>
+          </a:prstGeom>
+          <a:solidFill>
+            <a:schemeClr val="bg2">
+              <a:lumMod val="10000"/>
+            </a:schemeClr>
+          </a:solidFill>
+        </p:spPr>
+        <p:style>
+          <a:lnRef idx="2">
+            <a:schemeClr val="accent1">
+              <a:shade val="50000"/>
+            </a:schemeClr>
+          </a:lnRef>
+          <a:fillRef idx="1">
+            <a:schemeClr val="accent1"/>
+          </a:fillRef>
+          <a:effectRef idx="0">
+            <a:schemeClr val="accent1"/>
+          </a:effectRef>
+          <a:fontRef idx="minor">
+            <a:schemeClr val="lt1"/>
+          </a:fontRef>
+        </p:style>
+        <p:txBody>
+          <a:bodyPr rtlCol="0" anchor="ctr"/>
+          <a:lstStyle/>
+          <a:p>
+            <a:pPr algn="ctr"/>
+            <a:r>
+              <a:rPr kumimoji="1" lang="en-US" altLang="zh-CN" dirty="0" smtClean="0"/>
+              <a:t>In-use chunk</a:t>
+            </a:r>
+            <a:endParaRPr kumimoji="1" lang="zh-CN" altLang="en-US" dirty="0"/>
+          </a:p>
+        </p:txBody>
+      </p:sp>
+      <p:sp>
+        <p:nvSpPr>
+          <p:cNvPr id="6" name="矩形 5"/>
+          <p:cNvSpPr/>
+          <p:nvPr/>
+        </p:nvSpPr>
+        <p:spPr>
+          <a:xfrm>
+            <a:off x="7226300" y="1320800"/>
+            <a:ext cx="1803400" cy="787400"/>
+          </a:xfrm>
+          <a:prstGeom prst="rect">
+            <a:avLst/>
+          </a:prstGeom>
+          <a:solidFill>
+            <a:schemeClr val="bg2">
+              <a:lumMod val="10000"/>
+            </a:schemeClr>
+          </a:solidFill>
+        </p:spPr>
+        <p:style>
+          <a:lnRef idx="2">
+            <a:schemeClr val="accent1">
+              <a:shade val="50000"/>
+            </a:schemeClr>
+          </a:lnRef>
+          <a:fillRef idx="1">
+            <a:schemeClr val="accent1"/>
+          </a:fillRef>
+          <a:effectRef idx="0">
+            <a:schemeClr val="accent1"/>
+          </a:effectRef>
+          <a:fontRef idx="minor">
+            <a:schemeClr val="lt1"/>
+          </a:fontRef>
+        </p:style>
+        <p:txBody>
+          <a:bodyPr rtlCol="0" anchor="ctr"/>
+          <a:lstStyle/>
+          <a:p>
+            <a:pPr algn="ctr"/>
+            <a:r>
+              <a:rPr kumimoji="1" lang="en-US" altLang="zh-CN" dirty="0" smtClean="0"/>
+              <a:t>Full chunk</a:t>
+            </a:r>
+            <a:endParaRPr kumimoji="1" lang="zh-CN" altLang="en-US" dirty="0"/>
+          </a:p>
+        </p:txBody>
+      </p:sp>
+      <p:cxnSp>
+        <p:nvCxnSpPr>
+          <p:cNvPr id="8" name="直线箭头连接符 7"/>
+          <p:cNvCxnSpPr>
+            <a:stCxn id="5" idx="3"/>
+            <a:endCxn id="6" idx="1"/>
+          </p:cNvCxnSpPr>
+          <p:nvPr/>
+        </p:nvCxnSpPr>
+        <p:spPr>
+          <a:xfrm>
+            <a:off x="4056640" y="1714500"/>
+            <a:ext cx="3169660" cy="0"/>
+          </a:xfrm>
+          <a:prstGeom prst="straightConnector1">
+            <a:avLst/>
+          </a:prstGeom>
+          <a:ln>
+            <a:tailEnd type="triangle"/>
+          </a:ln>
+        </p:spPr>
+        <p:style>
+          <a:lnRef idx="1">
+            <a:schemeClr val="accent1"/>
+          </a:lnRef>
+          <a:fillRef idx="0">
+            <a:schemeClr val="accent1"/>
+          </a:fillRef>
+          <a:effectRef idx="0">
+            <a:schemeClr val="accent1"/>
+          </a:effectRef>
+          <a:fontRef idx="minor">
+            <a:schemeClr val="tx1"/>
+          </a:fontRef>
+        </p:style>
+      </p:cxnSp>
+      <p:sp>
+        <p:nvSpPr>
+          <p:cNvPr id="10" name="文本框 9"/>
+          <p:cNvSpPr txBox="1"/>
+          <p:nvPr/>
+        </p:nvSpPr>
+        <p:spPr>
+          <a:xfrm>
+            <a:off x="4699000" y="1320800"/>
+            <a:ext cx="1884940" cy="369332"/>
+          </a:xfrm>
+          <a:prstGeom prst="rect">
+            <a:avLst/>
+          </a:prstGeom>
+          <a:noFill/>
+        </p:spPr>
+        <p:txBody>
+          <a:bodyPr wrap="none" rtlCol="0">
+            <a:spAutoFit/>
+          </a:bodyPr>
+          <a:lstStyle/>
+          <a:p>
+            <a:r>
+              <a:rPr kumimoji="1" lang="en-US" altLang="zh-CN" dirty="0" smtClean="0"/>
+              <a:t>No available block</a:t>
+            </a:r>
+            <a:endParaRPr kumimoji="1" lang="zh-CN" altLang="en-US" dirty="0"/>
+          </a:p>
+        </p:txBody>
+      </p:sp>
+      <p:sp>
+        <p:nvSpPr>
+          <p:cNvPr id="11" name="矩形 10"/>
+          <p:cNvSpPr/>
+          <p:nvPr/>
+        </p:nvSpPr>
+        <p:spPr>
+          <a:xfrm>
+            <a:off x="4920240" y="3092449"/>
+            <a:ext cx="1803400" cy="787400"/>
+          </a:xfrm>
+          <a:prstGeom prst="rect">
+            <a:avLst/>
+          </a:prstGeom>
+          <a:solidFill>
+            <a:schemeClr val="bg2">
+              <a:lumMod val="10000"/>
+            </a:schemeClr>
+          </a:solidFill>
+        </p:spPr>
+        <p:style>
+          <a:lnRef idx="2">
+            <a:schemeClr val="accent1">
+              <a:shade val="50000"/>
+            </a:schemeClr>
+          </a:lnRef>
+          <a:fillRef idx="1">
+            <a:schemeClr val="accent1"/>
+          </a:fillRef>
+          <a:effectRef idx="0">
+            <a:schemeClr val="accent1"/>
+          </a:effectRef>
+          <a:fontRef idx="minor">
+            <a:schemeClr val="lt1"/>
+          </a:fontRef>
+        </p:style>
+        <p:txBody>
+          <a:bodyPr rtlCol="0" anchor="ctr"/>
+          <a:lstStyle/>
+          <a:p>
+            <a:pPr algn="ctr"/>
+            <a:r>
+              <a:rPr kumimoji="1" lang="en-US" altLang="zh-CN" smtClean="0"/>
+              <a:t>Waiting chunk</a:t>
+            </a:r>
+            <a:endParaRPr kumimoji="1" lang="zh-CN" altLang="en-US" dirty="0"/>
+          </a:p>
+        </p:txBody>
+      </p:sp>
+      <p:cxnSp>
+        <p:nvCxnSpPr>
+          <p:cNvPr id="13" name="直线箭头连接符 12"/>
+          <p:cNvCxnSpPr>
+            <a:stCxn id="6" idx="2"/>
+            <a:endCxn id="11" idx="3"/>
+          </p:cNvCxnSpPr>
+          <p:nvPr/>
+        </p:nvCxnSpPr>
+        <p:spPr>
+          <a:xfrm flipH="1">
+            <a:off x="6723640" y="2108200"/>
+            <a:ext cx="1404360" cy="1377949"/>
+          </a:xfrm>
+          <a:prstGeom prst="straightConnector1">
+            <a:avLst/>
+          </a:prstGeom>
+          <a:ln>
+            <a:tailEnd type="triangle"/>
+          </a:ln>
+        </p:spPr>
+        <p:style>
+          <a:lnRef idx="1">
+            <a:schemeClr val="accent1"/>
+          </a:lnRef>
+          <a:fillRef idx="0">
+            <a:schemeClr val="accent1"/>
+          </a:fillRef>
+          <a:effectRef idx="0">
+            <a:schemeClr val="accent1"/>
+          </a:effectRef>
+          <a:fontRef idx="minor">
+            <a:schemeClr val="tx1"/>
+          </a:fontRef>
+        </p:style>
+      </p:cxnSp>
+      <p:sp>
+        <p:nvSpPr>
+          <p:cNvPr id="14" name="文本框 13"/>
+          <p:cNvSpPr txBox="1"/>
+          <p:nvPr/>
+        </p:nvSpPr>
+        <p:spPr>
+          <a:xfrm>
+            <a:off x="7425820" y="2710934"/>
+            <a:ext cx="1313373" cy="369332"/>
+          </a:xfrm>
+          <a:prstGeom prst="rect">
+            <a:avLst/>
+          </a:prstGeom>
+          <a:noFill/>
+        </p:spPr>
+        <p:txBody>
+          <a:bodyPr wrap="none" rtlCol="0">
+            <a:spAutoFit/>
+          </a:bodyPr>
+          <a:lstStyle/>
+          <a:p>
+            <a:r>
+              <a:rPr kumimoji="1" lang="en-US" altLang="zh-CN" dirty="0" smtClean="0"/>
+              <a:t>Free </a:t>
+            </a:r>
+            <a:r>
+              <a:rPr kumimoji="1" lang="en-US" altLang="zh-CN" smtClean="0"/>
+              <a:t>a block</a:t>
+            </a:r>
+            <a:endParaRPr kumimoji="1" lang="zh-CN" altLang="en-US" dirty="0"/>
+          </a:p>
+        </p:txBody>
+      </p:sp>
+      <p:sp>
+        <p:nvSpPr>
+          <p:cNvPr id="15" name="矩形 14"/>
+          <p:cNvSpPr/>
+          <p:nvPr/>
+        </p:nvSpPr>
+        <p:spPr>
+          <a:xfrm>
+            <a:off x="4920240" y="5651498"/>
+            <a:ext cx="1803400" cy="787400"/>
+          </a:xfrm>
+          <a:prstGeom prst="rect">
+            <a:avLst/>
+          </a:prstGeom>
+          <a:solidFill>
+            <a:schemeClr val="bg2">
+              <a:lumMod val="10000"/>
+            </a:schemeClr>
+          </a:solidFill>
+        </p:spPr>
+        <p:style>
+          <a:lnRef idx="2">
+            <a:schemeClr val="accent1">
+              <a:shade val="50000"/>
+            </a:schemeClr>
+          </a:lnRef>
+          <a:fillRef idx="1">
+            <a:schemeClr val="accent1"/>
+          </a:fillRef>
+          <a:effectRef idx="0">
+            <a:schemeClr val="accent1"/>
+          </a:effectRef>
+          <a:fontRef idx="minor">
+            <a:schemeClr val="lt1"/>
+          </a:fontRef>
+        </p:style>
+        <p:txBody>
+          <a:bodyPr rtlCol="0" anchor="ctr"/>
+          <a:lstStyle/>
+          <a:p>
+            <a:pPr algn="ctr"/>
+            <a:r>
+              <a:rPr kumimoji="1" lang="en-US" altLang="zh-CN" dirty="0" smtClean="0"/>
+              <a:t>Clean chunk in free list</a:t>
+            </a:r>
+            <a:endParaRPr kumimoji="1" lang="zh-CN" altLang="en-US" dirty="0"/>
+          </a:p>
+        </p:txBody>
+      </p:sp>
+      <p:cxnSp>
+        <p:nvCxnSpPr>
+          <p:cNvPr id="18" name="直线箭头连接符 17"/>
+          <p:cNvCxnSpPr>
+            <a:stCxn id="11" idx="2"/>
+            <a:endCxn id="15" idx="0"/>
+          </p:cNvCxnSpPr>
+          <p:nvPr/>
+        </p:nvCxnSpPr>
+        <p:spPr>
+          <a:xfrm>
+            <a:off x="5821940" y="3879849"/>
+            <a:ext cx="0" cy="1771649"/>
+          </a:xfrm>
+          <a:prstGeom prst="straightConnector1">
+            <a:avLst/>
+          </a:prstGeom>
+          <a:ln>
+            <a:tailEnd type="triangle"/>
+          </a:ln>
+        </p:spPr>
+        <p:style>
+          <a:lnRef idx="1">
+            <a:schemeClr val="accent1"/>
+          </a:lnRef>
+          <a:fillRef idx="0">
+            <a:schemeClr val="accent1"/>
+          </a:fillRef>
+          <a:effectRef idx="0">
+            <a:schemeClr val="accent1"/>
+          </a:effectRef>
+          <a:fontRef idx="minor">
+            <a:schemeClr val="tx1"/>
+          </a:fontRef>
+        </p:style>
+      </p:cxnSp>
+      <p:sp>
+        <p:nvSpPr>
+          <p:cNvPr id="19" name="文本框 18"/>
+          <p:cNvSpPr txBox="1"/>
+          <p:nvPr/>
+        </p:nvSpPr>
+        <p:spPr>
+          <a:xfrm>
+            <a:off x="5821940" y="4581007"/>
+            <a:ext cx="1222804" cy="646331"/>
+          </a:xfrm>
+          <a:prstGeom prst="rect">
+            <a:avLst/>
+          </a:prstGeom>
+          <a:noFill/>
+        </p:spPr>
+        <p:txBody>
+          <a:bodyPr wrap="square" rtlCol="0">
+            <a:spAutoFit/>
+          </a:bodyPr>
+          <a:lstStyle/>
+          <a:p>
+            <a:r>
+              <a:rPr kumimoji="1" lang="en-US" altLang="zh-CN" smtClean="0"/>
+              <a:t>All blocks are freed</a:t>
+            </a:r>
+            <a:endParaRPr kumimoji="1" lang="zh-CN" altLang="en-US" dirty="0"/>
+          </a:p>
+        </p:txBody>
+      </p:sp>
+      <p:cxnSp>
+        <p:nvCxnSpPr>
+          <p:cNvPr id="28" name="直线箭头连接符 27"/>
+          <p:cNvCxnSpPr>
+            <a:stCxn id="11" idx="1"/>
+          </p:cNvCxnSpPr>
+          <p:nvPr/>
+        </p:nvCxnSpPr>
+        <p:spPr>
+          <a:xfrm flipH="1" flipV="1">
+            <a:off x="3580327" y="2108200"/>
+            <a:ext cx="1339913" cy="1377949"/>
+          </a:xfrm>
+          <a:prstGeom prst="straightConnector1">
+            <a:avLst/>
+          </a:prstGeom>
+          <a:ln>
+            <a:tailEnd type="triangle"/>
+          </a:ln>
+        </p:spPr>
+        <p:style>
+          <a:lnRef idx="1">
+            <a:schemeClr val="accent1"/>
+          </a:lnRef>
+          <a:fillRef idx="0">
+            <a:schemeClr val="accent1"/>
+          </a:fillRef>
+          <a:effectRef idx="0">
+            <a:schemeClr val="accent1"/>
+          </a:effectRef>
+          <a:fontRef idx="minor">
+            <a:schemeClr val="tx1"/>
+          </a:fontRef>
+        </p:style>
+      </p:cxnSp>
+      <p:cxnSp>
+        <p:nvCxnSpPr>
+          <p:cNvPr id="30" name="直线箭头连接符 29"/>
+          <p:cNvCxnSpPr>
+            <a:stCxn id="15" idx="1"/>
+            <a:endCxn id="5" idx="2"/>
+          </p:cNvCxnSpPr>
+          <p:nvPr/>
+        </p:nvCxnSpPr>
+        <p:spPr>
+          <a:xfrm flipH="1" flipV="1">
+            <a:off x="3154940" y="2108200"/>
+            <a:ext cx="1765300" cy="3936998"/>
+          </a:xfrm>
+          <a:prstGeom prst="straightConnector1">
+            <a:avLst/>
+          </a:prstGeom>
+          <a:ln>
+            <a:tailEnd type="triangle"/>
+          </a:ln>
+        </p:spPr>
+        <p:style>
+          <a:lnRef idx="1">
+            <a:schemeClr val="accent1"/>
+          </a:lnRef>
+          <a:fillRef idx="0">
+            <a:schemeClr val="accent1"/>
+          </a:fillRef>
+          <a:effectRef idx="0">
+            <a:schemeClr val="accent1"/>
+          </a:effectRef>
+          <a:fontRef idx="minor">
+            <a:schemeClr val="tx1"/>
+          </a:fontRef>
+        </p:style>
+      </p:cxnSp>
+      <p:sp>
+        <p:nvSpPr>
+          <p:cNvPr id="36" name="矩形 35"/>
+          <p:cNvSpPr/>
+          <p:nvPr/>
+        </p:nvSpPr>
+        <p:spPr>
+          <a:xfrm>
+            <a:off x="2234190" y="5651498"/>
+            <a:ext cx="1803400" cy="787400"/>
+          </a:xfrm>
+          <a:prstGeom prst="rect">
+            <a:avLst/>
+          </a:prstGeom>
+          <a:solidFill>
+            <a:schemeClr val="bg2">
+              <a:lumMod val="10000"/>
+            </a:schemeClr>
+          </a:solidFill>
+        </p:spPr>
+        <p:style>
+          <a:lnRef idx="2">
+            <a:schemeClr val="accent1">
+              <a:shade val="50000"/>
+            </a:schemeClr>
+          </a:lnRef>
+          <a:fillRef idx="1">
+            <a:schemeClr val="accent1"/>
+          </a:fillRef>
+          <a:effectRef idx="0">
+            <a:schemeClr val="accent1"/>
+          </a:effectRef>
+          <a:fontRef idx="minor">
+            <a:schemeClr val="lt1"/>
+          </a:fontRef>
+        </p:style>
+        <p:txBody>
+          <a:bodyPr rtlCol="0" anchor="ctr"/>
+          <a:lstStyle/>
+          <a:p>
+            <a:pPr algn="ctr"/>
+            <a:r>
+              <a:rPr kumimoji="1" lang="en-US" altLang="zh-CN" dirty="0" smtClean="0"/>
+              <a:t>Not-available chunk</a:t>
+            </a:r>
+            <a:endParaRPr kumimoji="1" lang="zh-CN" altLang="en-US" dirty="0"/>
+          </a:p>
+        </p:txBody>
+      </p:sp>
+      <p:cxnSp>
+        <p:nvCxnSpPr>
+          <p:cNvPr id="38" name="直线箭头连接符 37"/>
+          <p:cNvCxnSpPr>
+            <a:endCxn id="36" idx="0"/>
+          </p:cNvCxnSpPr>
+          <p:nvPr/>
+        </p:nvCxnSpPr>
+        <p:spPr>
+          <a:xfrm>
+            <a:off x="2852199" y="2108200"/>
+            <a:ext cx="283691" cy="3543298"/>
+          </a:xfrm>
+          <a:prstGeom prst="straightConnector1">
+            <a:avLst/>
+          </a:prstGeom>
+          <a:ln>
+            <a:tailEnd type="triangle"/>
+          </a:ln>
+        </p:spPr>
+        <p:style>
+          <a:lnRef idx="1">
+            <a:schemeClr val="accent1"/>
+          </a:lnRef>
+          <a:fillRef idx="0">
+            <a:schemeClr val="accent1"/>
+          </a:fillRef>
+          <a:effectRef idx="0">
+            <a:schemeClr val="accent1"/>
+          </a:effectRef>
+          <a:fontRef idx="minor">
+            <a:schemeClr val="tx1"/>
+          </a:fontRef>
+        </p:style>
+      </p:cxnSp>
+      <p:sp>
+        <p:nvSpPr>
+          <p:cNvPr id="39" name="文本框 38"/>
+          <p:cNvSpPr txBox="1"/>
+          <p:nvPr/>
+        </p:nvSpPr>
+        <p:spPr>
+          <a:xfrm>
+            <a:off x="4018540" y="2220380"/>
+            <a:ext cx="1095290" cy="923330"/>
+          </a:xfrm>
+          <a:prstGeom prst="rect">
+            <a:avLst/>
+          </a:prstGeom>
+          <a:noFill/>
+        </p:spPr>
+        <p:txBody>
+          <a:bodyPr wrap="square" rtlCol="0">
+            <a:spAutoFit/>
+          </a:bodyPr>
+          <a:lstStyle/>
+          <a:p>
+            <a:r>
+              <a:rPr kumimoji="1" lang="en-US" altLang="zh-CN" dirty="0" smtClean="0"/>
+              <a:t>By </a:t>
+            </a:r>
+            <a:r>
+              <a:rPr kumimoji="1" lang="en-US" altLang="zh-CN" smtClean="0"/>
+              <a:t>wear-leveling policy</a:t>
+            </a:r>
+            <a:endParaRPr kumimoji="1" lang="zh-CN" altLang="en-US" dirty="0"/>
+          </a:p>
+        </p:txBody>
+      </p:sp>
+      <p:sp>
+        <p:nvSpPr>
+          <p:cNvPr id="40" name="文本框 39"/>
+          <p:cNvSpPr txBox="1"/>
+          <p:nvPr/>
+        </p:nvSpPr>
+        <p:spPr>
+          <a:xfrm>
+            <a:off x="3734849" y="3979639"/>
+            <a:ext cx="1095290" cy="923330"/>
+          </a:xfrm>
+          <a:prstGeom prst="rect">
+            <a:avLst/>
+          </a:prstGeom>
+          <a:noFill/>
+        </p:spPr>
+        <p:txBody>
+          <a:bodyPr wrap="square" rtlCol="0">
+            <a:spAutoFit/>
+          </a:bodyPr>
+          <a:lstStyle/>
+          <a:p>
+            <a:r>
+              <a:rPr kumimoji="1" lang="en-US" altLang="zh-CN" dirty="0" smtClean="0"/>
+              <a:t>By wear-leveling policy</a:t>
+            </a:r>
+            <a:endParaRPr kumimoji="1" lang="zh-CN" altLang="en-US" dirty="0"/>
+          </a:p>
+        </p:txBody>
+      </p:sp>
+      <p:sp>
+        <p:nvSpPr>
+          <p:cNvPr id="41" name="文本框 40"/>
+          <p:cNvSpPr txBox="1"/>
+          <p:nvPr/>
+        </p:nvSpPr>
+        <p:spPr>
+          <a:xfrm>
+            <a:off x="1473496" y="3627218"/>
+            <a:ext cx="1674406" cy="1200329"/>
+          </a:xfrm>
+          <a:prstGeom prst="rect">
+            <a:avLst/>
+          </a:prstGeom>
+          <a:noFill/>
+        </p:spPr>
+        <p:txBody>
+          <a:bodyPr wrap="square" rtlCol="0">
+            <a:spAutoFit/>
+          </a:bodyPr>
+          <a:lstStyle/>
+          <a:p>
+            <a:r>
+              <a:rPr kumimoji="1" lang="en-US" altLang="zh-CN" dirty="0" smtClean="0"/>
+              <a:t>The number of </a:t>
+            </a:r>
+            <a:r>
+              <a:rPr kumimoji="1" lang="en-US" altLang="zh-CN" dirty="0"/>
+              <a:t>b</a:t>
+            </a:r>
+            <a:r>
+              <a:rPr kumimoji="1" lang="en-US" altLang="zh-CN" dirty="0" smtClean="0"/>
+              <a:t>lock allocation time exceeds the threshold</a:t>
+            </a:r>
+            <a:endParaRPr kumimoji="1" lang="zh-CN" altLang="en-US" dirty="0"/>
+          </a:p>
+        </p:txBody>
+      </p:sp>
+    </p:spTree>
+    <p:extLst>
+      <p:ext uri="{BB962C8B-B14F-4D97-AF65-F5344CB8AC3E}">
+        <p14:creationId xmlns:p14="http://schemas.microsoft.com/office/powerpoint/2010/main" val="917609663"/>
+      </p:ext>
+    </p:extLst>
+  </p:cSld>
+  <p:clrMapOvr>
+    <a:masterClrMapping/>
+  </p:clrMapOvr>
+</p:sld>
+</file>
+
 <file path=ppt/theme/theme1.xml><?xml version="1.0" encoding="utf-8"?>
 <a:theme xmlns:a="http://schemas.openxmlformats.org/drawingml/2006/main" name="Office 主题">
   <a:themeElements>

--- a/paper/pic.pptx
+++ b/paper/pic.pptx
@@ -9,6 +9,8 @@
     <p:sldId id="257" r:id="rId3"/>
     <p:sldId id="258" r:id="rId4"/>
     <p:sldId id="259" r:id="rId5"/>
+    <p:sldId id="260" r:id="rId6"/>
+    <p:sldId id="261" r:id="rId7"/>
   </p:sldIdLst>
   <p:sldSz cx="12192000" cy="6858000"/>
   <p:notesSz cx="6858000" cy="9144000"/>
@@ -5483,8 +5485,8 @@
         </p:nvSpPr>
         <p:spPr>
           <a:xfrm>
-            <a:off x="4699000" y="2219066"/>
-            <a:ext cx="3454400" cy="562233"/>
+            <a:off x="4699000" y="2229879"/>
+            <a:ext cx="3454400" cy="551420"/>
           </a:xfrm>
           <a:prstGeom prst="rect">
             <a:avLst/>
@@ -7084,6 +7086,1522 @@
     <p:extLst>
       <p:ext uri="{BB962C8B-B14F-4D97-AF65-F5344CB8AC3E}">
         <p14:creationId xmlns:p14="http://schemas.microsoft.com/office/powerpoint/2010/main" val="917609663"/>
+      </p:ext>
+    </p:extLst>
+  </p:cSld>
+  <p:clrMapOvr>
+    <a:masterClrMapping/>
+  </p:clrMapOvr>
+</p:sld>
+</file>
+
+<file path=ppt/slides/slide5.xml><?xml version="1.0" encoding="utf-8"?>
+<p:sld xmlns:a="http://schemas.openxmlformats.org/drawingml/2006/main" xmlns:r="http://schemas.openxmlformats.org/officeDocument/2006/relationships" xmlns:p="http://schemas.openxmlformats.org/presentationml/2006/main">
+  <p:cSld>
+    <p:spTree>
+      <p:nvGrpSpPr>
+        <p:cNvPr id="1" name=""/>
+        <p:cNvGrpSpPr/>
+        <p:nvPr/>
+      </p:nvGrpSpPr>
+      <p:grpSpPr>
+        <a:xfrm>
+          <a:off x="0" y="0"/>
+          <a:ext cx="0" cy="0"/>
+          <a:chOff x="0" y="0"/>
+          <a:chExt cx="0" cy="0"/>
+        </a:xfrm>
+      </p:grpSpPr>
+      <p:sp>
+        <p:nvSpPr>
+          <p:cNvPr id="5" name="矩形 4"/>
+          <p:cNvSpPr/>
+          <p:nvPr/>
+        </p:nvSpPr>
+        <p:spPr>
+          <a:xfrm>
+            <a:off x="3309871" y="3316894"/>
+            <a:ext cx="6439436" cy="483340"/>
+          </a:xfrm>
+          <a:prstGeom prst="rect">
+            <a:avLst/>
+          </a:prstGeom>
+          <a:noFill/>
+          <a:ln w="25400">
+            <a:solidFill>
+              <a:schemeClr val="tx1"/>
+            </a:solidFill>
+          </a:ln>
+        </p:spPr>
+        <p:style>
+          <a:lnRef idx="2">
+            <a:schemeClr val="accent1">
+              <a:shade val="50000"/>
+            </a:schemeClr>
+          </a:lnRef>
+          <a:fillRef idx="1">
+            <a:schemeClr val="accent1"/>
+          </a:fillRef>
+          <a:effectRef idx="0">
+            <a:schemeClr val="accent1"/>
+          </a:effectRef>
+          <a:fontRef idx="minor">
+            <a:schemeClr val="lt1"/>
+          </a:fontRef>
+        </p:style>
+        <p:txBody>
+          <a:bodyPr rtlCol="0" anchor="ctr"/>
+          <a:lstStyle/>
+          <a:p>
+            <a:pPr algn="ctr"/>
+            <a:endParaRPr kumimoji="1" lang="zh-CN" altLang="en-US"/>
+          </a:p>
+        </p:txBody>
+      </p:sp>
+      <p:sp>
+        <p:nvSpPr>
+          <p:cNvPr id="12" name="文本框 11"/>
+          <p:cNvSpPr txBox="1"/>
+          <p:nvPr/>
+        </p:nvSpPr>
+        <p:spPr>
+          <a:xfrm>
+            <a:off x="6326684" y="3316894"/>
+            <a:ext cx="463588" cy="369332"/>
+          </a:xfrm>
+          <a:prstGeom prst="rect">
+            <a:avLst/>
+          </a:prstGeom>
+          <a:noFill/>
+        </p:spPr>
+        <p:txBody>
+          <a:bodyPr wrap="none" rtlCol="0">
+            <a:spAutoFit/>
+          </a:bodyPr>
+          <a:lstStyle/>
+          <a:p>
+            <a:r>
+              <a:rPr kumimoji="1" lang="en-US" altLang="zh-CN" dirty="0" smtClean="0"/>
+              <a:t>. . .</a:t>
+            </a:r>
+            <a:endParaRPr kumimoji="1" lang="zh-CN" altLang="en-US" dirty="0"/>
+          </a:p>
+        </p:txBody>
+      </p:sp>
+      <p:sp>
+        <p:nvSpPr>
+          <p:cNvPr id="13" name="文本框 12"/>
+          <p:cNvSpPr txBox="1"/>
+          <p:nvPr/>
+        </p:nvSpPr>
+        <p:spPr>
+          <a:xfrm>
+            <a:off x="8631215" y="3316894"/>
+            <a:ext cx="463588" cy="369332"/>
+          </a:xfrm>
+          <a:prstGeom prst="rect">
+            <a:avLst/>
+          </a:prstGeom>
+          <a:noFill/>
+        </p:spPr>
+        <p:txBody>
+          <a:bodyPr wrap="none" rtlCol="0">
+            <a:spAutoFit/>
+          </a:bodyPr>
+          <a:lstStyle/>
+          <a:p>
+            <a:r>
+              <a:rPr kumimoji="1" lang="en-US" altLang="zh-CN" dirty="0" smtClean="0"/>
+              <a:t>. . .</a:t>
+            </a:r>
+            <a:endParaRPr kumimoji="1" lang="zh-CN" altLang="en-US" dirty="0"/>
+          </a:p>
+        </p:txBody>
+      </p:sp>
+      <p:sp>
+        <p:nvSpPr>
+          <p:cNvPr id="14" name="矩形 13"/>
+          <p:cNvSpPr/>
+          <p:nvPr/>
+        </p:nvSpPr>
+        <p:spPr>
+          <a:xfrm>
+            <a:off x="3309870" y="1894008"/>
+            <a:ext cx="6181859" cy="489397"/>
+          </a:xfrm>
+          <a:prstGeom prst="rect">
+            <a:avLst/>
+          </a:prstGeom>
+          <a:noFill/>
+        </p:spPr>
+        <p:style>
+          <a:lnRef idx="2">
+            <a:schemeClr val="accent1">
+              <a:shade val="50000"/>
+            </a:schemeClr>
+          </a:lnRef>
+          <a:fillRef idx="1">
+            <a:schemeClr val="accent1"/>
+          </a:fillRef>
+          <a:effectRef idx="0">
+            <a:schemeClr val="accent1"/>
+          </a:effectRef>
+          <a:fontRef idx="minor">
+            <a:schemeClr val="lt1"/>
+          </a:fontRef>
+        </p:style>
+        <p:txBody>
+          <a:bodyPr rtlCol="0" anchor="ctr"/>
+          <a:lstStyle/>
+          <a:p>
+            <a:pPr algn="ctr"/>
+            <a:endParaRPr kumimoji="1" lang="zh-CN" altLang="en-US"/>
+          </a:p>
+        </p:txBody>
+      </p:sp>
+      <p:sp>
+        <p:nvSpPr>
+          <p:cNvPr id="15" name="矩形 14"/>
+          <p:cNvSpPr/>
+          <p:nvPr/>
+        </p:nvSpPr>
+        <p:spPr>
+          <a:xfrm>
+            <a:off x="3309870" y="1894008"/>
+            <a:ext cx="1378039" cy="489397"/>
+          </a:xfrm>
+          <a:prstGeom prst="rect">
+            <a:avLst/>
+          </a:prstGeom>
+        </p:spPr>
+        <p:style>
+          <a:lnRef idx="2">
+            <a:schemeClr val="accent1">
+              <a:shade val="50000"/>
+            </a:schemeClr>
+          </a:lnRef>
+          <a:fillRef idx="1">
+            <a:schemeClr val="accent1"/>
+          </a:fillRef>
+          <a:effectRef idx="0">
+            <a:schemeClr val="accent1"/>
+          </a:effectRef>
+          <a:fontRef idx="minor">
+            <a:schemeClr val="lt1"/>
+          </a:fontRef>
+        </p:style>
+        <p:txBody>
+          <a:bodyPr rtlCol="0" anchor="ctr"/>
+          <a:lstStyle/>
+          <a:p>
+            <a:pPr algn="ctr"/>
+            <a:r>
+              <a:rPr kumimoji="1" lang="en-US" altLang="zh-CN" dirty="0"/>
+              <a:t>p</a:t>
+            </a:r>
+            <a:r>
+              <a:rPr kumimoji="1" lang="en-US" altLang="zh-CN" dirty="0" smtClean="0"/>
+              <a:t>ool_start</a:t>
+            </a:r>
+            <a:endParaRPr kumimoji="1" lang="zh-CN" altLang="en-US" dirty="0"/>
+          </a:p>
+        </p:txBody>
+      </p:sp>
+      <p:sp>
+        <p:nvSpPr>
+          <p:cNvPr id="16" name="矩形 15"/>
+          <p:cNvSpPr/>
+          <p:nvPr/>
+        </p:nvSpPr>
+        <p:spPr>
+          <a:xfrm>
+            <a:off x="4765183" y="1894008"/>
+            <a:ext cx="1378039" cy="489397"/>
+          </a:xfrm>
+          <a:prstGeom prst="rect">
+            <a:avLst/>
+          </a:prstGeom>
+        </p:spPr>
+        <p:style>
+          <a:lnRef idx="2">
+            <a:schemeClr val="accent1">
+              <a:shade val="50000"/>
+            </a:schemeClr>
+          </a:lnRef>
+          <a:fillRef idx="1">
+            <a:schemeClr val="accent1"/>
+          </a:fillRef>
+          <a:effectRef idx="0">
+            <a:schemeClr val="accent1"/>
+          </a:effectRef>
+          <a:fontRef idx="minor">
+            <a:schemeClr val="lt1"/>
+          </a:fontRef>
+        </p:style>
+        <p:txBody>
+          <a:bodyPr rtlCol="0" anchor="ctr"/>
+          <a:lstStyle/>
+          <a:p>
+            <a:pPr algn="ctr"/>
+            <a:r>
+              <a:rPr kumimoji="1" lang="en-US" altLang="zh-CN" dirty="0" smtClean="0"/>
+              <a:t>pool_free</a:t>
+            </a:r>
+            <a:endParaRPr kumimoji="1" lang="zh-CN" altLang="en-US" dirty="0"/>
+          </a:p>
+        </p:txBody>
+      </p:sp>
+      <p:sp>
+        <p:nvSpPr>
+          <p:cNvPr id="18" name="矩形 17"/>
+          <p:cNvSpPr/>
+          <p:nvPr/>
+        </p:nvSpPr>
+        <p:spPr>
+          <a:xfrm>
+            <a:off x="3348899" y="3361486"/>
+            <a:ext cx="612140" cy="394155"/>
+          </a:xfrm>
+          <a:prstGeom prst="rect">
+            <a:avLst/>
+          </a:prstGeom>
+          <a:noFill/>
+          <a:ln w="50800">
+            <a:solidFill>
+              <a:schemeClr val="accent6"/>
+            </a:solidFill>
+          </a:ln>
+        </p:spPr>
+        <p:style>
+          <a:lnRef idx="2">
+            <a:schemeClr val="accent1">
+              <a:shade val="50000"/>
+            </a:schemeClr>
+          </a:lnRef>
+          <a:fillRef idx="1">
+            <a:schemeClr val="accent1"/>
+          </a:fillRef>
+          <a:effectRef idx="0">
+            <a:schemeClr val="accent1"/>
+          </a:effectRef>
+          <a:fontRef idx="minor">
+            <a:schemeClr val="lt1"/>
+          </a:fontRef>
+        </p:style>
+        <p:txBody>
+          <a:bodyPr rtlCol="0" anchor="ctr"/>
+          <a:lstStyle/>
+          <a:p>
+            <a:pPr algn="ctr"/>
+            <a:endParaRPr kumimoji="1" lang="zh-CN" altLang="en-US"/>
+          </a:p>
+        </p:txBody>
+      </p:sp>
+      <p:sp>
+        <p:nvSpPr>
+          <p:cNvPr id="19" name="矩形 18"/>
+          <p:cNvSpPr/>
+          <p:nvPr/>
+        </p:nvSpPr>
+        <p:spPr>
+          <a:xfrm>
+            <a:off x="3982221" y="3360603"/>
+            <a:ext cx="612140" cy="404175"/>
+          </a:xfrm>
+          <a:prstGeom prst="rect">
+            <a:avLst/>
+          </a:prstGeom>
+          <a:noFill/>
+          <a:ln w="50800">
+            <a:solidFill>
+              <a:schemeClr val="accent6"/>
+            </a:solidFill>
+          </a:ln>
+        </p:spPr>
+        <p:style>
+          <a:lnRef idx="2">
+            <a:schemeClr val="accent1">
+              <a:shade val="50000"/>
+            </a:schemeClr>
+          </a:lnRef>
+          <a:fillRef idx="1">
+            <a:schemeClr val="accent1"/>
+          </a:fillRef>
+          <a:effectRef idx="0">
+            <a:schemeClr val="accent1"/>
+          </a:effectRef>
+          <a:fontRef idx="minor">
+            <a:schemeClr val="lt1"/>
+          </a:fontRef>
+        </p:style>
+        <p:txBody>
+          <a:bodyPr rtlCol="0" anchor="ctr"/>
+          <a:lstStyle/>
+          <a:p>
+            <a:pPr algn="ctr"/>
+            <a:endParaRPr kumimoji="1" lang="zh-CN" altLang="en-US"/>
+          </a:p>
+        </p:txBody>
+      </p:sp>
+      <p:sp>
+        <p:nvSpPr>
+          <p:cNvPr id="20" name="矩形 19"/>
+          <p:cNvSpPr/>
+          <p:nvPr/>
+        </p:nvSpPr>
+        <p:spPr>
+          <a:xfrm>
+            <a:off x="5302403" y="3361484"/>
+            <a:ext cx="612140" cy="394155"/>
+          </a:xfrm>
+          <a:prstGeom prst="rect">
+            <a:avLst/>
+          </a:prstGeom>
+          <a:noFill/>
+          <a:ln w="50800">
+            <a:solidFill>
+              <a:schemeClr val="accent6"/>
+            </a:solidFill>
+          </a:ln>
+        </p:spPr>
+        <p:style>
+          <a:lnRef idx="2">
+            <a:schemeClr val="accent1">
+              <a:shade val="50000"/>
+            </a:schemeClr>
+          </a:lnRef>
+          <a:fillRef idx="1">
+            <a:schemeClr val="accent1"/>
+          </a:fillRef>
+          <a:effectRef idx="0">
+            <a:schemeClr val="accent1"/>
+          </a:effectRef>
+          <a:fontRef idx="minor">
+            <a:schemeClr val="lt1"/>
+          </a:fontRef>
+        </p:style>
+        <p:txBody>
+          <a:bodyPr rtlCol="0" anchor="ctr"/>
+          <a:lstStyle/>
+          <a:p>
+            <a:pPr algn="ctr"/>
+            <a:endParaRPr kumimoji="1" lang="zh-CN" altLang="en-US"/>
+          </a:p>
+        </p:txBody>
+      </p:sp>
+      <p:sp>
+        <p:nvSpPr>
+          <p:cNvPr id="21" name="矩形 20"/>
+          <p:cNvSpPr/>
+          <p:nvPr/>
+        </p:nvSpPr>
+        <p:spPr>
+          <a:xfrm>
+            <a:off x="4651235" y="3361484"/>
+            <a:ext cx="612140" cy="394155"/>
+          </a:xfrm>
+          <a:prstGeom prst="rect">
+            <a:avLst/>
+          </a:prstGeom>
+          <a:noFill/>
+          <a:ln w="50800">
+            <a:solidFill>
+              <a:schemeClr val="accent6"/>
+            </a:solidFill>
+          </a:ln>
+        </p:spPr>
+        <p:style>
+          <a:lnRef idx="2">
+            <a:schemeClr val="accent1">
+              <a:shade val="50000"/>
+            </a:schemeClr>
+          </a:lnRef>
+          <a:fillRef idx="1">
+            <a:schemeClr val="accent1"/>
+          </a:fillRef>
+          <a:effectRef idx="0">
+            <a:schemeClr val="accent1"/>
+          </a:effectRef>
+          <a:fontRef idx="minor">
+            <a:schemeClr val="lt1"/>
+          </a:fontRef>
+        </p:style>
+        <p:txBody>
+          <a:bodyPr rtlCol="0" anchor="ctr"/>
+          <a:lstStyle/>
+          <a:p>
+            <a:pPr algn="ctr"/>
+            <a:endParaRPr kumimoji="1" lang="zh-CN" altLang="en-US"/>
+          </a:p>
+        </p:txBody>
+      </p:sp>
+      <p:sp>
+        <p:nvSpPr>
+          <p:cNvPr id="23" name="矩形 22"/>
+          <p:cNvSpPr/>
+          <p:nvPr/>
+        </p:nvSpPr>
+        <p:spPr>
+          <a:xfrm>
+            <a:off x="7481848" y="3361484"/>
+            <a:ext cx="612140" cy="394155"/>
+          </a:xfrm>
+          <a:prstGeom prst="rect">
+            <a:avLst/>
+          </a:prstGeom>
+          <a:noFill/>
+          <a:ln w="50800">
+            <a:solidFill>
+              <a:schemeClr val="accent6"/>
+            </a:solidFill>
+          </a:ln>
+        </p:spPr>
+        <p:style>
+          <a:lnRef idx="2">
+            <a:schemeClr val="accent1">
+              <a:shade val="50000"/>
+            </a:schemeClr>
+          </a:lnRef>
+          <a:fillRef idx="1">
+            <a:schemeClr val="accent1"/>
+          </a:fillRef>
+          <a:effectRef idx="0">
+            <a:schemeClr val="accent1"/>
+          </a:effectRef>
+          <a:fontRef idx="minor">
+            <a:schemeClr val="lt1"/>
+          </a:fontRef>
+        </p:style>
+        <p:txBody>
+          <a:bodyPr rtlCol="0" anchor="ctr"/>
+          <a:lstStyle/>
+          <a:p>
+            <a:pPr algn="ctr"/>
+            <a:endParaRPr kumimoji="1" lang="zh-CN" altLang="en-US"/>
+          </a:p>
+        </p:txBody>
+      </p:sp>
+      <p:sp>
+        <p:nvSpPr>
+          <p:cNvPr id="24" name="矩形 23"/>
+          <p:cNvSpPr/>
+          <p:nvPr/>
+        </p:nvSpPr>
+        <p:spPr>
+          <a:xfrm>
+            <a:off x="10672040" y="3346561"/>
+            <a:ext cx="612140" cy="419100"/>
+          </a:xfrm>
+          <a:prstGeom prst="rect">
+            <a:avLst/>
+          </a:prstGeom>
+          <a:noFill/>
+          <a:ln w="50800">
+            <a:solidFill>
+              <a:schemeClr val="accent6"/>
+            </a:solidFill>
+          </a:ln>
+        </p:spPr>
+        <p:style>
+          <a:lnRef idx="2">
+            <a:schemeClr val="accent1">
+              <a:shade val="50000"/>
+            </a:schemeClr>
+          </a:lnRef>
+          <a:fillRef idx="1">
+            <a:schemeClr val="accent1"/>
+          </a:fillRef>
+          <a:effectRef idx="0">
+            <a:schemeClr val="accent1"/>
+          </a:effectRef>
+          <a:fontRef idx="minor">
+            <a:schemeClr val="lt1"/>
+          </a:fontRef>
+        </p:style>
+        <p:txBody>
+          <a:bodyPr rtlCol="0" anchor="ctr"/>
+          <a:lstStyle/>
+          <a:p>
+            <a:pPr algn="ctr"/>
+            <a:endParaRPr kumimoji="1" lang="zh-CN" altLang="en-US"/>
+          </a:p>
+        </p:txBody>
+      </p:sp>
+      <p:sp>
+        <p:nvSpPr>
+          <p:cNvPr id="25" name="文本框 24"/>
+          <p:cNvSpPr txBox="1"/>
+          <p:nvPr/>
+        </p:nvSpPr>
+        <p:spPr>
+          <a:xfrm>
+            <a:off x="10602045" y="3010329"/>
+            <a:ext cx="752129" cy="369332"/>
+          </a:xfrm>
+          <a:prstGeom prst="rect">
+            <a:avLst/>
+          </a:prstGeom>
+          <a:noFill/>
+        </p:spPr>
+        <p:txBody>
+          <a:bodyPr wrap="none" rtlCol="0">
+            <a:spAutoFit/>
+          </a:bodyPr>
+          <a:lstStyle/>
+          <a:p>
+            <a:r>
+              <a:rPr kumimoji="1" lang="en-US" altLang="zh-CN" smtClean="0"/>
+              <a:t>chunk</a:t>
+            </a:r>
+            <a:endParaRPr kumimoji="1" lang="zh-CN" altLang="en-US" dirty="0"/>
+          </a:p>
+        </p:txBody>
+      </p:sp>
+      <p:sp>
+        <p:nvSpPr>
+          <p:cNvPr id="26" name="矩形 25"/>
+          <p:cNvSpPr/>
+          <p:nvPr/>
+        </p:nvSpPr>
+        <p:spPr>
+          <a:xfrm>
+            <a:off x="6220496" y="1894008"/>
+            <a:ext cx="1378039" cy="489397"/>
+          </a:xfrm>
+          <a:prstGeom prst="rect">
+            <a:avLst/>
+          </a:prstGeom>
+        </p:spPr>
+        <p:style>
+          <a:lnRef idx="2">
+            <a:schemeClr val="accent1">
+              <a:shade val="50000"/>
+            </a:schemeClr>
+          </a:lnRef>
+          <a:fillRef idx="1">
+            <a:schemeClr val="accent1"/>
+          </a:fillRef>
+          <a:effectRef idx="0">
+            <a:schemeClr val="accent1"/>
+          </a:effectRef>
+          <a:fontRef idx="minor">
+            <a:schemeClr val="lt1"/>
+          </a:fontRef>
+        </p:style>
+        <p:txBody>
+          <a:bodyPr rtlCol="0" anchor="ctr"/>
+          <a:lstStyle/>
+          <a:p>
+            <a:pPr algn="ctr"/>
+            <a:r>
+              <a:rPr kumimoji="1" lang="en-US" altLang="zh-CN" dirty="0" smtClean="0"/>
+              <a:t>pool_end</a:t>
+            </a:r>
+            <a:endParaRPr kumimoji="1" lang="zh-CN" altLang="en-US" dirty="0"/>
+          </a:p>
+        </p:txBody>
+      </p:sp>
+      <p:sp>
+        <p:nvSpPr>
+          <p:cNvPr id="27" name="矩形 26"/>
+          <p:cNvSpPr/>
+          <p:nvPr/>
+        </p:nvSpPr>
+        <p:spPr>
+          <a:xfrm>
+            <a:off x="7675809" y="1894008"/>
+            <a:ext cx="1378039" cy="489397"/>
+          </a:xfrm>
+          <a:prstGeom prst="rect">
+            <a:avLst/>
+          </a:prstGeom>
+        </p:spPr>
+        <p:style>
+          <a:lnRef idx="2">
+            <a:schemeClr val="accent1">
+              <a:shade val="50000"/>
+            </a:schemeClr>
+          </a:lnRef>
+          <a:fillRef idx="1">
+            <a:schemeClr val="accent1"/>
+          </a:fillRef>
+          <a:effectRef idx="0">
+            <a:schemeClr val="accent1"/>
+          </a:effectRef>
+          <a:fontRef idx="minor">
+            <a:schemeClr val="lt1"/>
+          </a:fontRef>
+        </p:style>
+        <p:txBody>
+          <a:bodyPr rtlCol="0" anchor="ctr"/>
+          <a:lstStyle/>
+          <a:p>
+            <a:pPr algn="ctr"/>
+            <a:r>
+              <a:rPr kumimoji="1" lang="en-US" altLang="zh-CN" dirty="0"/>
+              <a:t>f</a:t>
+            </a:r>
+            <a:r>
+              <a:rPr kumimoji="1" lang="en-US" altLang="zh-CN" dirty="0" smtClean="0"/>
+              <a:t>ree_list</a:t>
+            </a:r>
+            <a:endParaRPr kumimoji="1" lang="zh-CN" altLang="en-US" dirty="0"/>
+          </a:p>
+        </p:txBody>
+      </p:sp>
+      <p:cxnSp>
+        <p:nvCxnSpPr>
+          <p:cNvPr id="29" name="直线箭头连接符 28"/>
+          <p:cNvCxnSpPr/>
+          <p:nvPr/>
+        </p:nvCxnSpPr>
+        <p:spPr>
+          <a:xfrm flipH="1">
+            <a:off x="3261461" y="2383405"/>
+            <a:ext cx="737429" cy="626924"/>
+          </a:xfrm>
+          <a:prstGeom prst="straightConnector1">
+            <a:avLst/>
+          </a:prstGeom>
+          <a:ln>
+            <a:tailEnd type="triangle"/>
+          </a:ln>
+        </p:spPr>
+        <p:style>
+          <a:lnRef idx="1">
+            <a:schemeClr val="accent1"/>
+          </a:lnRef>
+          <a:fillRef idx="0">
+            <a:schemeClr val="accent1"/>
+          </a:fillRef>
+          <a:effectRef idx="0">
+            <a:schemeClr val="accent1"/>
+          </a:effectRef>
+          <a:fontRef idx="minor">
+            <a:schemeClr val="tx1"/>
+          </a:fontRef>
+        </p:style>
+      </p:cxnSp>
+      <p:cxnSp>
+        <p:nvCxnSpPr>
+          <p:cNvPr id="33" name="直线箭头连接符 32"/>
+          <p:cNvCxnSpPr>
+            <a:stCxn id="26" idx="2"/>
+          </p:cNvCxnSpPr>
+          <p:nvPr/>
+        </p:nvCxnSpPr>
+        <p:spPr>
+          <a:xfrm>
+            <a:off x="6909516" y="2383405"/>
+            <a:ext cx="2839791" cy="489041"/>
+          </a:xfrm>
+          <a:prstGeom prst="straightConnector1">
+            <a:avLst/>
+          </a:prstGeom>
+          <a:ln>
+            <a:tailEnd type="triangle"/>
+          </a:ln>
+        </p:spPr>
+        <p:style>
+          <a:lnRef idx="1">
+            <a:schemeClr val="accent1"/>
+          </a:lnRef>
+          <a:fillRef idx="0">
+            <a:schemeClr val="accent1"/>
+          </a:fillRef>
+          <a:effectRef idx="0">
+            <a:schemeClr val="accent1"/>
+          </a:effectRef>
+          <a:fontRef idx="minor">
+            <a:schemeClr val="tx1"/>
+          </a:fontRef>
+        </p:style>
+      </p:cxnSp>
+      <p:cxnSp>
+        <p:nvCxnSpPr>
+          <p:cNvPr id="35" name="直线箭头连接符 34"/>
+          <p:cNvCxnSpPr/>
+          <p:nvPr/>
+        </p:nvCxnSpPr>
+        <p:spPr>
+          <a:xfrm>
+            <a:off x="5473521" y="2383405"/>
+            <a:ext cx="2015934" cy="626924"/>
+          </a:xfrm>
+          <a:prstGeom prst="straightConnector1">
+            <a:avLst/>
+          </a:prstGeom>
+          <a:ln>
+            <a:tailEnd type="triangle"/>
+          </a:ln>
+        </p:spPr>
+        <p:style>
+          <a:lnRef idx="1">
+            <a:schemeClr val="accent1"/>
+          </a:lnRef>
+          <a:fillRef idx="0">
+            <a:schemeClr val="accent1"/>
+          </a:fillRef>
+          <a:effectRef idx="0">
+            <a:schemeClr val="accent1"/>
+          </a:effectRef>
+          <a:fontRef idx="minor">
+            <a:schemeClr val="tx1"/>
+          </a:fontRef>
+        </p:style>
+      </p:cxnSp>
+      <p:cxnSp>
+        <p:nvCxnSpPr>
+          <p:cNvPr id="37" name="直线箭头连接符 36"/>
+          <p:cNvCxnSpPr>
+            <a:stCxn id="27" idx="2"/>
+          </p:cNvCxnSpPr>
+          <p:nvPr/>
+        </p:nvCxnSpPr>
+        <p:spPr>
+          <a:xfrm flipH="1">
+            <a:off x="5302403" y="2383405"/>
+            <a:ext cx="3062426" cy="626924"/>
+          </a:xfrm>
+          <a:prstGeom prst="straightConnector1">
+            <a:avLst/>
+          </a:prstGeom>
+          <a:ln>
+            <a:tailEnd type="triangle"/>
+          </a:ln>
+        </p:spPr>
+        <p:style>
+          <a:lnRef idx="1">
+            <a:schemeClr val="accent1"/>
+          </a:lnRef>
+          <a:fillRef idx="0">
+            <a:schemeClr val="accent1"/>
+          </a:fillRef>
+          <a:effectRef idx="0">
+            <a:schemeClr val="accent1"/>
+          </a:effectRef>
+          <a:fontRef idx="minor">
+            <a:schemeClr val="tx1"/>
+          </a:fontRef>
+        </p:style>
+      </p:cxnSp>
+    </p:spTree>
+    <p:extLst>
+      <p:ext uri="{BB962C8B-B14F-4D97-AF65-F5344CB8AC3E}">
+        <p14:creationId xmlns:p14="http://schemas.microsoft.com/office/powerpoint/2010/main" val="574682290"/>
+      </p:ext>
+    </p:extLst>
+  </p:cSld>
+  <p:clrMapOvr>
+    <a:masterClrMapping/>
+  </p:clrMapOvr>
+</p:sld>
+</file>
+
+<file path=ppt/slides/slide6.xml><?xml version="1.0" encoding="utf-8"?>
+<p:sld xmlns:a="http://schemas.openxmlformats.org/drawingml/2006/main" xmlns:r="http://schemas.openxmlformats.org/officeDocument/2006/relationships" xmlns:p="http://schemas.openxmlformats.org/presentationml/2006/main">
+  <p:cSld>
+    <p:spTree>
+      <p:nvGrpSpPr>
+        <p:cNvPr id="1" name=""/>
+        <p:cNvGrpSpPr/>
+        <p:nvPr/>
+      </p:nvGrpSpPr>
+      <p:grpSpPr>
+        <a:xfrm>
+          <a:off x="0" y="0"/>
+          <a:ext cx="0" cy="0"/>
+          <a:chOff x="0" y="0"/>
+          <a:chExt cx="0" cy="0"/>
+        </a:xfrm>
+      </p:grpSpPr>
+      <p:cxnSp>
+        <p:nvCxnSpPr>
+          <p:cNvPr id="5" name="直线连接符 4"/>
+          <p:cNvCxnSpPr>
+            <a:endCxn id="74" idx="2"/>
+          </p:cNvCxnSpPr>
+          <p:nvPr/>
+        </p:nvCxnSpPr>
+        <p:spPr>
+          <a:xfrm flipH="1">
+            <a:off x="5819015" y="167425"/>
+            <a:ext cx="15115" cy="6284175"/>
+          </a:xfrm>
+          <a:prstGeom prst="line">
+            <a:avLst/>
+          </a:prstGeom>
+          <a:ln>
+            <a:solidFill>
+              <a:schemeClr val="accent1"/>
+            </a:solidFill>
+            <a:prstDash val="dash"/>
+          </a:ln>
+        </p:spPr>
+        <p:style>
+          <a:lnRef idx="1">
+            <a:schemeClr val="accent1"/>
+          </a:lnRef>
+          <a:fillRef idx="0">
+            <a:schemeClr val="accent1"/>
+          </a:fillRef>
+          <a:effectRef idx="0">
+            <a:schemeClr val="accent1"/>
+          </a:effectRef>
+          <a:fontRef idx="minor">
+            <a:schemeClr val="tx1"/>
+          </a:fontRef>
+        </p:style>
+      </p:cxnSp>
+      <p:sp>
+        <p:nvSpPr>
+          <p:cNvPr id="6" name="文本框 5"/>
+          <p:cNvSpPr txBox="1"/>
+          <p:nvPr/>
+        </p:nvSpPr>
+        <p:spPr>
+          <a:xfrm>
+            <a:off x="3670479" y="296214"/>
+            <a:ext cx="662361" cy="369332"/>
+          </a:xfrm>
+          <a:prstGeom prst="rect">
+            <a:avLst/>
+          </a:prstGeom>
+          <a:noFill/>
+        </p:spPr>
+        <p:txBody>
+          <a:bodyPr wrap="none" rtlCol="0">
+            <a:spAutoFit/>
+          </a:bodyPr>
+          <a:lstStyle/>
+          <a:p>
+            <a:r>
+              <a:rPr kumimoji="1" lang="en-US" altLang="zh-CN" dirty="0" smtClean="0"/>
+              <a:t>NVM</a:t>
+            </a:r>
+            <a:endParaRPr kumimoji="1" lang="zh-CN" altLang="en-US" dirty="0"/>
+          </a:p>
+        </p:txBody>
+      </p:sp>
+      <p:sp>
+        <p:nvSpPr>
+          <p:cNvPr id="7" name="文本框 6"/>
+          <p:cNvSpPr txBox="1"/>
+          <p:nvPr/>
+        </p:nvSpPr>
+        <p:spPr>
+          <a:xfrm>
+            <a:off x="7547020" y="296214"/>
+            <a:ext cx="782587" cy="369332"/>
+          </a:xfrm>
+          <a:prstGeom prst="rect">
+            <a:avLst/>
+          </a:prstGeom>
+          <a:noFill/>
+        </p:spPr>
+        <p:txBody>
+          <a:bodyPr wrap="none" rtlCol="0">
+            <a:spAutoFit/>
+          </a:bodyPr>
+          <a:lstStyle/>
+          <a:p>
+            <a:r>
+              <a:rPr kumimoji="1" lang="en-US" altLang="zh-CN" smtClean="0"/>
+              <a:t>DRAM</a:t>
+            </a:r>
+            <a:endParaRPr kumimoji="1" lang="zh-CN" altLang="en-US" dirty="0"/>
+          </a:p>
+        </p:txBody>
+      </p:sp>
+      <p:pic>
+        <p:nvPicPr>
+          <p:cNvPr id="38" name="图片 37"/>
+          <p:cNvPicPr>
+            <a:picLocks noChangeAspect="1"/>
+          </p:cNvPicPr>
+          <p:nvPr/>
+        </p:nvPicPr>
+        <p:blipFill>
+          <a:blip r:embed="rId2"/>
+          <a:stretch>
+            <a:fillRect/>
+          </a:stretch>
+        </p:blipFill>
+        <p:spPr>
+          <a:xfrm>
+            <a:off x="6051637" y="3183138"/>
+            <a:ext cx="5254919" cy="908050"/>
+          </a:xfrm>
+          <a:prstGeom prst="rect">
+            <a:avLst/>
+          </a:prstGeom>
+        </p:spPr>
+      </p:pic>
+      <p:pic>
+        <p:nvPicPr>
+          <p:cNvPr id="40" name="图片 39"/>
+          <p:cNvPicPr>
+            <a:picLocks noChangeAspect="1"/>
+          </p:cNvPicPr>
+          <p:nvPr/>
+        </p:nvPicPr>
+        <p:blipFill>
+          <a:blip r:embed="rId3"/>
+          <a:stretch>
+            <a:fillRect/>
+          </a:stretch>
+        </p:blipFill>
+        <p:spPr>
+          <a:xfrm>
+            <a:off x="6051637" y="1148640"/>
+            <a:ext cx="5429163" cy="514457"/>
+          </a:xfrm>
+          <a:prstGeom prst="rect">
+            <a:avLst/>
+          </a:prstGeom>
+        </p:spPr>
+      </p:pic>
+      <p:pic>
+        <p:nvPicPr>
+          <p:cNvPr id="41" name="图片 40"/>
+          <p:cNvPicPr>
+            <a:picLocks noChangeAspect="1"/>
+          </p:cNvPicPr>
+          <p:nvPr/>
+        </p:nvPicPr>
+        <p:blipFill>
+          <a:blip r:embed="rId4"/>
+          <a:stretch>
+            <a:fillRect/>
+          </a:stretch>
+        </p:blipFill>
+        <p:spPr>
+          <a:xfrm>
+            <a:off x="157230" y="2328596"/>
+            <a:ext cx="5676900" cy="528904"/>
+          </a:xfrm>
+          <a:prstGeom prst="rect">
+            <a:avLst/>
+          </a:prstGeom>
+        </p:spPr>
+      </p:pic>
+      <p:pic>
+        <p:nvPicPr>
+          <p:cNvPr id="42" name="图片 41"/>
+          <p:cNvPicPr>
+            <a:picLocks noChangeAspect="1"/>
+          </p:cNvPicPr>
+          <p:nvPr/>
+        </p:nvPicPr>
+        <p:blipFill>
+          <a:blip r:embed="rId5"/>
+          <a:stretch>
+            <a:fillRect/>
+          </a:stretch>
+        </p:blipFill>
+        <p:spPr>
+          <a:xfrm>
+            <a:off x="260115" y="5018671"/>
+            <a:ext cx="4170901" cy="1321316"/>
+          </a:xfrm>
+          <a:prstGeom prst="rect">
+            <a:avLst/>
+          </a:prstGeom>
+        </p:spPr>
+      </p:pic>
+      <p:cxnSp>
+        <p:nvCxnSpPr>
+          <p:cNvPr id="46" name="直线箭头连接符 45"/>
+          <p:cNvCxnSpPr/>
+          <p:nvPr/>
+        </p:nvCxnSpPr>
+        <p:spPr>
+          <a:xfrm flipH="1">
+            <a:off x="254000" y="1646761"/>
+            <a:ext cx="6375400" cy="815900"/>
+          </a:xfrm>
+          <a:prstGeom prst="straightConnector1">
+            <a:avLst/>
+          </a:prstGeom>
+          <a:ln w="25400">
+            <a:tailEnd type="triangle"/>
+          </a:ln>
+        </p:spPr>
+        <p:style>
+          <a:lnRef idx="1">
+            <a:schemeClr val="accent1"/>
+          </a:lnRef>
+          <a:fillRef idx="0">
+            <a:schemeClr val="accent1"/>
+          </a:fillRef>
+          <a:effectRef idx="0">
+            <a:schemeClr val="accent1"/>
+          </a:effectRef>
+          <a:fontRef idx="minor">
+            <a:schemeClr val="tx1"/>
+          </a:fontRef>
+        </p:style>
+      </p:cxnSp>
+      <p:cxnSp>
+        <p:nvCxnSpPr>
+          <p:cNvPr id="54" name="直线箭头连接符 53"/>
+          <p:cNvCxnSpPr/>
+          <p:nvPr/>
+        </p:nvCxnSpPr>
+        <p:spPr>
+          <a:xfrm flipH="1">
+            <a:off x="3124201" y="1646761"/>
+            <a:ext cx="4785520" cy="815900"/>
+          </a:xfrm>
+          <a:prstGeom prst="straightConnector1">
+            <a:avLst/>
+          </a:prstGeom>
+          <a:ln w="25400">
+            <a:tailEnd type="triangle"/>
+          </a:ln>
+        </p:spPr>
+        <p:style>
+          <a:lnRef idx="1">
+            <a:schemeClr val="accent1"/>
+          </a:lnRef>
+          <a:fillRef idx="0">
+            <a:schemeClr val="accent1"/>
+          </a:fillRef>
+          <a:effectRef idx="0">
+            <a:schemeClr val="accent1"/>
+          </a:effectRef>
+          <a:fontRef idx="minor">
+            <a:schemeClr val="tx1"/>
+          </a:fontRef>
+        </p:style>
+      </p:cxnSp>
+      <p:cxnSp>
+        <p:nvCxnSpPr>
+          <p:cNvPr id="56" name="直线箭头连接符 55"/>
+          <p:cNvCxnSpPr/>
+          <p:nvPr/>
+        </p:nvCxnSpPr>
+        <p:spPr>
+          <a:xfrm flipH="1">
+            <a:off x="4686300" y="1646761"/>
+            <a:ext cx="4409708" cy="815900"/>
+          </a:xfrm>
+          <a:prstGeom prst="straightConnector1">
+            <a:avLst/>
+          </a:prstGeom>
+          <a:ln w="25400">
+            <a:tailEnd type="triangle"/>
+          </a:ln>
+        </p:spPr>
+        <p:style>
+          <a:lnRef idx="1">
+            <a:schemeClr val="accent1"/>
+          </a:lnRef>
+          <a:fillRef idx="0">
+            <a:schemeClr val="accent1"/>
+          </a:fillRef>
+          <a:effectRef idx="0">
+            <a:schemeClr val="accent1"/>
+          </a:effectRef>
+          <a:fontRef idx="minor">
+            <a:schemeClr val="tx1"/>
+          </a:fontRef>
+        </p:style>
+      </p:cxnSp>
+      <p:cxnSp>
+        <p:nvCxnSpPr>
+          <p:cNvPr id="68" name="直线箭头连接符 67"/>
+          <p:cNvCxnSpPr/>
+          <p:nvPr/>
+        </p:nvCxnSpPr>
+        <p:spPr>
+          <a:xfrm flipH="1">
+            <a:off x="350772" y="4091188"/>
+            <a:ext cx="5999228" cy="927483"/>
+          </a:xfrm>
+          <a:prstGeom prst="straightConnector1">
+            <a:avLst/>
+          </a:prstGeom>
+          <a:ln w="25400">
+            <a:tailEnd type="triangle"/>
+          </a:ln>
+        </p:spPr>
+        <p:style>
+          <a:lnRef idx="1">
+            <a:schemeClr val="accent1"/>
+          </a:lnRef>
+          <a:fillRef idx="0">
+            <a:schemeClr val="accent1"/>
+          </a:fillRef>
+          <a:effectRef idx="0">
+            <a:schemeClr val="accent1"/>
+          </a:effectRef>
+          <a:fontRef idx="minor">
+            <a:schemeClr val="tx1"/>
+          </a:fontRef>
+        </p:style>
+      </p:cxnSp>
+      <p:sp>
+        <p:nvSpPr>
+          <p:cNvPr id="70" name="文本框 69"/>
+          <p:cNvSpPr txBox="1"/>
+          <p:nvPr/>
+        </p:nvSpPr>
+        <p:spPr>
+          <a:xfrm>
+            <a:off x="7909721" y="871568"/>
+            <a:ext cx="1313180" cy="369332"/>
+          </a:xfrm>
+          <a:prstGeom prst="rect">
+            <a:avLst/>
+          </a:prstGeom>
+          <a:noFill/>
+        </p:spPr>
+        <p:txBody>
+          <a:bodyPr wrap="none" rtlCol="0">
+            <a:spAutoFit/>
+          </a:bodyPr>
+          <a:lstStyle/>
+          <a:p>
+            <a:r>
+              <a:rPr kumimoji="1" lang="en-US" altLang="zh-CN" smtClean="0"/>
+              <a:t>Global heap</a:t>
+            </a:r>
+            <a:endParaRPr kumimoji="1" lang="zh-CN" altLang="en-US" dirty="0"/>
+          </a:p>
+        </p:txBody>
+      </p:sp>
+      <p:sp>
+        <p:nvSpPr>
+          <p:cNvPr id="73" name="文本框 72"/>
+          <p:cNvSpPr txBox="1"/>
+          <p:nvPr/>
+        </p:nvSpPr>
+        <p:spPr>
+          <a:xfrm>
+            <a:off x="7909721" y="2887564"/>
+            <a:ext cx="1186287" cy="369332"/>
+          </a:xfrm>
+          <a:prstGeom prst="rect">
+            <a:avLst/>
+          </a:prstGeom>
+          <a:noFill/>
+        </p:spPr>
+        <p:txBody>
+          <a:bodyPr wrap="none" rtlCol="0">
+            <a:spAutoFit/>
+          </a:bodyPr>
+          <a:lstStyle/>
+          <a:p>
+            <a:r>
+              <a:rPr kumimoji="1" lang="en-US" altLang="zh-CN" smtClean="0"/>
+              <a:t>Local heap</a:t>
+            </a:r>
+            <a:endParaRPr kumimoji="1" lang="zh-CN" altLang="en-US" dirty="0"/>
+          </a:p>
+        </p:txBody>
+      </p:sp>
+      <p:sp>
+        <p:nvSpPr>
+          <p:cNvPr id="74" name="矩形 73"/>
+          <p:cNvSpPr/>
+          <p:nvPr/>
+        </p:nvSpPr>
+        <p:spPr>
+          <a:xfrm>
+            <a:off x="157230" y="167425"/>
+            <a:ext cx="11323570" cy="6284175"/>
+          </a:xfrm>
+          <a:prstGeom prst="rect">
+            <a:avLst/>
+          </a:prstGeom>
+          <a:noFill/>
+        </p:spPr>
+        <p:style>
+          <a:lnRef idx="2">
+            <a:schemeClr val="accent1">
+              <a:shade val="50000"/>
+            </a:schemeClr>
+          </a:lnRef>
+          <a:fillRef idx="1">
+            <a:schemeClr val="accent1"/>
+          </a:fillRef>
+          <a:effectRef idx="0">
+            <a:schemeClr val="accent1"/>
+          </a:effectRef>
+          <a:fontRef idx="minor">
+            <a:schemeClr val="lt1"/>
+          </a:fontRef>
+        </p:style>
+        <p:txBody>
+          <a:bodyPr rtlCol="0" anchor="ctr"/>
+          <a:lstStyle/>
+          <a:p>
+            <a:pPr algn="ctr"/>
+            <a:endParaRPr kumimoji="1" lang="zh-CN" altLang="en-US"/>
+          </a:p>
+        </p:txBody>
+      </p:sp>
+      <p:pic>
+        <p:nvPicPr>
+          <p:cNvPr id="81" name="图片 80"/>
+          <p:cNvPicPr>
+            <a:picLocks noChangeAspect="1"/>
+          </p:cNvPicPr>
+          <p:nvPr/>
+        </p:nvPicPr>
+        <p:blipFill>
+          <a:blip r:embed="rId6"/>
+          <a:stretch>
+            <a:fillRect/>
+          </a:stretch>
+        </p:blipFill>
+        <p:spPr>
+          <a:xfrm>
+            <a:off x="4473051" y="5535455"/>
+            <a:ext cx="355600" cy="292100"/>
+          </a:xfrm>
+          <a:prstGeom prst="rect">
+            <a:avLst/>
+          </a:prstGeom>
+        </p:spPr>
+      </p:pic>
+      <p:cxnSp>
+        <p:nvCxnSpPr>
+          <p:cNvPr id="83" name="直线箭头连接符 82"/>
+          <p:cNvCxnSpPr>
+            <a:endCxn id="87" idx="0"/>
+          </p:cNvCxnSpPr>
+          <p:nvPr/>
+        </p:nvCxnSpPr>
+        <p:spPr>
+          <a:xfrm flipH="1">
+            <a:off x="5054967" y="4091188"/>
+            <a:ext cx="1836188" cy="976141"/>
+          </a:xfrm>
+          <a:prstGeom prst="straightConnector1">
+            <a:avLst/>
+          </a:prstGeom>
+          <a:ln w="25400">
+            <a:tailEnd type="triangle"/>
+          </a:ln>
+        </p:spPr>
+        <p:style>
+          <a:lnRef idx="1">
+            <a:schemeClr val="accent1"/>
+          </a:lnRef>
+          <a:fillRef idx="0">
+            <a:schemeClr val="accent1"/>
+          </a:fillRef>
+          <a:effectRef idx="0">
+            <a:schemeClr val="accent1"/>
+          </a:effectRef>
+          <a:fontRef idx="minor">
+            <a:schemeClr val="tx1"/>
+          </a:fontRef>
+        </p:style>
+      </p:cxnSp>
+      <p:cxnSp>
+        <p:nvCxnSpPr>
+          <p:cNvPr id="85" name="直线箭头连接符 84"/>
+          <p:cNvCxnSpPr>
+            <a:endCxn id="89" idx="0"/>
+          </p:cNvCxnSpPr>
+          <p:nvPr/>
+        </p:nvCxnSpPr>
+        <p:spPr>
+          <a:xfrm flipH="1">
+            <a:off x="5510195" y="4091188"/>
+            <a:ext cx="2592406" cy="976141"/>
+          </a:xfrm>
+          <a:prstGeom prst="straightConnector1">
+            <a:avLst/>
+          </a:prstGeom>
+          <a:ln w="25400">
+            <a:tailEnd type="triangle"/>
+          </a:ln>
+        </p:spPr>
+        <p:style>
+          <a:lnRef idx="1">
+            <a:schemeClr val="accent1"/>
+          </a:lnRef>
+          <a:fillRef idx="0">
+            <a:schemeClr val="accent1"/>
+          </a:fillRef>
+          <a:effectRef idx="0">
+            <a:schemeClr val="accent1"/>
+          </a:effectRef>
+          <a:fontRef idx="minor">
+            <a:schemeClr val="tx1"/>
+          </a:fontRef>
+        </p:style>
+      </p:cxnSp>
+      <p:sp>
+        <p:nvSpPr>
+          <p:cNvPr id="87" name="矩形 86"/>
+          <p:cNvSpPr/>
+          <p:nvPr/>
+        </p:nvSpPr>
+        <p:spPr>
+          <a:xfrm>
+            <a:off x="4886244" y="5067329"/>
+            <a:ext cx="337445" cy="1224000"/>
+          </a:xfrm>
+          <a:prstGeom prst="rect">
+            <a:avLst/>
+          </a:prstGeom>
+          <a:noFill/>
+          <a:ln w="31750">
+            <a:solidFill>
+              <a:schemeClr val="accent6"/>
+            </a:solidFill>
+          </a:ln>
+        </p:spPr>
+        <p:style>
+          <a:lnRef idx="2">
+            <a:schemeClr val="accent1">
+              <a:shade val="50000"/>
+            </a:schemeClr>
+          </a:lnRef>
+          <a:fillRef idx="1">
+            <a:schemeClr val="accent1"/>
+          </a:fillRef>
+          <a:effectRef idx="0">
+            <a:schemeClr val="accent1"/>
+          </a:effectRef>
+          <a:fontRef idx="minor">
+            <a:schemeClr val="lt1"/>
+          </a:fontRef>
+        </p:style>
+        <p:txBody>
+          <a:bodyPr rtlCol="0" anchor="ctr"/>
+          <a:lstStyle/>
+          <a:p>
+            <a:pPr algn="ctr"/>
+            <a:endParaRPr kumimoji="1" lang="zh-CN" altLang="en-US"/>
+          </a:p>
+        </p:txBody>
+      </p:sp>
+      <p:sp>
+        <p:nvSpPr>
+          <p:cNvPr id="89" name="矩形 88"/>
+          <p:cNvSpPr/>
+          <p:nvPr/>
+        </p:nvSpPr>
+        <p:spPr>
+          <a:xfrm>
+            <a:off x="5341472" y="5067329"/>
+            <a:ext cx="337445" cy="1224000"/>
+          </a:xfrm>
+          <a:prstGeom prst="rect">
+            <a:avLst/>
+          </a:prstGeom>
+          <a:noFill/>
+          <a:ln w="31750">
+            <a:solidFill>
+              <a:schemeClr val="accent6"/>
+            </a:solidFill>
+          </a:ln>
+        </p:spPr>
+        <p:style>
+          <a:lnRef idx="2">
+            <a:schemeClr val="accent1">
+              <a:shade val="50000"/>
+            </a:schemeClr>
+          </a:lnRef>
+          <a:fillRef idx="1">
+            <a:schemeClr val="accent1"/>
+          </a:fillRef>
+          <a:effectRef idx="0">
+            <a:schemeClr val="accent1"/>
+          </a:effectRef>
+          <a:fontRef idx="minor">
+            <a:schemeClr val="lt1"/>
+          </a:fontRef>
+        </p:style>
+        <p:txBody>
+          <a:bodyPr rtlCol="0" anchor="ctr"/>
+          <a:lstStyle/>
+          <a:p>
+            <a:pPr algn="ctr"/>
+            <a:endParaRPr kumimoji="1" lang="zh-CN" altLang="en-US"/>
+          </a:p>
+        </p:txBody>
+      </p:sp>
+      <p:sp>
+        <p:nvSpPr>
+          <p:cNvPr id="94" name="下箭头 93"/>
+          <p:cNvSpPr/>
+          <p:nvPr/>
+        </p:nvSpPr>
+        <p:spPr>
+          <a:xfrm>
+            <a:off x="254000" y="2977118"/>
+            <a:ext cx="220728" cy="1879600"/>
+          </a:xfrm>
+          <a:prstGeom prst="downArrow">
+            <a:avLst/>
+          </a:prstGeom>
+        </p:spPr>
+        <p:style>
+          <a:lnRef idx="2">
+            <a:schemeClr val="accent1">
+              <a:shade val="50000"/>
+            </a:schemeClr>
+          </a:lnRef>
+          <a:fillRef idx="1">
+            <a:schemeClr val="accent1"/>
+          </a:fillRef>
+          <a:effectRef idx="0">
+            <a:schemeClr val="accent1"/>
+          </a:effectRef>
+          <a:fontRef idx="minor">
+            <a:schemeClr val="lt1"/>
+          </a:fontRef>
+        </p:style>
+        <p:txBody>
+          <a:bodyPr rtlCol="0" anchor="ctr"/>
+          <a:lstStyle/>
+          <a:p>
+            <a:pPr algn="ctr"/>
+            <a:endParaRPr kumimoji="1" lang="zh-CN" altLang="en-US"/>
+          </a:p>
+        </p:txBody>
+      </p:sp>
+      <p:sp>
+        <p:nvSpPr>
+          <p:cNvPr id="95" name="文本框 94"/>
+          <p:cNvSpPr txBox="1"/>
+          <p:nvPr/>
+        </p:nvSpPr>
+        <p:spPr>
+          <a:xfrm>
+            <a:off x="364364" y="3631382"/>
+            <a:ext cx="1243079" cy="646331"/>
+          </a:xfrm>
+          <a:prstGeom prst="rect">
+            <a:avLst/>
+          </a:prstGeom>
+          <a:noFill/>
+        </p:spPr>
+        <p:txBody>
+          <a:bodyPr wrap="square" rtlCol="0">
+            <a:spAutoFit/>
+          </a:bodyPr>
+          <a:lstStyle/>
+          <a:p>
+            <a:r>
+              <a:rPr kumimoji="1" lang="en-US" altLang="zh-CN" smtClean="0"/>
+              <a:t>Chunk in a detail view</a:t>
+            </a:r>
+            <a:endParaRPr kumimoji="1" lang="zh-CN" altLang="en-US" dirty="0"/>
+          </a:p>
+        </p:txBody>
+      </p:sp>
+    </p:spTree>
+    <p:extLst>
+      <p:ext uri="{BB962C8B-B14F-4D97-AF65-F5344CB8AC3E}">
+        <p14:creationId xmlns:p14="http://schemas.microsoft.com/office/powerpoint/2010/main" val="1488873165"/>
       </p:ext>
     </p:extLst>
   </p:cSld>

--- a/paper/pic.pptx
+++ b/paper/pic.pptx
@@ -6753,7 +6753,7 @@
             <a:pPr algn="ctr"/>
             <a:r>
               <a:rPr kumimoji="1" lang="en-US" altLang="zh-CN" dirty="0" smtClean="0"/>
-              <a:t>Clean chunk in free list</a:t>
+              <a:t>Clean chunk in free pool</a:t>
             </a:r>
             <a:endParaRPr kumimoji="1" lang="zh-CN" altLang="en-US" dirty="0"/>
           </a:p>

--- a/paper/pic.pptx
+++ b/paper/pic.pptx
@@ -6441,11 +6441,12 @@
           <a:prstGeom prst="rect">
             <a:avLst/>
           </a:prstGeom>
-          <a:solidFill>
-            <a:schemeClr val="bg2">
-              <a:lumMod val="10000"/>
-            </a:schemeClr>
-          </a:solidFill>
+          <a:noFill/>
+          <a:ln w="50800">
+            <a:solidFill>
+              <a:schemeClr val="accent6"/>
+            </a:solidFill>
+          </a:ln>
         </p:spPr>
         <p:style>
           <a:lnRef idx="2">
@@ -6469,10 +6470,18 @@
           <a:p>
             <a:pPr algn="ctr"/>
             <a:r>
-              <a:rPr kumimoji="1" lang="en-US" altLang="zh-CN" dirty="0" smtClean="0"/>
+              <a:rPr kumimoji="1" lang="en-US" altLang="zh-CN" dirty="0" smtClean="0">
+                <a:solidFill>
+                  <a:schemeClr val="tx1"/>
+                </a:solidFill>
+              </a:rPr>
               <a:t>In-use chunk</a:t>
             </a:r>
-            <a:endParaRPr kumimoji="1" lang="zh-CN" altLang="en-US" dirty="0"/>
+            <a:endParaRPr kumimoji="1" lang="zh-CN" altLang="en-US" dirty="0">
+              <a:solidFill>
+                <a:schemeClr val="tx1"/>
+              </a:solidFill>
+            </a:endParaRPr>
           </a:p>
         </p:txBody>
       </p:sp>
@@ -6490,11 +6499,12 @@
           <a:prstGeom prst="rect">
             <a:avLst/>
           </a:prstGeom>
-          <a:solidFill>
-            <a:schemeClr val="bg2">
-              <a:lumMod val="10000"/>
-            </a:schemeClr>
-          </a:solidFill>
+          <a:noFill/>
+          <a:ln w="50800">
+            <a:solidFill>
+              <a:schemeClr val="accent6"/>
+            </a:solidFill>
+          </a:ln>
         </p:spPr>
         <p:style>
           <a:lnRef idx="2">
@@ -6518,10 +6528,18 @@
           <a:p>
             <a:pPr algn="ctr"/>
             <a:r>
-              <a:rPr kumimoji="1" lang="en-US" altLang="zh-CN" dirty="0" smtClean="0"/>
+              <a:rPr kumimoji="1" lang="en-US" altLang="zh-CN" dirty="0" smtClean="0">
+                <a:solidFill>
+                  <a:schemeClr val="tx1"/>
+                </a:solidFill>
+              </a:rPr>
               <a:t>Full chunk</a:t>
             </a:r>
-            <a:endParaRPr kumimoji="1" lang="zh-CN" altLang="en-US" dirty="0"/>
+            <a:endParaRPr kumimoji="1" lang="zh-CN" altLang="en-US" dirty="0">
+              <a:solidFill>
+                <a:schemeClr val="tx1"/>
+              </a:solidFill>
+            </a:endParaRPr>
           </a:p>
         </p:txBody>
       </p:sp>
@@ -6606,10 +6624,13 @@
             <a:avLst/>
           </a:prstGeom>
           <a:solidFill>
-            <a:schemeClr val="bg2">
-              <a:lumMod val="10000"/>
-            </a:schemeClr>
+            <a:schemeClr val="bg1"/>
           </a:solidFill>
+          <a:ln w="50800">
+            <a:solidFill>
+              <a:schemeClr val="accent6"/>
+            </a:solidFill>
+          </a:ln>
         </p:spPr>
         <p:style>
           <a:lnRef idx="2">
@@ -6633,10 +6654,18 @@
           <a:p>
             <a:pPr algn="ctr"/>
             <a:r>
-              <a:rPr kumimoji="1" lang="en-US" altLang="zh-CN" smtClean="0"/>
+              <a:rPr kumimoji="1" lang="en-US" altLang="zh-CN" dirty="0" smtClean="0">
+                <a:solidFill>
+                  <a:schemeClr val="tx1"/>
+                </a:solidFill>
+              </a:rPr>
               <a:t>Waiting chunk</a:t>
             </a:r>
-            <a:endParaRPr kumimoji="1" lang="zh-CN" altLang="en-US" dirty="0"/>
+            <a:endParaRPr kumimoji="1" lang="zh-CN" altLang="en-US" dirty="0">
+              <a:solidFill>
+                <a:schemeClr val="tx1"/>
+              </a:solidFill>
+            </a:endParaRPr>
           </a:p>
         </p:txBody>
       </p:sp>
@@ -6724,11 +6753,12 @@
           <a:prstGeom prst="rect">
             <a:avLst/>
           </a:prstGeom>
-          <a:solidFill>
-            <a:schemeClr val="bg2">
-              <a:lumMod val="10000"/>
-            </a:schemeClr>
-          </a:solidFill>
+          <a:noFill/>
+          <a:ln w="50800">
+            <a:solidFill>
+              <a:schemeClr val="accent6"/>
+            </a:solidFill>
+          </a:ln>
         </p:spPr>
         <p:style>
           <a:lnRef idx="2">
@@ -6752,10 +6782,18 @@
           <a:p>
             <a:pPr algn="ctr"/>
             <a:r>
-              <a:rPr kumimoji="1" lang="en-US" altLang="zh-CN" dirty="0" smtClean="0"/>
+              <a:rPr kumimoji="1" lang="en-US" altLang="zh-CN" dirty="0" smtClean="0">
+                <a:solidFill>
+                  <a:schemeClr val="tx1"/>
+                </a:solidFill>
+              </a:rPr>
               <a:t>Clean chunk in free pool</a:t>
             </a:r>
-            <a:endParaRPr kumimoji="1" lang="zh-CN" altLang="en-US" dirty="0"/>
+            <a:endParaRPr kumimoji="1" lang="zh-CN" altLang="en-US" dirty="0">
+              <a:solidFill>
+                <a:schemeClr val="tx1"/>
+              </a:solidFill>
+            </a:endParaRPr>
           </a:p>
         </p:txBody>
       </p:sp>
@@ -6818,8 +6856,8 @@
           <a:lstStyle/>
           <a:p>
             <a:r>
-              <a:rPr kumimoji="1" lang="en-US" altLang="zh-CN" smtClean="0"/>
-              <a:t>All blocks are freed</a:t>
+              <a:rPr kumimoji="1" lang="en-US" altLang="zh-CN" dirty="0" smtClean="0"/>
+              <a:t>If all blocks are freed</a:t>
             </a:r>
             <a:endParaRPr kumimoji="1" lang="zh-CN" altLang="en-US" dirty="0"/>
           </a:p>
@@ -6910,11 +6948,12 @@
           <a:prstGeom prst="rect">
             <a:avLst/>
           </a:prstGeom>
-          <a:solidFill>
-            <a:schemeClr val="bg2">
-              <a:lumMod val="10000"/>
-            </a:schemeClr>
-          </a:solidFill>
+          <a:noFill/>
+          <a:ln w="50800">
+            <a:solidFill>
+              <a:schemeClr val="accent6"/>
+            </a:solidFill>
+          </a:ln>
         </p:spPr>
         <p:style>
           <a:lnRef idx="2">
@@ -6938,10 +6977,18 @@
           <a:p>
             <a:pPr algn="ctr"/>
             <a:r>
-              <a:rPr kumimoji="1" lang="en-US" altLang="zh-CN" dirty="0" smtClean="0"/>
+              <a:rPr kumimoji="1" lang="en-US" altLang="zh-CN" dirty="0" smtClean="0">
+                <a:solidFill>
+                  <a:schemeClr val="tx1"/>
+                </a:solidFill>
+              </a:rPr>
               <a:t>Not-available chunk</a:t>
             </a:r>
-            <a:endParaRPr kumimoji="1" lang="zh-CN" altLang="en-US" dirty="0"/>
+            <a:endParaRPr kumimoji="1" lang="zh-CN" altLang="en-US" dirty="0">
+              <a:solidFill>
+                <a:schemeClr val="tx1"/>
+              </a:solidFill>
+            </a:endParaRPr>
           </a:p>
         </p:txBody>
       </p:sp>
@@ -7052,8 +7099,8 @@
         </p:nvSpPr>
         <p:spPr>
           <a:xfrm>
-            <a:off x="1473496" y="3627218"/>
-            <a:ext cx="1674406" cy="1200329"/>
+            <a:off x="1351540" y="3654155"/>
+            <a:ext cx="1841204" cy="1200329"/>
           </a:xfrm>
           <a:prstGeom prst="rect">
             <a:avLst/>
@@ -7067,8 +7114,12 @@
           <a:lstStyle/>
           <a:p>
             <a:r>
+              <a:rPr kumimoji="1" lang="en-US" altLang="zh-CN" smtClean="0"/>
+              <a:t>If the </a:t>
+            </a:r>
+            <a:r>
               <a:rPr kumimoji="1" lang="en-US" altLang="zh-CN" dirty="0" smtClean="0"/>
-              <a:t>The number of </a:t>
+              <a:t>number of </a:t>
             </a:r>
             <a:r>
               <a:rPr kumimoji="1" lang="en-US" altLang="zh-CN" dirty="0"/>

--- a/paper/pic.pptx
+++ b/paper/pic.pptx
@@ -7035,7 +7035,7 @@
         </p:nvSpPr>
         <p:spPr>
           <a:xfrm>
-            <a:off x="4018540" y="2220380"/>
+            <a:off x="4391645" y="2129132"/>
             <a:ext cx="1095290" cy="923330"/>
           </a:xfrm>
           <a:prstGeom prst="rect">
@@ -7051,11 +7051,7 @@
           <a:p>
             <a:r>
               <a:rPr kumimoji="1" lang="en-US" altLang="zh-CN" dirty="0" smtClean="0"/>
-              <a:t>By </a:t>
-            </a:r>
-            <a:r>
-              <a:rPr kumimoji="1" lang="en-US" altLang="zh-CN" smtClean="0"/>
-              <a:t>wear-leveling policy</a:t>
+              <a:t>By wear-leveling policy</a:t>
             </a:r>
             <a:endParaRPr kumimoji="1" lang="zh-CN" altLang="en-US" dirty="0"/>
           </a:p>
@@ -7069,7 +7065,7 @@
         </p:nvSpPr>
         <p:spPr>
           <a:xfrm>
-            <a:off x="3734849" y="3979639"/>
+            <a:off x="4391645" y="4033101"/>
             <a:ext cx="1095290" cy="923330"/>
           </a:xfrm>
           <a:prstGeom prst="rect">
@@ -7099,7 +7095,7 @@
         </p:nvSpPr>
         <p:spPr>
           <a:xfrm>
-            <a:off x="1351540" y="3654155"/>
+            <a:off x="1194474" y="3703843"/>
             <a:ext cx="1841204" cy="1200329"/>
           </a:xfrm>
           <a:prstGeom prst="rect">
@@ -7113,13 +7109,10 @@
           </a:bodyPr>
           <a:lstStyle/>
           <a:p>
-            <a:r>
-              <a:rPr kumimoji="1" lang="en-US" altLang="zh-CN" smtClean="0"/>
-              <a:t>If the </a:t>
-            </a:r>
+            <a:pPr algn="just"/>
             <a:r>
               <a:rPr kumimoji="1" lang="en-US" altLang="zh-CN" dirty="0" smtClean="0"/>
-              <a:t>number of </a:t>
+              <a:t>If the number of </a:t>
             </a:r>
             <a:r>
               <a:rPr kumimoji="1" lang="en-US" altLang="zh-CN" dirty="0"/>

--- a/paper/pic.pptx
+++ b/paper/pic.pptx
@@ -5,12 +5,13 @@
     <p:sldMasterId id="2147483648" r:id="rId1"/>
   </p:sldMasterIdLst>
   <p:sldIdLst>
-    <p:sldId id="256" r:id="rId2"/>
-    <p:sldId id="257" r:id="rId3"/>
-    <p:sldId id="258" r:id="rId4"/>
-    <p:sldId id="259" r:id="rId5"/>
-    <p:sldId id="260" r:id="rId6"/>
-    <p:sldId id="261" r:id="rId7"/>
+    <p:sldId id="262" r:id="rId2"/>
+    <p:sldId id="256" r:id="rId3"/>
+    <p:sldId id="257" r:id="rId4"/>
+    <p:sldId id="258" r:id="rId5"/>
+    <p:sldId id="259" r:id="rId6"/>
+    <p:sldId id="260" r:id="rId7"/>
+    <p:sldId id="261" r:id="rId8"/>
   </p:sldIdLst>
   <p:sldSz cx="12192000" cy="6858000"/>
   <p:notesSz cx="6858000" cy="9144000"/>
@@ -248,7 +249,7 @@
           <a:p>
             <a:fld id="{4B98E6F8-0BA7-BE46-9DDF-DD57EB856524}" type="datetimeFigureOut">
               <a:rPr kumimoji="1" lang="zh-CN" altLang="en-US" smtClean="0"/>
-              <a:t>16/5/21</a:t>
+              <a:t>16/5/31</a:t>
             </a:fld>
             <a:endParaRPr kumimoji="1" lang="zh-CN" altLang="en-US"/>
           </a:p>
@@ -418,7 +419,7 @@
           <a:p>
             <a:fld id="{4B98E6F8-0BA7-BE46-9DDF-DD57EB856524}" type="datetimeFigureOut">
               <a:rPr kumimoji="1" lang="zh-CN" altLang="en-US" smtClean="0"/>
-              <a:t>16/5/21</a:t>
+              <a:t>16/5/31</a:t>
             </a:fld>
             <a:endParaRPr kumimoji="1" lang="zh-CN" altLang="en-US"/>
           </a:p>
@@ -598,7 +599,7 @@
           <a:p>
             <a:fld id="{4B98E6F8-0BA7-BE46-9DDF-DD57EB856524}" type="datetimeFigureOut">
               <a:rPr kumimoji="1" lang="zh-CN" altLang="en-US" smtClean="0"/>
-              <a:t>16/5/21</a:t>
+              <a:t>16/5/31</a:t>
             </a:fld>
             <a:endParaRPr kumimoji="1" lang="zh-CN" altLang="en-US"/>
           </a:p>
@@ -768,7 +769,7 @@
           <a:p>
             <a:fld id="{4B98E6F8-0BA7-BE46-9DDF-DD57EB856524}" type="datetimeFigureOut">
               <a:rPr kumimoji="1" lang="zh-CN" altLang="en-US" smtClean="0"/>
-              <a:t>16/5/21</a:t>
+              <a:t>16/5/31</a:t>
             </a:fld>
             <a:endParaRPr kumimoji="1" lang="zh-CN" altLang="en-US"/>
           </a:p>
@@ -1014,7 +1015,7 @@
           <a:p>
             <a:fld id="{4B98E6F8-0BA7-BE46-9DDF-DD57EB856524}" type="datetimeFigureOut">
               <a:rPr kumimoji="1" lang="zh-CN" altLang="en-US" smtClean="0"/>
-              <a:t>16/5/21</a:t>
+              <a:t>16/5/31</a:t>
             </a:fld>
             <a:endParaRPr kumimoji="1" lang="zh-CN" altLang="en-US"/>
           </a:p>
@@ -1246,7 +1247,7 @@
           <a:p>
             <a:fld id="{4B98E6F8-0BA7-BE46-9DDF-DD57EB856524}" type="datetimeFigureOut">
               <a:rPr kumimoji="1" lang="zh-CN" altLang="en-US" smtClean="0"/>
-              <a:t>16/5/21</a:t>
+              <a:t>16/5/31</a:t>
             </a:fld>
             <a:endParaRPr kumimoji="1" lang="zh-CN" altLang="en-US"/>
           </a:p>
@@ -1613,7 +1614,7 @@
           <a:p>
             <a:fld id="{4B98E6F8-0BA7-BE46-9DDF-DD57EB856524}" type="datetimeFigureOut">
               <a:rPr kumimoji="1" lang="zh-CN" altLang="en-US" smtClean="0"/>
-              <a:t>16/5/21</a:t>
+              <a:t>16/5/31</a:t>
             </a:fld>
             <a:endParaRPr kumimoji="1" lang="zh-CN" altLang="en-US"/>
           </a:p>
@@ -1731,7 +1732,7 @@
           <a:p>
             <a:fld id="{4B98E6F8-0BA7-BE46-9DDF-DD57EB856524}" type="datetimeFigureOut">
               <a:rPr kumimoji="1" lang="zh-CN" altLang="en-US" smtClean="0"/>
-              <a:t>16/5/21</a:t>
+              <a:t>16/5/31</a:t>
             </a:fld>
             <a:endParaRPr kumimoji="1" lang="zh-CN" altLang="en-US"/>
           </a:p>
@@ -1826,7 +1827,7 @@
           <a:p>
             <a:fld id="{4B98E6F8-0BA7-BE46-9DDF-DD57EB856524}" type="datetimeFigureOut">
               <a:rPr kumimoji="1" lang="zh-CN" altLang="en-US" smtClean="0"/>
-              <a:t>16/5/21</a:t>
+              <a:t>16/5/31</a:t>
             </a:fld>
             <a:endParaRPr kumimoji="1" lang="zh-CN" altLang="en-US"/>
           </a:p>
@@ -2103,7 +2104,7 @@
           <a:p>
             <a:fld id="{4B98E6F8-0BA7-BE46-9DDF-DD57EB856524}" type="datetimeFigureOut">
               <a:rPr kumimoji="1" lang="zh-CN" altLang="en-US" smtClean="0"/>
-              <a:t>16/5/21</a:t>
+              <a:t>16/5/31</a:t>
             </a:fld>
             <a:endParaRPr kumimoji="1" lang="zh-CN" altLang="en-US"/>
           </a:p>
@@ -2356,7 +2357,7 @@
           <a:p>
             <a:fld id="{4B98E6F8-0BA7-BE46-9DDF-DD57EB856524}" type="datetimeFigureOut">
               <a:rPr kumimoji="1" lang="zh-CN" altLang="en-US" smtClean="0"/>
-              <a:t>16/5/21</a:t>
+              <a:t>16/5/31</a:t>
             </a:fld>
             <a:endParaRPr kumimoji="1" lang="zh-CN" altLang="en-US"/>
           </a:p>
@@ -2569,7 +2570,7 @@
           <a:p>
             <a:fld id="{4B98E6F8-0BA7-BE46-9DDF-DD57EB856524}" type="datetimeFigureOut">
               <a:rPr kumimoji="1" lang="zh-CN" altLang="en-US" smtClean="0"/>
-              <a:t>16/5/21</a:t>
+              <a:t>16/5/31</a:t>
             </a:fld>
             <a:endParaRPr kumimoji="1" lang="zh-CN" altLang="en-US"/>
           </a:p>
@@ -2976,6 +2977,352 @@
       </p:grpSpPr>
       <p:sp>
         <p:nvSpPr>
+          <p:cNvPr id="4" name="矩形 3"/>
+          <p:cNvSpPr/>
+          <p:nvPr/>
+        </p:nvSpPr>
+        <p:spPr>
+          <a:xfrm>
+            <a:off x="3454400" y="1409700"/>
+            <a:ext cx="3581400" cy="2260600"/>
+          </a:xfrm>
+          <a:prstGeom prst="rect">
+            <a:avLst/>
+          </a:prstGeom>
+          <a:noFill/>
+        </p:spPr>
+        <p:style>
+          <a:lnRef idx="2">
+            <a:schemeClr val="accent1">
+              <a:shade val="50000"/>
+            </a:schemeClr>
+          </a:lnRef>
+          <a:fillRef idx="1">
+            <a:schemeClr val="accent1"/>
+          </a:fillRef>
+          <a:effectRef idx="0">
+            <a:schemeClr val="accent1"/>
+          </a:effectRef>
+          <a:fontRef idx="minor">
+            <a:schemeClr val="lt1"/>
+          </a:fontRef>
+        </p:style>
+        <p:txBody>
+          <a:bodyPr rtlCol="0" anchor="ctr"/>
+          <a:lstStyle/>
+          <a:p>
+            <a:pPr algn="ctr"/>
+            <a:endParaRPr kumimoji="1" lang="zh-CN" altLang="en-US"/>
+          </a:p>
+        </p:txBody>
+      </p:sp>
+      <p:cxnSp>
+        <p:nvCxnSpPr>
+          <p:cNvPr id="9" name="直线连接符 8"/>
+          <p:cNvCxnSpPr>
+            <a:stCxn id="4" idx="1"/>
+            <a:endCxn id="4" idx="3"/>
+          </p:cNvCxnSpPr>
+          <p:nvPr/>
+        </p:nvCxnSpPr>
+        <p:spPr>
+          <a:xfrm>
+            <a:off x="3454400" y="2540000"/>
+            <a:ext cx="3581400" cy="0"/>
+          </a:xfrm>
+          <a:prstGeom prst="line">
+            <a:avLst/>
+          </a:prstGeom>
+        </p:spPr>
+        <p:style>
+          <a:lnRef idx="1">
+            <a:schemeClr val="accent1"/>
+          </a:lnRef>
+          <a:fillRef idx="0">
+            <a:schemeClr val="accent1"/>
+          </a:fillRef>
+          <a:effectRef idx="0">
+            <a:schemeClr val="accent1"/>
+          </a:effectRef>
+          <a:fontRef idx="minor">
+            <a:schemeClr val="tx1"/>
+          </a:fontRef>
+        </p:style>
+      </p:cxnSp>
+      <p:cxnSp>
+        <p:nvCxnSpPr>
+          <p:cNvPr id="10" name="直线连接符 9"/>
+          <p:cNvCxnSpPr/>
+          <p:nvPr/>
+        </p:nvCxnSpPr>
+        <p:spPr>
+          <a:xfrm>
+            <a:off x="3454400" y="2006600"/>
+            <a:ext cx="3581400" cy="0"/>
+          </a:xfrm>
+          <a:prstGeom prst="line">
+            <a:avLst/>
+          </a:prstGeom>
+        </p:spPr>
+        <p:style>
+          <a:lnRef idx="1">
+            <a:schemeClr val="accent1"/>
+          </a:lnRef>
+          <a:fillRef idx="0">
+            <a:schemeClr val="accent1"/>
+          </a:fillRef>
+          <a:effectRef idx="0">
+            <a:schemeClr val="accent1"/>
+          </a:effectRef>
+          <a:fontRef idx="minor">
+            <a:schemeClr val="tx1"/>
+          </a:fontRef>
+        </p:style>
+      </p:cxnSp>
+      <p:cxnSp>
+        <p:nvCxnSpPr>
+          <p:cNvPr id="11" name="直线连接符 10"/>
+          <p:cNvCxnSpPr/>
+          <p:nvPr/>
+        </p:nvCxnSpPr>
+        <p:spPr>
+          <a:xfrm>
+            <a:off x="3454400" y="3111500"/>
+            <a:ext cx="3581400" cy="0"/>
+          </a:xfrm>
+          <a:prstGeom prst="line">
+            <a:avLst/>
+          </a:prstGeom>
+        </p:spPr>
+        <p:style>
+          <a:lnRef idx="1">
+            <a:schemeClr val="accent1"/>
+          </a:lnRef>
+          <a:fillRef idx="0">
+            <a:schemeClr val="accent1"/>
+          </a:fillRef>
+          <a:effectRef idx="0">
+            <a:schemeClr val="accent1"/>
+          </a:effectRef>
+          <a:fontRef idx="minor">
+            <a:schemeClr val="tx1"/>
+          </a:fontRef>
+        </p:style>
+      </p:cxnSp>
+      <p:sp>
+        <p:nvSpPr>
+          <p:cNvPr id="12" name="文本框 11"/>
+          <p:cNvSpPr txBox="1"/>
+          <p:nvPr/>
+        </p:nvSpPr>
+        <p:spPr>
+          <a:xfrm>
+            <a:off x="4577641" y="1523484"/>
+            <a:ext cx="1334917" cy="369332"/>
+          </a:xfrm>
+          <a:prstGeom prst="rect">
+            <a:avLst/>
+          </a:prstGeom>
+          <a:noFill/>
+        </p:spPr>
+        <p:txBody>
+          <a:bodyPr wrap="none" rtlCol="0">
+            <a:spAutoFit/>
+          </a:bodyPr>
+          <a:lstStyle/>
+          <a:p>
+            <a:r>
+              <a:rPr kumimoji="1" lang="en-US" altLang="zh-CN" smtClean="0"/>
+              <a:t>Applications</a:t>
+            </a:r>
+            <a:endParaRPr kumimoji="1" lang="zh-CN" altLang="en-US" dirty="0"/>
+          </a:p>
+        </p:txBody>
+      </p:sp>
+      <p:sp>
+        <p:nvSpPr>
+          <p:cNvPr id="13" name="文本框 12"/>
+          <p:cNvSpPr txBox="1"/>
+          <p:nvPr/>
+        </p:nvSpPr>
+        <p:spPr>
+          <a:xfrm>
+            <a:off x="4587963" y="2088634"/>
+            <a:ext cx="1314271" cy="369332"/>
+          </a:xfrm>
+          <a:prstGeom prst="rect">
+            <a:avLst/>
+          </a:prstGeom>
+          <a:noFill/>
+        </p:spPr>
+        <p:txBody>
+          <a:bodyPr wrap="none" rtlCol="0">
+            <a:spAutoFit/>
+          </a:bodyPr>
+          <a:lstStyle/>
+          <a:p>
+            <a:r>
+              <a:rPr kumimoji="1" lang="en-US" altLang="zh-CN" dirty="0" smtClean="0"/>
+              <a:t>NVM library</a:t>
+            </a:r>
+            <a:endParaRPr kumimoji="1" lang="zh-CN" altLang="en-US" dirty="0"/>
+          </a:p>
+        </p:txBody>
+      </p:sp>
+      <p:sp>
+        <p:nvSpPr>
+          <p:cNvPr id="14" name="文本框 13"/>
+          <p:cNvSpPr txBox="1"/>
+          <p:nvPr/>
+        </p:nvSpPr>
+        <p:spPr>
+          <a:xfrm>
+            <a:off x="4334496" y="2660133"/>
+            <a:ext cx="1821204" cy="369332"/>
+          </a:xfrm>
+          <a:prstGeom prst="rect">
+            <a:avLst/>
+          </a:prstGeom>
+          <a:noFill/>
+        </p:spPr>
+        <p:txBody>
+          <a:bodyPr wrap="none" rtlCol="0">
+            <a:spAutoFit/>
+          </a:bodyPr>
+          <a:lstStyle/>
+          <a:p>
+            <a:r>
+              <a:rPr kumimoji="1" lang="en-US" altLang="zh-CN" smtClean="0"/>
+              <a:t>Operating system</a:t>
+            </a:r>
+            <a:endParaRPr kumimoji="1" lang="zh-CN" altLang="en-US" dirty="0"/>
+          </a:p>
+        </p:txBody>
+      </p:sp>
+      <p:cxnSp>
+        <p:nvCxnSpPr>
+          <p:cNvPr id="16" name="直线连接符 15"/>
+          <p:cNvCxnSpPr>
+            <a:endCxn id="4" idx="2"/>
+          </p:cNvCxnSpPr>
+          <p:nvPr/>
+        </p:nvCxnSpPr>
+        <p:spPr>
+          <a:xfrm>
+            <a:off x="5245098" y="3111500"/>
+            <a:ext cx="2" cy="558800"/>
+          </a:xfrm>
+          <a:prstGeom prst="line">
+            <a:avLst/>
+          </a:prstGeom>
+        </p:spPr>
+        <p:style>
+          <a:lnRef idx="1">
+            <a:schemeClr val="accent1"/>
+          </a:lnRef>
+          <a:fillRef idx="0">
+            <a:schemeClr val="accent1"/>
+          </a:fillRef>
+          <a:effectRef idx="0">
+            <a:schemeClr val="accent1"/>
+          </a:effectRef>
+          <a:fontRef idx="minor">
+            <a:schemeClr val="tx1"/>
+          </a:fontRef>
+        </p:style>
+      </p:cxnSp>
+      <p:sp>
+        <p:nvSpPr>
+          <p:cNvPr id="17" name="文本框 16"/>
+          <p:cNvSpPr txBox="1"/>
+          <p:nvPr/>
+        </p:nvSpPr>
+        <p:spPr>
+          <a:xfrm>
+            <a:off x="3969186" y="3206234"/>
+            <a:ext cx="782587" cy="369332"/>
+          </a:xfrm>
+          <a:prstGeom prst="rect">
+            <a:avLst/>
+          </a:prstGeom>
+          <a:noFill/>
+        </p:spPr>
+        <p:txBody>
+          <a:bodyPr wrap="none" rtlCol="0">
+            <a:spAutoFit/>
+          </a:bodyPr>
+          <a:lstStyle/>
+          <a:p>
+            <a:r>
+              <a:rPr kumimoji="1" lang="en-US" altLang="zh-CN" smtClean="0"/>
+              <a:t>DRAM</a:t>
+            </a:r>
+            <a:endParaRPr kumimoji="1" lang="zh-CN" altLang="en-US" dirty="0"/>
+          </a:p>
+        </p:txBody>
+      </p:sp>
+      <p:sp>
+        <p:nvSpPr>
+          <p:cNvPr id="18" name="文本框 17"/>
+          <p:cNvSpPr txBox="1"/>
+          <p:nvPr/>
+        </p:nvSpPr>
+        <p:spPr>
+          <a:xfrm>
+            <a:off x="5824519" y="3206234"/>
+            <a:ext cx="662361" cy="369332"/>
+          </a:xfrm>
+          <a:prstGeom prst="rect">
+            <a:avLst/>
+          </a:prstGeom>
+          <a:noFill/>
+        </p:spPr>
+        <p:txBody>
+          <a:bodyPr wrap="none" rtlCol="0">
+            <a:spAutoFit/>
+          </a:bodyPr>
+          <a:lstStyle/>
+          <a:p>
+            <a:r>
+              <a:rPr kumimoji="1" lang="en-US" altLang="zh-CN" smtClean="0"/>
+              <a:t>NVM</a:t>
+            </a:r>
+            <a:endParaRPr kumimoji="1" lang="zh-CN" altLang="en-US" dirty="0"/>
+          </a:p>
+        </p:txBody>
+      </p:sp>
+    </p:spTree>
+    <p:extLst>
+      <p:ext uri="{BB962C8B-B14F-4D97-AF65-F5344CB8AC3E}">
+        <p14:creationId xmlns:p14="http://schemas.microsoft.com/office/powerpoint/2010/main" val="783368690"/>
+      </p:ext>
+    </p:extLst>
+  </p:cSld>
+  <p:clrMapOvr>
+    <a:masterClrMapping/>
+  </p:clrMapOvr>
+</p:sld>
+</file>
+
+<file path=ppt/slides/slide2.xml><?xml version="1.0" encoding="utf-8"?>
+<p:sld xmlns:a="http://schemas.openxmlformats.org/drawingml/2006/main" xmlns:r="http://schemas.openxmlformats.org/officeDocument/2006/relationships" xmlns:p="http://schemas.openxmlformats.org/presentationml/2006/main">
+  <p:cSld>
+    <p:spTree>
+      <p:nvGrpSpPr>
+        <p:cNvPr id="1" name=""/>
+        <p:cNvGrpSpPr/>
+        <p:nvPr/>
+      </p:nvGrpSpPr>
+      <p:grpSpPr>
+        <a:xfrm>
+          <a:off x="0" y="0"/>
+          <a:ext cx="0" cy="0"/>
+          <a:chOff x="0" y="0"/>
+          <a:chExt cx="0" cy="0"/>
+        </a:xfrm>
+      </p:grpSpPr>
+      <p:sp>
+        <p:nvSpPr>
           <p:cNvPr id="5" name="矩形 4"/>
           <p:cNvSpPr/>
           <p:nvPr/>
@@ -4315,867 +4662,6 @@
 </p:sld>
 </file>
 
-<file path=ppt/slides/slide2.xml><?xml version="1.0" encoding="utf-8"?>
-<p:sld xmlns:a="http://schemas.openxmlformats.org/drawingml/2006/main" xmlns:r="http://schemas.openxmlformats.org/officeDocument/2006/relationships" xmlns:p="http://schemas.openxmlformats.org/presentationml/2006/main">
-  <p:cSld>
-    <p:spTree>
-      <p:nvGrpSpPr>
-        <p:cNvPr id="1" name=""/>
-        <p:cNvGrpSpPr/>
-        <p:nvPr/>
-      </p:nvGrpSpPr>
-      <p:grpSpPr>
-        <a:xfrm>
-          <a:off x="0" y="0"/>
-          <a:ext cx="0" cy="0"/>
-          <a:chOff x="0" y="0"/>
-          <a:chExt cx="0" cy="0"/>
-        </a:xfrm>
-      </p:grpSpPr>
-      <p:sp>
-        <p:nvSpPr>
-          <p:cNvPr id="4" name="矩形 3"/>
-          <p:cNvSpPr/>
-          <p:nvPr/>
-        </p:nvSpPr>
-        <p:spPr>
-          <a:xfrm>
-            <a:off x="2981960" y="2313940"/>
-            <a:ext cx="6532880" cy="1981200"/>
-          </a:xfrm>
-          <a:prstGeom prst="rect">
-            <a:avLst/>
-          </a:prstGeom>
-          <a:noFill/>
-          <a:ln w="50800">
-            <a:solidFill>
-              <a:schemeClr val="accent6"/>
-            </a:solidFill>
-          </a:ln>
-        </p:spPr>
-        <p:style>
-          <a:lnRef idx="2">
-            <a:schemeClr val="accent1">
-              <a:shade val="50000"/>
-            </a:schemeClr>
-          </a:lnRef>
-          <a:fillRef idx="1">
-            <a:schemeClr val="accent1"/>
-          </a:fillRef>
-          <a:effectRef idx="0">
-            <a:schemeClr val="accent1"/>
-          </a:effectRef>
-          <a:fontRef idx="minor">
-            <a:schemeClr val="lt1"/>
-          </a:fontRef>
-        </p:style>
-        <p:txBody>
-          <a:bodyPr rtlCol="0" anchor="ctr"/>
-          <a:lstStyle/>
-          <a:p>
-            <a:pPr algn="ctr"/>
-            <a:endParaRPr kumimoji="1" lang="zh-CN" altLang="en-US"/>
-          </a:p>
-        </p:txBody>
-      </p:sp>
-      <p:cxnSp>
-        <p:nvCxnSpPr>
-          <p:cNvPr id="6" name="直线连接符 5"/>
-          <p:cNvCxnSpPr/>
-          <p:nvPr/>
-        </p:nvCxnSpPr>
-        <p:spPr>
-          <a:xfrm>
-            <a:off x="4813300" y="2313940"/>
-            <a:ext cx="0" cy="1981200"/>
-          </a:xfrm>
-          <a:prstGeom prst="line">
-            <a:avLst/>
-          </a:prstGeom>
-          <a:ln w="19050">
-            <a:solidFill>
-              <a:schemeClr val="tx1"/>
-            </a:solidFill>
-          </a:ln>
-        </p:spPr>
-        <p:style>
-          <a:lnRef idx="1">
-            <a:schemeClr val="accent1"/>
-          </a:lnRef>
-          <a:fillRef idx="0">
-            <a:schemeClr val="accent1"/>
-          </a:fillRef>
-          <a:effectRef idx="0">
-            <a:schemeClr val="accent1"/>
-          </a:effectRef>
-          <a:fontRef idx="minor">
-            <a:schemeClr val="tx1"/>
-          </a:fontRef>
-        </p:style>
-      </p:cxnSp>
-      <p:sp>
-        <p:nvSpPr>
-          <p:cNvPr id="12" name="文本框 11"/>
-          <p:cNvSpPr txBox="1"/>
-          <p:nvPr/>
-        </p:nvSpPr>
-        <p:spPr>
-          <a:xfrm>
-            <a:off x="3136920" y="1449784"/>
-            <a:ext cx="1495922" cy="369332"/>
-          </a:xfrm>
-          <a:prstGeom prst="rect">
-            <a:avLst/>
-          </a:prstGeom>
-          <a:noFill/>
-        </p:spPr>
-        <p:txBody>
-          <a:bodyPr wrap="none" rtlCol="0">
-            <a:spAutoFit/>
-          </a:bodyPr>
-          <a:lstStyle/>
-          <a:p>
-            <a:r>
-              <a:rPr kumimoji="1" lang="en-US" altLang="zh-CN" dirty="0" smtClean="0"/>
-              <a:t>Chunk header</a:t>
-            </a:r>
-            <a:endParaRPr kumimoji="1" lang="zh-CN" altLang="en-US" dirty="0"/>
-          </a:p>
-        </p:txBody>
-      </p:sp>
-      <p:sp>
-        <p:nvSpPr>
-          <p:cNvPr id="13" name="文本框 12"/>
-          <p:cNvSpPr txBox="1"/>
-          <p:nvPr/>
-        </p:nvSpPr>
-        <p:spPr>
-          <a:xfrm>
-            <a:off x="6566194" y="1438627"/>
-            <a:ext cx="1300356" cy="369332"/>
-          </a:xfrm>
-          <a:prstGeom prst="rect">
-            <a:avLst/>
-          </a:prstGeom>
-          <a:noFill/>
-        </p:spPr>
-        <p:txBody>
-          <a:bodyPr wrap="none" rtlCol="0">
-            <a:spAutoFit/>
-          </a:bodyPr>
-          <a:lstStyle/>
-          <a:p>
-            <a:r>
-              <a:rPr kumimoji="1" lang="en-US" altLang="zh-CN" dirty="0" smtClean="0"/>
-              <a:t>Chunk body</a:t>
-            </a:r>
-            <a:endParaRPr kumimoji="1" lang="zh-CN" altLang="en-US" dirty="0"/>
-          </a:p>
-        </p:txBody>
-      </p:sp>
-      <p:sp>
-        <p:nvSpPr>
-          <p:cNvPr id="14" name="矩形 13"/>
-          <p:cNvSpPr/>
-          <p:nvPr/>
-        </p:nvSpPr>
-        <p:spPr>
-          <a:xfrm>
-            <a:off x="4813300" y="2313940"/>
-            <a:ext cx="558800" cy="1981200"/>
-          </a:xfrm>
-          <a:prstGeom prst="rect">
-            <a:avLst/>
-          </a:prstGeom>
-          <a:ln w="34925"/>
-        </p:spPr>
-        <p:style>
-          <a:lnRef idx="2">
-            <a:schemeClr val="accent1">
-              <a:shade val="50000"/>
-            </a:schemeClr>
-          </a:lnRef>
-          <a:fillRef idx="1">
-            <a:schemeClr val="accent1"/>
-          </a:fillRef>
-          <a:effectRef idx="0">
-            <a:schemeClr val="accent1"/>
-          </a:effectRef>
-          <a:fontRef idx="minor">
-            <a:schemeClr val="lt1"/>
-          </a:fontRef>
-        </p:style>
-        <p:txBody>
-          <a:bodyPr rtlCol="0" anchor="ctr"/>
-          <a:lstStyle/>
-          <a:p>
-            <a:pPr algn="ctr"/>
-            <a:endParaRPr kumimoji="1" lang="zh-CN" altLang="en-US" dirty="0"/>
-          </a:p>
-        </p:txBody>
-      </p:sp>
-      <p:sp>
-        <p:nvSpPr>
-          <p:cNvPr id="15" name="矩形 14"/>
-          <p:cNvSpPr/>
-          <p:nvPr/>
-        </p:nvSpPr>
-        <p:spPr>
-          <a:xfrm>
-            <a:off x="5397598" y="2313940"/>
-            <a:ext cx="558800" cy="1981200"/>
-          </a:xfrm>
-          <a:prstGeom prst="rect">
-            <a:avLst/>
-          </a:prstGeom>
-          <a:ln w="34925"/>
-        </p:spPr>
-        <p:style>
-          <a:lnRef idx="2">
-            <a:schemeClr val="accent1">
-              <a:shade val="50000"/>
-            </a:schemeClr>
-          </a:lnRef>
-          <a:fillRef idx="1">
-            <a:schemeClr val="accent1"/>
-          </a:fillRef>
-          <a:effectRef idx="0">
-            <a:schemeClr val="accent1"/>
-          </a:effectRef>
-          <a:fontRef idx="minor">
-            <a:schemeClr val="lt1"/>
-          </a:fontRef>
-        </p:style>
-        <p:txBody>
-          <a:bodyPr rtlCol="0" anchor="ctr"/>
-          <a:lstStyle/>
-          <a:p>
-            <a:pPr algn="ctr"/>
-            <a:endParaRPr kumimoji="1" lang="zh-CN" altLang="en-US" dirty="0"/>
-          </a:p>
-        </p:txBody>
-      </p:sp>
-      <p:sp>
-        <p:nvSpPr>
-          <p:cNvPr id="16" name="矩形 15"/>
-          <p:cNvSpPr/>
-          <p:nvPr/>
-        </p:nvSpPr>
-        <p:spPr>
-          <a:xfrm>
-            <a:off x="5981896" y="2313940"/>
-            <a:ext cx="558800" cy="1981200"/>
-          </a:xfrm>
-          <a:prstGeom prst="rect">
-            <a:avLst/>
-          </a:prstGeom>
-          <a:ln w="34925"/>
-        </p:spPr>
-        <p:style>
-          <a:lnRef idx="2">
-            <a:schemeClr val="accent1">
-              <a:shade val="50000"/>
-            </a:schemeClr>
-          </a:lnRef>
-          <a:fillRef idx="1">
-            <a:schemeClr val="accent1"/>
-          </a:fillRef>
-          <a:effectRef idx="0">
-            <a:schemeClr val="accent1"/>
-          </a:effectRef>
-          <a:fontRef idx="minor">
-            <a:schemeClr val="lt1"/>
-          </a:fontRef>
-        </p:style>
-        <p:txBody>
-          <a:bodyPr rtlCol="0" anchor="ctr"/>
-          <a:lstStyle/>
-          <a:p>
-            <a:pPr algn="ctr"/>
-            <a:endParaRPr kumimoji="1" lang="zh-CN" altLang="en-US"/>
-          </a:p>
-        </p:txBody>
-      </p:sp>
-      <p:sp>
-        <p:nvSpPr>
-          <p:cNvPr id="17" name="矩形 16"/>
-          <p:cNvSpPr/>
-          <p:nvPr/>
-        </p:nvSpPr>
-        <p:spPr>
-          <a:xfrm>
-            <a:off x="8054632" y="2301817"/>
-            <a:ext cx="558800" cy="1981200"/>
-          </a:xfrm>
-          <a:prstGeom prst="rect">
-            <a:avLst/>
-          </a:prstGeom>
-          <a:ln w="34925"/>
-        </p:spPr>
-        <p:style>
-          <a:lnRef idx="2">
-            <a:schemeClr val="accent1">
-              <a:shade val="50000"/>
-            </a:schemeClr>
-          </a:lnRef>
-          <a:fillRef idx="1">
-            <a:schemeClr val="accent1"/>
-          </a:fillRef>
-          <a:effectRef idx="0">
-            <a:schemeClr val="accent1"/>
-          </a:effectRef>
-          <a:fontRef idx="minor">
-            <a:schemeClr val="lt1"/>
-          </a:fontRef>
-        </p:style>
-        <p:txBody>
-          <a:bodyPr rtlCol="0" anchor="ctr"/>
-          <a:lstStyle/>
-          <a:p>
-            <a:pPr algn="ctr"/>
-            <a:endParaRPr kumimoji="1" lang="zh-CN" altLang="en-US"/>
-          </a:p>
-        </p:txBody>
-      </p:sp>
-      <p:sp>
-        <p:nvSpPr>
-          <p:cNvPr id="22" name="矩形 21"/>
-          <p:cNvSpPr/>
-          <p:nvPr/>
-        </p:nvSpPr>
-        <p:spPr>
-          <a:xfrm>
-            <a:off x="6566194" y="2313940"/>
-            <a:ext cx="558800" cy="1981200"/>
-          </a:xfrm>
-          <a:prstGeom prst="rect">
-            <a:avLst/>
-          </a:prstGeom>
-          <a:ln w="34925"/>
-        </p:spPr>
-        <p:style>
-          <a:lnRef idx="2">
-            <a:schemeClr val="accent1">
-              <a:shade val="50000"/>
-            </a:schemeClr>
-          </a:lnRef>
-          <a:fillRef idx="1">
-            <a:schemeClr val="accent1"/>
-          </a:fillRef>
-          <a:effectRef idx="0">
-            <a:schemeClr val="accent1"/>
-          </a:effectRef>
-          <a:fontRef idx="minor">
-            <a:schemeClr val="lt1"/>
-          </a:fontRef>
-        </p:style>
-        <p:txBody>
-          <a:bodyPr rtlCol="0" anchor="ctr"/>
-          <a:lstStyle/>
-          <a:p>
-            <a:pPr algn="ctr"/>
-            <a:endParaRPr kumimoji="1" lang="zh-CN" altLang="en-US"/>
-          </a:p>
-        </p:txBody>
-      </p:sp>
-      <p:sp>
-        <p:nvSpPr>
-          <p:cNvPr id="23" name="文本框 22"/>
-          <p:cNvSpPr txBox="1"/>
-          <p:nvPr/>
-        </p:nvSpPr>
-        <p:spPr>
-          <a:xfrm>
-            <a:off x="8832342" y="3093179"/>
-            <a:ext cx="463588" cy="369332"/>
-          </a:xfrm>
-          <a:prstGeom prst="rect">
-            <a:avLst/>
-          </a:prstGeom>
-          <a:noFill/>
-        </p:spPr>
-        <p:txBody>
-          <a:bodyPr wrap="none" rtlCol="0">
-            <a:spAutoFit/>
-          </a:bodyPr>
-          <a:lstStyle/>
-          <a:p>
-            <a:r>
-              <a:rPr kumimoji="1" lang="en-US" altLang="zh-CN" dirty="0" smtClean="0"/>
-              <a:t>. . .</a:t>
-            </a:r>
-            <a:endParaRPr kumimoji="1" lang="zh-CN" altLang="en-US" dirty="0"/>
-          </a:p>
-        </p:txBody>
-      </p:sp>
-      <p:sp>
-        <p:nvSpPr>
-          <p:cNvPr id="24" name="文本框 23"/>
-          <p:cNvSpPr txBox="1"/>
-          <p:nvPr/>
-        </p:nvSpPr>
-        <p:spPr>
-          <a:xfrm>
-            <a:off x="2981960" y="2356346"/>
-            <a:ext cx="1805842" cy="369332"/>
-          </a:xfrm>
-          <a:prstGeom prst="rect">
-            <a:avLst/>
-          </a:prstGeom>
-          <a:noFill/>
-        </p:spPr>
-        <p:txBody>
-          <a:bodyPr wrap="square" rtlCol="0">
-            <a:spAutoFit/>
-          </a:bodyPr>
-          <a:lstStyle/>
-          <a:p>
-            <a:pPr algn="ctr"/>
-            <a:r>
-              <a:rPr kumimoji="1" lang="en-US" altLang="zh-CN" dirty="0" smtClean="0"/>
-              <a:t>owner</a:t>
-            </a:r>
-            <a:endParaRPr kumimoji="1" lang="zh-CN" altLang="en-US" dirty="0"/>
-          </a:p>
-        </p:txBody>
-      </p:sp>
-      <p:sp>
-        <p:nvSpPr>
-          <p:cNvPr id="27" name="文本框 26"/>
-          <p:cNvSpPr txBox="1"/>
-          <p:nvPr/>
-        </p:nvSpPr>
-        <p:spPr>
-          <a:xfrm>
-            <a:off x="2979487" y="2629883"/>
-            <a:ext cx="1836581" cy="369332"/>
-          </a:xfrm>
-          <a:prstGeom prst="rect">
-            <a:avLst/>
-          </a:prstGeom>
-          <a:noFill/>
-        </p:spPr>
-        <p:txBody>
-          <a:bodyPr wrap="square" rtlCol="0">
-            <a:spAutoFit/>
-          </a:bodyPr>
-          <a:lstStyle/>
-          <a:p>
-            <a:pPr algn="ctr"/>
-            <a:r>
-              <a:rPr kumimoji="1" lang="en-US" altLang="zh-CN" dirty="0" smtClean="0"/>
-              <a:t>state</a:t>
-            </a:r>
-            <a:endParaRPr kumimoji="1" lang="zh-CN" altLang="en-US" dirty="0"/>
-          </a:p>
-        </p:txBody>
-      </p:sp>
-      <p:sp>
-        <p:nvSpPr>
-          <p:cNvPr id="28" name="文本框 27"/>
-          <p:cNvSpPr txBox="1"/>
-          <p:nvPr/>
-        </p:nvSpPr>
-        <p:spPr>
-          <a:xfrm>
-            <a:off x="2985880" y="2903420"/>
-            <a:ext cx="1805842" cy="369332"/>
-          </a:xfrm>
-          <a:prstGeom prst="rect">
-            <a:avLst/>
-          </a:prstGeom>
-          <a:noFill/>
-        </p:spPr>
-        <p:txBody>
-          <a:bodyPr wrap="square" rtlCol="0">
-            <a:spAutoFit/>
-          </a:bodyPr>
-          <a:lstStyle/>
-          <a:p>
-            <a:pPr algn="ctr"/>
-            <a:r>
-              <a:rPr kumimoji="1" lang="en-US" altLang="zh-CN" dirty="0"/>
-              <a:t>s</a:t>
-            </a:r>
-            <a:r>
-              <a:rPr kumimoji="1" lang="en-US" altLang="zh-CN" dirty="0" smtClean="0"/>
-              <a:t>ize_class</a:t>
-            </a:r>
-            <a:endParaRPr kumimoji="1" lang="zh-CN" altLang="en-US" dirty="0"/>
-          </a:p>
-        </p:txBody>
-      </p:sp>
-      <p:sp>
-        <p:nvSpPr>
-          <p:cNvPr id="29" name="文本框 28"/>
-          <p:cNvSpPr txBox="1"/>
-          <p:nvPr/>
-        </p:nvSpPr>
-        <p:spPr>
-          <a:xfrm>
-            <a:off x="2985879" y="3176957"/>
-            <a:ext cx="1805842" cy="369332"/>
-          </a:xfrm>
-          <a:prstGeom prst="rect">
-            <a:avLst/>
-          </a:prstGeom>
-          <a:noFill/>
-        </p:spPr>
-        <p:txBody>
-          <a:bodyPr wrap="square" rtlCol="0">
-            <a:spAutoFit/>
-          </a:bodyPr>
-          <a:lstStyle/>
-          <a:p>
-            <a:pPr algn="ctr"/>
-            <a:r>
-              <a:rPr kumimoji="1" lang="en-US" altLang="zh-CN" dirty="0" smtClean="0"/>
-              <a:t>free_start</a:t>
-            </a:r>
-            <a:endParaRPr kumimoji="1" lang="zh-CN" altLang="en-US" dirty="0"/>
-          </a:p>
-        </p:txBody>
-      </p:sp>
-      <p:sp>
-        <p:nvSpPr>
-          <p:cNvPr id="30" name="文本框 29"/>
-          <p:cNvSpPr txBox="1"/>
-          <p:nvPr/>
-        </p:nvSpPr>
-        <p:spPr>
-          <a:xfrm>
-            <a:off x="2983261" y="3462511"/>
-            <a:ext cx="1805842" cy="369332"/>
-          </a:xfrm>
-          <a:prstGeom prst="rect">
-            <a:avLst/>
-          </a:prstGeom>
-          <a:noFill/>
-        </p:spPr>
-        <p:txBody>
-          <a:bodyPr wrap="square" rtlCol="0">
-            <a:spAutoFit/>
-          </a:bodyPr>
-          <a:lstStyle/>
-          <a:p>
-            <a:pPr algn="ctr"/>
-            <a:r>
-              <a:rPr kumimoji="1" lang="en-US" altLang="zh-CN" dirty="0"/>
-              <a:t>f</a:t>
-            </a:r>
-            <a:r>
-              <a:rPr kumimoji="1" lang="en-US" altLang="zh-CN" dirty="0" smtClean="0"/>
-              <a:t>ree_list</a:t>
-            </a:r>
-            <a:endParaRPr kumimoji="1" lang="zh-CN" altLang="en-US" dirty="0"/>
-          </a:p>
-        </p:txBody>
-      </p:sp>
-      <p:sp>
-        <p:nvSpPr>
-          <p:cNvPr id="31" name="文本框 30"/>
-          <p:cNvSpPr txBox="1"/>
-          <p:nvPr/>
-        </p:nvSpPr>
-        <p:spPr>
-          <a:xfrm>
-            <a:off x="3666798" y="3884069"/>
-            <a:ext cx="461665" cy="251031"/>
-          </a:xfrm>
-          <a:prstGeom prst="rect">
-            <a:avLst/>
-          </a:prstGeom>
-          <a:noFill/>
-        </p:spPr>
-        <p:txBody>
-          <a:bodyPr vert="eaVert" wrap="none" rtlCol="0">
-            <a:spAutoFit/>
-          </a:bodyPr>
-          <a:lstStyle/>
-          <a:p>
-            <a:r>
-              <a:rPr kumimoji="1" lang="is-IS" altLang="zh-CN" smtClean="0"/>
-              <a:t>…</a:t>
-            </a:r>
-            <a:endParaRPr kumimoji="1" lang="zh-CN" altLang="en-US" dirty="0"/>
-          </a:p>
-        </p:txBody>
-      </p:sp>
-      <p:sp>
-        <p:nvSpPr>
-          <p:cNvPr id="43" name="文本框 42"/>
-          <p:cNvSpPr txBox="1"/>
-          <p:nvPr/>
-        </p:nvSpPr>
-        <p:spPr>
-          <a:xfrm>
-            <a:off x="7372134" y="3119874"/>
-            <a:ext cx="463588" cy="369332"/>
-          </a:xfrm>
-          <a:prstGeom prst="rect">
-            <a:avLst/>
-          </a:prstGeom>
-          <a:noFill/>
-        </p:spPr>
-        <p:txBody>
-          <a:bodyPr wrap="none" rtlCol="0">
-            <a:spAutoFit/>
-          </a:bodyPr>
-          <a:lstStyle/>
-          <a:p>
-            <a:r>
-              <a:rPr kumimoji="1" lang="en-US" altLang="zh-CN" dirty="0" smtClean="0"/>
-              <a:t>. . .</a:t>
-            </a:r>
-            <a:endParaRPr kumimoji="1" lang="zh-CN" altLang="en-US" dirty="0"/>
-          </a:p>
-        </p:txBody>
-      </p:sp>
-      <p:sp>
-        <p:nvSpPr>
-          <p:cNvPr id="44" name="右大括号 43"/>
-          <p:cNvSpPr/>
-          <p:nvPr/>
-        </p:nvSpPr>
-        <p:spPr>
-          <a:xfrm rot="16200000">
-            <a:off x="7006494" y="-371150"/>
-            <a:ext cx="329237" cy="4687455"/>
-          </a:xfrm>
-          <a:prstGeom prst="rightBrace">
-            <a:avLst>
-              <a:gd name="adj1" fmla="val 58479"/>
-              <a:gd name="adj2" fmla="val 50000"/>
-            </a:avLst>
-          </a:prstGeom>
-        </p:spPr>
-        <p:style>
-          <a:lnRef idx="1">
-            <a:schemeClr val="accent1"/>
-          </a:lnRef>
-          <a:fillRef idx="0">
-            <a:schemeClr val="accent1"/>
-          </a:fillRef>
-          <a:effectRef idx="0">
-            <a:schemeClr val="accent1"/>
-          </a:effectRef>
-          <a:fontRef idx="minor">
-            <a:schemeClr val="tx1"/>
-          </a:fontRef>
-        </p:style>
-        <p:txBody>
-          <a:bodyPr rtlCol="0" anchor="ctr"/>
-          <a:lstStyle/>
-          <a:p>
-            <a:pPr algn="ctr"/>
-            <a:endParaRPr kumimoji="1" lang="zh-CN" altLang="en-US"/>
-          </a:p>
-        </p:txBody>
-      </p:sp>
-      <p:sp>
-        <p:nvSpPr>
-          <p:cNvPr id="45" name="右大括号 44"/>
-          <p:cNvSpPr/>
-          <p:nvPr/>
-        </p:nvSpPr>
-        <p:spPr>
-          <a:xfrm rot="16200000">
-            <a:off x="3745859" y="1078950"/>
-            <a:ext cx="329237" cy="1833815"/>
-          </a:xfrm>
-          <a:prstGeom prst="rightBrace">
-            <a:avLst>
-              <a:gd name="adj1" fmla="val 58479"/>
-              <a:gd name="adj2" fmla="val 50000"/>
-            </a:avLst>
-          </a:prstGeom>
-        </p:spPr>
-        <p:style>
-          <a:lnRef idx="1">
-            <a:schemeClr val="accent1"/>
-          </a:lnRef>
-          <a:fillRef idx="0">
-            <a:schemeClr val="accent1"/>
-          </a:fillRef>
-          <a:effectRef idx="0">
-            <a:schemeClr val="accent1"/>
-          </a:effectRef>
-          <a:fontRef idx="minor">
-            <a:schemeClr val="tx1"/>
-          </a:fontRef>
-        </p:style>
-        <p:txBody>
-          <a:bodyPr rtlCol="0" anchor="ctr"/>
-          <a:lstStyle/>
-          <a:p>
-            <a:pPr algn="ctr"/>
-            <a:endParaRPr kumimoji="1" lang="zh-CN" altLang="en-US"/>
-          </a:p>
-        </p:txBody>
-      </p:sp>
-      <p:sp>
-        <p:nvSpPr>
-          <p:cNvPr id="47" name="文本框 46"/>
-          <p:cNvSpPr txBox="1"/>
-          <p:nvPr/>
-        </p:nvSpPr>
-        <p:spPr>
-          <a:xfrm>
-            <a:off x="4861868" y="3007503"/>
-            <a:ext cx="461665" cy="594073"/>
-          </a:xfrm>
-          <a:prstGeom prst="rect">
-            <a:avLst/>
-          </a:prstGeom>
-          <a:noFill/>
-        </p:spPr>
-        <p:txBody>
-          <a:bodyPr vert="eaVert" wrap="none" rtlCol="0">
-            <a:spAutoFit/>
-          </a:bodyPr>
-          <a:lstStyle/>
-          <a:p>
-            <a:r>
-              <a:rPr kumimoji="1" lang="en-US" altLang="zh-CN" dirty="0" smtClean="0"/>
-              <a:t>Block</a:t>
-            </a:r>
-            <a:endParaRPr kumimoji="1" lang="zh-CN" altLang="en-US" dirty="0"/>
-          </a:p>
-        </p:txBody>
-      </p:sp>
-      <p:sp>
-        <p:nvSpPr>
-          <p:cNvPr id="48" name="文本框 47"/>
-          <p:cNvSpPr txBox="1"/>
-          <p:nvPr/>
-        </p:nvSpPr>
-        <p:spPr>
-          <a:xfrm>
-            <a:off x="5473863" y="3007503"/>
-            <a:ext cx="461665" cy="594073"/>
-          </a:xfrm>
-          <a:prstGeom prst="rect">
-            <a:avLst/>
-          </a:prstGeom>
-          <a:noFill/>
-        </p:spPr>
-        <p:txBody>
-          <a:bodyPr vert="eaVert" wrap="none" rtlCol="0">
-            <a:spAutoFit/>
-          </a:bodyPr>
-          <a:lstStyle/>
-          <a:p>
-            <a:r>
-              <a:rPr kumimoji="1" lang="en-US" altLang="zh-CN" dirty="0" smtClean="0"/>
-              <a:t>Block</a:t>
-            </a:r>
-            <a:endParaRPr kumimoji="1" lang="zh-CN" altLang="en-US" dirty="0"/>
-          </a:p>
-        </p:txBody>
-      </p:sp>
-      <p:sp>
-        <p:nvSpPr>
-          <p:cNvPr id="49" name="文本框 48"/>
-          <p:cNvSpPr txBox="1"/>
-          <p:nvPr/>
-        </p:nvSpPr>
-        <p:spPr>
-          <a:xfrm>
-            <a:off x="6017567" y="2995380"/>
-            <a:ext cx="461665" cy="594073"/>
-          </a:xfrm>
-          <a:prstGeom prst="rect">
-            <a:avLst/>
-          </a:prstGeom>
-          <a:noFill/>
-        </p:spPr>
-        <p:txBody>
-          <a:bodyPr vert="eaVert" wrap="none" rtlCol="0">
-            <a:spAutoFit/>
-          </a:bodyPr>
-          <a:lstStyle/>
-          <a:p>
-            <a:r>
-              <a:rPr kumimoji="1" lang="en-US" altLang="zh-CN" dirty="0" smtClean="0"/>
-              <a:t>Block</a:t>
-            </a:r>
-            <a:endParaRPr kumimoji="1" lang="zh-CN" altLang="en-US" dirty="0"/>
-          </a:p>
-        </p:txBody>
-      </p:sp>
-      <p:sp>
-        <p:nvSpPr>
-          <p:cNvPr id="52" name="文本框 51"/>
-          <p:cNvSpPr txBox="1"/>
-          <p:nvPr/>
-        </p:nvSpPr>
-        <p:spPr>
-          <a:xfrm>
-            <a:off x="6629836" y="2995380"/>
-            <a:ext cx="461665" cy="594073"/>
-          </a:xfrm>
-          <a:prstGeom prst="rect">
-            <a:avLst/>
-          </a:prstGeom>
-          <a:noFill/>
-        </p:spPr>
-        <p:txBody>
-          <a:bodyPr vert="eaVert" wrap="none" rtlCol="0">
-            <a:spAutoFit/>
-          </a:bodyPr>
-          <a:lstStyle/>
-          <a:p>
-            <a:r>
-              <a:rPr kumimoji="1" lang="en-US" altLang="zh-CN" dirty="0" smtClean="0"/>
-              <a:t>Block</a:t>
-            </a:r>
-            <a:endParaRPr kumimoji="1" lang="zh-CN" altLang="en-US" dirty="0"/>
-          </a:p>
-        </p:txBody>
-      </p:sp>
-      <p:sp>
-        <p:nvSpPr>
-          <p:cNvPr id="53" name="文本框 52"/>
-          <p:cNvSpPr txBox="1"/>
-          <p:nvPr/>
-        </p:nvSpPr>
-        <p:spPr>
-          <a:xfrm>
-            <a:off x="8115801" y="2992983"/>
-            <a:ext cx="461665" cy="594073"/>
-          </a:xfrm>
-          <a:prstGeom prst="rect">
-            <a:avLst/>
-          </a:prstGeom>
-          <a:noFill/>
-        </p:spPr>
-        <p:txBody>
-          <a:bodyPr vert="eaVert" wrap="none" rtlCol="0">
-            <a:spAutoFit/>
-          </a:bodyPr>
-          <a:lstStyle/>
-          <a:p>
-            <a:r>
-              <a:rPr kumimoji="1" lang="en-US" altLang="zh-CN" dirty="0" smtClean="0"/>
-              <a:t>Block</a:t>
-            </a:r>
-            <a:endParaRPr kumimoji="1" lang="zh-CN" altLang="en-US" dirty="0"/>
-          </a:p>
-        </p:txBody>
-      </p:sp>
-    </p:spTree>
-    <p:extLst>
-      <p:ext uri="{BB962C8B-B14F-4D97-AF65-F5344CB8AC3E}">
-        <p14:creationId xmlns:p14="http://schemas.microsoft.com/office/powerpoint/2010/main" val="1242608872"/>
-      </p:ext>
-    </p:extLst>
-  </p:cSld>
-  <p:clrMapOvr>
-    <a:masterClrMapping/>
-  </p:clrMapOvr>
-</p:sld>
-</file>
-
 <file path=ppt/slides/slide3.xml><?xml version="1.0" encoding="utf-8"?>
 <p:sld xmlns:a="http://schemas.openxmlformats.org/drawingml/2006/main" xmlns:r="http://schemas.openxmlformats.org/officeDocument/2006/relationships" xmlns:p="http://schemas.openxmlformats.org/presentationml/2006/main">
   <p:cSld>
@@ -5201,398 +4687,8 @@
         </p:nvSpPr>
         <p:spPr>
           <a:xfrm>
-            <a:off x="1193800" y="2230051"/>
-            <a:ext cx="7848600" cy="1270000"/>
-          </a:xfrm>
-          <a:prstGeom prst="rect">
-            <a:avLst/>
-          </a:prstGeom>
-          <a:noFill/>
-          <a:ln w="44450">
-            <a:solidFill>
-              <a:schemeClr val="accent1">
-                <a:lumMod val="60000"/>
-                <a:lumOff val="40000"/>
-              </a:schemeClr>
-            </a:solidFill>
-          </a:ln>
-        </p:spPr>
-        <p:style>
-          <a:lnRef idx="2">
-            <a:schemeClr val="accent1">
-              <a:shade val="50000"/>
-            </a:schemeClr>
-          </a:lnRef>
-          <a:fillRef idx="1">
-            <a:schemeClr val="accent1"/>
-          </a:fillRef>
-          <a:effectRef idx="0">
-            <a:schemeClr val="accent1"/>
-          </a:effectRef>
-          <a:fontRef idx="minor">
-            <a:schemeClr val="lt1"/>
-          </a:fontRef>
-        </p:style>
-        <p:txBody>
-          <a:bodyPr rtlCol="0" anchor="ctr"/>
-          <a:lstStyle/>
-          <a:p>
-            <a:pPr algn="ctr"/>
-            <a:endParaRPr kumimoji="1" lang="zh-CN" altLang="en-US"/>
-          </a:p>
-        </p:txBody>
-      </p:sp>
-      <p:sp>
-        <p:nvSpPr>
-          <p:cNvPr id="5" name="矩形 4"/>
-          <p:cNvSpPr/>
-          <p:nvPr/>
-        </p:nvSpPr>
-        <p:spPr>
-          <a:xfrm>
-            <a:off x="1219200" y="2222500"/>
-            <a:ext cx="3454400" cy="558800"/>
-          </a:xfrm>
-          <a:prstGeom prst="rect">
-            <a:avLst/>
-          </a:prstGeom>
-          <a:pattFill prst="pct10">
-            <a:fgClr>
-              <a:schemeClr val="accent1"/>
-            </a:fgClr>
-            <a:bgClr>
-              <a:schemeClr val="bg1"/>
-            </a:bgClr>
-          </a:pattFill>
-          <a:ln w="31750">
-            <a:solidFill>
-              <a:schemeClr val="tx1"/>
-            </a:solidFill>
-          </a:ln>
-        </p:spPr>
-        <p:style>
-          <a:lnRef idx="2">
-            <a:schemeClr val="accent1">
-              <a:shade val="50000"/>
-            </a:schemeClr>
-          </a:lnRef>
-          <a:fillRef idx="1">
-            <a:schemeClr val="accent1"/>
-          </a:fillRef>
-          <a:effectRef idx="0">
-            <a:schemeClr val="accent1"/>
-          </a:effectRef>
-          <a:fontRef idx="minor">
-            <a:schemeClr val="lt1"/>
-          </a:fontRef>
-        </p:style>
-        <p:txBody>
-          <a:bodyPr rtlCol="0" anchor="ctr"/>
-          <a:lstStyle/>
-          <a:p>
-            <a:pPr algn="ctr"/>
-            <a:r>
-              <a:rPr kumimoji="1" lang="en-US" altLang="zh-CN" dirty="0" smtClean="0">
-                <a:solidFill>
-                  <a:srgbClr val="FF0000"/>
-                </a:solidFill>
-              </a:rPr>
-              <a:t>In-use chunk</a:t>
-            </a:r>
-            <a:endParaRPr kumimoji="1" lang="zh-CN" altLang="en-US" dirty="0">
-              <a:solidFill>
-                <a:srgbClr val="FF0000"/>
-              </a:solidFill>
-            </a:endParaRPr>
-          </a:p>
-        </p:txBody>
-      </p:sp>
-      <p:sp>
-        <p:nvSpPr>
-          <p:cNvPr id="10" name="矩形 9"/>
-          <p:cNvSpPr/>
-          <p:nvPr/>
-        </p:nvSpPr>
-        <p:spPr>
-          <a:xfrm>
-            <a:off x="1219200" y="2812364"/>
-            <a:ext cx="850900" cy="680136"/>
-          </a:xfrm>
-          <a:prstGeom prst="rect">
-            <a:avLst/>
-          </a:prstGeom>
-        </p:spPr>
-        <p:style>
-          <a:lnRef idx="2">
-            <a:schemeClr val="accent1">
-              <a:shade val="50000"/>
-            </a:schemeClr>
-          </a:lnRef>
-          <a:fillRef idx="1">
-            <a:schemeClr val="accent1"/>
-          </a:fillRef>
-          <a:effectRef idx="0">
-            <a:schemeClr val="accent1"/>
-          </a:effectRef>
-          <a:fontRef idx="minor">
-            <a:schemeClr val="lt1"/>
-          </a:fontRef>
-        </p:style>
-        <p:txBody>
-          <a:bodyPr rtlCol="0" anchor="ctr"/>
-          <a:lstStyle/>
-          <a:p>
-            <a:pPr algn="ctr"/>
-            <a:r>
-              <a:rPr kumimoji="1" lang="en-US" altLang="zh-CN" dirty="0" smtClean="0"/>
-              <a:t>class-0</a:t>
-            </a:r>
-            <a:endParaRPr kumimoji="1" lang="zh-CN" altLang="en-US" dirty="0"/>
-          </a:p>
-        </p:txBody>
-      </p:sp>
-      <p:sp>
-        <p:nvSpPr>
-          <p:cNvPr id="11" name="矩形 10"/>
-          <p:cNvSpPr/>
-          <p:nvPr/>
-        </p:nvSpPr>
-        <p:spPr>
-          <a:xfrm>
-            <a:off x="2070100" y="2812364"/>
-            <a:ext cx="889000" cy="680136"/>
-          </a:xfrm>
-          <a:prstGeom prst="rect">
-            <a:avLst/>
-          </a:prstGeom>
-        </p:spPr>
-        <p:style>
-          <a:lnRef idx="2">
-            <a:schemeClr val="accent1">
-              <a:shade val="50000"/>
-            </a:schemeClr>
-          </a:lnRef>
-          <a:fillRef idx="1">
-            <a:schemeClr val="accent1"/>
-          </a:fillRef>
-          <a:effectRef idx="0">
-            <a:schemeClr val="accent1"/>
-          </a:effectRef>
-          <a:fontRef idx="minor">
-            <a:schemeClr val="lt1"/>
-          </a:fontRef>
-        </p:style>
-        <p:txBody>
-          <a:bodyPr rtlCol="0" anchor="ctr"/>
-          <a:lstStyle/>
-          <a:p>
-            <a:pPr algn="ctr"/>
-            <a:r>
-              <a:rPr kumimoji="1" lang="en-US" altLang="zh-CN" dirty="0"/>
-              <a:t>c</a:t>
-            </a:r>
-            <a:r>
-              <a:rPr kumimoji="1" lang="en-US" altLang="zh-CN" dirty="0" smtClean="0"/>
-              <a:t>lass-1</a:t>
-            </a:r>
-            <a:endParaRPr kumimoji="1" lang="zh-CN" altLang="en-US" dirty="0"/>
-          </a:p>
-        </p:txBody>
-      </p:sp>
-      <p:sp>
-        <p:nvSpPr>
-          <p:cNvPr id="12" name="矩形 11"/>
-          <p:cNvSpPr/>
-          <p:nvPr/>
-        </p:nvSpPr>
-        <p:spPr>
-          <a:xfrm>
-            <a:off x="3797300" y="2812364"/>
-            <a:ext cx="876300" cy="680136"/>
-          </a:xfrm>
-          <a:prstGeom prst="rect">
-            <a:avLst/>
-          </a:prstGeom>
-        </p:spPr>
-        <p:style>
-          <a:lnRef idx="2">
-            <a:schemeClr val="accent1">
-              <a:shade val="50000"/>
-            </a:schemeClr>
-          </a:lnRef>
-          <a:fillRef idx="1">
-            <a:schemeClr val="accent1"/>
-          </a:fillRef>
-          <a:effectRef idx="0">
-            <a:schemeClr val="accent1"/>
-          </a:effectRef>
-          <a:fontRef idx="minor">
-            <a:schemeClr val="lt1"/>
-          </a:fontRef>
-        </p:style>
-        <p:txBody>
-          <a:bodyPr rtlCol="0" anchor="ctr"/>
-          <a:lstStyle/>
-          <a:p>
-            <a:pPr algn="ctr"/>
-            <a:r>
-              <a:rPr kumimoji="1" lang="en-US" altLang="zh-CN" dirty="0"/>
-              <a:t>c</a:t>
-            </a:r>
-            <a:r>
-              <a:rPr kumimoji="1" lang="en-US" altLang="zh-CN" dirty="0" smtClean="0"/>
-              <a:t>lass-n</a:t>
-            </a:r>
-            <a:endParaRPr kumimoji="1" lang="zh-CN" altLang="en-US" dirty="0"/>
-          </a:p>
-        </p:txBody>
-      </p:sp>
-      <p:sp>
-        <p:nvSpPr>
-          <p:cNvPr id="13" name="文本框 12"/>
-          <p:cNvSpPr txBox="1"/>
-          <p:nvPr/>
-        </p:nvSpPr>
-        <p:spPr>
-          <a:xfrm>
-            <a:off x="3146406" y="2952234"/>
-            <a:ext cx="463588" cy="369332"/>
-          </a:xfrm>
-          <a:prstGeom prst="rect">
-            <a:avLst/>
-          </a:prstGeom>
-          <a:noFill/>
-        </p:spPr>
-        <p:txBody>
-          <a:bodyPr wrap="none" rtlCol="0">
-            <a:spAutoFit/>
-          </a:bodyPr>
-          <a:lstStyle/>
-          <a:p>
-            <a:r>
-              <a:rPr kumimoji="1" lang="en-US" altLang="zh-CN" dirty="0" smtClean="0"/>
-              <a:t>. . .</a:t>
-            </a:r>
-            <a:endParaRPr kumimoji="1" lang="zh-CN" altLang="en-US" dirty="0"/>
-          </a:p>
-        </p:txBody>
-      </p:sp>
-      <p:sp>
-        <p:nvSpPr>
-          <p:cNvPr id="14" name="矩形 13"/>
-          <p:cNvSpPr/>
-          <p:nvPr/>
-        </p:nvSpPr>
-        <p:spPr>
-          <a:xfrm>
-            <a:off x="4699000" y="2229879"/>
-            <a:ext cx="3454400" cy="551420"/>
-          </a:xfrm>
-          <a:prstGeom prst="rect">
-            <a:avLst/>
-          </a:prstGeom>
-          <a:pattFill prst="pct25">
-            <a:fgClr>
-              <a:schemeClr val="accent1"/>
-            </a:fgClr>
-            <a:bgClr>
-              <a:schemeClr val="bg1"/>
-            </a:bgClr>
-          </a:pattFill>
-          <a:ln w="31750">
-            <a:solidFill>
-              <a:schemeClr val="tx1"/>
-            </a:solidFill>
-          </a:ln>
-        </p:spPr>
-        <p:style>
-          <a:lnRef idx="2">
-            <a:schemeClr val="accent1">
-              <a:shade val="50000"/>
-            </a:schemeClr>
-          </a:lnRef>
-          <a:fillRef idx="1">
-            <a:schemeClr val="accent1"/>
-          </a:fillRef>
-          <a:effectRef idx="0">
-            <a:schemeClr val="accent1"/>
-          </a:effectRef>
-          <a:fontRef idx="minor">
-            <a:schemeClr val="lt1"/>
-          </a:fontRef>
-        </p:style>
-        <p:txBody>
-          <a:bodyPr rtlCol="0" anchor="ctr"/>
-          <a:lstStyle/>
-          <a:p>
-            <a:pPr algn="ctr"/>
-            <a:r>
-              <a:rPr kumimoji="1" lang="en-US" altLang="zh-CN" dirty="0" smtClean="0">
-                <a:solidFill>
-                  <a:srgbClr val="FF0000"/>
-                </a:solidFill>
-              </a:rPr>
-              <a:t>Waiting chunk</a:t>
-            </a:r>
-            <a:endParaRPr kumimoji="1" lang="zh-CN" altLang="en-US" dirty="0">
-              <a:solidFill>
-                <a:srgbClr val="FF0000"/>
-              </a:solidFill>
-            </a:endParaRPr>
-          </a:p>
-        </p:txBody>
-      </p:sp>
-      <p:sp>
-        <p:nvSpPr>
-          <p:cNvPr id="20" name="矩形 19"/>
-          <p:cNvSpPr/>
-          <p:nvPr/>
-        </p:nvSpPr>
-        <p:spPr>
-          <a:xfrm>
-            <a:off x="8166100" y="2219067"/>
-            <a:ext cx="889000" cy="1273433"/>
-          </a:xfrm>
-          <a:prstGeom prst="rect">
-            <a:avLst/>
-          </a:prstGeom>
-          <a:noFill/>
-        </p:spPr>
-        <p:style>
-          <a:lnRef idx="2">
-            <a:schemeClr val="accent1">
-              <a:shade val="50000"/>
-            </a:schemeClr>
-          </a:lnRef>
-          <a:fillRef idx="1">
-            <a:schemeClr val="accent1"/>
-          </a:fillRef>
-          <a:effectRef idx="0">
-            <a:schemeClr val="accent1"/>
-          </a:effectRef>
-          <a:fontRef idx="minor">
-            <a:schemeClr val="lt1"/>
-          </a:fontRef>
-        </p:style>
-        <p:txBody>
-          <a:bodyPr rtlCol="0" anchor="ctr"/>
-          <a:lstStyle/>
-          <a:p>
-            <a:pPr algn="ctr"/>
-            <a:endParaRPr kumimoji="1" lang="zh-CN" altLang="en-US"/>
-          </a:p>
-        </p:txBody>
-      </p:sp>
-      <p:sp>
-        <p:nvSpPr>
-          <p:cNvPr id="22" name="矩形 21"/>
-          <p:cNvSpPr/>
-          <p:nvPr/>
-        </p:nvSpPr>
-        <p:spPr>
-          <a:xfrm>
-            <a:off x="10450830" y="3112016"/>
-            <a:ext cx="612140" cy="419100"/>
+            <a:off x="2981960" y="2313940"/>
+            <a:ext cx="6532880" cy="1981200"/>
           </a:xfrm>
           <a:prstGeom prst="rect">
             <a:avLst/>
@@ -5629,16 +4725,51 @@
           </a:p>
         </p:txBody>
       </p:sp>
-      <p:sp>
-        <p:nvSpPr>
-          <p:cNvPr id="23" name="文本框 22"/>
+      <p:cxnSp>
+        <p:nvCxnSpPr>
+          <p:cNvPr id="6" name="直线连接符 5"/>
+          <p:cNvCxnSpPr/>
+          <p:nvPr/>
+        </p:nvCxnSpPr>
+        <p:spPr>
+          <a:xfrm>
+            <a:off x="4813300" y="2313940"/>
+            <a:ext cx="0" cy="1981200"/>
+          </a:xfrm>
+          <a:prstGeom prst="line">
+            <a:avLst/>
+          </a:prstGeom>
+          <a:ln w="19050">
+            <a:solidFill>
+              <a:schemeClr val="tx1"/>
+            </a:solidFill>
+          </a:ln>
+        </p:spPr>
+        <p:style>
+          <a:lnRef idx="1">
+            <a:schemeClr val="accent1"/>
+          </a:lnRef>
+          <a:fillRef idx="0">
+            <a:schemeClr val="accent1"/>
+          </a:fillRef>
+          <a:effectRef idx="0">
+            <a:schemeClr val="accent1"/>
+          </a:effectRef>
+          <a:fontRef idx="minor">
+            <a:schemeClr val="tx1"/>
+          </a:fontRef>
+        </p:style>
+      </p:cxnSp>
+      <p:sp>
+        <p:nvSpPr>
+          <p:cNvPr id="12" name="文本框 11"/>
           <p:cNvSpPr txBox="1"/>
           <p:nvPr/>
         </p:nvSpPr>
         <p:spPr>
           <a:xfrm>
-            <a:off x="10380835" y="2671117"/>
-            <a:ext cx="752129" cy="369332"/>
+            <a:off x="3136920" y="1449784"/>
+            <a:ext cx="1495922" cy="369332"/>
           </a:xfrm>
           <a:prstGeom prst="rect">
             <a:avLst/>
@@ -5652,8 +4783,8 @@
           <a:lstStyle/>
           <a:p>
             <a:r>
-              <a:rPr kumimoji="1" lang="en-US" altLang="zh-CN" smtClean="0"/>
-              <a:t>chunk</a:t>
+              <a:rPr kumimoji="1" lang="en-US" altLang="zh-CN" dirty="0" smtClean="0"/>
+              <a:t>Chunk header</a:t>
             </a:r>
             <a:endParaRPr kumimoji="1" lang="zh-CN" altLang="en-US" dirty="0"/>
           </a:p>
@@ -5661,24 +4792,49 @@
       </p:sp>
       <p:sp>
         <p:nvSpPr>
-          <p:cNvPr id="24" name="矩形 23"/>
+          <p:cNvPr id="13" name="文本框 12"/>
+          <p:cNvSpPr txBox="1"/>
+          <p:nvPr/>
+        </p:nvSpPr>
+        <p:spPr>
+          <a:xfrm>
+            <a:off x="6566194" y="1438627"/>
+            <a:ext cx="1300356" cy="369332"/>
+          </a:xfrm>
+          <a:prstGeom prst="rect">
+            <a:avLst/>
+          </a:prstGeom>
+          <a:noFill/>
+        </p:spPr>
+        <p:txBody>
+          <a:bodyPr wrap="none" rtlCol="0">
+            <a:spAutoFit/>
+          </a:bodyPr>
+          <a:lstStyle/>
+          <a:p>
+            <a:r>
+              <a:rPr kumimoji="1" lang="en-US" altLang="zh-CN" dirty="0" smtClean="0"/>
+              <a:t>Chunk body</a:t>
+            </a:r>
+            <a:endParaRPr kumimoji="1" lang="zh-CN" altLang="en-US" dirty="0"/>
+          </a:p>
+        </p:txBody>
+      </p:sp>
+      <p:sp>
+        <p:nvSpPr>
+          <p:cNvPr id="14" name="矩形 13"/>
           <p:cNvSpPr/>
           <p:nvPr/>
         </p:nvSpPr>
         <p:spPr>
           <a:xfrm>
-            <a:off x="1313180" y="4074814"/>
-            <a:ext cx="612140" cy="419100"/>
-          </a:xfrm>
-          <a:prstGeom prst="rect">
-            <a:avLst/>
-          </a:prstGeom>
-          <a:noFill/>
-          <a:ln w="50800">
-            <a:solidFill>
-              <a:schemeClr val="accent6"/>
-            </a:solidFill>
-          </a:ln>
+            <a:off x="4813300" y="2313940"/>
+            <a:ext cx="558800" cy="1981200"/>
+          </a:xfrm>
+          <a:prstGeom prst="rect">
+            <a:avLst/>
+          </a:prstGeom>
+          <a:ln w="34925"/>
         </p:spPr>
         <p:style>
           <a:lnRef idx="2">
@@ -5701,96 +4857,25 @@
           <a:lstStyle/>
           <a:p>
             <a:pPr algn="ctr"/>
-            <a:endParaRPr kumimoji="1" lang="zh-CN" altLang="en-US"/>
-          </a:p>
-        </p:txBody>
-      </p:sp>
-      <p:cxnSp>
-        <p:nvCxnSpPr>
-          <p:cNvPr id="28" name="直线箭头连接符 27"/>
-          <p:cNvCxnSpPr/>
-          <p:nvPr/>
-        </p:nvCxnSpPr>
-        <p:spPr>
-          <a:xfrm>
-            <a:off x="1606550" y="3531116"/>
-            <a:ext cx="0" cy="512633"/>
-          </a:xfrm>
-          <a:prstGeom prst="straightConnector1">
-            <a:avLst/>
-          </a:prstGeom>
-          <a:ln>
-            <a:tailEnd type="triangle"/>
-          </a:ln>
-        </p:spPr>
-        <p:style>
-          <a:lnRef idx="1">
-            <a:schemeClr val="accent1"/>
-          </a:lnRef>
-          <a:fillRef idx="0">
-            <a:schemeClr val="accent1"/>
-          </a:fillRef>
-          <a:effectRef idx="0">
-            <a:schemeClr val="accent1"/>
-          </a:effectRef>
-          <a:fontRef idx="minor">
-            <a:schemeClr val="tx1"/>
-          </a:fontRef>
-        </p:style>
-      </p:cxnSp>
-      <p:cxnSp>
-        <p:nvCxnSpPr>
-          <p:cNvPr id="29" name="直线箭头连接符 28"/>
-          <p:cNvCxnSpPr/>
-          <p:nvPr/>
-        </p:nvCxnSpPr>
-        <p:spPr>
-          <a:xfrm>
-            <a:off x="2520950" y="3531116"/>
-            <a:ext cx="0" cy="512633"/>
-          </a:xfrm>
-          <a:prstGeom prst="straightConnector1">
-            <a:avLst/>
-          </a:prstGeom>
-          <a:ln>
-            <a:tailEnd type="triangle"/>
-          </a:ln>
-        </p:spPr>
-        <p:style>
-          <a:lnRef idx="1">
-            <a:schemeClr val="accent1"/>
-          </a:lnRef>
-          <a:fillRef idx="0">
-            <a:schemeClr val="accent1"/>
-          </a:fillRef>
-          <a:effectRef idx="0">
-            <a:schemeClr val="accent1"/>
-          </a:effectRef>
-          <a:fontRef idx="minor">
-            <a:schemeClr val="tx1"/>
-          </a:fontRef>
-        </p:style>
-      </p:cxnSp>
-      <p:sp>
-        <p:nvSpPr>
-          <p:cNvPr id="34" name="矩形 33"/>
+            <a:endParaRPr kumimoji="1" lang="zh-CN" altLang="en-US" dirty="0"/>
+          </a:p>
+        </p:txBody>
+      </p:sp>
+      <p:sp>
+        <p:nvSpPr>
+          <p:cNvPr id="15" name="矩形 14"/>
           <p:cNvSpPr/>
           <p:nvPr/>
         </p:nvSpPr>
         <p:spPr>
           <a:xfrm>
-            <a:off x="2244090" y="4074814"/>
-            <a:ext cx="612140" cy="419100"/>
-          </a:xfrm>
-          <a:prstGeom prst="rect">
-            <a:avLst/>
-          </a:prstGeom>
-          <a:noFill/>
-          <a:ln w="50800">
-            <a:solidFill>
-              <a:schemeClr val="accent6"/>
-            </a:solidFill>
-          </a:ln>
+            <a:off x="5397598" y="2313940"/>
+            <a:ext cx="558800" cy="1981200"/>
+          </a:xfrm>
+          <a:prstGeom prst="rect">
+            <a:avLst/>
+          </a:prstGeom>
+          <a:ln w="34925"/>
         </p:spPr>
         <p:style>
           <a:lnRef idx="2">
@@ -5813,30 +4898,25 @@
           <a:lstStyle/>
           <a:p>
             <a:pPr algn="ctr"/>
-            <a:endParaRPr kumimoji="1" lang="zh-CN" altLang="en-US"/>
-          </a:p>
-        </p:txBody>
-      </p:sp>
-      <p:sp>
-        <p:nvSpPr>
-          <p:cNvPr id="36" name="矩形 35"/>
+            <a:endParaRPr kumimoji="1" lang="zh-CN" altLang="en-US" dirty="0"/>
+          </a:p>
+        </p:txBody>
+      </p:sp>
+      <p:sp>
+        <p:nvSpPr>
+          <p:cNvPr id="16" name="矩形 15"/>
           <p:cNvSpPr/>
           <p:nvPr/>
         </p:nvSpPr>
         <p:spPr>
           <a:xfrm>
-            <a:off x="4584492" y="4074814"/>
-            <a:ext cx="612140" cy="419100"/>
-          </a:xfrm>
-          <a:prstGeom prst="rect">
-            <a:avLst/>
-          </a:prstGeom>
-          <a:noFill/>
-          <a:ln w="50800">
-            <a:solidFill>
-              <a:schemeClr val="accent6"/>
-            </a:solidFill>
-          </a:ln>
+            <a:off x="5981896" y="2313940"/>
+            <a:ext cx="558800" cy="1981200"/>
+          </a:xfrm>
+          <a:prstGeom prst="rect">
+            <a:avLst/>
+          </a:prstGeom>
+          <a:ln w="34925"/>
         </p:spPr>
         <p:style>
           <a:lnRef idx="2">
@@ -5863,93 +4943,21 @@
           </a:p>
         </p:txBody>
       </p:sp>
-      <p:cxnSp>
-        <p:nvCxnSpPr>
-          <p:cNvPr id="37" name="直线箭头连接符 36"/>
-          <p:cNvCxnSpPr/>
-          <p:nvPr/>
-        </p:nvCxnSpPr>
-        <p:spPr>
-          <a:xfrm>
-            <a:off x="4972050" y="3531116"/>
-            <a:ext cx="0" cy="512633"/>
-          </a:xfrm>
-          <a:prstGeom prst="straightConnector1">
-            <a:avLst/>
-          </a:prstGeom>
-          <a:ln>
-            <a:tailEnd type="triangle"/>
-          </a:ln>
-        </p:spPr>
-        <p:style>
-          <a:lnRef idx="1">
-            <a:schemeClr val="accent1"/>
-          </a:lnRef>
-          <a:fillRef idx="0">
-            <a:schemeClr val="accent1"/>
-          </a:fillRef>
-          <a:effectRef idx="0">
-            <a:schemeClr val="accent1"/>
-          </a:effectRef>
-          <a:fontRef idx="minor">
-            <a:schemeClr val="tx1"/>
-          </a:fontRef>
-        </p:style>
-      </p:cxnSp>
-      <p:sp>
-        <p:nvSpPr>
-          <p:cNvPr id="40" name="文本框 39"/>
-          <p:cNvSpPr txBox="1"/>
-          <p:nvPr/>
-        </p:nvSpPr>
-        <p:spPr>
-          <a:xfrm>
-            <a:off x="8297346" y="2534330"/>
-            <a:ext cx="807865" cy="646331"/>
-          </a:xfrm>
-          <a:prstGeom prst="rect">
-            <a:avLst/>
-          </a:prstGeom>
-          <a:noFill/>
-        </p:spPr>
-        <p:txBody>
-          <a:bodyPr wrap="square" rtlCol="0">
-            <a:spAutoFit/>
-          </a:bodyPr>
-          <a:lstStyle/>
-          <a:p>
-            <a:r>
-              <a:rPr kumimoji="1" lang="en-US" altLang="zh-CN" dirty="0"/>
-              <a:t>f</a:t>
-            </a:r>
-            <a:r>
-              <a:rPr kumimoji="1" lang="en-US" altLang="zh-CN" dirty="0" smtClean="0"/>
-              <a:t>ree head</a:t>
-            </a:r>
-            <a:endParaRPr kumimoji="1" lang="zh-CN" altLang="en-US" dirty="0"/>
-          </a:p>
-        </p:txBody>
-      </p:sp>
-      <p:sp>
-        <p:nvSpPr>
-          <p:cNvPr id="41" name="矩形 40"/>
+      <p:sp>
+        <p:nvSpPr>
+          <p:cNvPr id="17" name="矩形 16"/>
           <p:cNvSpPr/>
           <p:nvPr/>
         </p:nvSpPr>
         <p:spPr>
           <a:xfrm>
-            <a:off x="8304966" y="4043749"/>
-            <a:ext cx="612140" cy="419100"/>
-          </a:xfrm>
-          <a:prstGeom prst="rect">
-            <a:avLst/>
-          </a:prstGeom>
-          <a:noFill/>
-          <a:ln w="50800">
-            <a:solidFill>
-              <a:schemeClr val="accent6"/>
-            </a:solidFill>
-          </a:ln>
+            <a:off x="8054632" y="2301817"/>
+            <a:ext cx="558800" cy="1981200"/>
+          </a:xfrm>
+          <a:prstGeom prst="rect">
+            <a:avLst/>
+          </a:prstGeom>
+          <a:ln w="34925"/>
         </p:spPr>
         <p:style>
           <a:lnRef idx="2">
@@ -5976,59 +4984,21 @@
           </a:p>
         </p:txBody>
       </p:sp>
-      <p:cxnSp>
-        <p:nvCxnSpPr>
-          <p:cNvPr id="42" name="直线箭头连接符 41"/>
-          <p:cNvCxnSpPr/>
-          <p:nvPr/>
-        </p:nvCxnSpPr>
-        <p:spPr>
-          <a:xfrm>
-            <a:off x="8598336" y="3500051"/>
-            <a:ext cx="0" cy="512633"/>
-          </a:xfrm>
-          <a:prstGeom prst="straightConnector1">
-            <a:avLst/>
-          </a:prstGeom>
-          <a:ln>
-            <a:tailEnd type="triangle"/>
-          </a:ln>
-        </p:spPr>
-        <p:style>
-          <a:lnRef idx="1">
-            <a:schemeClr val="accent1"/>
-          </a:lnRef>
-          <a:fillRef idx="0">
-            <a:schemeClr val="accent1"/>
-          </a:fillRef>
-          <a:effectRef idx="0">
-            <a:schemeClr val="accent1"/>
-          </a:effectRef>
-          <a:fontRef idx="minor">
-            <a:schemeClr val="tx1"/>
-          </a:fontRef>
-        </p:style>
-      </p:cxnSp>
-      <p:sp>
-        <p:nvSpPr>
-          <p:cNvPr id="43" name="矩形 42"/>
+      <p:sp>
+        <p:nvSpPr>
+          <p:cNvPr id="22" name="矩形 21"/>
           <p:cNvSpPr/>
           <p:nvPr/>
         </p:nvSpPr>
         <p:spPr>
           <a:xfrm>
-            <a:off x="8304966" y="5037612"/>
-            <a:ext cx="612140" cy="419100"/>
-          </a:xfrm>
-          <a:prstGeom prst="rect">
-            <a:avLst/>
-          </a:prstGeom>
-          <a:noFill/>
-          <a:ln w="50800">
-            <a:solidFill>
-              <a:schemeClr val="accent6"/>
-            </a:solidFill>
-          </a:ln>
+            <a:off x="6566194" y="2313940"/>
+            <a:ext cx="558800" cy="1981200"/>
+          </a:xfrm>
+          <a:prstGeom prst="rect">
+            <a:avLst/>
+          </a:prstGeom>
+          <a:ln w="34925"/>
         </p:spPr>
         <p:style>
           <a:lnRef idx="2">
@@ -6055,48 +5025,15 @@
           </a:p>
         </p:txBody>
       </p:sp>
-      <p:cxnSp>
-        <p:nvCxnSpPr>
-          <p:cNvPr id="44" name="直线箭头连接符 43"/>
-          <p:cNvCxnSpPr/>
-          <p:nvPr/>
-        </p:nvCxnSpPr>
-        <p:spPr>
-          <a:xfrm>
-            <a:off x="8598336" y="4493914"/>
-            <a:ext cx="0" cy="512633"/>
-          </a:xfrm>
-          <a:prstGeom prst="straightConnector1">
-            <a:avLst/>
-          </a:prstGeom>
-          <a:ln>
-            <a:tailEnd type="triangle"/>
-          </a:ln>
-        </p:spPr>
-        <p:style>
-          <a:lnRef idx="1">
-            <a:schemeClr val="accent1"/>
-          </a:lnRef>
-          <a:fillRef idx="0">
-            <a:schemeClr val="accent1"/>
-          </a:fillRef>
-          <a:effectRef idx="0">
-            <a:schemeClr val="accent1"/>
-          </a:effectRef>
-          <a:fontRef idx="minor">
-            <a:schemeClr val="tx1"/>
-          </a:fontRef>
-        </p:style>
-      </p:cxnSp>
-      <p:sp>
-        <p:nvSpPr>
-          <p:cNvPr id="45" name="文本框 44"/>
+      <p:sp>
+        <p:nvSpPr>
+          <p:cNvPr id="23" name="文本框 22"/>
           <p:cNvSpPr txBox="1"/>
           <p:nvPr/>
         </p:nvSpPr>
         <p:spPr>
           <a:xfrm>
-            <a:off x="3132853" y="3979733"/>
+            <a:off x="8832342" y="3093179"/>
             <a:ext cx="463588" cy="369332"/>
           </a:xfrm>
           <a:prstGeom prst="rect">
@@ -6120,13 +5057,206 @@
       </p:sp>
       <p:sp>
         <p:nvSpPr>
-          <p:cNvPr id="46" name="文本框 45"/>
+          <p:cNvPr id="24" name="文本框 23"/>
           <p:cNvSpPr txBox="1"/>
           <p:nvPr/>
         </p:nvSpPr>
         <p:spPr>
           <a:xfrm>
-            <a:off x="5818903" y="3979733"/>
+            <a:off x="2981960" y="2356346"/>
+            <a:ext cx="1805842" cy="369332"/>
+          </a:xfrm>
+          <a:prstGeom prst="rect">
+            <a:avLst/>
+          </a:prstGeom>
+          <a:noFill/>
+        </p:spPr>
+        <p:txBody>
+          <a:bodyPr wrap="square" rtlCol="0">
+            <a:spAutoFit/>
+          </a:bodyPr>
+          <a:lstStyle/>
+          <a:p>
+            <a:pPr algn="ctr"/>
+            <a:r>
+              <a:rPr kumimoji="1" lang="en-US" altLang="zh-CN" dirty="0" smtClean="0"/>
+              <a:t>owner</a:t>
+            </a:r>
+            <a:endParaRPr kumimoji="1" lang="zh-CN" altLang="en-US" dirty="0"/>
+          </a:p>
+        </p:txBody>
+      </p:sp>
+      <p:sp>
+        <p:nvSpPr>
+          <p:cNvPr id="27" name="文本框 26"/>
+          <p:cNvSpPr txBox="1"/>
+          <p:nvPr/>
+        </p:nvSpPr>
+        <p:spPr>
+          <a:xfrm>
+            <a:off x="2979487" y="2629883"/>
+            <a:ext cx="1836581" cy="369332"/>
+          </a:xfrm>
+          <a:prstGeom prst="rect">
+            <a:avLst/>
+          </a:prstGeom>
+          <a:noFill/>
+        </p:spPr>
+        <p:txBody>
+          <a:bodyPr wrap="square" rtlCol="0">
+            <a:spAutoFit/>
+          </a:bodyPr>
+          <a:lstStyle/>
+          <a:p>
+            <a:pPr algn="ctr"/>
+            <a:r>
+              <a:rPr kumimoji="1" lang="en-US" altLang="zh-CN" dirty="0" smtClean="0"/>
+              <a:t>state</a:t>
+            </a:r>
+            <a:endParaRPr kumimoji="1" lang="zh-CN" altLang="en-US" dirty="0"/>
+          </a:p>
+        </p:txBody>
+      </p:sp>
+      <p:sp>
+        <p:nvSpPr>
+          <p:cNvPr id="28" name="文本框 27"/>
+          <p:cNvSpPr txBox="1"/>
+          <p:nvPr/>
+        </p:nvSpPr>
+        <p:spPr>
+          <a:xfrm>
+            <a:off x="2985880" y="2903420"/>
+            <a:ext cx="1805842" cy="369332"/>
+          </a:xfrm>
+          <a:prstGeom prst="rect">
+            <a:avLst/>
+          </a:prstGeom>
+          <a:noFill/>
+        </p:spPr>
+        <p:txBody>
+          <a:bodyPr wrap="square" rtlCol="0">
+            <a:spAutoFit/>
+          </a:bodyPr>
+          <a:lstStyle/>
+          <a:p>
+            <a:pPr algn="ctr"/>
+            <a:r>
+              <a:rPr kumimoji="1" lang="en-US" altLang="zh-CN" dirty="0"/>
+              <a:t>s</a:t>
+            </a:r>
+            <a:r>
+              <a:rPr kumimoji="1" lang="en-US" altLang="zh-CN" dirty="0" smtClean="0"/>
+              <a:t>ize_class</a:t>
+            </a:r>
+            <a:endParaRPr kumimoji="1" lang="zh-CN" altLang="en-US" dirty="0"/>
+          </a:p>
+        </p:txBody>
+      </p:sp>
+      <p:sp>
+        <p:nvSpPr>
+          <p:cNvPr id="29" name="文本框 28"/>
+          <p:cNvSpPr txBox="1"/>
+          <p:nvPr/>
+        </p:nvSpPr>
+        <p:spPr>
+          <a:xfrm>
+            <a:off x="2985879" y="3176957"/>
+            <a:ext cx="1805842" cy="369332"/>
+          </a:xfrm>
+          <a:prstGeom prst="rect">
+            <a:avLst/>
+          </a:prstGeom>
+          <a:noFill/>
+        </p:spPr>
+        <p:txBody>
+          <a:bodyPr wrap="square" rtlCol="0">
+            <a:spAutoFit/>
+          </a:bodyPr>
+          <a:lstStyle/>
+          <a:p>
+            <a:pPr algn="ctr"/>
+            <a:r>
+              <a:rPr kumimoji="1" lang="en-US" altLang="zh-CN" dirty="0" smtClean="0"/>
+              <a:t>free_start</a:t>
+            </a:r>
+            <a:endParaRPr kumimoji="1" lang="zh-CN" altLang="en-US" dirty="0"/>
+          </a:p>
+        </p:txBody>
+      </p:sp>
+      <p:sp>
+        <p:nvSpPr>
+          <p:cNvPr id="30" name="文本框 29"/>
+          <p:cNvSpPr txBox="1"/>
+          <p:nvPr/>
+        </p:nvSpPr>
+        <p:spPr>
+          <a:xfrm>
+            <a:off x="2983261" y="3462511"/>
+            <a:ext cx="1805842" cy="369332"/>
+          </a:xfrm>
+          <a:prstGeom prst="rect">
+            <a:avLst/>
+          </a:prstGeom>
+          <a:noFill/>
+        </p:spPr>
+        <p:txBody>
+          <a:bodyPr wrap="square" rtlCol="0">
+            <a:spAutoFit/>
+          </a:bodyPr>
+          <a:lstStyle/>
+          <a:p>
+            <a:pPr algn="ctr"/>
+            <a:r>
+              <a:rPr kumimoji="1" lang="en-US" altLang="zh-CN" dirty="0"/>
+              <a:t>f</a:t>
+            </a:r>
+            <a:r>
+              <a:rPr kumimoji="1" lang="en-US" altLang="zh-CN" dirty="0" smtClean="0"/>
+              <a:t>ree_list</a:t>
+            </a:r>
+            <a:endParaRPr kumimoji="1" lang="zh-CN" altLang="en-US" dirty="0"/>
+          </a:p>
+        </p:txBody>
+      </p:sp>
+      <p:sp>
+        <p:nvSpPr>
+          <p:cNvPr id="31" name="文本框 30"/>
+          <p:cNvSpPr txBox="1"/>
+          <p:nvPr/>
+        </p:nvSpPr>
+        <p:spPr>
+          <a:xfrm>
+            <a:off x="3666798" y="3884069"/>
+            <a:ext cx="461665" cy="251031"/>
+          </a:xfrm>
+          <a:prstGeom prst="rect">
+            <a:avLst/>
+          </a:prstGeom>
+          <a:noFill/>
+        </p:spPr>
+        <p:txBody>
+          <a:bodyPr vert="eaVert" wrap="none" rtlCol="0">
+            <a:spAutoFit/>
+          </a:bodyPr>
+          <a:lstStyle/>
+          <a:p>
+            <a:r>
+              <a:rPr kumimoji="1" lang="is-IS" altLang="zh-CN" smtClean="0"/>
+              <a:t>…</a:t>
+            </a:r>
+            <a:endParaRPr kumimoji="1" lang="zh-CN" altLang="en-US" dirty="0"/>
+          </a:p>
+        </p:txBody>
+      </p:sp>
+      <p:sp>
+        <p:nvSpPr>
+          <p:cNvPr id="43" name="文本框 42"/>
+          <p:cNvSpPr txBox="1"/>
+          <p:nvPr/>
+        </p:nvSpPr>
+        <p:spPr>
+          <a:xfrm>
+            <a:off x="7372134" y="3119874"/>
             <a:ext cx="463588" cy="369332"/>
           </a:xfrm>
           <a:prstGeom prst="rect">
@@ -6148,23 +5278,23 @@
           </a:p>
         </p:txBody>
       </p:sp>
-      <p:cxnSp>
-        <p:nvCxnSpPr>
-          <p:cNvPr id="48" name="直线箭头连接符 47"/>
-          <p:cNvCxnSpPr/>
-          <p:nvPr/>
-        </p:nvCxnSpPr>
-        <p:spPr>
-          <a:xfrm>
-            <a:off x="5305643" y="3530342"/>
-            <a:ext cx="0" cy="1507270"/>
-          </a:xfrm>
-          <a:prstGeom prst="straightConnector1">
-            <a:avLst/>
-          </a:prstGeom>
-          <a:ln>
-            <a:tailEnd type="triangle"/>
-          </a:ln>
+      <p:sp>
+        <p:nvSpPr>
+          <p:cNvPr id="44" name="右大括号 43"/>
+          <p:cNvSpPr/>
+          <p:nvPr/>
+        </p:nvSpPr>
+        <p:spPr>
+          <a:xfrm rot="16200000">
+            <a:off x="7006494" y="-371150"/>
+            <a:ext cx="329237" cy="4687455"/>
+          </a:xfrm>
+          <a:prstGeom prst="rightBrace">
+            <a:avLst>
+              <a:gd name="adj1" fmla="val 58479"/>
+              <a:gd name="adj2" fmla="val 50000"/>
+            </a:avLst>
+          </a:prstGeom>
         </p:spPr>
         <p:style>
           <a:lnRef idx="1">
@@ -6180,50 +5310,173 @@
             <a:schemeClr val="tx1"/>
           </a:fontRef>
         </p:style>
-      </p:cxnSp>
-      <p:sp>
-        <p:nvSpPr>
-          <p:cNvPr id="49" name="矩形 48"/>
+        <p:txBody>
+          <a:bodyPr rtlCol="0" anchor="ctr"/>
+          <a:lstStyle/>
+          <a:p>
+            <a:pPr algn="ctr"/>
+            <a:endParaRPr kumimoji="1" lang="zh-CN" altLang="en-US"/>
+          </a:p>
+        </p:txBody>
+      </p:sp>
+      <p:sp>
+        <p:nvSpPr>
+          <p:cNvPr id="45" name="右大括号 44"/>
           <p:cNvSpPr/>
           <p:nvPr/>
         </p:nvSpPr>
         <p:spPr>
-          <a:xfrm>
-            <a:off x="4950460" y="5079402"/>
-            <a:ext cx="612140" cy="419100"/>
+          <a:xfrm rot="16200000">
+            <a:off x="3745859" y="1078950"/>
+            <a:ext cx="329237" cy="1833815"/>
+          </a:xfrm>
+          <a:prstGeom prst="rightBrace">
+            <a:avLst>
+              <a:gd name="adj1" fmla="val 58479"/>
+              <a:gd name="adj2" fmla="val 50000"/>
+            </a:avLst>
+          </a:prstGeom>
+        </p:spPr>
+        <p:style>
+          <a:lnRef idx="1">
+            <a:schemeClr val="accent1"/>
+          </a:lnRef>
+          <a:fillRef idx="0">
+            <a:schemeClr val="accent1"/>
+          </a:fillRef>
+          <a:effectRef idx="0">
+            <a:schemeClr val="accent1"/>
+          </a:effectRef>
+          <a:fontRef idx="minor">
+            <a:schemeClr val="tx1"/>
+          </a:fontRef>
+        </p:style>
+        <p:txBody>
+          <a:bodyPr rtlCol="0" anchor="ctr"/>
+          <a:lstStyle/>
+          <a:p>
+            <a:pPr algn="ctr"/>
+            <a:endParaRPr kumimoji="1" lang="zh-CN" altLang="en-US"/>
+          </a:p>
+        </p:txBody>
+      </p:sp>
+      <p:sp>
+        <p:nvSpPr>
+          <p:cNvPr id="47" name="文本框 46"/>
+          <p:cNvSpPr txBox="1"/>
+          <p:nvPr/>
+        </p:nvSpPr>
+        <p:spPr>
+          <a:xfrm>
+            <a:off x="4861868" y="3007503"/>
+            <a:ext cx="461665" cy="594073"/>
           </a:xfrm>
           <a:prstGeom prst="rect">
             <a:avLst/>
           </a:prstGeom>
           <a:noFill/>
-          <a:ln w="50800">
-            <a:solidFill>
-              <a:schemeClr val="accent6"/>
-            </a:solidFill>
-          </a:ln>
-        </p:spPr>
-        <p:style>
-          <a:lnRef idx="2">
-            <a:schemeClr val="accent1">
-              <a:shade val="50000"/>
-            </a:schemeClr>
-          </a:lnRef>
-          <a:fillRef idx="1">
-            <a:schemeClr val="accent1"/>
-          </a:fillRef>
-          <a:effectRef idx="0">
-            <a:schemeClr val="accent1"/>
-          </a:effectRef>
-          <a:fontRef idx="minor">
-            <a:schemeClr val="lt1"/>
-          </a:fontRef>
-        </p:style>
-        <p:txBody>
-          <a:bodyPr rtlCol="0" anchor="ctr"/>
-          <a:lstStyle/>
-          <a:p>
-            <a:pPr algn="ctr"/>
-            <a:endParaRPr kumimoji="1" lang="zh-CN" altLang="en-US"/>
+        </p:spPr>
+        <p:txBody>
+          <a:bodyPr vert="eaVert" wrap="none" rtlCol="0">
+            <a:spAutoFit/>
+          </a:bodyPr>
+          <a:lstStyle/>
+          <a:p>
+            <a:r>
+              <a:rPr kumimoji="1" lang="en-US" altLang="zh-CN" dirty="0" smtClean="0"/>
+              <a:t>Block</a:t>
+            </a:r>
+            <a:endParaRPr kumimoji="1" lang="zh-CN" altLang="en-US" dirty="0"/>
+          </a:p>
+        </p:txBody>
+      </p:sp>
+      <p:sp>
+        <p:nvSpPr>
+          <p:cNvPr id="48" name="文本框 47"/>
+          <p:cNvSpPr txBox="1"/>
+          <p:nvPr/>
+        </p:nvSpPr>
+        <p:spPr>
+          <a:xfrm>
+            <a:off x="5473863" y="3007503"/>
+            <a:ext cx="461665" cy="594073"/>
+          </a:xfrm>
+          <a:prstGeom prst="rect">
+            <a:avLst/>
+          </a:prstGeom>
+          <a:noFill/>
+        </p:spPr>
+        <p:txBody>
+          <a:bodyPr vert="eaVert" wrap="none" rtlCol="0">
+            <a:spAutoFit/>
+          </a:bodyPr>
+          <a:lstStyle/>
+          <a:p>
+            <a:r>
+              <a:rPr kumimoji="1" lang="en-US" altLang="zh-CN" dirty="0" smtClean="0"/>
+              <a:t>Block</a:t>
+            </a:r>
+            <a:endParaRPr kumimoji="1" lang="zh-CN" altLang="en-US" dirty="0"/>
+          </a:p>
+        </p:txBody>
+      </p:sp>
+      <p:sp>
+        <p:nvSpPr>
+          <p:cNvPr id="49" name="文本框 48"/>
+          <p:cNvSpPr txBox="1"/>
+          <p:nvPr/>
+        </p:nvSpPr>
+        <p:spPr>
+          <a:xfrm>
+            <a:off x="6017567" y="2995380"/>
+            <a:ext cx="461665" cy="594073"/>
+          </a:xfrm>
+          <a:prstGeom prst="rect">
+            <a:avLst/>
+          </a:prstGeom>
+          <a:noFill/>
+        </p:spPr>
+        <p:txBody>
+          <a:bodyPr vert="eaVert" wrap="none" rtlCol="0">
+            <a:spAutoFit/>
+          </a:bodyPr>
+          <a:lstStyle/>
+          <a:p>
+            <a:r>
+              <a:rPr kumimoji="1" lang="en-US" altLang="zh-CN" dirty="0" smtClean="0"/>
+              <a:t>Block</a:t>
+            </a:r>
+            <a:endParaRPr kumimoji="1" lang="zh-CN" altLang="en-US" dirty="0"/>
+          </a:p>
+        </p:txBody>
+      </p:sp>
+      <p:sp>
+        <p:nvSpPr>
+          <p:cNvPr id="52" name="文本框 51"/>
+          <p:cNvSpPr txBox="1"/>
+          <p:nvPr/>
+        </p:nvSpPr>
+        <p:spPr>
+          <a:xfrm>
+            <a:off x="6629836" y="2995380"/>
+            <a:ext cx="461665" cy="594073"/>
+          </a:xfrm>
+          <a:prstGeom prst="rect">
+            <a:avLst/>
+          </a:prstGeom>
+          <a:noFill/>
+        </p:spPr>
+        <p:txBody>
+          <a:bodyPr vert="eaVert" wrap="none" rtlCol="0">
+            <a:spAutoFit/>
+          </a:bodyPr>
+          <a:lstStyle/>
+          <a:p>
+            <a:r>
+              <a:rPr kumimoji="1" lang="en-US" altLang="zh-CN" dirty="0" smtClean="0"/>
+              <a:t>Block</a:t>
+            </a:r>
+            <a:endParaRPr kumimoji="1" lang="zh-CN" altLang="en-US" dirty="0"/>
           </a:p>
         </p:txBody>
       </p:sp>
@@ -6235,8 +5488,8 @@
         </p:nvSpPr>
         <p:spPr>
           <a:xfrm>
-            <a:off x="6644675" y="2956010"/>
-            <a:ext cx="463588" cy="369332"/>
+            <a:off x="8115801" y="2992983"/>
+            <a:ext cx="461665" cy="594073"/>
           </a:xfrm>
           <a:prstGeom prst="rect">
             <a:avLst/>
@@ -6244,154 +5497,14 @@
           <a:noFill/>
         </p:spPr>
         <p:txBody>
-          <a:bodyPr wrap="none" rtlCol="0">
+          <a:bodyPr vert="eaVert" wrap="none" rtlCol="0">
             <a:spAutoFit/>
           </a:bodyPr>
           <a:lstStyle/>
           <a:p>
             <a:r>
               <a:rPr kumimoji="1" lang="en-US" altLang="zh-CN" dirty="0" smtClean="0"/>
-              <a:t>. . .</a:t>
-            </a:r>
-            <a:endParaRPr kumimoji="1" lang="zh-CN" altLang="en-US" dirty="0"/>
-          </a:p>
-        </p:txBody>
-      </p:sp>
-      <p:sp>
-        <p:nvSpPr>
-          <p:cNvPr id="55" name="矩形 54"/>
-          <p:cNvSpPr/>
-          <p:nvPr/>
-        </p:nvSpPr>
-        <p:spPr>
-          <a:xfrm>
-            <a:off x="4670460" y="2804642"/>
-            <a:ext cx="850900" cy="687858"/>
-          </a:xfrm>
-          <a:prstGeom prst="rect">
-            <a:avLst/>
-          </a:prstGeom>
-        </p:spPr>
-        <p:style>
-          <a:lnRef idx="2">
-            <a:schemeClr val="accent1">
-              <a:shade val="50000"/>
-            </a:schemeClr>
-          </a:lnRef>
-          <a:fillRef idx="1">
-            <a:schemeClr val="accent1"/>
-          </a:fillRef>
-          <a:effectRef idx="0">
-            <a:schemeClr val="accent1"/>
-          </a:effectRef>
-          <a:fontRef idx="minor">
-            <a:schemeClr val="lt1"/>
-          </a:fontRef>
-        </p:style>
-        <p:txBody>
-          <a:bodyPr rtlCol="0" anchor="ctr"/>
-          <a:lstStyle/>
-          <a:p>
-            <a:pPr algn="ctr"/>
-            <a:r>
-              <a:rPr kumimoji="1" lang="en-US" altLang="zh-CN" dirty="0" smtClean="0"/>
-              <a:t>class-0</a:t>
-            </a:r>
-            <a:endParaRPr kumimoji="1" lang="zh-CN" altLang="en-US" dirty="0"/>
-          </a:p>
-        </p:txBody>
-      </p:sp>
-      <p:sp>
-        <p:nvSpPr>
-          <p:cNvPr id="56" name="矩形 55"/>
-          <p:cNvSpPr/>
-          <p:nvPr/>
-        </p:nvSpPr>
-        <p:spPr>
-          <a:xfrm>
-            <a:off x="5534060" y="2804642"/>
-            <a:ext cx="889000" cy="687858"/>
-          </a:xfrm>
-          <a:prstGeom prst="rect">
-            <a:avLst/>
-          </a:prstGeom>
-        </p:spPr>
-        <p:style>
-          <a:lnRef idx="2">
-            <a:schemeClr val="accent1">
-              <a:shade val="50000"/>
-            </a:schemeClr>
-          </a:lnRef>
-          <a:fillRef idx="1">
-            <a:schemeClr val="accent1"/>
-          </a:fillRef>
-          <a:effectRef idx="0">
-            <a:schemeClr val="accent1"/>
-          </a:effectRef>
-          <a:fontRef idx="minor">
-            <a:schemeClr val="lt1"/>
-          </a:fontRef>
-        </p:style>
-        <p:txBody>
-          <a:bodyPr rtlCol="0" anchor="ctr"/>
-          <a:lstStyle/>
-          <a:p>
-            <a:pPr algn="ctr"/>
-            <a:r>
-              <a:rPr kumimoji="1" lang="en-US" altLang="zh-CN" dirty="0"/>
-              <a:t>c</a:t>
-            </a:r>
-            <a:r>
-              <a:rPr kumimoji="1" lang="en-US" altLang="zh-CN" dirty="0" smtClean="0"/>
-              <a:t>lass-1</a:t>
-            </a:r>
-            <a:endParaRPr kumimoji="1" lang="zh-CN" altLang="en-US" dirty="0"/>
-          </a:p>
-        </p:txBody>
-      </p:sp>
-      <p:sp>
-        <p:nvSpPr>
-          <p:cNvPr id="57" name="矩形 56"/>
-          <p:cNvSpPr/>
-          <p:nvPr/>
-        </p:nvSpPr>
-        <p:spPr>
-          <a:xfrm>
-            <a:off x="7275195" y="2804642"/>
-            <a:ext cx="876300" cy="687858"/>
-          </a:xfrm>
-          <a:prstGeom prst="rect">
-            <a:avLst/>
-          </a:prstGeom>
-        </p:spPr>
-        <p:style>
-          <a:lnRef idx="2">
-            <a:schemeClr val="accent1">
-              <a:shade val="50000"/>
-            </a:schemeClr>
-          </a:lnRef>
-          <a:fillRef idx="1">
-            <a:schemeClr val="accent1"/>
-          </a:fillRef>
-          <a:effectRef idx="0">
-            <a:schemeClr val="accent1"/>
-          </a:effectRef>
-          <a:fontRef idx="minor">
-            <a:schemeClr val="lt1"/>
-          </a:fontRef>
-        </p:style>
-        <p:txBody>
-          <a:bodyPr rtlCol="0" anchor="ctr"/>
-          <a:lstStyle/>
-          <a:p>
-            <a:pPr algn="ctr"/>
-            <a:r>
-              <a:rPr kumimoji="1" lang="en-US" altLang="zh-CN" dirty="0"/>
-              <a:t>c</a:t>
-            </a:r>
-            <a:r>
-              <a:rPr kumimoji="1" lang="en-US" altLang="zh-CN" dirty="0" smtClean="0"/>
-              <a:t>lass-n</a:t>
+              <a:t>Block</a:t>
             </a:r>
             <a:endParaRPr kumimoji="1" lang="zh-CN" altLang="en-US" dirty="0"/>
           </a:p>
@@ -6400,7 +5513,7 @@
     </p:spTree>
     <p:extLst>
       <p:ext uri="{BB962C8B-B14F-4D97-AF65-F5344CB8AC3E}">
-        <p14:creationId xmlns:p14="http://schemas.microsoft.com/office/powerpoint/2010/main" val="695748720"/>
+        <p14:creationId xmlns:p14="http://schemas.microsoft.com/office/powerpoint/2010/main" val="1242608872"/>
       </p:ext>
     </p:extLst>
   </p:cSld>
@@ -6429,14 +5542,404 @@
       </p:grpSpPr>
       <p:sp>
         <p:nvSpPr>
+          <p:cNvPr id="4" name="矩形 3"/>
+          <p:cNvSpPr/>
+          <p:nvPr/>
+        </p:nvSpPr>
+        <p:spPr>
+          <a:xfrm>
+            <a:off x="1193800" y="2230051"/>
+            <a:ext cx="7848600" cy="1270000"/>
+          </a:xfrm>
+          <a:prstGeom prst="rect">
+            <a:avLst/>
+          </a:prstGeom>
+          <a:noFill/>
+          <a:ln w="44450">
+            <a:solidFill>
+              <a:schemeClr val="accent1">
+                <a:lumMod val="60000"/>
+                <a:lumOff val="40000"/>
+              </a:schemeClr>
+            </a:solidFill>
+          </a:ln>
+        </p:spPr>
+        <p:style>
+          <a:lnRef idx="2">
+            <a:schemeClr val="accent1">
+              <a:shade val="50000"/>
+            </a:schemeClr>
+          </a:lnRef>
+          <a:fillRef idx="1">
+            <a:schemeClr val="accent1"/>
+          </a:fillRef>
+          <a:effectRef idx="0">
+            <a:schemeClr val="accent1"/>
+          </a:effectRef>
+          <a:fontRef idx="minor">
+            <a:schemeClr val="lt1"/>
+          </a:fontRef>
+        </p:style>
+        <p:txBody>
+          <a:bodyPr rtlCol="0" anchor="ctr"/>
+          <a:lstStyle/>
+          <a:p>
+            <a:pPr algn="ctr"/>
+            <a:endParaRPr kumimoji="1" lang="zh-CN" altLang="en-US"/>
+          </a:p>
+        </p:txBody>
+      </p:sp>
+      <p:sp>
+        <p:nvSpPr>
           <p:cNvPr id="5" name="矩形 4"/>
           <p:cNvSpPr/>
           <p:nvPr/>
         </p:nvSpPr>
         <p:spPr>
           <a:xfrm>
-            <a:off x="2253240" y="1320800"/>
-            <a:ext cx="1803400" cy="787400"/>
+            <a:off x="1219200" y="2222500"/>
+            <a:ext cx="3454400" cy="558800"/>
+          </a:xfrm>
+          <a:prstGeom prst="rect">
+            <a:avLst/>
+          </a:prstGeom>
+          <a:pattFill prst="pct10">
+            <a:fgClr>
+              <a:schemeClr val="accent1"/>
+            </a:fgClr>
+            <a:bgClr>
+              <a:schemeClr val="bg1"/>
+            </a:bgClr>
+          </a:pattFill>
+          <a:ln w="31750">
+            <a:solidFill>
+              <a:schemeClr val="tx1"/>
+            </a:solidFill>
+          </a:ln>
+        </p:spPr>
+        <p:style>
+          <a:lnRef idx="2">
+            <a:schemeClr val="accent1">
+              <a:shade val="50000"/>
+            </a:schemeClr>
+          </a:lnRef>
+          <a:fillRef idx="1">
+            <a:schemeClr val="accent1"/>
+          </a:fillRef>
+          <a:effectRef idx="0">
+            <a:schemeClr val="accent1"/>
+          </a:effectRef>
+          <a:fontRef idx="minor">
+            <a:schemeClr val="lt1"/>
+          </a:fontRef>
+        </p:style>
+        <p:txBody>
+          <a:bodyPr rtlCol="0" anchor="ctr"/>
+          <a:lstStyle/>
+          <a:p>
+            <a:pPr algn="ctr"/>
+            <a:r>
+              <a:rPr kumimoji="1" lang="en-US" altLang="zh-CN" dirty="0" smtClean="0">
+                <a:solidFill>
+                  <a:srgbClr val="FF0000"/>
+                </a:solidFill>
+              </a:rPr>
+              <a:t>In-use chunk</a:t>
+            </a:r>
+            <a:endParaRPr kumimoji="1" lang="zh-CN" altLang="en-US" dirty="0">
+              <a:solidFill>
+                <a:srgbClr val="FF0000"/>
+              </a:solidFill>
+            </a:endParaRPr>
+          </a:p>
+        </p:txBody>
+      </p:sp>
+      <p:sp>
+        <p:nvSpPr>
+          <p:cNvPr id="10" name="矩形 9"/>
+          <p:cNvSpPr/>
+          <p:nvPr/>
+        </p:nvSpPr>
+        <p:spPr>
+          <a:xfrm>
+            <a:off x="1219200" y="2812364"/>
+            <a:ext cx="850900" cy="680136"/>
+          </a:xfrm>
+          <a:prstGeom prst="rect">
+            <a:avLst/>
+          </a:prstGeom>
+        </p:spPr>
+        <p:style>
+          <a:lnRef idx="2">
+            <a:schemeClr val="accent1">
+              <a:shade val="50000"/>
+            </a:schemeClr>
+          </a:lnRef>
+          <a:fillRef idx="1">
+            <a:schemeClr val="accent1"/>
+          </a:fillRef>
+          <a:effectRef idx="0">
+            <a:schemeClr val="accent1"/>
+          </a:effectRef>
+          <a:fontRef idx="minor">
+            <a:schemeClr val="lt1"/>
+          </a:fontRef>
+        </p:style>
+        <p:txBody>
+          <a:bodyPr rtlCol="0" anchor="ctr"/>
+          <a:lstStyle/>
+          <a:p>
+            <a:pPr algn="ctr"/>
+            <a:r>
+              <a:rPr kumimoji="1" lang="en-US" altLang="zh-CN" dirty="0" smtClean="0"/>
+              <a:t>class-0</a:t>
+            </a:r>
+            <a:endParaRPr kumimoji="1" lang="zh-CN" altLang="en-US" dirty="0"/>
+          </a:p>
+        </p:txBody>
+      </p:sp>
+      <p:sp>
+        <p:nvSpPr>
+          <p:cNvPr id="11" name="矩形 10"/>
+          <p:cNvSpPr/>
+          <p:nvPr/>
+        </p:nvSpPr>
+        <p:spPr>
+          <a:xfrm>
+            <a:off x="2070100" y="2812364"/>
+            <a:ext cx="889000" cy="680136"/>
+          </a:xfrm>
+          <a:prstGeom prst="rect">
+            <a:avLst/>
+          </a:prstGeom>
+        </p:spPr>
+        <p:style>
+          <a:lnRef idx="2">
+            <a:schemeClr val="accent1">
+              <a:shade val="50000"/>
+            </a:schemeClr>
+          </a:lnRef>
+          <a:fillRef idx="1">
+            <a:schemeClr val="accent1"/>
+          </a:fillRef>
+          <a:effectRef idx="0">
+            <a:schemeClr val="accent1"/>
+          </a:effectRef>
+          <a:fontRef idx="minor">
+            <a:schemeClr val="lt1"/>
+          </a:fontRef>
+        </p:style>
+        <p:txBody>
+          <a:bodyPr rtlCol="0" anchor="ctr"/>
+          <a:lstStyle/>
+          <a:p>
+            <a:pPr algn="ctr"/>
+            <a:r>
+              <a:rPr kumimoji="1" lang="en-US" altLang="zh-CN" dirty="0"/>
+              <a:t>c</a:t>
+            </a:r>
+            <a:r>
+              <a:rPr kumimoji="1" lang="en-US" altLang="zh-CN" dirty="0" smtClean="0"/>
+              <a:t>lass-1</a:t>
+            </a:r>
+            <a:endParaRPr kumimoji="1" lang="zh-CN" altLang="en-US" dirty="0"/>
+          </a:p>
+        </p:txBody>
+      </p:sp>
+      <p:sp>
+        <p:nvSpPr>
+          <p:cNvPr id="12" name="矩形 11"/>
+          <p:cNvSpPr/>
+          <p:nvPr/>
+        </p:nvSpPr>
+        <p:spPr>
+          <a:xfrm>
+            <a:off x="3797300" y="2812364"/>
+            <a:ext cx="876300" cy="680136"/>
+          </a:xfrm>
+          <a:prstGeom prst="rect">
+            <a:avLst/>
+          </a:prstGeom>
+        </p:spPr>
+        <p:style>
+          <a:lnRef idx="2">
+            <a:schemeClr val="accent1">
+              <a:shade val="50000"/>
+            </a:schemeClr>
+          </a:lnRef>
+          <a:fillRef idx="1">
+            <a:schemeClr val="accent1"/>
+          </a:fillRef>
+          <a:effectRef idx="0">
+            <a:schemeClr val="accent1"/>
+          </a:effectRef>
+          <a:fontRef idx="minor">
+            <a:schemeClr val="lt1"/>
+          </a:fontRef>
+        </p:style>
+        <p:txBody>
+          <a:bodyPr rtlCol="0" anchor="ctr"/>
+          <a:lstStyle/>
+          <a:p>
+            <a:pPr algn="ctr"/>
+            <a:r>
+              <a:rPr kumimoji="1" lang="en-US" altLang="zh-CN" dirty="0"/>
+              <a:t>c</a:t>
+            </a:r>
+            <a:r>
+              <a:rPr kumimoji="1" lang="en-US" altLang="zh-CN" dirty="0" smtClean="0"/>
+              <a:t>lass-n</a:t>
+            </a:r>
+            <a:endParaRPr kumimoji="1" lang="zh-CN" altLang="en-US" dirty="0"/>
+          </a:p>
+        </p:txBody>
+      </p:sp>
+      <p:sp>
+        <p:nvSpPr>
+          <p:cNvPr id="13" name="文本框 12"/>
+          <p:cNvSpPr txBox="1"/>
+          <p:nvPr/>
+        </p:nvSpPr>
+        <p:spPr>
+          <a:xfrm>
+            <a:off x="3146406" y="2952234"/>
+            <a:ext cx="463588" cy="369332"/>
+          </a:xfrm>
+          <a:prstGeom prst="rect">
+            <a:avLst/>
+          </a:prstGeom>
+          <a:noFill/>
+        </p:spPr>
+        <p:txBody>
+          <a:bodyPr wrap="none" rtlCol="0">
+            <a:spAutoFit/>
+          </a:bodyPr>
+          <a:lstStyle/>
+          <a:p>
+            <a:r>
+              <a:rPr kumimoji="1" lang="en-US" altLang="zh-CN" dirty="0" smtClean="0"/>
+              <a:t>. . .</a:t>
+            </a:r>
+            <a:endParaRPr kumimoji="1" lang="zh-CN" altLang="en-US" dirty="0"/>
+          </a:p>
+        </p:txBody>
+      </p:sp>
+      <p:sp>
+        <p:nvSpPr>
+          <p:cNvPr id="14" name="矩形 13"/>
+          <p:cNvSpPr/>
+          <p:nvPr/>
+        </p:nvSpPr>
+        <p:spPr>
+          <a:xfrm>
+            <a:off x="4699000" y="2229879"/>
+            <a:ext cx="3454400" cy="551420"/>
+          </a:xfrm>
+          <a:prstGeom prst="rect">
+            <a:avLst/>
+          </a:prstGeom>
+          <a:pattFill prst="pct25">
+            <a:fgClr>
+              <a:schemeClr val="accent1"/>
+            </a:fgClr>
+            <a:bgClr>
+              <a:schemeClr val="bg1"/>
+            </a:bgClr>
+          </a:pattFill>
+          <a:ln w="31750">
+            <a:solidFill>
+              <a:schemeClr val="tx1"/>
+            </a:solidFill>
+          </a:ln>
+        </p:spPr>
+        <p:style>
+          <a:lnRef idx="2">
+            <a:schemeClr val="accent1">
+              <a:shade val="50000"/>
+            </a:schemeClr>
+          </a:lnRef>
+          <a:fillRef idx="1">
+            <a:schemeClr val="accent1"/>
+          </a:fillRef>
+          <a:effectRef idx="0">
+            <a:schemeClr val="accent1"/>
+          </a:effectRef>
+          <a:fontRef idx="minor">
+            <a:schemeClr val="lt1"/>
+          </a:fontRef>
+        </p:style>
+        <p:txBody>
+          <a:bodyPr rtlCol="0" anchor="ctr"/>
+          <a:lstStyle/>
+          <a:p>
+            <a:pPr algn="ctr"/>
+            <a:r>
+              <a:rPr kumimoji="1" lang="en-US" altLang="zh-CN" dirty="0" smtClean="0">
+                <a:solidFill>
+                  <a:srgbClr val="FF0000"/>
+                </a:solidFill>
+              </a:rPr>
+              <a:t>Waiting chunk</a:t>
+            </a:r>
+            <a:endParaRPr kumimoji="1" lang="zh-CN" altLang="en-US" dirty="0">
+              <a:solidFill>
+                <a:srgbClr val="FF0000"/>
+              </a:solidFill>
+            </a:endParaRPr>
+          </a:p>
+        </p:txBody>
+      </p:sp>
+      <p:sp>
+        <p:nvSpPr>
+          <p:cNvPr id="20" name="矩形 19"/>
+          <p:cNvSpPr/>
+          <p:nvPr/>
+        </p:nvSpPr>
+        <p:spPr>
+          <a:xfrm>
+            <a:off x="8166100" y="2219067"/>
+            <a:ext cx="889000" cy="1273433"/>
+          </a:xfrm>
+          <a:prstGeom prst="rect">
+            <a:avLst/>
+          </a:prstGeom>
+          <a:noFill/>
+        </p:spPr>
+        <p:style>
+          <a:lnRef idx="2">
+            <a:schemeClr val="accent1">
+              <a:shade val="50000"/>
+            </a:schemeClr>
+          </a:lnRef>
+          <a:fillRef idx="1">
+            <a:schemeClr val="accent1"/>
+          </a:fillRef>
+          <a:effectRef idx="0">
+            <a:schemeClr val="accent1"/>
+          </a:effectRef>
+          <a:fontRef idx="minor">
+            <a:schemeClr val="lt1"/>
+          </a:fontRef>
+        </p:style>
+        <p:txBody>
+          <a:bodyPr rtlCol="0" anchor="ctr"/>
+          <a:lstStyle/>
+          <a:p>
+            <a:pPr algn="ctr"/>
+            <a:endParaRPr kumimoji="1" lang="zh-CN" altLang="en-US"/>
+          </a:p>
+        </p:txBody>
+      </p:sp>
+      <p:sp>
+        <p:nvSpPr>
+          <p:cNvPr id="22" name="矩形 21"/>
+          <p:cNvSpPr/>
+          <p:nvPr/>
+        </p:nvSpPr>
+        <p:spPr>
+          <a:xfrm>
+            <a:off x="10450830" y="3112016"/>
+            <a:ext cx="612140" cy="419100"/>
           </a:xfrm>
           <a:prstGeom prst="rect">
             <a:avLst/>
@@ -6469,32 +5972,50 @@
           <a:lstStyle/>
           <a:p>
             <a:pPr algn="ctr"/>
-            <a:r>
-              <a:rPr kumimoji="1" lang="en-US" altLang="zh-CN" dirty="0" smtClean="0">
-                <a:solidFill>
-                  <a:schemeClr val="tx1"/>
-                </a:solidFill>
-              </a:rPr>
-              <a:t>In-use chunk</a:t>
-            </a:r>
-            <a:endParaRPr kumimoji="1" lang="zh-CN" altLang="en-US" dirty="0">
-              <a:solidFill>
-                <a:schemeClr val="tx1"/>
-              </a:solidFill>
-            </a:endParaRPr>
-          </a:p>
-        </p:txBody>
-      </p:sp>
-      <p:sp>
-        <p:nvSpPr>
-          <p:cNvPr id="6" name="矩形 5"/>
+            <a:endParaRPr kumimoji="1" lang="zh-CN" altLang="en-US"/>
+          </a:p>
+        </p:txBody>
+      </p:sp>
+      <p:sp>
+        <p:nvSpPr>
+          <p:cNvPr id="23" name="文本框 22"/>
+          <p:cNvSpPr txBox="1"/>
+          <p:nvPr/>
+        </p:nvSpPr>
+        <p:spPr>
+          <a:xfrm>
+            <a:off x="10380835" y="2671117"/>
+            <a:ext cx="752129" cy="369332"/>
+          </a:xfrm>
+          <a:prstGeom prst="rect">
+            <a:avLst/>
+          </a:prstGeom>
+          <a:noFill/>
+        </p:spPr>
+        <p:txBody>
+          <a:bodyPr wrap="none" rtlCol="0">
+            <a:spAutoFit/>
+          </a:bodyPr>
+          <a:lstStyle/>
+          <a:p>
+            <a:r>
+              <a:rPr kumimoji="1" lang="en-US" altLang="zh-CN" smtClean="0"/>
+              <a:t>chunk</a:t>
+            </a:r>
+            <a:endParaRPr kumimoji="1" lang="zh-CN" altLang="en-US" dirty="0"/>
+          </a:p>
+        </p:txBody>
+      </p:sp>
+      <p:sp>
+        <p:nvSpPr>
+          <p:cNvPr id="24" name="矩形 23"/>
           <p:cNvSpPr/>
           <p:nvPr/>
         </p:nvSpPr>
         <p:spPr>
           <a:xfrm>
-            <a:off x="7226300" y="1320800"/>
-            <a:ext cx="1803400" cy="787400"/>
+            <a:off x="1313180" y="4074814"/>
+            <a:ext cx="612140" cy="419100"/>
           </a:xfrm>
           <a:prstGeom prst="rect">
             <a:avLst/>
@@ -6527,35 +6048,20 @@
           <a:lstStyle/>
           <a:p>
             <a:pPr algn="ctr"/>
-            <a:r>
-              <a:rPr kumimoji="1" lang="en-US" altLang="zh-CN" dirty="0" smtClean="0">
-                <a:solidFill>
-                  <a:schemeClr val="tx1"/>
-                </a:solidFill>
-              </a:rPr>
-              <a:t>Full chunk</a:t>
-            </a:r>
-            <a:endParaRPr kumimoji="1" lang="zh-CN" altLang="en-US" dirty="0">
-              <a:solidFill>
-                <a:schemeClr val="tx1"/>
-              </a:solidFill>
-            </a:endParaRPr>
+            <a:endParaRPr kumimoji="1" lang="zh-CN" altLang="en-US"/>
           </a:p>
         </p:txBody>
       </p:sp>
       <p:cxnSp>
         <p:nvCxnSpPr>
-          <p:cNvPr id="8" name="直线箭头连接符 7"/>
-          <p:cNvCxnSpPr>
-            <a:stCxn id="5" idx="3"/>
-            <a:endCxn id="6" idx="1"/>
-          </p:cNvCxnSpPr>
+          <p:cNvPr id="28" name="直线箭头连接符 27"/>
+          <p:cNvCxnSpPr/>
           <p:nvPr/>
         </p:nvCxnSpPr>
         <p:spPr>
           <a:xfrm>
-            <a:off x="4056640" y="1714500"/>
-            <a:ext cx="3169660" cy="0"/>
+            <a:off x="1606550" y="3531116"/>
+            <a:ext cx="0" cy="512633"/>
           </a:xfrm>
           <a:prstGeom prst="straightConnector1">
             <a:avLst/>
@@ -6579,109 +6085,16 @@
           </a:fontRef>
         </p:style>
       </p:cxnSp>
-      <p:sp>
-        <p:nvSpPr>
-          <p:cNvPr id="10" name="文本框 9"/>
-          <p:cNvSpPr txBox="1"/>
-          <p:nvPr/>
-        </p:nvSpPr>
-        <p:spPr>
-          <a:xfrm>
-            <a:off x="4699000" y="1320800"/>
-            <a:ext cx="1884940" cy="369332"/>
-          </a:xfrm>
-          <a:prstGeom prst="rect">
-            <a:avLst/>
-          </a:prstGeom>
-          <a:noFill/>
-        </p:spPr>
-        <p:txBody>
-          <a:bodyPr wrap="none" rtlCol="0">
-            <a:spAutoFit/>
-          </a:bodyPr>
-          <a:lstStyle/>
-          <a:p>
-            <a:r>
-              <a:rPr kumimoji="1" lang="en-US" altLang="zh-CN" dirty="0" smtClean="0"/>
-              <a:t>No available block</a:t>
-            </a:r>
-            <a:endParaRPr kumimoji="1" lang="zh-CN" altLang="en-US" dirty="0"/>
-          </a:p>
-        </p:txBody>
-      </p:sp>
-      <p:sp>
-        <p:nvSpPr>
-          <p:cNvPr id="11" name="矩形 10"/>
-          <p:cNvSpPr/>
-          <p:nvPr/>
-        </p:nvSpPr>
-        <p:spPr>
-          <a:xfrm>
-            <a:off x="4920240" y="3092449"/>
-            <a:ext cx="1803400" cy="787400"/>
-          </a:xfrm>
-          <a:prstGeom prst="rect">
-            <a:avLst/>
-          </a:prstGeom>
-          <a:solidFill>
-            <a:schemeClr val="bg1"/>
-          </a:solidFill>
-          <a:ln w="50800">
-            <a:solidFill>
-              <a:schemeClr val="accent6"/>
-            </a:solidFill>
-          </a:ln>
-        </p:spPr>
-        <p:style>
-          <a:lnRef idx="2">
-            <a:schemeClr val="accent1">
-              <a:shade val="50000"/>
-            </a:schemeClr>
-          </a:lnRef>
-          <a:fillRef idx="1">
-            <a:schemeClr val="accent1"/>
-          </a:fillRef>
-          <a:effectRef idx="0">
-            <a:schemeClr val="accent1"/>
-          </a:effectRef>
-          <a:fontRef idx="minor">
-            <a:schemeClr val="lt1"/>
-          </a:fontRef>
-        </p:style>
-        <p:txBody>
-          <a:bodyPr rtlCol="0" anchor="ctr"/>
-          <a:lstStyle/>
-          <a:p>
-            <a:pPr algn="ctr"/>
-            <a:r>
-              <a:rPr kumimoji="1" lang="en-US" altLang="zh-CN" dirty="0" smtClean="0">
-                <a:solidFill>
-                  <a:schemeClr val="tx1"/>
-                </a:solidFill>
-              </a:rPr>
-              <a:t>Waiting chunk</a:t>
-            </a:r>
-            <a:endParaRPr kumimoji="1" lang="zh-CN" altLang="en-US" dirty="0">
-              <a:solidFill>
-                <a:schemeClr val="tx1"/>
-              </a:solidFill>
-            </a:endParaRPr>
-          </a:p>
-        </p:txBody>
-      </p:sp>
       <p:cxnSp>
         <p:nvCxnSpPr>
-          <p:cNvPr id="13" name="直线箭头连接符 12"/>
-          <p:cNvCxnSpPr>
-            <a:stCxn id="6" idx="2"/>
-            <a:endCxn id="11" idx="3"/>
-          </p:cNvCxnSpPr>
+          <p:cNvPr id="29" name="直线箭头连接符 28"/>
+          <p:cNvCxnSpPr/>
           <p:nvPr/>
         </p:nvCxnSpPr>
         <p:spPr>
-          <a:xfrm flipH="1">
-            <a:off x="6723640" y="2108200"/>
-            <a:ext cx="1404360" cy="1377949"/>
+          <a:xfrm>
+            <a:off x="2520950" y="3531116"/>
+            <a:ext cx="0" cy="512633"/>
           </a:xfrm>
           <a:prstGeom prst="straightConnector1">
             <a:avLst/>
@@ -6707,48 +6120,14 @@
       </p:cxnSp>
       <p:sp>
         <p:nvSpPr>
-          <p:cNvPr id="14" name="文本框 13"/>
-          <p:cNvSpPr txBox="1"/>
-          <p:nvPr/>
-        </p:nvSpPr>
-        <p:spPr>
-          <a:xfrm>
-            <a:off x="7425820" y="2710934"/>
-            <a:ext cx="1313373" cy="369332"/>
-          </a:xfrm>
-          <a:prstGeom prst="rect">
-            <a:avLst/>
-          </a:prstGeom>
-          <a:noFill/>
-        </p:spPr>
-        <p:txBody>
-          <a:bodyPr wrap="none" rtlCol="0">
-            <a:spAutoFit/>
-          </a:bodyPr>
-          <a:lstStyle/>
-          <a:p>
-            <a:r>
-              <a:rPr kumimoji="1" lang="en-US" altLang="zh-CN" dirty="0" smtClean="0"/>
-              <a:t>Free </a:t>
-            </a:r>
-            <a:r>
-              <a:rPr kumimoji="1" lang="en-US" altLang="zh-CN" smtClean="0"/>
-              <a:t>a block</a:t>
-            </a:r>
-            <a:endParaRPr kumimoji="1" lang="zh-CN" altLang="en-US" dirty="0"/>
-          </a:p>
-        </p:txBody>
-      </p:sp>
-      <p:sp>
-        <p:nvSpPr>
-          <p:cNvPr id="15" name="矩形 14"/>
+          <p:cNvPr id="34" name="矩形 33"/>
           <p:cNvSpPr/>
           <p:nvPr/>
         </p:nvSpPr>
         <p:spPr>
           <a:xfrm>
-            <a:off x="4920240" y="5651498"/>
-            <a:ext cx="1803400" cy="787400"/>
+            <a:off x="2244090" y="4074814"/>
+            <a:ext cx="612140" cy="419100"/>
           </a:xfrm>
           <a:prstGeom prst="rect">
             <a:avLst/>
@@ -6781,159 +6160,10 @@
           <a:lstStyle/>
           <a:p>
             <a:pPr algn="ctr"/>
-            <a:r>
-              <a:rPr kumimoji="1" lang="en-US" altLang="zh-CN" dirty="0" smtClean="0">
-                <a:solidFill>
-                  <a:schemeClr val="tx1"/>
-                </a:solidFill>
-              </a:rPr>
-              <a:t>Clean chunk in free pool</a:t>
-            </a:r>
-            <a:endParaRPr kumimoji="1" lang="zh-CN" altLang="en-US" dirty="0">
-              <a:solidFill>
-                <a:schemeClr val="tx1"/>
-              </a:solidFill>
-            </a:endParaRPr>
-          </a:p>
-        </p:txBody>
-      </p:sp>
-      <p:cxnSp>
-        <p:nvCxnSpPr>
-          <p:cNvPr id="18" name="直线箭头连接符 17"/>
-          <p:cNvCxnSpPr>
-            <a:stCxn id="11" idx="2"/>
-            <a:endCxn id="15" idx="0"/>
-          </p:cNvCxnSpPr>
-          <p:nvPr/>
-        </p:nvCxnSpPr>
-        <p:spPr>
-          <a:xfrm>
-            <a:off x="5821940" y="3879849"/>
-            <a:ext cx="0" cy="1771649"/>
-          </a:xfrm>
-          <a:prstGeom prst="straightConnector1">
-            <a:avLst/>
-          </a:prstGeom>
-          <a:ln>
-            <a:tailEnd type="triangle"/>
-          </a:ln>
-        </p:spPr>
-        <p:style>
-          <a:lnRef idx="1">
-            <a:schemeClr val="accent1"/>
-          </a:lnRef>
-          <a:fillRef idx="0">
-            <a:schemeClr val="accent1"/>
-          </a:fillRef>
-          <a:effectRef idx="0">
-            <a:schemeClr val="accent1"/>
-          </a:effectRef>
-          <a:fontRef idx="minor">
-            <a:schemeClr val="tx1"/>
-          </a:fontRef>
-        </p:style>
-      </p:cxnSp>
-      <p:sp>
-        <p:nvSpPr>
-          <p:cNvPr id="19" name="文本框 18"/>
-          <p:cNvSpPr txBox="1"/>
-          <p:nvPr/>
-        </p:nvSpPr>
-        <p:spPr>
-          <a:xfrm>
-            <a:off x="5821940" y="4581007"/>
-            <a:ext cx="1222804" cy="646331"/>
-          </a:xfrm>
-          <a:prstGeom prst="rect">
-            <a:avLst/>
-          </a:prstGeom>
-          <a:noFill/>
-        </p:spPr>
-        <p:txBody>
-          <a:bodyPr wrap="square" rtlCol="0">
-            <a:spAutoFit/>
-          </a:bodyPr>
-          <a:lstStyle/>
-          <a:p>
-            <a:r>
-              <a:rPr kumimoji="1" lang="en-US" altLang="zh-CN" dirty="0" smtClean="0"/>
-              <a:t>If all blocks are freed</a:t>
-            </a:r>
-            <a:endParaRPr kumimoji="1" lang="zh-CN" altLang="en-US" dirty="0"/>
-          </a:p>
-        </p:txBody>
-      </p:sp>
-      <p:cxnSp>
-        <p:nvCxnSpPr>
-          <p:cNvPr id="28" name="直线箭头连接符 27"/>
-          <p:cNvCxnSpPr>
-            <a:stCxn id="11" idx="1"/>
-          </p:cNvCxnSpPr>
-          <p:nvPr/>
-        </p:nvCxnSpPr>
-        <p:spPr>
-          <a:xfrm flipH="1" flipV="1">
-            <a:off x="3580327" y="2108200"/>
-            <a:ext cx="1339913" cy="1377949"/>
-          </a:xfrm>
-          <a:prstGeom prst="straightConnector1">
-            <a:avLst/>
-          </a:prstGeom>
-          <a:ln>
-            <a:tailEnd type="triangle"/>
-          </a:ln>
-        </p:spPr>
-        <p:style>
-          <a:lnRef idx="1">
-            <a:schemeClr val="accent1"/>
-          </a:lnRef>
-          <a:fillRef idx="0">
-            <a:schemeClr val="accent1"/>
-          </a:fillRef>
-          <a:effectRef idx="0">
-            <a:schemeClr val="accent1"/>
-          </a:effectRef>
-          <a:fontRef idx="minor">
-            <a:schemeClr val="tx1"/>
-          </a:fontRef>
-        </p:style>
-      </p:cxnSp>
-      <p:cxnSp>
-        <p:nvCxnSpPr>
-          <p:cNvPr id="30" name="直线箭头连接符 29"/>
-          <p:cNvCxnSpPr>
-            <a:stCxn id="15" idx="1"/>
-            <a:endCxn id="5" idx="2"/>
-          </p:cNvCxnSpPr>
-          <p:nvPr/>
-        </p:nvCxnSpPr>
-        <p:spPr>
-          <a:xfrm flipH="1" flipV="1">
-            <a:off x="3154940" y="2108200"/>
-            <a:ext cx="1765300" cy="3936998"/>
-          </a:xfrm>
-          <a:prstGeom prst="straightConnector1">
-            <a:avLst/>
-          </a:prstGeom>
-          <a:ln>
-            <a:tailEnd type="triangle"/>
-          </a:ln>
-        </p:spPr>
-        <p:style>
-          <a:lnRef idx="1">
-            <a:schemeClr val="accent1"/>
-          </a:lnRef>
-          <a:fillRef idx="0">
-            <a:schemeClr val="accent1"/>
-          </a:fillRef>
-          <a:effectRef idx="0">
-            <a:schemeClr val="accent1"/>
-          </a:effectRef>
-          <a:fontRef idx="minor">
-            <a:schemeClr val="tx1"/>
-          </a:fontRef>
-        </p:style>
-      </p:cxnSp>
+            <a:endParaRPr kumimoji="1" lang="zh-CN" altLang="en-US"/>
+          </a:p>
+        </p:txBody>
+      </p:sp>
       <p:sp>
         <p:nvSpPr>
           <p:cNvPr id="36" name="矩形 35"/>
@@ -6942,8 +6172,8 @@
         </p:nvSpPr>
         <p:spPr>
           <a:xfrm>
-            <a:off x="2234190" y="5651498"/>
-            <a:ext cx="1803400" cy="787400"/>
+            <a:off x="4584492" y="4074814"/>
+            <a:ext cx="612140" cy="419100"/>
           </a:xfrm>
           <a:prstGeom prst="rect">
             <a:avLst/>
@@ -6976,34 +6206,20 @@
           <a:lstStyle/>
           <a:p>
             <a:pPr algn="ctr"/>
-            <a:r>
-              <a:rPr kumimoji="1" lang="en-US" altLang="zh-CN" dirty="0" smtClean="0">
-                <a:solidFill>
-                  <a:schemeClr val="tx1"/>
-                </a:solidFill>
-              </a:rPr>
-              <a:t>Not-available chunk</a:t>
-            </a:r>
-            <a:endParaRPr kumimoji="1" lang="zh-CN" altLang="en-US" dirty="0">
-              <a:solidFill>
-                <a:schemeClr val="tx1"/>
-              </a:solidFill>
-            </a:endParaRPr>
+            <a:endParaRPr kumimoji="1" lang="zh-CN" altLang="en-US"/>
           </a:p>
         </p:txBody>
       </p:sp>
       <p:cxnSp>
         <p:nvCxnSpPr>
-          <p:cNvPr id="38" name="直线箭头连接符 37"/>
-          <p:cNvCxnSpPr>
-            <a:endCxn id="36" idx="0"/>
-          </p:cNvCxnSpPr>
+          <p:cNvPr id="37" name="直线箭头连接符 36"/>
+          <p:cNvCxnSpPr/>
           <p:nvPr/>
         </p:nvCxnSpPr>
         <p:spPr>
           <a:xfrm>
-            <a:off x="2852199" y="2108200"/>
-            <a:ext cx="283691" cy="3543298"/>
+            <a:off x="4972050" y="3531116"/>
+            <a:ext cx="0" cy="512633"/>
           </a:xfrm>
           <a:prstGeom prst="straightConnector1">
             <a:avLst/>
@@ -7029,14 +6245,14 @@
       </p:cxnSp>
       <p:sp>
         <p:nvSpPr>
-          <p:cNvPr id="39" name="文本框 38"/>
+          <p:cNvPr id="40" name="文本框 39"/>
           <p:cNvSpPr txBox="1"/>
           <p:nvPr/>
         </p:nvSpPr>
         <p:spPr>
           <a:xfrm>
-            <a:off x="4391645" y="2129132"/>
-            <a:ext cx="1095290" cy="923330"/>
+            <a:off x="8297346" y="2534330"/>
+            <a:ext cx="807865" cy="646331"/>
           </a:xfrm>
           <a:prstGeom prst="rect">
             <a:avLst/>
@@ -7050,8 +6266,12 @@
           <a:lstStyle/>
           <a:p>
             <a:r>
+              <a:rPr kumimoji="1" lang="en-US" altLang="zh-CN" dirty="0"/>
+              <a:t>f</a:t>
+            </a:r>
+            <a:r>
               <a:rPr kumimoji="1" lang="en-US" altLang="zh-CN" dirty="0" smtClean="0"/>
-              <a:t>By wear-leveling policy</a:t>
+              <a:t>ree head</a:t>
             </a:r>
             <a:endParaRPr kumimoji="1" lang="zh-CN" altLang="en-US" dirty="0"/>
           </a:p>
@@ -7059,14 +6279,172 @@
       </p:sp>
       <p:sp>
         <p:nvSpPr>
-          <p:cNvPr id="40" name="文本框 39"/>
+          <p:cNvPr id="41" name="矩形 40"/>
+          <p:cNvSpPr/>
+          <p:nvPr/>
+        </p:nvSpPr>
+        <p:spPr>
+          <a:xfrm>
+            <a:off x="8304966" y="4043749"/>
+            <a:ext cx="612140" cy="419100"/>
+          </a:xfrm>
+          <a:prstGeom prst="rect">
+            <a:avLst/>
+          </a:prstGeom>
+          <a:noFill/>
+          <a:ln w="50800">
+            <a:solidFill>
+              <a:schemeClr val="accent6"/>
+            </a:solidFill>
+          </a:ln>
+        </p:spPr>
+        <p:style>
+          <a:lnRef idx="2">
+            <a:schemeClr val="accent1">
+              <a:shade val="50000"/>
+            </a:schemeClr>
+          </a:lnRef>
+          <a:fillRef idx="1">
+            <a:schemeClr val="accent1"/>
+          </a:fillRef>
+          <a:effectRef idx="0">
+            <a:schemeClr val="accent1"/>
+          </a:effectRef>
+          <a:fontRef idx="minor">
+            <a:schemeClr val="lt1"/>
+          </a:fontRef>
+        </p:style>
+        <p:txBody>
+          <a:bodyPr rtlCol="0" anchor="ctr"/>
+          <a:lstStyle/>
+          <a:p>
+            <a:pPr algn="ctr"/>
+            <a:endParaRPr kumimoji="1" lang="zh-CN" altLang="en-US"/>
+          </a:p>
+        </p:txBody>
+      </p:sp>
+      <p:cxnSp>
+        <p:nvCxnSpPr>
+          <p:cNvPr id="42" name="直线箭头连接符 41"/>
+          <p:cNvCxnSpPr/>
+          <p:nvPr/>
+        </p:nvCxnSpPr>
+        <p:spPr>
+          <a:xfrm>
+            <a:off x="8598336" y="3500051"/>
+            <a:ext cx="0" cy="512633"/>
+          </a:xfrm>
+          <a:prstGeom prst="straightConnector1">
+            <a:avLst/>
+          </a:prstGeom>
+          <a:ln>
+            <a:tailEnd type="triangle"/>
+          </a:ln>
+        </p:spPr>
+        <p:style>
+          <a:lnRef idx="1">
+            <a:schemeClr val="accent1"/>
+          </a:lnRef>
+          <a:fillRef idx="0">
+            <a:schemeClr val="accent1"/>
+          </a:fillRef>
+          <a:effectRef idx="0">
+            <a:schemeClr val="accent1"/>
+          </a:effectRef>
+          <a:fontRef idx="minor">
+            <a:schemeClr val="tx1"/>
+          </a:fontRef>
+        </p:style>
+      </p:cxnSp>
+      <p:sp>
+        <p:nvSpPr>
+          <p:cNvPr id="43" name="矩形 42"/>
+          <p:cNvSpPr/>
+          <p:nvPr/>
+        </p:nvSpPr>
+        <p:spPr>
+          <a:xfrm>
+            <a:off x="8304966" y="5037612"/>
+            <a:ext cx="612140" cy="419100"/>
+          </a:xfrm>
+          <a:prstGeom prst="rect">
+            <a:avLst/>
+          </a:prstGeom>
+          <a:noFill/>
+          <a:ln w="50800">
+            <a:solidFill>
+              <a:schemeClr val="accent6"/>
+            </a:solidFill>
+          </a:ln>
+        </p:spPr>
+        <p:style>
+          <a:lnRef idx="2">
+            <a:schemeClr val="accent1">
+              <a:shade val="50000"/>
+            </a:schemeClr>
+          </a:lnRef>
+          <a:fillRef idx="1">
+            <a:schemeClr val="accent1"/>
+          </a:fillRef>
+          <a:effectRef idx="0">
+            <a:schemeClr val="accent1"/>
+          </a:effectRef>
+          <a:fontRef idx="minor">
+            <a:schemeClr val="lt1"/>
+          </a:fontRef>
+        </p:style>
+        <p:txBody>
+          <a:bodyPr rtlCol="0" anchor="ctr"/>
+          <a:lstStyle/>
+          <a:p>
+            <a:pPr algn="ctr"/>
+            <a:endParaRPr kumimoji="1" lang="zh-CN" altLang="en-US"/>
+          </a:p>
+        </p:txBody>
+      </p:sp>
+      <p:cxnSp>
+        <p:nvCxnSpPr>
+          <p:cNvPr id="44" name="直线箭头连接符 43"/>
+          <p:cNvCxnSpPr/>
+          <p:nvPr/>
+        </p:nvCxnSpPr>
+        <p:spPr>
+          <a:xfrm>
+            <a:off x="8598336" y="4493914"/>
+            <a:ext cx="0" cy="512633"/>
+          </a:xfrm>
+          <a:prstGeom prst="straightConnector1">
+            <a:avLst/>
+          </a:prstGeom>
+          <a:ln>
+            <a:tailEnd type="triangle"/>
+          </a:ln>
+        </p:spPr>
+        <p:style>
+          <a:lnRef idx="1">
+            <a:schemeClr val="accent1"/>
+          </a:lnRef>
+          <a:fillRef idx="0">
+            <a:schemeClr val="accent1"/>
+          </a:fillRef>
+          <a:effectRef idx="0">
+            <a:schemeClr val="accent1"/>
+          </a:effectRef>
+          <a:fontRef idx="minor">
+            <a:schemeClr val="tx1"/>
+          </a:fontRef>
+        </p:style>
+      </p:cxnSp>
+      <p:sp>
+        <p:nvSpPr>
+          <p:cNvPr id="45" name="文本框 44"/>
           <p:cNvSpPr txBox="1"/>
           <p:nvPr/>
         </p:nvSpPr>
         <p:spPr>
           <a:xfrm>
-            <a:off x="4391645" y="4033101"/>
-            <a:ext cx="1095290" cy="923330"/>
+            <a:off x="3132853" y="3979733"/>
+            <a:ext cx="463588" cy="369332"/>
           </a:xfrm>
           <a:prstGeom prst="rect">
             <a:avLst/>
@@ -7074,14 +6452,14 @@
           <a:noFill/>
         </p:spPr>
         <p:txBody>
-          <a:bodyPr wrap="square" rtlCol="0">
+          <a:bodyPr wrap="none" rtlCol="0">
             <a:spAutoFit/>
           </a:bodyPr>
           <a:lstStyle/>
           <a:p>
             <a:r>
               <a:rPr kumimoji="1" lang="en-US" altLang="zh-CN" dirty="0" smtClean="0"/>
-              <a:t>By wear-leveling policy</a:t>
+              <a:t>. . .</a:t>
             </a:r>
             <a:endParaRPr kumimoji="1" lang="zh-CN" altLang="en-US" dirty="0"/>
           </a:p>
@@ -7089,14 +6467,14 @@
       </p:sp>
       <p:sp>
         <p:nvSpPr>
-          <p:cNvPr id="41" name="文本框 40"/>
+          <p:cNvPr id="46" name="文本框 45"/>
           <p:cNvSpPr txBox="1"/>
           <p:nvPr/>
         </p:nvSpPr>
         <p:spPr>
           <a:xfrm>
-            <a:off x="1194474" y="3703843"/>
-            <a:ext cx="1841204" cy="1200329"/>
+            <a:off x="5818903" y="3979733"/>
+            <a:ext cx="463588" cy="369332"/>
           </a:xfrm>
           <a:prstGeom prst="rect">
             <a:avLst/>
@@ -7104,23 +6482,263 @@
           <a:noFill/>
         </p:spPr>
         <p:txBody>
-          <a:bodyPr wrap="square" rtlCol="0">
+          <a:bodyPr wrap="none" rtlCol="0">
             <a:spAutoFit/>
           </a:bodyPr>
           <a:lstStyle/>
           <a:p>
-            <a:pPr algn="just"/>
             <a:r>
               <a:rPr kumimoji="1" lang="en-US" altLang="zh-CN" dirty="0" smtClean="0"/>
-              <a:t>If the number of </a:t>
-            </a:r>
+              <a:t>. . .</a:t>
+            </a:r>
+            <a:endParaRPr kumimoji="1" lang="zh-CN" altLang="en-US" dirty="0"/>
+          </a:p>
+        </p:txBody>
+      </p:sp>
+      <p:cxnSp>
+        <p:nvCxnSpPr>
+          <p:cNvPr id="48" name="直线箭头连接符 47"/>
+          <p:cNvCxnSpPr/>
+          <p:nvPr/>
+        </p:nvCxnSpPr>
+        <p:spPr>
+          <a:xfrm>
+            <a:off x="5305643" y="3530342"/>
+            <a:ext cx="0" cy="1507270"/>
+          </a:xfrm>
+          <a:prstGeom prst="straightConnector1">
+            <a:avLst/>
+          </a:prstGeom>
+          <a:ln>
+            <a:tailEnd type="triangle"/>
+          </a:ln>
+        </p:spPr>
+        <p:style>
+          <a:lnRef idx="1">
+            <a:schemeClr val="accent1"/>
+          </a:lnRef>
+          <a:fillRef idx="0">
+            <a:schemeClr val="accent1"/>
+          </a:fillRef>
+          <a:effectRef idx="0">
+            <a:schemeClr val="accent1"/>
+          </a:effectRef>
+          <a:fontRef idx="minor">
+            <a:schemeClr val="tx1"/>
+          </a:fontRef>
+        </p:style>
+      </p:cxnSp>
+      <p:sp>
+        <p:nvSpPr>
+          <p:cNvPr id="49" name="矩形 48"/>
+          <p:cNvSpPr/>
+          <p:nvPr/>
+        </p:nvSpPr>
+        <p:spPr>
+          <a:xfrm>
+            <a:off x="4950460" y="5079402"/>
+            <a:ext cx="612140" cy="419100"/>
+          </a:xfrm>
+          <a:prstGeom prst="rect">
+            <a:avLst/>
+          </a:prstGeom>
+          <a:noFill/>
+          <a:ln w="50800">
+            <a:solidFill>
+              <a:schemeClr val="accent6"/>
+            </a:solidFill>
+          </a:ln>
+        </p:spPr>
+        <p:style>
+          <a:lnRef idx="2">
+            <a:schemeClr val="accent1">
+              <a:shade val="50000"/>
+            </a:schemeClr>
+          </a:lnRef>
+          <a:fillRef idx="1">
+            <a:schemeClr val="accent1"/>
+          </a:fillRef>
+          <a:effectRef idx="0">
+            <a:schemeClr val="accent1"/>
+          </a:effectRef>
+          <a:fontRef idx="minor">
+            <a:schemeClr val="lt1"/>
+          </a:fontRef>
+        </p:style>
+        <p:txBody>
+          <a:bodyPr rtlCol="0" anchor="ctr"/>
+          <a:lstStyle/>
+          <a:p>
+            <a:pPr algn="ctr"/>
+            <a:endParaRPr kumimoji="1" lang="zh-CN" altLang="en-US"/>
+          </a:p>
+        </p:txBody>
+      </p:sp>
+      <p:sp>
+        <p:nvSpPr>
+          <p:cNvPr id="53" name="文本框 52"/>
+          <p:cNvSpPr txBox="1"/>
+          <p:nvPr/>
+        </p:nvSpPr>
+        <p:spPr>
+          <a:xfrm>
+            <a:off x="6644675" y="2956010"/>
+            <a:ext cx="463588" cy="369332"/>
+          </a:xfrm>
+          <a:prstGeom prst="rect">
+            <a:avLst/>
+          </a:prstGeom>
+          <a:noFill/>
+        </p:spPr>
+        <p:txBody>
+          <a:bodyPr wrap="none" rtlCol="0">
+            <a:spAutoFit/>
+          </a:bodyPr>
+          <a:lstStyle/>
+          <a:p>
+            <a:r>
+              <a:rPr kumimoji="1" lang="en-US" altLang="zh-CN" dirty="0" smtClean="0"/>
+              <a:t>. . .</a:t>
+            </a:r>
+            <a:endParaRPr kumimoji="1" lang="zh-CN" altLang="en-US" dirty="0"/>
+          </a:p>
+        </p:txBody>
+      </p:sp>
+      <p:sp>
+        <p:nvSpPr>
+          <p:cNvPr id="55" name="矩形 54"/>
+          <p:cNvSpPr/>
+          <p:nvPr/>
+        </p:nvSpPr>
+        <p:spPr>
+          <a:xfrm>
+            <a:off x="4670460" y="2804642"/>
+            <a:ext cx="850900" cy="687858"/>
+          </a:xfrm>
+          <a:prstGeom prst="rect">
+            <a:avLst/>
+          </a:prstGeom>
+        </p:spPr>
+        <p:style>
+          <a:lnRef idx="2">
+            <a:schemeClr val="accent1">
+              <a:shade val="50000"/>
+            </a:schemeClr>
+          </a:lnRef>
+          <a:fillRef idx="1">
+            <a:schemeClr val="accent1"/>
+          </a:fillRef>
+          <a:effectRef idx="0">
+            <a:schemeClr val="accent1"/>
+          </a:effectRef>
+          <a:fontRef idx="minor">
+            <a:schemeClr val="lt1"/>
+          </a:fontRef>
+        </p:style>
+        <p:txBody>
+          <a:bodyPr rtlCol="0" anchor="ctr"/>
+          <a:lstStyle/>
+          <a:p>
+            <a:pPr algn="ctr"/>
+            <a:r>
+              <a:rPr kumimoji="1" lang="en-US" altLang="zh-CN" dirty="0" smtClean="0"/>
+              <a:t>class-0</a:t>
+            </a:r>
+            <a:endParaRPr kumimoji="1" lang="zh-CN" altLang="en-US" dirty="0"/>
+          </a:p>
+        </p:txBody>
+      </p:sp>
+      <p:sp>
+        <p:nvSpPr>
+          <p:cNvPr id="56" name="矩形 55"/>
+          <p:cNvSpPr/>
+          <p:nvPr/>
+        </p:nvSpPr>
+        <p:spPr>
+          <a:xfrm>
+            <a:off x="5534060" y="2804642"/>
+            <a:ext cx="889000" cy="687858"/>
+          </a:xfrm>
+          <a:prstGeom prst="rect">
+            <a:avLst/>
+          </a:prstGeom>
+        </p:spPr>
+        <p:style>
+          <a:lnRef idx="2">
+            <a:schemeClr val="accent1">
+              <a:shade val="50000"/>
+            </a:schemeClr>
+          </a:lnRef>
+          <a:fillRef idx="1">
+            <a:schemeClr val="accent1"/>
+          </a:fillRef>
+          <a:effectRef idx="0">
+            <a:schemeClr val="accent1"/>
+          </a:effectRef>
+          <a:fontRef idx="minor">
+            <a:schemeClr val="lt1"/>
+          </a:fontRef>
+        </p:style>
+        <p:txBody>
+          <a:bodyPr rtlCol="0" anchor="ctr"/>
+          <a:lstStyle/>
+          <a:p>
+            <a:pPr algn="ctr"/>
             <a:r>
               <a:rPr kumimoji="1" lang="en-US" altLang="zh-CN" dirty="0"/>
-              <a:t>b</a:t>
+              <a:t>c</a:t>
             </a:r>
             <a:r>
               <a:rPr kumimoji="1" lang="en-US" altLang="zh-CN" dirty="0" smtClean="0"/>
-              <a:t>lock allocation time exceeds the threshold</a:t>
+              <a:t>lass-1</a:t>
+            </a:r>
+            <a:endParaRPr kumimoji="1" lang="zh-CN" altLang="en-US" dirty="0"/>
+          </a:p>
+        </p:txBody>
+      </p:sp>
+      <p:sp>
+        <p:nvSpPr>
+          <p:cNvPr id="57" name="矩形 56"/>
+          <p:cNvSpPr/>
+          <p:nvPr/>
+        </p:nvSpPr>
+        <p:spPr>
+          <a:xfrm>
+            <a:off x="7275195" y="2804642"/>
+            <a:ext cx="876300" cy="687858"/>
+          </a:xfrm>
+          <a:prstGeom prst="rect">
+            <a:avLst/>
+          </a:prstGeom>
+        </p:spPr>
+        <p:style>
+          <a:lnRef idx="2">
+            <a:schemeClr val="accent1">
+              <a:shade val="50000"/>
+            </a:schemeClr>
+          </a:lnRef>
+          <a:fillRef idx="1">
+            <a:schemeClr val="accent1"/>
+          </a:fillRef>
+          <a:effectRef idx="0">
+            <a:schemeClr val="accent1"/>
+          </a:effectRef>
+          <a:fontRef idx="minor">
+            <a:schemeClr val="lt1"/>
+          </a:fontRef>
+        </p:style>
+        <p:txBody>
+          <a:bodyPr rtlCol="0" anchor="ctr"/>
+          <a:lstStyle/>
+          <a:p>
+            <a:pPr algn="ctr"/>
+            <a:r>
+              <a:rPr kumimoji="1" lang="en-US" altLang="zh-CN" dirty="0"/>
+              <a:t>c</a:t>
+            </a:r>
+            <a:r>
+              <a:rPr kumimoji="1" lang="en-US" altLang="zh-CN" dirty="0" smtClean="0"/>
+              <a:t>lass-n</a:t>
             </a:r>
             <a:endParaRPr kumimoji="1" lang="zh-CN" altLang="en-US" dirty="0"/>
           </a:p>
@@ -7129,7 +6747,7 @@
     </p:spTree>
     <p:extLst>
       <p:ext uri="{BB962C8B-B14F-4D97-AF65-F5344CB8AC3E}">
-        <p14:creationId xmlns:p14="http://schemas.microsoft.com/office/powerpoint/2010/main" val="917609663"/>
+        <p14:creationId xmlns:p14="http://schemas.microsoft.com/office/powerpoint/2010/main" val="695748720"/>
       </p:ext>
     </p:extLst>
   </p:cSld>
@@ -7164,6 +6782,735 @@
         </p:nvSpPr>
         <p:spPr>
           <a:xfrm>
+            <a:off x="2253240" y="1320800"/>
+            <a:ext cx="1803400" cy="787400"/>
+          </a:xfrm>
+          <a:prstGeom prst="rect">
+            <a:avLst/>
+          </a:prstGeom>
+          <a:noFill/>
+          <a:ln w="50800">
+            <a:solidFill>
+              <a:schemeClr val="accent6"/>
+            </a:solidFill>
+          </a:ln>
+        </p:spPr>
+        <p:style>
+          <a:lnRef idx="2">
+            <a:schemeClr val="accent1">
+              <a:shade val="50000"/>
+            </a:schemeClr>
+          </a:lnRef>
+          <a:fillRef idx="1">
+            <a:schemeClr val="accent1"/>
+          </a:fillRef>
+          <a:effectRef idx="0">
+            <a:schemeClr val="accent1"/>
+          </a:effectRef>
+          <a:fontRef idx="minor">
+            <a:schemeClr val="lt1"/>
+          </a:fontRef>
+        </p:style>
+        <p:txBody>
+          <a:bodyPr rtlCol="0" anchor="ctr"/>
+          <a:lstStyle/>
+          <a:p>
+            <a:pPr algn="ctr"/>
+            <a:r>
+              <a:rPr kumimoji="1" lang="en-US" altLang="zh-CN" dirty="0" smtClean="0">
+                <a:solidFill>
+                  <a:schemeClr val="tx1"/>
+                </a:solidFill>
+              </a:rPr>
+              <a:t>In-use chunk</a:t>
+            </a:r>
+            <a:endParaRPr kumimoji="1" lang="zh-CN" altLang="en-US" dirty="0">
+              <a:solidFill>
+                <a:schemeClr val="tx1"/>
+              </a:solidFill>
+            </a:endParaRPr>
+          </a:p>
+        </p:txBody>
+      </p:sp>
+      <p:sp>
+        <p:nvSpPr>
+          <p:cNvPr id="6" name="矩形 5"/>
+          <p:cNvSpPr/>
+          <p:nvPr/>
+        </p:nvSpPr>
+        <p:spPr>
+          <a:xfrm>
+            <a:off x="7226300" y="1320800"/>
+            <a:ext cx="1803400" cy="787400"/>
+          </a:xfrm>
+          <a:prstGeom prst="rect">
+            <a:avLst/>
+          </a:prstGeom>
+          <a:noFill/>
+          <a:ln w="50800">
+            <a:solidFill>
+              <a:schemeClr val="accent6"/>
+            </a:solidFill>
+          </a:ln>
+        </p:spPr>
+        <p:style>
+          <a:lnRef idx="2">
+            <a:schemeClr val="accent1">
+              <a:shade val="50000"/>
+            </a:schemeClr>
+          </a:lnRef>
+          <a:fillRef idx="1">
+            <a:schemeClr val="accent1"/>
+          </a:fillRef>
+          <a:effectRef idx="0">
+            <a:schemeClr val="accent1"/>
+          </a:effectRef>
+          <a:fontRef idx="minor">
+            <a:schemeClr val="lt1"/>
+          </a:fontRef>
+        </p:style>
+        <p:txBody>
+          <a:bodyPr rtlCol="0" anchor="ctr"/>
+          <a:lstStyle/>
+          <a:p>
+            <a:pPr algn="ctr"/>
+            <a:r>
+              <a:rPr kumimoji="1" lang="en-US" altLang="zh-CN" dirty="0" smtClean="0">
+                <a:solidFill>
+                  <a:schemeClr val="tx1"/>
+                </a:solidFill>
+              </a:rPr>
+              <a:t>Full chunk</a:t>
+            </a:r>
+            <a:endParaRPr kumimoji="1" lang="zh-CN" altLang="en-US" dirty="0">
+              <a:solidFill>
+                <a:schemeClr val="tx1"/>
+              </a:solidFill>
+            </a:endParaRPr>
+          </a:p>
+        </p:txBody>
+      </p:sp>
+      <p:cxnSp>
+        <p:nvCxnSpPr>
+          <p:cNvPr id="8" name="直线箭头连接符 7"/>
+          <p:cNvCxnSpPr>
+            <a:stCxn id="5" idx="3"/>
+            <a:endCxn id="6" idx="1"/>
+          </p:cNvCxnSpPr>
+          <p:nvPr/>
+        </p:nvCxnSpPr>
+        <p:spPr>
+          <a:xfrm>
+            <a:off x="4056640" y="1714500"/>
+            <a:ext cx="3169660" cy="0"/>
+          </a:xfrm>
+          <a:prstGeom prst="straightConnector1">
+            <a:avLst/>
+          </a:prstGeom>
+          <a:ln>
+            <a:tailEnd type="triangle"/>
+          </a:ln>
+        </p:spPr>
+        <p:style>
+          <a:lnRef idx="1">
+            <a:schemeClr val="accent1"/>
+          </a:lnRef>
+          <a:fillRef idx="0">
+            <a:schemeClr val="accent1"/>
+          </a:fillRef>
+          <a:effectRef idx="0">
+            <a:schemeClr val="accent1"/>
+          </a:effectRef>
+          <a:fontRef idx="minor">
+            <a:schemeClr val="tx1"/>
+          </a:fontRef>
+        </p:style>
+      </p:cxnSp>
+      <p:sp>
+        <p:nvSpPr>
+          <p:cNvPr id="10" name="文本框 9"/>
+          <p:cNvSpPr txBox="1"/>
+          <p:nvPr/>
+        </p:nvSpPr>
+        <p:spPr>
+          <a:xfrm>
+            <a:off x="4699000" y="1320800"/>
+            <a:ext cx="1884940" cy="369332"/>
+          </a:xfrm>
+          <a:prstGeom prst="rect">
+            <a:avLst/>
+          </a:prstGeom>
+          <a:noFill/>
+        </p:spPr>
+        <p:txBody>
+          <a:bodyPr wrap="none" rtlCol="0">
+            <a:spAutoFit/>
+          </a:bodyPr>
+          <a:lstStyle/>
+          <a:p>
+            <a:r>
+              <a:rPr kumimoji="1" lang="en-US" altLang="zh-CN" dirty="0" smtClean="0"/>
+              <a:t>No available block</a:t>
+            </a:r>
+            <a:endParaRPr kumimoji="1" lang="zh-CN" altLang="en-US" dirty="0"/>
+          </a:p>
+        </p:txBody>
+      </p:sp>
+      <p:sp>
+        <p:nvSpPr>
+          <p:cNvPr id="11" name="矩形 10"/>
+          <p:cNvSpPr/>
+          <p:nvPr/>
+        </p:nvSpPr>
+        <p:spPr>
+          <a:xfrm>
+            <a:off x="4920240" y="3092449"/>
+            <a:ext cx="1803400" cy="787400"/>
+          </a:xfrm>
+          <a:prstGeom prst="rect">
+            <a:avLst/>
+          </a:prstGeom>
+          <a:solidFill>
+            <a:schemeClr val="bg1"/>
+          </a:solidFill>
+          <a:ln w="50800">
+            <a:solidFill>
+              <a:schemeClr val="accent6"/>
+            </a:solidFill>
+          </a:ln>
+        </p:spPr>
+        <p:style>
+          <a:lnRef idx="2">
+            <a:schemeClr val="accent1">
+              <a:shade val="50000"/>
+            </a:schemeClr>
+          </a:lnRef>
+          <a:fillRef idx="1">
+            <a:schemeClr val="accent1"/>
+          </a:fillRef>
+          <a:effectRef idx="0">
+            <a:schemeClr val="accent1"/>
+          </a:effectRef>
+          <a:fontRef idx="minor">
+            <a:schemeClr val="lt1"/>
+          </a:fontRef>
+        </p:style>
+        <p:txBody>
+          <a:bodyPr rtlCol="0" anchor="ctr"/>
+          <a:lstStyle/>
+          <a:p>
+            <a:pPr algn="ctr"/>
+            <a:r>
+              <a:rPr kumimoji="1" lang="en-US" altLang="zh-CN" dirty="0" smtClean="0">
+                <a:solidFill>
+                  <a:schemeClr val="tx1"/>
+                </a:solidFill>
+              </a:rPr>
+              <a:t>Waiting chunk</a:t>
+            </a:r>
+            <a:endParaRPr kumimoji="1" lang="zh-CN" altLang="en-US" dirty="0">
+              <a:solidFill>
+                <a:schemeClr val="tx1"/>
+              </a:solidFill>
+            </a:endParaRPr>
+          </a:p>
+        </p:txBody>
+      </p:sp>
+      <p:cxnSp>
+        <p:nvCxnSpPr>
+          <p:cNvPr id="13" name="直线箭头连接符 12"/>
+          <p:cNvCxnSpPr>
+            <a:stCxn id="6" idx="2"/>
+            <a:endCxn id="11" idx="3"/>
+          </p:cNvCxnSpPr>
+          <p:nvPr/>
+        </p:nvCxnSpPr>
+        <p:spPr>
+          <a:xfrm flipH="1">
+            <a:off x="6723640" y="2108200"/>
+            <a:ext cx="1404360" cy="1377949"/>
+          </a:xfrm>
+          <a:prstGeom prst="straightConnector1">
+            <a:avLst/>
+          </a:prstGeom>
+          <a:ln>
+            <a:tailEnd type="triangle"/>
+          </a:ln>
+        </p:spPr>
+        <p:style>
+          <a:lnRef idx="1">
+            <a:schemeClr val="accent1"/>
+          </a:lnRef>
+          <a:fillRef idx="0">
+            <a:schemeClr val="accent1"/>
+          </a:fillRef>
+          <a:effectRef idx="0">
+            <a:schemeClr val="accent1"/>
+          </a:effectRef>
+          <a:fontRef idx="minor">
+            <a:schemeClr val="tx1"/>
+          </a:fontRef>
+        </p:style>
+      </p:cxnSp>
+      <p:sp>
+        <p:nvSpPr>
+          <p:cNvPr id="14" name="文本框 13"/>
+          <p:cNvSpPr txBox="1"/>
+          <p:nvPr/>
+        </p:nvSpPr>
+        <p:spPr>
+          <a:xfrm>
+            <a:off x="7425820" y="2710934"/>
+            <a:ext cx="1313373" cy="369332"/>
+          </a:xfrm>
+          <a:prstGeom prst="rect">
+            <a:avLst/>
+          </a:prstGeom>
+          <a:noFill/>
+        </p:spPr>
+        <p:txBody>
+          <a:bodyPr wrap="none" rtlCol="0">
+            <a:spAutoFit/>
+          </a:bodyPr>
+          <a:lstStyle/>
+          <a:p>
+            <a:r>
+              <a:rPr kumimoji="1" lang="en-US" altLang="zh-CN" dirty="0" smtClean="0"/>
+              <a:t>Free </a:t>
+            </a:r>
+            <a:r>
+              <a:rPr kumimoji="1" lang="en-US" altLang="zh-CN" smtClean="0"/>
+              <a:t>a block</a:t>
+            </a:r>
+            <a:endParaRPr kumimoji="1" lang="zh-CN" altLang="en-US" dirty="0"/>
+          </a:p>
+        </p:txBody>
+      </p:sp>
+      <p:sp>
+        <p:nvSpPr>
+          <p:cNvPr id="15" name="矩形 14"/>
+          <p:cNvSpPr/>
+          <p:nvPr/>
+        </p:nvSpPr>
+        <p:spPr>
+          <a:xfrm>
+            <a:off x="4920240" y="5651498"/>
+            <a:ext cx="1803400" cy="787400"/>
+          </a:xfrm>
+          <a:prstGeom prst="rect">
+            <a:avLst/>
+          </a:prstGeom>
+          <a:noFill/>
+          <a:ln w="50800">
+            <a:solidFill>
+              <a:schemeClr val="accent6"/>
+            </a:solidFill>
+          </a:ln>
+        </p:spPr>
+        <p:style>
+          <a:lnRef idx="2">
+            <a:schemeClr val="accent1">
+              <a:shade val="50000"/>
+            </a:schemeClr>
+          </a:lnRef>
+          <a:fillRef idx="1">
+            <a:schemeClr val="accent1"/>
+          </a:fillRef>
+          <a:effectRef idx="0">
+            <a:schemeClr val="accent1"/>
+          </a:effectRef>
+          <a:fontRef idx="minor">
+            <a:schemeClr val="lt1"/>
+          </a:fontRef>
+        </p:style>
+        <p:txBody>
+          <a:bodyPr rtlCol="0" anchor="ctr"/>
+          <a:lstStyle/>
+          <a:p>
+            <a:pPr algn="ctr"/>
+            <a:r>
+              <a:rPr kumimoji="1" lang="en-US" altLang="zh-CN" dirty="0" smtClean="0">
+                <a:solidFill>
+                  <a:schemeClr val="tx1"/>
+                </a:solidFill>
+              </a:rPr>
+              <a:t>Clean chunk in free pool</a:t>
+            </a:r>
+            <a:endParaRPr kumimoji="1" lang="zh-CN" altLang="en-US" dirty="0">
+              <a:solidFill>
+                <a:schemeClr val="tx1"/>
+              </a:solidFill>
+            </a:endParaRPr>
+          </a:p>
+        </p:txBody>
+      </p:sp>
+      <p:cxnSp>
+        <p:nvCxnSpPr>
+          <p:cNvPr id="18" name="直线箭头连接符 17"/>
+          <p:cNvCxnSpPr>
+            <a:stCxn id="11" idx="2"/>
+            <a:endCxn id="15" idx="0"/>
+          </p:cNvCxnSpPr>
+          <p:nvPr/>
+        </p:nvCxnSpPr>
+        <p:spPr>
+          <a:xfrm>
+            <a:off x="5821940" y="3879849"/>
+            <a:ext cx="0" cy="1771649"/>
+          </a:xfrm>
+          <a:prstGeom prst="straightConnector1">
+            <a:avLst/>
+          </a:prstGeom>
+          <a:ln>
+            <a:tailEnd type="triangle"/>
+          </a:ln>
+        </p:spPr>
+        <p:style>
+          <a:lnRef idx="1">
+            <a:schemeClr val="accent1"/>
+          </a:lnRef>
+          <a:fillRef idx="0">
+            <a:schemeClr val="accent1"/>
+          </a:fillRef>
+          <a:effectRef idx="0">
+            <a:schemeClr val="accent1"/>
+          </a:effectRef>
+          <a:fontRef idx="minor">
+            <a:schemeClr val="tx1"/>
+          </a:fontRef>
+        </p:style>
+      </p:cxnSp>
+      <p:sp>
+        <p:nvSpPr>
+          <p:cNvPr id="19" name="文本框 18"/>
+          <p:cNvSpPr txBox="1"/>
+          <p:nvPr/>
+        </p:nvSpPr>
+        <p:spPr>
+          <a:xfrm>
+            <a:off x="5821940" y="4581007"/>
+            <a:ext cx="1222804" cy="646331"/>
+          </a:xfrm>
+          <a:prstGeom prst="rect">
+            <a:avLst/>
+          </a:prstGeom>
+          <a:noFill/>
+        </p:spPr>
+        <p:txBody>
+          <a:bodyPr wrap="square" rtlCol="0">
+            <a:spAutoFit/>
+          </a:bodyPr>
+          <a:lstStyle/>
+          <a:p>
+            <a:r>
+              <a:rPr kumimoji="1" lang="en-US" altLang="zh-CN" dirty="0" smtClean="0"/>
+              <a:t>If all blocks are freed</a:t>
+            </a:r>
+            <a:endParaRPr kumimoji="1" lang="zh-CN" altLang="en-US" dirty="0"/>
+          </a:p>
+        </p:txBody>
+      </p:sp>
+      <p:cxnSp>
+        <p:nvCxnSpPr>
+          <p:cNvPr id="28" name="直线箭头连接符 27"/>
+          <p:cNvCxnSpPr>
+            <a:stCxn id="11" idx="1"/>
+          </p:cNvCxnSpPr>
+          <p:nvPr/>
+        </p:nvCxnSpPr>
+        <p:spPr>
+          <a:xfrm flipH="1" flipV="1">
+            <a:off x="3580327" y="2108200"/>
+            <a:ext cx="1339913" cy="1377949"/>
+          </a:xfrm>
+          <a:prstGeom prst="straightConnector1">
+            <a:avLst/>
+          </a:prstGeom>
+          <a:ln>
+            <a:tailEnd type="triangle"/>
+          </a:ln>
+        </p:spPr>
+        <p:style>
+          <a:lnRef idx="1">
+            <a:schemeClr val="accent1"/>
+          </a:lnRef>
+          <a:fillRef idx="0">
+            <a:schemeClr val="accent1"/>
+          </a:fillRef>
+          <a:effectRef idx="0">
+            <a:schemeClr val="accent1"/>
+          </a:effectRef>
+          <a:fontRef idx="minor">
+            <a:schemeClr val="tx1"/>
+          </a:fontRef>
+        </p:style>
+      </p:cxnSp>
+      <p:cxnSp>
+        <p:nvCxnSpPr>
+          <p:cNvPr id="30" name="直线箭头连接符 29"/>
+          <p:cNvCxnSpPr>
+            <a:stCxn id="15" idx="1"/>
+            <a:endCxn id="5" idx="2"/>
+          </p:cNvCxnSpPr>
+          <p:nvPr/>
+        </p:nvCxnSpPr>
+        <p:spPr>
+          <a:xfrm flipH="1" flipV="1">
+            <a:off x="3154940" y="2108200"/>
+            <a:ext cx="1765300" cy="3936998"/>
+          </a:xfrm>
+          <a:prstGeom prst="straightConnector1">
+            <a:avLst/>
+          </a:prstGeom>
+          <a:ln>
+            <a:tailEnd type="triangle"/>
+          </a:ln>
+        </p:spPr>
+        <p:style>
+          <a:lnRef idx="1">
+            <a:schemeClr val="accent1"/>
+          </a:lnRef>
+          <a:fillRef idx="0">
+            <a:schemeClr val="accent1"/>
+          </a:fillRef>
+          <a:effectRef idx="0">
+            <a:schemeClr val="accent1"/>
+          </a:effectRef>
+          <a:fontRef idx="minor">
+            <a:schemeClr val="tx1"/>
+          </a:fontRef>
+        </p:style>
+      </p:cxnSp>
+      <p:sp>
+        <p:nvSpPr>
+          <p:cNvPr id="36" name="矩形 35"/>
+          <p:cNvSpPr/>
+          <p:nvPr/>
+        </p:nvSpPr>
+        <p:spPr>
+          <a:xfrm>
+            <a:off x="2234190" y="5651498"/>
+            <a:ext cx="1803400" cy="787400"/>
+          </a:xfrm>
+          <a:prstGeom prst="rect">
+            <a:avLst/>
+          </a:prstGeom>
+          <a:noFill/>
+          <a:ln w="50800">
+            <a:solidFill>
+              <a:schemeClr val="accent6"/>
+            </a:solidFill>
+          </a:ln>
+        </p:spPr>
+        <p:style>
+          <a:lnRef idx="2">
+            <a:schemeClr val="accent1">
+              <a:shade val="50000"/>
+            </a:schemeClr>
+          </a:lnRef>
+          <a:fillRef idx="1">
+            <a:schemeClr val="accent1"/>
+          </a:fillRef>
+          <a:effectRef idx="0">
+            <a:schemeClr val="accent1"/>
+          </a:effectRef>
+          <a:fontRef idx="minor">
+            <a:schemeClr val="lt1"/>
+          </a:fontRef>
+        </p:style>
+        <p:txBody>
+          <a:bodyPr rtlCol="0" anchor="ctr"/>
+          <a:lstStyle/>
+          <a:p>
+            <a:pPr algn="ctr"/>
+            <a:r>
+              <a:rPr kumimoji="1" lang="en-US" altLang="zh-CN" dirty="0" smtClean="0">
+                <a:solidFill>
+                  <a:schemeClr val="tx1"/>
+                </a:solidFill>
+              </a:rPr>
+              <a:t>Not-available chunk</a:t>
+            </a:r>
+            <a:endParaRPr kumimoji="1" lang="zh-CN" altLang="en-US" dirty="0">
+              <a:solidFill>
+                <a:schemeClr val="tx1"/>
+              </a:solidFill>
+            </a:endParaRPr>
+          </a:p>
+        </p:txBody>
+      </p:sp>
+      <p:cxnSp>
+        <p:nvCxnSpPr>
+          <p:cNvPr id="38" name="直线箭头连接符 37"/>
+          <p:cNvCxnSpPr>
+            <a:endCxn id="36" idx="0"/>
+          </p:cNvCxnSpPr>
+          <p:nvPr/>
+        </p:nvCxnSpPr>
+        <p:spPr>
+          <a:xfrm>
+            <a:off x="2852199" y="2108200"/>
+            <a:ext cx="283691" cy="3543298"/>
+          </a:xfrm>
+          <a:prstGeom prst="straightConnector1">
+            <a:avLst/>
+          </a:prstGeom>
+          <a:ln>
+            <a:tailEnd type="triangle"/>
+          </a:ln>
+        </p:spPr>
+        <p:style>
+          <a:lnRef idx="1">
+            <a:schemeClr val="accent1"/>
+          </a:lnRef>
+          <a:fillRef idx="0">
+            <a:schemeClr val="accent1"/>
+          </a:fillRef>
+          <a:effectRef idx="0">
+            <a:schemeClr val="accent1"/>
+          </a:effectRef>
+          <a:fontRef idx="minor">
+            <a:schemeClr val="tx1"/>
+          </a:fontRef>
+        </p:style>
+      </p:cxnSp>
+      <p:sp>
+        <p:nvSpPr>
+          <p:cNvPr id="39" name="文本框 38"/>
+          <p:cNvSpPr txBox="1"/>
+          <p:nvPr/>
+        </p:nvSpPr>
+        <p:spPr>
+          <a:xfrm>
+            <a:off x="4391645" y="2129132"/>
+            <a:ext cx="1095290" cy="923330"/>
+          </a:xfrm>
+          <a:prstGeom prst="rect">
+            <a:avLst/>
+          </a:prstGeom>
+          <a:noFill/>
+        </p:spPr>
+        <p:txBody>
+          <a:bodyPr wrap="square" rtlCol="0">
+            <a:spAutoFit/>
+          </a:bodyPr>
+          <a:lstStyle/>
+          <a:p>
+            <a:r>
+              <a:rPr kumimoji="1" lang="en-US" altLang="zh-CN" dirty="0" smtClean="0"/>
+              <a:t>By wear-leveling policy</a:t>
+            </a:r>
+            <a:endParaRPr kumimoji="1" lang="zh-CN" altLang="en-US" dirty="0"/>
+          </a:p>
+        </p:txBody>
+      </p:sp>
+      <p:sp>
+        <p:nvSpPr>
+          <p:cNvPr id="40" name="文本框 39"/>
+          <p:cNvSpPr txBox="1"/>
+          <p:nvPr/>
+        </p:nvSpPr>
+        <p:spPr>
+          <a:xfrm>
+            <a:off x="4391645" y="4033101"/>
+            <a:ext cx="1095290" cy="923330"/>
+          </a:xfrm>
+          <a:prstGeom prst="rect">
+            <a:avLst/>
+          </a:prstGeom>
+          <a:noFill/>
+        </p:spPr>
+        <p:txBody>
+          <a:bodyPr wrap="square" rtlCol="0">
+            <a:spAutoFit/>
+          </a:bodyPr>
+          <a:lstStyle/>
+          <a:p>
+            <a:r>
+              <a:rPr kumimoji="1" lang="en-US" altLang="zh-CN" dirty="0" smtClean="0"/>
+              <a:t>By wear-leveling policy</a:t>
+            </a:r>
+            <a:endParaRPr kumimoji="1" lang="zh-CN" altLang="en-US" dirty="0"/>
+          </a:p>
+        </p:txBody>
+      </p:sp>
+      <p:sp>
+        <p:nvSpPr>
+          <p:cNvPr id="41" name="文本框 40"/>
+          <p:cNvSpPr txBox="1"/>
+          <p:nvPr/>
+        </p:nvSpPr>
+        <p:spPr>
+          <a:xfrm>
+            <a:off x="1194474" y="3703843"/>
+            <a:ext cx="1841204" cy="1200329"/>
+          </a:xfrm>
+          <a:prstGeom prst="rect">
+            <a:avLst/>
+          </a:prstGeom>
+          <a:noFill/>
+        </p:spPr>
+        <p:txBody>
+          <a:bodyPr wrap="square" rtlCol="0">
+            <a:spAutoFit/>
+          </a:bodyPr>
+          <a:lstStyle/>
+          <a:p>
+            <a:pPr algn="just"/>
+            <a:r>
+              <a:rPr kumimoji="1" lang="en-US" altLang="zh-CN" dirty="0" smtClean="0"/>
+              <a:t>If the number of </a:t>
+            </a:r>
+            <a:r>
+              <a:rPr kumimoji="1" lang="en-US" altLang="zh-CN" dirty="0"/>
+              <a:t>b</a:t>
+            </a:r>
+            <a:r>
+              <a:rPr kumimoji="1" lang="en-US" altLang="zh-CN" dirty="0" smtClean="0"/>
+              <a:t>lock allocation time exceeds the threshold</a:t>
+            </a:r>
+            <a:endParaRPr kumimoji="1" lang="zh-CN" altLang="en-US" dirty="0"/>
+          </a:p>
+        </p:txBody>
+      </p:sp>
+    </p:spTree>
+    <p:extLst>
+      <p:ext uri="{BB962C8B-B14F-4D97-AF65-F5344CB8AC3E}">
+        <p14:creationId xmlns:p14="http://schemas.microsoft.com/office/powerpoint/2010/main" val="917609663"/>
+      </p:ext>
+    </p:extLst>
+  </p:cSld>
+  <p:clrMapOvr>
+    <a:masterClrMapping/>
+  </p:clrMapOvr>
+</p:sld>
+</file>
+
+<file path=ppt/slides/slide6.xml><?xml version="1.0" encoding="utf-8"?>
+<p:sld xmlns:a="http://schemas.openxmlformats.org/drawingml/2006/main" xmlns:r="http://schemas.openxmlformats.org/officeDocument/2006/relationships" xmlns:p="http://schemas.openxmlformats.org/presentationml/2006/main">
+  <p:cSld>
+    <p:spTree>
+      <p:nvGrpSpPr>
+        <p:cNvPr id="1" name=""/>
+        <p:cNvGrpSpPr/>
+        <p:nvPr/>
+      </p:nvGrpSpPr>
+      <p:grpSpPr>
+        <a:xfrm>
+          <a:off x="0" y="0"/>
+          <a:ext cx="0" cy="0"/>
+          <a:chOff x="0" y="0"/>
+          <a:chExt cx="0" cy="0"/>
+        </a:xfrm>
+      </p:grpSpPr>
+      <p:sp>
+        <p:nvSpPr>
+          <p:cNvPr id="5" name="矩形 4"/>
+          <p:cNvSpPr/>
+          <p:nvPr/>
+        </p:nvSpPr>
+        <p:spPr>
+          <a:xfrm>
             <a:off x="3309871" y="3316894"/>
             <a:ext cx="6439436" cy="483340"/>
           </a:xfrm>
@@ -7942,7 +8289,7 @@
 </p:sld>
 </file>
 
-<file path=ppt/slides/slide6.xml><?xml version="1.0" encoding="utf-8"?>
+<file path=ppt/slides/slide7.xml><?xml version="1.0" encoding="utf-8"?>
 <p:sld xmlns:a="http://schemas.openxmlformats.org/drawingml/2006/main" xmlns:r="http://schemas.openxmlformats.org/officeDocument/2006/relationships" xmlns:p="http://schemas.openxmlformats.org/presentationml/2006/main">
   <p:cSld>
     <p:spTree>

--- a/paper/pic.pptx
+++ b/paper/pic.pptx
@@ -249,7 +249,7 @@
           <a:p>
             <a:fld id="{4B98E6F8-0BA7-BE46-9DDF-DD57EB856524}" type="datetimeFigureOut">
               <a:rPr kumimoji="1" lang="zh-CN" altLang="en-US" smtClean="0"/>
-              <a:t>16/5/31</a:t>
+              <a:t>16/6/2</a:t>
             </a:fld>
             <a:endParaRPr kumimoji="1" lang="zh-CN" altLang="en-US"/>
           </a:p>
@@ -419,7 +419,7 @@
           <a:p>
             <a:fld id="{4B98E6F8-0BA7-BE46-9DDF-DD57EB856524}" type="datetimeFigureOut">
               <a:rPr kumimoji="1" lang="zh-CN" altLang="en-US" smtClean="0"/>
-              <a:t>16/5/31</a:t>
+              <a:t>16/6/2</a:t>
             </a:fld>
             <a:endParaRPr kumimoji="1" lang="zh-CN" altLang="en-US"/>
           </a:p>
@@ -599,7 +599,7 @@
           <a:p>
             <a:fld id="{4B98E6F8-0BA7-BE46-9DDF-DD57EB856524}" type="datetimeFigureOut">
               <a:rPr kumimoji="1" lang="zh-CN" altLang="en-US" smtClean="0"/>
-              <a:t>16/5/31</a:t>
+              <a:t>16/6/2</a:t>
             </a:fld>
             <a:endParaRPr kumimoji="1" lang="zh-CN" altLang="en-US"/>
           </a:p>
@@ -769,7 +769,7 @@
           <a:p>
             <a:fld id="{4B98E6F8-0BA7-BE46-9DDF-DD57EB856524}" type="datetimeFigureOut">
               <a:rPr kumimoji="1" lang="zh-CN" altLang="en-US" smtClean="0"/>
-              <a:t>16/5/31</a:t>
+              <a:t>16/6/2</a:t>
             </a:fld>
             <a:endParaRPr kumimoji="1" lang="zh-CN" altLang="en-US"/>
           </a:p>
@@ -1015,7 +1015,7 @@
           <a:p>
             <a:fld id="{4B98E6F8-0BA7-BE46-9DDF-DD57EB856524}" type="datetimeFigureOut">
               <a:rPr kumimoji="1" lang="zh-CN" altLang="en-US" smtClean="0"/>
-              <a:t>16/5/31</a:t>
+              <a:t>16/6/2</a:t>
             </a:fld>
             <a:endParaRPr kumimoji="1" lang="zh-CN" altLang="en-US"/>
           </a:p>
@@ -1247,7 +1247,7 @@
           <a:p>
             <a:fld id="{4B98E6F8-0BA7-BE46-9DDF-DD57EB856524}" type="datetimeFigureOut">
               <a:rPr kumimoji="1" lang="zh-CN" altLang="en-US" smtClean="0"/>
-              <a:t>16/5/31</a:t>
+              <a:t>16/6/2</a:t>
             </a:fld>
             <a:endParaRPr kumimoji="1" lang="zh-CN" altLang="en-US"/>
           </a:p>
@@ -1614,7 +1614,7 @@
           <a:p>
             <a:fld id="{4B98E6F8-0BA7-BE46-9DDF-DD57EB856524}" type="datetimeFigureOut">
               <a:rPr kumimoji="1" lang="zh-CN" altLang="en-US" smtClean="0"/>
-              <a:t>16/5/31</a:t>
+              <a:t>16/6/2</a:t>
             </a:fld>
             <a:endParaRPr kumimoji="1" lang="zh-CN" altLang="en-US"/>
           </a:p>
@@ -1732,7 +1732,7 @@
           <a:p>
             <a:fld id="{4B98E6F8-0BA7-BE46-9DDF-DD57EB856524}" type="datetimeFigureOut">
               <a:rPr kumimoji="1" lang="zh-CN" altLang="en-US" smtClean="0"/>
-              <a:t>16/5/31</a:t>
+              <a:t>16/6/2</a:t>
             </a:fld>
             <a:endParaRPr kumimoji="1" lang="zh-CN" altLang="en-US"/>
           </a:p>
@@ -1827,7 +1827,7 @@
           <a:p>
             <a:fld id="{4B98E6F8-0BA7-BE46-9DDF-DD57EB856524}" type="datetimeFigureOut">
               <a:rPr kumimoji="1" lang="zh-CN" altLang="en-US" smtClean="0"/>
-              <a:t>16/5/31</a:t>
+              <a:t>16/6/2</a:t>
             </a:fld>
             <a:endParaRPr kumimoji="1" lang="zh-CN" altLang="en-US"/>
           </a:p>
@@ -2104,7 +2104,7 @@
           <a:p>
             <a:fld id="{4B98E6F8-0BA7-BE46-9DDF-DD57EB856524}" type="datetimeFigureOut">
               <a:rPr kumimoji="1" lang="zh-CN" altLang="en-US" smtClean="0"/>
-              <a:t>16/5/31</a:t>
+              <a:t>16/6/2</a:t>
             </a:fld>
             <a:endParaRPr kumimoji="1" lang="zh-CN" altLang="en-US"/>
           </a:p>
@@ -2357,7 +2357,7 @@
           <a:p>
             <a:fld id="{4B98E6F8-0BA7-BE46-9DDF-DD57EB856524}" type="datetimeFigureOut">
               <a:rPr kumimoji="1" lang="zh-CN" altLang="en-US" smtClean="0"/>
-              <a:t>16/5/31</a:t>
+              <a:t>16/6/2</a:t>
             </a:fld>
             <a:endParaRPr kumimoji="1" lang="zh-CN" altLang="en-US"/>
           </a:p>
@@ -2570,7 +2570,7 @@
           <a:p>
             <a:fld id="{4B98E6F8-0BA7-BE46-9DDF-DD57EB856524}" type="datetimeFigureOut">
               <a:rPr kumimoji="1" lang="zh-CN" altLang="en-US" smtClean="0"/>
-              <a:t>16/5/31</a:t>
+              <a:t>16/6/2</a:t>
             </a:fld>
             <a:endParaRPr kumimoji="1" lang="zh-CN" altLang="en-US"/>
           </a:p>
@@ -5057,13 +5057,13 @@
       </p:sp>
       <p:sp>
         <p:nvSpPr>
-          <p:cNvPr id="24" name="文本框 23"/>
+          <p:cNvPr id="28" name="文本框 27"/>
           <p:cNvSpPr txBox="1"/>
           <p:nvPr/>
         </p:nvSpPr>
         <p:spPr>
           <a:xfrm>
-            <a:off x="2981960" y="2356346"/>
+            <a:off x="2958891" y="3119873"/>
             <a:ext cx="1805842" cy="369332"/>
           </a:xfrm>
           <a:prstGeom prst="rect">
@@ -5080,169 +5080,7 @@
             <a:pPr algn="ctr"/>
             <a:r>
               <a:rPr kumimoji="1" lang="en-US" altLang="zh-CN" dirty="0" smtClean="0"/>
-              <a:t>owner</a:t>
-            </a:r>
-            <a:endParaRPr kumimoji="1" lang="zh-CN" altLang="en-US" dirty="0"/>
-          </a:p>
-        </p:txBody>
-      </p:sp>
-      <p:sp>
-        <p:nvSpPr>
-          <p:cNvPr id="27" name="文本框 26"/>
-          <p:cNvSpPr txBox="1"/>
-          <p:nvPr/>
-        </p:nvSpPr>
-        <p:spPr>
-          <a:xfrm>
-            <a:off x="2979487" y="2629883"/>
-            <a:ext cx="1836581" cy="369332"/>
-          </a:xfrm>
-          <a:prstGeom prst="rect">
-            <a:avLst/>
-          </a:prstGeom>
-          <a:noFill/>
-        </p:spPr>
-        <p:txBody>
-          <a:bodyPr wrap="square" rtlCol="0">
-            <a:spAutoFit/>
-          </a:bodyPr>
-          <a:lstStyle/>
-          <a:p>
-            <a:pPr algn="ctr"/>
-            <a:r>
-              <a:rPr kumimoji="1" lang="en-US" altLang="zh-CN" dirty="0" smtClean="0"/>
-              <a:t>state</a:t>
-            </a:r>
-            <a:endParaRPr kumimoji="1" lang="zh-CN" altLang="en-US" dirty="0"/>
-          </a:p>
-        </p:txBody>
-      </p:sp>
-      <p:sp>
-        <p:nvSpPr>
-          <p:cNvPr id="28" name="文本框 27"/>
-          <p:cNvSpPr txBox="1"/>
-          <p:nvPr/>
-        </p:nvSpPr>
-        <p:spPr>
-          <a:xfrm>
-            <a:off x="2985880" y="2903420"/>
-            <a:ext cx="1805842" cy="369332"/>
-          </a:xfrm>
-          <a:prstGeom prst="rect">
-            <a:avLst/>
-          </a:prstGeom>
-          <a:noFill/>
-        </p:spPr>
-        <p:txBody>
-          <a:bodyPr wrap="square" rtlCol="0">
-            <a:spAutoFit/>
-          </a:bodyPr>
-          <a:lstStyle/>
-          <a:p>
-            <a:pPr algn="ctr"/>
-            <a:r>
-              <a:rPr kumimoji="1" lang="en-US" altLang="zh-CN" dirty="0"/>
-              <a:t>s</a:t>
-            </a:r>
-            <a:r>
-              <a:rPr kumimoji="1" lang="en-US" altLang="zh-CN" dirty="0" smtClean="0"/>
-              <a:t>ize_class</a:t>
-            </a:r>
-            <a:endParaRPr kumimoji="1" lang="zh-CN" altLang="en-US" dirty="0"/>
-          </a:p>
-        </p:txBody>
-      </p:sp>
-      <p:sp>
-        <p:nvSpPr>
-          <p:cNvPr id="29" name="文本框 28"/>
-          <p:cNvSpPr txBox="1"/>
-          <p:nvPr/>
-        </p:nvSpPr>
-        <p:spPr>
-          <a:xfrm>
-            <a:off x="2985879" y="3176957"/>
-            <a:ext cx="1805842" cy="369332"/>
-          </a:xfrm>
-          <a:prstGeom prst="rect">
-            <a:avLst/>
-          </a:prstGeom>
-          <a:noFill/>
-        </p:spPr>
-        <p:txBody>
-          <a:bodyPr wrap="square" rtlCol="0">
-            <a:spAutoFit/>
-          </a:bodyPr>
-          <a:lstStyle/>
-          <a:p>
-            <a:pPr algn="ctr"/>
-            <a:r>
-              <a:rPr kumimoji="1" lang="en-US" altLang="zh-CN" dirty="0" smtClean="0"/>
-              <a:t>free_start</a:t>
-            </a:r>
-            <a:endParaRPr kumimoji="1" lang="zh-CN" altLang="en-US" dirty="0"/>
-          </a:p>
-        </p:txBody>
-      </p:sp>
-      <p:sp>
-        <p:nvSpPr>
-          <p:cNvPr id="30" name="文本框 29"/>
-          <p:cNvSpPr txBox="1"/>
-          <p:nvPr/>
-        </p:nvSpPr>
-        <p:spPr>
-          <a:xfrm>
-            <a:off x="2983261" y="3462511"/>
-            <a:ext cx="1805842" cy="369332"/>
-          </a:xfrm>
-          <a:prstGeom prst="rect">
-            <a:avLst/>
-          </a:prstGeom>
-          <a:noFill/>
-        </p:spPr>
-        <p:txBody>
-          <a:bodyPr wrap="square" rtlCol="0">
-            <a:spAutoFit/>
-          </a:bodyPr>
-          <a:lstStyle/>
-          <a:p>
-            <a:pPr algn="ctr"/>
-            <a:r>
-              <a:rPr kumimoji="1" lang="en-US" altLang="zh-CN" dirty="0"/>
-              <a:t>f</a:t>
-            </a:r>
-            <a:r>
-              <a:rPr kumimoji="1" lang="en-US" altLang="zh-CN" dirty="0" smtClean="0"/>
-              <a:t>ree_list</a:t>
-            </a:r>
-            <a:endParaRPr kumimoji="1" lang="zh-CN" altLang="en-US" dirty="0"/>
-          </a:p>
-        </p:txBody>
-      </p:sp>
-      <p:sp>
-        <p:nvSpPr>
-          <p:cNvPr id="31" name="文本框 30"/>
-          <p:cNvSpPr txBox="1"/>
-          <p:nvPr/>
-        </p:nvSpPr>
-        <p:spPr>
-          <a:xfrm>
-            <a:off x="3666798" y="3884069"/>
-            <a:ext cx="461665" cy="251031"/>
-          </a:xfrm>
-          <a:prstGeom prst="rect">
-            <a:avLst/>
-          </a:prstGeom>
-          <a:noFill/>
-        </p:spPr>
-        <p:txBody>
-          <a:bodyPr vert="eaVert" wrap="none" rtlCol="0">
-            <a:spAutoFit/>
-          </a:bodyPr>
-          <a:lstStyle/>
-          <a:p>
-            <a:r>
-              <a:rPr kumimoji="1" lang="is-IS" altLang="zh-CN" smtClean="0"/>
-              <a:t>…</a:t>
+              <a:t>metadatas</a:t>
             </a:r>
             <a:endParaRPr kumimoji="1" lang="zh-CN" altLang="en-US" dirty="0"/>
           </a:p>

--- a/paper/pic.pptx
+++ b/paper/pic.pptx
@@ -249,7 +249,7 @@
           <a:p>
             <a:fld id="{4B98E6F8-0BA7-BE46-9DDF-DD57EB856524}" type="datetimeFigureOut">
               <a:rPr kumimoji="1" lang="zh-CN" altLang="en-US" smtClean="0"/>
-              <a:t>16/6/2</a:t>
+              <a:t>16/6/28</a:t>
             </a:fld>
             <a:endParaRPr kumimoji="1" lang="zh-CN" altLang="en-US"/>
           </a:p>
@@ -419,7 +419,7 @@
           <a:p>
             <a:fld id="{4B98E6F8-0BA7-BE46-9DDF-DD57EB856524}" type="datetimeFigureOut">
               <a:rPr kumimoji="1" lang="zh-CN" altLang="en-US" smtClean="0"/>
-              <a:t>16/6/2</a:t>
+              <a:t>16/6/28</a:t>
             </a:fld>
             <a:endParaRPr kumimoji="1" lang="zh-CN" altLang="en-US"/>
           </a:p>
@@ -599,7 +599,7 @@
           <a:p>
             <a:fld id="{4B98E6F8-0BA7-BE46-9DDF-DD57EB856524}" type="datetimeFigureOut">
               <a:rPr kumimoji="1" lang="zh-CN" altLang="en-US" smtClean="0"/>
-              <a:t>16/6/2</a:t>
+              <a:t>16/6/28</a:t>
             </a:fld>
             <a:endParaRPr kumimoji="1" lang="zh-CN" altLang="en-US"/>
           </a:p>
@@ -769,7 +769,7 @@
           <a:p>
             <a:fld id="{4B98E6F8-0BA7-BE46-9DDF-DD57EB856524}" type="datetimeFigureOut">
               <a:rPr kumimoji="1" lang="zh-CN" altLang="en-US" smtClean="0"/>
-              <a:t>16/6/2</a:t>
+              <a:t>16/6/28</a:t>
             </a:fld>
             <a:endParaRPr kumimoji="1" lang="zh-CN" altLang="en-US"/>
           </a:p>
@@ -1015,7 +1015,7 @@
           <a:p>
             <a:fld id="{4B98E6F8-0BA7-BE46-9DDF-DD57EB856524}" type="datetimeFigureOut">
               <a:rPr kumimoji="1" lang="zh-CN" altLang="en-US" smtClean="0"/>
-              <a:t>16/6/2</a:t>
+              <a:t>16/6/28</a:t>
             </a:fld>
             <a:endParaRPr kumimoji="1" lang="zh-CN" altLang="en-US"/>
           </a:p>
@@ -1247,7 +1247,7 @@
           <a:p>
             <a:fld id="{4B98E6F8-0BA7-BE46-9DDF-DD57EB856524}" type="datetimeFigureOut">
               <a:rPr kumimoji="1" lang="zh-CN" altLang="en-US" smtClean="0"/>
-              <a:t>16/6/2</a:t>
+              <a:t>16/6/28</a:t>
             </a:fld>
             <a:endParaRPr kumimoji="1" lang="zh-CN" altLang="en-US"/>
           </a:p>
@@ -1614,7 +1614,7 @@
           <a:p>
             <a:fld id="{4B98E6F8-0BA7-BE46-9DDF-DD57EB856524}" type="datetimeFigureOut">
               <a:rPr kumimoji="1" lang="zh-CN" altLang="en-US" smtClean="0"/>
-              <a:t>16/6/2</a:t>
+              <a:t>16/6/28</a:t>
             </a:fld>
             <a:endParaRPr kumimoji="1" lang="zh-CN" altLang="en-US"/>
           </a:p>
@@ -1732,7 +1732,7 @@
           <a:p>
             <a:fld id="{4B98E6F8-0BA7-BE46-9DDF-DD57EB856524}" type="datetimeFigureOut">
               <a:rPr kumimoji="1" lang="zh-CN" altLang="en-US" smtClean="0"/>
-              <a:t>16/6/2</a:t>
+              <a:t>16/6/28</a:t>
             </a:fld>
             <a:endParaRPr kumimoji="1" lang="zh-CN" altLang="en-US"/>
           </a:p>
@@ -1827,7 +1827,7 @@
           <a:p>
             <a:fld id="{4B98E6F8-0BA7-BE46-9DDF-DD57EB856524}" type="datetimeFigureOut">
               <a:rPr kumimoji="1" lang="zh-CN" altLang="en-US" smtClean="0"/>
-              <a:t>16/6/2</a:t>
+              <a:t>16/6/28</a:t>
             </a:fld>
             <a:endParaRPr kumimoji="1" lang="zh-CN" altLang="en-US"/>
           </a:p>
@@ -2104,7 +2104,7 @@
           <a:p>
             <a:fld id="{4B98E6F8-0BA7-BE46-9DDF-DD57EB856524}" type="datetimeFigureOut">
               <a:rPr kumimoji="1" lang="zh-CN" altLang="en-US" smtClean="0"/>
-              <a:t>16/6/2</a:t>
+              <a:t>16/6/28</a:t>
             </a:fld>
             <a:endParaRPr kumimoji="1" lang="zh-CN" altLang="en-US"/>
           </a:p>
@@ -2357,7 +2357,7 @@
           <a:p>
             <a:fld id="{4B98E6F8-0BA7-BE46-9DDF-DD57EB856524}" type="datetimeFigureOut">
               <a:rPr kumimoji="1" lang="zh-CN" altLang="en-US" smtClean="0"/>
-              <a:t>16/6/2</a:t>
+              <a:t>16/6/28</a:t>
             </a:fld>
             <a:endParaRPr kumimoji="1" lang="zh-CN" altLang="en-US"/>
           </a:p>
@@ -2570,7 +2570,7 @@
           <a:p>
             <a:fld id="{4B98E6F8-0BA7-BE46-9DDF-DD57EB856524}" type="datetimeFigureOut">
               <a:rPr kumimoji="1" lang="zh-CN" altLang="en-US" smtClean="0"/>
-              <a:t>16/6/2</a:t>
+              <a:t>16/6/28</a:t>
             </a:fld>
             <a:endParaRPr kumimoji="1" lang="zh-CN" altLang="en-US"/>
           </a:p>
@@ -5221,10 +5221,22 @@
           <a:lstStyle/>
           <a:p>
             <a:r>
-              <a:rPr kumimoji="1" lang="en-US" altLang="zh-CN" dirty="0" smtClean="0"/>
+              <a:rPr kumimoji="1" lang="en-US" altLang="zh-CN" dirty="0" smtClean="0">
+                <a:solidFill>
+                  <a:schemeClr val="bg1">
+                    <a:lumMod val="95000"/>
+                  </a:schemeClr>
+                </a:solidFill>
+              </a:rPr>
               <a:t>Block</a:t>
             </a:r>
-            <a:endParaRPr kumimoji="1" lang="zh-CN" altLang="en-US" dirty="0"/>
+            <a:endParaRPr kumimoji="1" lang="zh-CN" altLang="en-US" dirty="0">
+              <a:solidFill>
+                <a:schemeClr val="bg1">
+                  <a:lumMod val="95000"/>
+                </a:schemeClr>
+              </a:solidFill>
+            </a:endParaRPr>
           </a:p>
         </p:txBody>
       </p:sp>
@@ -5251,10 +5263,22 @@
           <a:lstStyle/>
           <a:p>
             <a:r>
-              <a:rPr kumimoji="1" lang="en-US" altLang="zh-CN" dirty="0" smtClean="0"/>
+              <a:rPr kumimoji="1" lang="en-US" altLang="zh-CN" dirty="0" smtClean="0">
+                <a:solidFill>
+                  <a:schemeClr val="bg1">
+                    <a:lumMod val="95000"/>
+                  </a:schemeClr>
+                </a:solidFill>
+              </a:rPr>
               <a:t>Block</a:t>
             </a:r>
-            <a:endParaRPr kumimoji="1" lang="zh-CN" altLang="en-US" dirty="0"/>
+            <a:endParaRPr kumimoji="1" lang="zh-CN" altLang="en-US" dirty="0">
+              <a:solidFill>
+                <a:schemeClr val="bg1">
+                  <a:lumMod val="95000"/>
+                </a:schemeClr>
+              </a:solidFill>
+            </a:endParaRPr>
           </a:p>
         </p:txBody>
       </p:sp>
@@ -5281,10 +5305,22 @@
           <a:lstStyle/>
           <a:p>
             <a:r>
-              <a:rPr kumimoji="1" lang="en-US" altLang="zh-CN" dirty="0" smtClean="0"/>
+              <a:rPr kumimoji="1" lang="en-US" altLang="zh-CN" dirty="0" smtClean="0">
+                <a:solidFill>
+                  <a:schemeClr val="bg1">
+                    <a:lumMod val="95000"/>
+                  </a:schemeClr>
+                </a:solidFill>
+              </a:rPr>
               <a:t>Block</a:t>
             </a:r>
-            <a:endParaRPr kumimoji="1" lang="zh-CN" altLang="en-US" dirty="0"/>
+            <a:endParaRPr kumimoji="1" lang="zh-CN" altLang="en-US" dirty="0">
+              <a:solidFill>
+                <a:schemeClr val="bg1">
+                  <a:lumMod val="95000"/>
+                </a:schemeClr>
+              </a:solidFill>
+            </a:endParaRPr>
           </a:p>
         </p:txBody>
       </p:sp>
@@ -5311,10 +5347,22 @@
           <a:lstStyle/>
           <a:p>
             <a:r>
-              <a:rPr kumimoji="1" lang="en-US" altLang="zh-CN" dirty="0" smtClean="0"/>
+              <a:rPr kumimoji="1" lang="en-US" altLang="zh-CN" dirty="0" smtClean="0">
+                <a:solidFill>
+                  <a:schemeClr val="bg1">
+                    <a:lumMod val="95000"/>
+                  </a:schemeClr>
+                </a:solidFill>
+              </a:rPr>
               <a:t>Block</a:t>
             </a:r>
-            <a:endParaRPr kumimoji="1" lang="zh-CN" altLang="en-US" dirty="0"/>
+            <a:endParaRPr kumimoji="1" lang="zh-CN" altLang="en-US" dirty="0">
+              <a:solidFill>
+                <a:schemeClr val="bg1">
+                  <a:lumMod val="95000"/>
+                </a:schemeClr>
+              </a:solidFill>
+            </a:endParaRPr>
           </a:p>
         </p:txBody>
       </p:sp>
@@ -5341,10 +5389,22 @@
           <a:lstStyle/>
           <a:p>
             <a:r>
-              <a:rPr kumimoji="1" lang="en-US" altLang="zh-CN" dirty="0" smtClean="0"/>
+              <a:rPr kumimoji="1" lang="en-US" altLang="zh-CN" dirty="0" smtClean="0">
+                <a:solidFill>
+                  <a:schemeClr val="bg1">
+                    <a:lumMod val="95000"/>
+                  </a:schemeClr>
+                </a:solidFill>
+              </a:rPr>
               <a:t>Block</a:t>
             </a:r>
-            <a:endParaRPr kumimoji="1" lang="zh-CN" altLang="en-US" dirty="0"/>
+            <a:endParaRPr kumimoji="1" lang="zh-CN" altLang="en-US" dirty="0">
+              <a:solidFill>
+                <a:schemeClr val="bg1">
+                  <a:lumMod val="95000"/>
+                </a:schemeClr>
+              </a:solidFill>
+            </a:endParaRPr>
           </a:p>
         </p:txBody>
       </p:sp>

--- a/paper/pic.pptx
+++ b/paper/pic.pptx
@@ -12,6 +12,7 @@
     <p:sldId id="259" r:id="rId6"/>
     <p:sldId id="260" r:id="rId7"/>
     <p:sldId id="261" r:id="rId8"/>
+    <p:sldId id="264" r:id="rId9"/>
   </p:sldIdLst>
   <p:sldSz cx="12192000" cy="6858000"/>
   <p:notesSz cx="6858000" cy="9144000"/>
@@ -249,7 +250,7 @@
           <a:p>
             <a:fld id="{4B98E6F8-0BA7-BE46-9DDF-DD57EB856524}" type="datetimeFigureOut">
               <a:rPr kumimoji="1" lang="zh-CN" altLang="en-US" smtClean="0"/>
-              <a:t>16/6/28</a:t>
+              <a:t>17/1/8</a:t>
             </a:fld>
             <a:endParaRPr kumimoji="1" lang="zh-CN" altLang="en-US"/>
           </a:p>
@@ -419,7 +420,7 @@
           <a:p>
             <a:fld id="{4B98E6F8-0BA7-BE46-9DDF-DD57EB856524}" type="datetimeFigureOut">
               <a:rPr kumimoji="1" lang="zh-CN" altLang="en-US" smtClean="0"/>
-              <a:t>16/6/28</a:t>
+              <a:t>17/1/8</a:t>
             </a:fld>
             <a:endParaRPr kumimoji="1" lang="zh-CN" altLang="en-US"/>
           </a:p>
@@ -599,7 +600,7 @@
           <a:p>
             <a:fld id="{4B98E6F8-0BA7-BE46-9DDF-DD57EB856524}" type="datetimeFigureOut">
               <a:rPr kumimoji="1" lang="zh-CN" altLang="en-US" smtClean="0"/>
-              <a:t>16/6/28</a:t>
+              <a:t>17/1/8</a:t>
             </a:fld>
             <a:endParaRPr kumimoji="1" lang="zh-CN" altLang="en-US"/>
           </a:p>
@@ -769,7 +770,7 @@
           <a:p>
             <a:fld id="{4B98E6F8-0BA7-BE46-9DDF-DD57EB856524}" type="datetimeFigureOut">
               <a:rPr kumimoji="1" lang="zh-CN" altLang="en-US" smtClean="0"/>
-              <a:t>16/6/28</a:t>
+              <a:t>17/1/8</a:t>
             </a:fld>
             <a:endParaRPr kumimoji="1" lang="zh-CN" altLang="en-US"/>
           </a:p>
@@ -1015,7 +1016,7 @@
           <a:p>
             <a:fld id="{4B98E6F8-0BA7-BE46-9DDF-DD57EB856524}" type="datetimeFigureOut">
               <a:rPr kumimoji="1" lang="zh-CN" altLang="en-US" smtClean="0"/>
-              <a:t>16/6/28</a:t>
+              <a:t>17/1/8</a:t>
             </a:fld>
             <a:endParaRPr kumimoji="1" lang="zh-CN" altLang="en-US"/>
           </a:p>
@@ -1247,7 +1248,7 @@
           <a:p>
             <a:fld id="{4B98E6F8-0BA7-BE46-9DDF-DD57EB856524}" type="datetimeFigureOut">
               <a:rPr kumimoji="1" lang="zh-CN" altLang="en-US" smtClean="0"/>
-              <a:t>16/6/28</a:t>
+              <a:t>17/1/8</a:t>
             </a:fld>
             <a:endParaRPr kumimoji="1" lang="zh-CN" altLang="en-US"/>
           </a:p>
@@ -1614,7 +1615,7 @@
           <a:p>
             <a:fld id="{4B98E6F8-0BA7-BE46-9DDF-DD57EB856524}" type="datetimeFigureOut">
               <a:rPr kumimoji="1" lang="zh-CN" altLang="en-US" smtClean="0"/>
-              <a:t>16/6/28</a:t>
+              <a:t>17/1/8</a:t>
             </a:fld>
             <a:endParaRPr kumimoji="1" lang="zh-CN" altLang="en-US"/>
           </a:p>
@@ -1732,7 +1733,7 @@
           <a:p>
             <a:fld id="{4B98E6F8-0BA7-BE46-9DDF-DD57EB856524}" type="datetimeFigureOut">
               <a:rPr kumimoji="1" lang="zh-CN" altLang="en-US" smtClean="0"/>
-              <a:t>16/6/28</a:t>
+              <a:t>17/1/8</a:t>
             </a:fld>
             <a:endParaRPr kumimoji="1" lang="zh-CN" altLang="en-US"/>
           </a:p>
@@ -1827,7 +1828,7 @@
           <a:p>
             <a:fld id="{4B98E6F8-0BA7-BE46-9DDF-DD57EB856524}" type="datetimeFigureOut">
               <a:rPr kumimoji="1" lang="zh-CN" altLang="en-US" smtClean="0"/>
-              <a:t>16/6/28</a:t>
+              <a:t>17/1/8</a:t>
             </a:fld>
             <a:endParaRPr kumimoji="1" lang="zh-CN" altLang="en-US"/>
           </a:p>
@@ -2104,7 +2105,7 @@
           <a:p>
             <a:fld id="{4B98E6F8-0BA7-BE46-9DDF-DD57EB856524}" type="datetimeFigureOut">
               <a:rPr kumimoji="1" lang="zh-CN" altLang="en-US" smtClean="0"/>
-              <a:t>16/6/28</a:t>
+              <a:t>17/1/8</a:t>
             </a:fld>
             <a:endParaRPr kumimoji="1" lang="zh-CN" altLang="en-US"/>
           </a:p>
@@ -2357,7 +2358,7 @@
           <a:p>
             <a:fld id="{4B98E6F8-0BA7-BE46-9DDF-DD57EB856524}" type="datetimeFigureOut">
               <a:rPr kumimoji="1" lang="zh-CN" altLang="en-US" smtClean="0"/>
-              <a:t>16/6/28</a:t>
+              <a:t>17/1/8</a:t>
             </a:fld>
             <a:endParaRPr kumimoji="1" lang="zh-CN" altLang="en-US"/>
           </a:p>
@@ -2570,7 +2571,7 @@
           <a:p>
             <a:fld id="{4B98E6F8-0BA7-BE46-9DDF-DD57EB856524}" type="datetimeFigureOut">
               <a:rPr kumimoji="1" lang="zh-CN" altLang="en-US" smtClean="0"/>
-              <a:t>16/6/28</a:t>
+              <a:t>17/1/8</a:t>
             </a:fld>
             <a:endParaRPr kumimoji="1" lang="zh-CN" altLang="en-US"/>
           </a:p>
@@ -8900,6 +8901,561 @@
 </p:sld>
 </file>
 
+<file path=ppt/slides/slide8.xml><?xml version="1.0" encoding="utf-8"?>
+<p:sld xmlns:a="http://schemas.openxmlformats.org/drawingml/2006/main" xmlns:r="http://schemas.openxmlformats.org/officeDocument/2006/relationships" xmlns:p="http://schemas.openxmlformats.org/presentationml/2006/main">
+  <p:cSld>
+    <p:spTree>
+      <p:nvGrpSpPr>
+        <p:cNvPr id="1" name=""/>
+        <p:cNvGrpSpPr/>
+        <p:nvPr/>
+      </p:nvGrpSpPr>
+      <p:grpSpPr>
+        <a:xfrm>
+          <a:off x="0" y="0"/>
+          <a:ext cx="0" cy="0"/>
+          <a:chOff x="0" y="0"/>
+          <a:chExt cx="0" cy="0"/>
+        </a:xfrm>
+      </p:grpSpPr>
+      <p:sp>
+        <p:nvSpPr>
+          <p:cNvPr id="6" name="矩形 5"/>
+          <p:cNvSpPr/>
+          <p:nvPr/>
+        </p:nvSpPr>
+        <p:spPr>
+          <a:xfrm>
+            <a:off x="2578942" y="409075"/>
+            <a:ext cx="6793657" cy="2956426"/>
+          </a:xfrm>
+          <a:prstGeom prst="rect">
+            <a:avLst/>
+          </a:prstGeom>
+          <a:noFill/>
+          <a:ln w="41275" cap="sq" cmpd="sng">
+            <a:solidFill>
+              <a:schemeClr val="tx2">
+                <a:lumMod val="50000"/>
+              </a:schemeClr>
+            </a:solidFill>
+            <a:miter lim="800000"/>
+          </a:ln>
+        </p:spPr>
+        <p:style>
+          <a:lnRef idx="2">
+            <a:schemeClr val="accent6"/>
+          </a:lnRef>
+          <a:fillRef idx="1001">
+            <a:schemeClr val="lt1"/>
+          </a:fillRef>
+          <a:effectRef idx="0">
+            <a:schemeClr val="accent6"/>
+          </a:effectRef>
+          <a:fontRef idx="minor">
+            <a:schemeClr val="dk1"/>
+          </a:fontRef>
+        </p:style>
+        <p:txBody>
+          <a:bodyPr rtlCol="0" anchor="ctr"/>
+          <a:lstStyle/>
+          <a:p>
+            <a:pPr algn="ctr"/>
+            <a:endParaRPr kumimoji="1" lang="zh-CN" altLang="en-US"/>
+          </a:p>
+        </p:txBody>
+      </p:sp>
+      <p:sp>
+        <p:nvSpPr>
+          <p:cNvPr id="31" name="椭圆 30"/>
+          <p:cNvSpPr/>
+          <p:nvPr/>
+        </p:nvSpPr>
+        <p:spPr>
+          <a:xfrm>
+            <a:off x="4791578" y="930902"/>
+            <a:ext cx="1437776" cy="757990"/>
+          </a:xfrm>
+          <a:prstGeom prst="ellipse">
+            <a:avLst/>
+          </a:prstGeom>
+        </p:spPr>
+        <p:style>
+          <a:lnRef idx="2">
+            <a:schemeClr val="accent1">
+              <a:shade val="50000"/>
+            </a:schemeClr>
+          </a:lnRef>
+          <a:fillRef idx="1">
+            <a:schemeClr val="accent1"/>
+          </a:fillRef>
+          <a:effectRef idx="0">
+            <a:schemeClr val="accent1"/>
+          </a:effectRef>
+          <a:fontRef idx="minor">
+            <a:schemeClr val="lt1"/>
+          </a:fontRef>
+        </p:style>
+        <p:txBody>
+          <a:bodyPr rtlCol="0" anchor="ctr"/>
+          <a:lstStyle/>
+          <a:p>
+            <a:pPr algn="ctr"/>
+            <a:r>
+              <a:rPr kumimoji="1" lang="en-US" altLang="zh-CN" dirty="0" smtClean="0"/>
+              <a:t>Thread 2</a:t>
+            </a:r>
+            <a:endParaRPr kumimoji="1" lang="zh-CN" altLang="en-US" dirty="0"/>
+          </a:p>
+        </p:txBody>
+      </p:sp>
+      <p:sp>
+        <p:nvSpPr>
+          <p:cNvPr id="32" name="圆角矩形 31"/>
+          <p:cNvSpPr/>
+          <p:nvPr/>
+        </p:nvSpPr>
+        <p:spPr>
+          <a:xfrm>
+            <a:off x="2857500" y="2273244"/>
+            <a:ext cx="6322594" cy="792124"/>
+          </a:xfrm>
+          <a:prstGeom prst="roundRect">
+            <a:avLst/>
+          </a:prstGeom>
+          <a:noFill/>
+        </p:spPr>
+        <p:style>
+          <a:lnRef idx="2">
+            <a:schemeClr val="accent1">
+              <a:shade val="50000"/>
+            </a:schemeClr>
+          </a:lnRef>
+          <a:fillRef idx="1">
+            <a:schemeClr val="accent1"/>
+          </a:fillRef>
+          <a:effectRef idx="0">
+            <a:schemeClr val="accent1"/>
+          </a:effectRef>
+          <a:fontRef idx="minor">
+            <a:schemeClr val="lt1"/>
+          </a:fontRef>
+        </p:style>
+        <p:txBody>
+          <a:bodyPr rtlCol="0" anchor="ctr"/>
+          <a:lstStyle/>
+          <a:p>
+            <a:pPr algn="ctr"/>
+            <a:endParaRPr kumimoji="1" lang="zh-CN" altLang="en-US"/>
+          </a:p>
+        </p:txBody>
+      </p:sp>
+      <p:sp>
+        <p:nvSpPr>
+          <p:cNvPr id="33" name="椭圆 32"/>
+          <p:cNvSpPr/>
+          <p:nvPr/>
+        </p:nvSpPr>
+        <p:spPr>
+          <a:xfrm>
+            <a:off x="3022932" y="930902"/>
+            <a:ext cx="1437776" cy="757990"/>
+          </a:xfrm>
+          <a:prstGeom prst="ellipse">
+            <a:avLst/>
+          </a:prstGeom>
+        </p:spPr>
+        <p:style>
+          <a:lnRef idx="2">
+            <a:schemeClr val="accent1">
+              <a:shade val="50000"/>
+            </a:schemeClr>
+          </a:lnRef>
+          <a:fillRef idx="1">
+            <a:schemeClr val="accent1"/>
+          </a:fillRef>
+          <a:effectRef idx="0">
+            <a:schemeClr val="accent1"/>
+          </a:effectRef>
+          <a:fontRef idx="minor">
+            <a:schemeClr val="lt1"/>
+          </a:fontRef>
+        </p:style>
+        <p:txBody>
+          <a:bodyPr rtlCol="0" anchor="ctr"/>
+          <a:lstStyle/>
+          <a:p>
+            <a:pPr algn="ctr"/>
+            <a:r>
+              <a:rPr kumimoji="1" lang="en-US" altLang="zh-CN" dirty="0" smtClean="0"/>
+              <a:t>Thread 1</a:t>
+            </a:r>
+            <a:endParaRPr kumimoji="1" lang="zh-CN" altLang="en-US" dirty="0"/>
+          </a:p>
+        </p:txBody>
+      </p:sp>
+      <p:sp>
+        <p:nvSpPr>
+          <p:cNvPr id="34" name="椭圆 33"/>
+          <p:cNvSpPr/>
+          <p:nvPr/>
+        </p:nvSpPr>
+        <p:spPr>
+          <a:xfrm>
+            <a:off x="7478132" y="930902"/>
+            <a:ext cx="1437776" cy="757990"/>
+          </a:xfrm>
+          <a:prstGeom prst="ellipse">
+            <a:avLst/>
+          </a:prstGeom>
+        </p:spPr>
+        <p:style>
+          <a:lnRef idx="2">
+            <a:schemeClr val="accent1">
+              <a:shade val="50000"/>
+            </a:schemeClr>
+          </a:lnRef>
+          <a:fillRef idx="1">
+            <a:schemeClr val="accent1"/>
+          </a:fillRef>
+          <a:effectRef idx="0">
+            <a:schemeClr val="accent1"/>
+          </a:effectRef>
+          <a:fontRef idx="minor">
+            <a:schemeClr val="lt1"/>
+          </a:fontRef>
+        </p:style>
+        <p:txBody>
+          <a:bodyPr rtlCol="0" anchor="ctr"/>
+          <a:lstStyle/>
+          <a:p>
+            <a:pPr algn="ctr"/>
+            <a:r>
+              <a:rPr kumimoji="1" lang="en-US" altLang="zh-CN" smtClean="0"/>
+              <a:t>Thread n</a:t>
+            </a:r>
+            <a:endParaRPr kumimoji="1" lang="zh-CN" altLang="en-US" dirty="0"/>
+          </a:p>
+        </p:txBody>
+      </p:sp>
+      <p:sp>
+        <p:nvSpPr>
+          <p:cNvPr id="35" name="文本框 34"/>
+          <p:cNvSpPr txBox="1"/>
+          <p:nvPr/>
+        </p:nvSpPr>
+        <p:spPr>
+          <a:xfrm>
+            <a:off x="6652722" y="1073999"/>
+            <a:ext cx="469971" cy="372979"/>
+          </a:xfrm>
+          <a:prstGeom prst="rect">
+            <a:avLst/>
+          </a:prstGeom>
+          <a:noFill/>
+        </p:spPr>
+        <p:txBody>
+          <a:bodyPr wrap="square" rtlCol="0">
+            <a:spAutoFit/>
+          </a:bodyPr>
+          <a:lstStyle/>
+          <a:p>
+            <a:r>
+              <a:rPr kumimoji="1" lang="is-IS" altLang="zh-CN" dirty="0" smtClean="0"/>
+              <a:t>. . .</a:t>
+            </a:r>
+            <a:endParaRPr kumimoji="1" lang="zh-CN" altLang="en-US" dirty="0"/>
+          </a:p>
+        </p:txBody>
+      </p:sp>
+      <p:cxnSp>
+        <p:nvCxnSpPr>
+          <p:cNvPr id="37" name="直线箭头连接符 36"/>
+          <p:cNvCxnSpPr/>
+          <p:nvPr/>
+        </p:nvCxnSpPr>
+        <p:spPr>
+          <a:xfrm>
+            <a:off x="3465095" y="1655812"/>
+            <a:ext cx="0" cy="617431"/>
+          </a:xfrm>
+          <a:prstGeom prst="straightConnector1">
+            <a:avLst/>
+          </a:prstGeom>
+          <a:ln>
+            <a:tailEnd type="triangle"/>
+          </a:ln>
+        </p:spPr>
+        <p:style>
+          <a:lnRef idx="1">
+            <a:schemeClr val="accent1"/>
+          </a:lnRef>
+          <a:fillRef idx="0">
+            <a:schemeClr val="accent1"/>
+          </a:fillRef>
+          <a:effectRef idx="0">
+            <a:schemeClr val="accent1"/>
+          </a:effectRef>
+          <a:fontRef idx="minor">
+            <a:schemeClr val="tx1"/>
+          </a:fontRef>
+        </p:style>
+      </p:cxnSp>
+      <p:cxnSp>
+        <p:nvCxnSpPr>
+          <p:cNvPr id="39" name="直线箭头连接符 38"/>
+          <p:cNvCxnSpPr>
+            <a:endCxn id="33" idx="4"/>
+          </p:cNvCxnSpPr>
+          <p:nvPr/>
+        </p:nvCxnSpPr>
+        <p:spPr>
+          <a:xfrm flipV="1">
+            <a:off x="3741820" y="1688892"/>
+            <a:ext cx="0" cy="559448"/>
+          </a:xfrm>
+          <a:prstGeom prst="straightConnector1">
+            <a:avLst/>
+          </a:prstGeom>
+          <a:ln>
+            <a:tailEnd type="triangle"/>
+          </a:ln>
+        </p:spPr>
+        <p:style>
+          <a:lnRef idx="1">
+            <a:schemeClr val="accent1"/>
+          </a:lnRef>
+          <a:fillRef idx="0">
+            <a:schemeClr val="accent1"/>
+          </a:fillRef>
+          <a:effectRef idx="0">
+            <a:schemeClr val="accent1"/>
+          </a:effectRef>
+          <a:fontRef idx="minor">
+            <a:schemeClr val="tx1"/>
+          </a:fontRef>
+        </p:style>
+      </p:cxnSp>
+      <p:sp>
+        <p:nvSpPr>
+          <p:cNvPr id="40" name="文本框 39"/>
+          <p:cNvSpPr txBox="1"/>
+          <p:nvPr/>
+        </p:nvSpPr>
+        <p:spPr>
+          <a:xfrm>
+            <a:off x="3907261" y="1792046"/>
+            <a:ext cx="1273297" cy="369332"/>
+          </a:xfrm>
+          <a:prstGeom prst="rect">
+            <a:avLst/>
+          </a:prstGeom>
+          <a:noFill/>
+        </p:spPr>
+        <p:txBody>
+          <a:bodyPr wrap="none" rtlCol="0">
+            <a:spAutoFit/>
+          </a:bodyPr>
+          <a:lstStyle/>
+          <a:p>
+            <a:r>
+              <a:rPr kumimoji="1" lang="en-US" altLang="zh-CN" dirty="0" smtClean="0"/>
+              <a:t>malloc/free</a:t>
+            </a:r>
+            <a:endParaRPr kumimoji="1" lang="zh-CN" altLang="en-US" dirty="0"/>
+          </a:p>
+        </p:txBody>
+      </p:sp>
+      <p:sp>
+        <p:nvSpPr>
+          <p:cNvPr id="42" name="文本框 41"/>
+          <p:cNvSpPr txBox="1"/>
+          <p:nvPr/>
+        </p:nvSpPr>
+        <p:spPr>
+          <a:xfrm>
+            <a:off x="8282604" y="420720"/>
+            <a:ext cx="897490" cy="369332"/>
+          </a:xfrm>
+          <a:prstGeom prst="rect">
+            <a:avLst/>
+          </a:prstGeom>
+          <a:noFill/>
+        </p:spPr>
+        <p:txBody>
+          <a:bodyPr wrap="none" rtlCol="0">
+            <a:spAutoFit/>
+          </a:bodyPr>
+          <a:lstStyle/>
+          <a:p>
+            <a:r>
+              <a:rPr kumimoji="1" lang="en-US" altLang="zh-CN" smtClean="0"/>
+              <a:t>process</a:t>
+            </a:r>
+            <a:endParaRPr kumimoji="1" lang="zh-CN" altLang="en-US" dirty="0"/>
+          </a:p>
+        </p:txBody>
+      </p:sp>
+      <p:sp>
+        <p:nvSpPr>
+          <p:cNvPr id="43" name="矩形 42"/>
+          <p:cNvSpPr/>
+          <p:nvPr/>
+        </p:nvSpPr>
+        <p:spPr>
+          <a:xfrm>
+            <a:off x="2578942" y="4028103"/>
+            <a:ext cx="6793657" cy="529981"/>
+          </a:xfrm>
+          <a:prstGeom prst="rect">
+            <a:avLst/>
+          </a:prstGeom>
+        </p:spPr>
+        <p:style>
+          <a:lnRef idx="2">
+            <a:schemeClr val="accent1">
+              <a:shade val="50000"/>
+            </a:schemeClr>
+          </a:lnRef>
+          <a:fillRef idx="1">
+            <a:schemeClr val="accent1"/>
+          </a:fillRef>
+          <a:effectRef idx="0">
+            <a:schemeClr val="accent1"/>
+          </a:effectRef>
+          <a:fontRef idx="minor">
+            <a:schemeClr val="lt1"/>
+          </a:fontRef>
+        </p:style>
+        <p:txBody>
+          <a:bodyPr rtlCol="0" anchor="ctr"/>
+          <a:lstStyle/>
+          <a:p>
+            <a:pPr algn="ctr"/>
+            <a:r>
+              <a:rPr kumimoji="1" lang="en-US" altLang="zh-CN" smtClean="0"/>
+              <a:t>Operating System</a:t>
+            </a:r>
+            <a:endParaRPr kumimoji="1" lang="zh-CN" altLang="en-US" dirty="0"/>
+          </a:p>
+        </p:txBody>
+      </p:sp>
+      <p:cxnSp>
+        <p:nvCxnSpPr>
+          <p:cNvPr id="45" name="直线箭头连接符 44"/>
+          <p:cNvCxnSpPr/>
+          <p:nvPr/>
+        </p:nvCxnSpPr>
+        <p:spPr>
+          <a:xfrm flipV="1">
+            <a:off x="3513221" y="3080666"/>
+            <a:ext cx="0" cy="947437"/>
+          </a:xfrm>
+          <a:prstGeom prst="straightConnector1">
+            <a:avLst/>
+          </a:prstGeom>
+          <a:ln>
+            <a:tailEnd type="triangle"/>
+          </a:ln>
+        </p:spPr>
+        <p:style>
+          <a:lnRef idx="1">
+            <a:schemeClr val="accent1"/>
+          </a:lnRef>
+          <a:fillRef idx="0">
+            <a:schemeClr val="accent1"/>
+          </a:fillRef>
+          <a:effectRef idx="0">
+            <a:schemeClr val="accent1"/>
+          </a:effectRef>
+          <a:fontRef idx="minor">
+            <a:schemeClr val="tx1"/>
+          </a:fontRef>
+        </p:style>
+      </p:cxnSp>
+      <p:cxnSp>
+        <p:nvCxnSpPr>
+          <p:cNvPr id="47" name="直线箭头连接符 46"/>
+          <p:cNvCxnSpPr/>
+          <p:nvPr/>
+        </p:nvCxnSpPr>
+        <p:spPr>
+          <a:xfrm>
+            <a:off x="3741820" y="3080666"/>
+            <a:ext cx="12032" cy="947437"/>
+          </a:xfrm>
+          <a:prstGeom prst="straightConnector1">
+            <a:avLst/>
+          </a:prstGeom>
+          <a:ln>
+            <a:tailEnd type="triangle"/>
+          </a:ln>
+        </p:spPr>
+        <p:style>
+          <a:lnRef idx="1">
+            <a:schemeClr val="accent1"/>
+          </a:lnRef>
+          <a:fillRef idx="0">
+            <a:schemeClr val="accent1"/>
+          </a:fillRef>
+          <a:effectRef idx="0">
+            <a:schemeClr val="accent1"/>
+          </a:effectRef>
+          <a:fontRef idx="minor">
+            <a:schemeClr val="tx1"/>
+          </a:fontRef>
+        </p:style>
+      </p:cxnSp>
+      <p:sp>
+        <p:nvSpPr>
+          <p:cNvPr id="2" name="文本框 1"/>
+          <p:cNvSpPr txBox="1"/>
+          <p:nvPr/>
+        </p:nvSpPr>
+        <p:spPr>
+          <a:xfrm>
+            <a:off x="5004114" y="2484640"/>
+            <a:ext cx="1883593" cy="369332"/>
+          </a:xfrm>
+          <a:prstGeom prst="rect">
+            <a:avLst/>
+          </a:prstGeom>
+          <a:noFill/>
+        </p:spPr>
+        <p:txBody>
+          <a:bodyPr wrap="none" rtlCol="0">
+            <a:spAutoFit/>
+          </a:bodyPr>
+          <a:lstStyle/>
+          <a:p>
+            <a:r>
+              <a:rPr kumimoji="1" lang="en-US" altLang="zh-CN" dirty="0" smtClean="0"/>
+              <a:t>Memory Allocator</a:t>
+            </a:r>
+            <a:endParaRPr kumimoji="1" lang="zh-CN" altLang="en-US" dirty="0"/>
+          </a:p>
+        </p:txBody>
+      </p:sp>
+    </p:spTree>
+    <p:extLst>
+      <p:ext uri="{BB962C8B-B14F-4D97-AF65-F5344CB8AC3E}">
+        <p14:creationId xmlns:p14="http://schemas.microsoft.com/office/powerpoint/2010/main" val="1975960378"/>
+      </p:ext>
+    </p:extLst>
+  </p:cSld>
+  <p:clrMapOvr>
+    <a:masterClrMapping/>
+  </p:clrMapOvr>
+  <p:timing>
+    <p:tnLst>
+      <p:par>
+        <p:cTn id="1" dur="indefinite" restart="never" nodeType="tmRoot"/>
+      </p:par>
+    </p:tnLst>
+  </p:timing>
+</p:sld>
+</file>
+
 <file path=ppt/theme/theme1.xml><?xml version="1.0" encoding="utf-8"?>
 <a:theme xmlns:a="http://schemas.openxmlformats.org/drawingml/2006/main" name="Office 主题">
   <a:themeElements>
